--- a/GO.pptx
+++ b/GO.pptx
@@ -1,11 +1,16 @@
 
 <file path=ppt/presentation.xml><?xml version="1.0" encoding="utf-8"?>
-<p:presentation xmlns:a="http://schemas.openxmlformats.org/drawingml/2006/main" xmlns:r="http://schemas.openxmlformats.org/officeDocument/2006/relationships" xmlns:p="http://schemas.openxmlformats.org/presentationml/2006/main" saveSubsetFonts="1" autoCompressPictures="0">
+<p:presentation xmlns:a="http://schemas.openxmlformats.org/drawingml/2006/main" xmlns:r="http://schemas.openxmlformats.org/officeDocument/2006/relationships" xmlns:p="http://schemas.openxmlformats.org/presentationml/2006/main" showSpecialPlsOnTitleSld="0" saveSubsetFonts="1" autoCompressPictures="0">
   <p:sldMasterIdLst>
     <p:sldMasterId id="2147483648" r:id="rId1"/>
   </p:sldMasterIdLst>
+  <p:notesMasterIdLst>
+    <p:notesMasterId r:id="rId5"/>
+  </p:notesMasterIdLst>
   <p:sldIdLst>
     <p:sldId id="256" r:id="rId2"/>
+    <p:sldId id="257" r:id="rId3"/>
+    <p:sldId id="258" r:id="rId4"/>
   </p:sldIdLst>
   <p:sldSz cx="12192000" cy="6858000"/>
   <p:notesSz cx="6858000" cy="9144000"/>
@@ -104,7 +109,361 @@
       </a:defRPr>
     </a:lvl9pPr>
   </p:defaultTextStyle>
+  <p:extLst>
+    <p:ext uri="{EFAFB233-063F-42B5-8137-9DF3F51BA10A}">
+      <p15:sldGuideLst xmlns:p15="http://schemas.microsoft.com/office/powerpoint/2012/main"/>
+    </p:ext>
+  </p:extLst>
 </p:presentation>
+</file>
+
+<file path=ppt/notesMasters/notesMaster1.xml><?xml version="1.0" encoding="utf-8"?>
+<p:notesMaster xmlns:a="http://schemas.openxmlformats.org/drawingml/2006/main" xmlns:r="http://schemas.openxmlformats.org/officeDocument/2006/relationships" xmlns:p="http://schemas.openxmlformats.org/presentationml/2006/main">
+  <p:cSld>
+    <p:bg>
+      <p:bgRef idx="1001">
+        <a:schemeClr val="bg1"/>
+      </p:bgRef>
+    </p:bg>
+    <p:spTree>
+      <p:nvGrpSpPr>
+        <p:cNvPr id="1" name=""/>
+        <p:cNvGrpSpPr/>
+        <p:nvPr/>
+      </p:nvGrpSpPr>
+      <p:grpSpPr>
+        <a:xfrm>
+          <a:off x="0" y="0"/>
+          <a:ext cx="0" cy="0"/>
+          <a:chOff x="0" y="0"/>
+          <a:chExt cx="0" cy="0"/>
+        </a:xfrm>
+      </p:grpSpPr>
+      <p:sp>
+        <p:nvSpPr>
+          <p:cNvPr id="2" name="Üst Bilgi Yer Tutucusu 1"/>
+          <p:cNvSpPr>
+            <a:spLocks noGrp="1"/>
+          </p:cNvSpPr>
+          <p:nvPr>
+            <p:ph type="hdr" sz="quarter"/>
+          </p:nvPr>
+        </p:nvSpPr>
+        <p:spPr>
+          <a:xfrm>
+            <a:off x="0" y="0"/>
+            <a:ext cx="2971800" cy="458788"/>
+          </a:xfrm>
+          <a:prstGeom prst="rect">
+            <a:avLst/>
+          </a:prstGeom>
+        </p:spPr>
+        <p:txBody>
+          <a:bodyPr vert="horz" lIns="91440" tIns="45720" rIns="91440" bIns="45720" rtlCol="0"/>
+          <a:lstStyle>
+            <a:lvl1pPr algn="l">
+              <a:defRPr sz="1200"/>
+            </a:lvl1pPr>
+          </a:lstStyle>
+          <a:p>
+            <a:endParaRPr lang="tr-TR"/>
+          </a:p>
+        </p:txBody>
+      </p:sp>
+      <p:sp>
+        <p:nvSpPr>
+          <p:cNvPr id="3" name="Veri Yer Tutucusu 2"/>
+          <p:cNvSpPr>
+            <a:spLocks noGrp="1"/>
+          </p:cNvSpPr>
+          <p:nvPr>
+            <p:ph type="dt" idx="1"/>
+          </p:nvPr>
+        </p:nvSpPr>
+        <p:spPr>
+          <a:xfrm>
+            <a:off x="3884613" y="0"/>
+            <a:ext cx="2971800" cy="458788"/>
+          </a:xfrm>
+          <a:prstGeom prst="rect">
+            <a:avLst/>
+          </a:prstGeom>
+        </p:spPr>
+        <p:txBody>
+          <a:bodyPr vert="horz" lIns="91440" tIns="45720" rIns="91440" bIns="45720" rtlCol="0"/>
+          <a:lstStyle>
+            <a:lvl1pPr algn="r">
+              <a:defRPr sz="1200"/>
+            </a:lvl1pPr>
+          </a:lstStyle>
+          <a:p>
+            <a:fld id="{C5BC088C-EE55-154C-9AC8-BC5C920DF30B}" type="datetimeFigureOut">
+              <a:rPr lang="tr-TR" smtClean="0"/>
+              <a:t>14.03.2023</a:t>
+            </a:fld>
+            <a:endParaRPr lang="tr-TR"/>
+          </a:p>
+        </p:txBody>
+      </p:sp>
+      <p:sp>
+        <p:nvSpPr>
+          <p:cNvPr id="4" name="Slayt Resmi Yer Tutucusu 3"/>
+          <p:cNvSpPr>
+            <a:spLocks noGrp="1" noRot="1" noChangeAspect="1"/>
+          </p:cNvSpPr>
+          <p:nvPr>
+            <p:ph type="sldImg" idx="2"/>
+          </p:nvPr>
+        </p:nvSpPr>
+        <p:spPr>
+          <a:xfrm>
+            <a:off x="685800" y="1143000"/>
+            <a:ext cx="5486400" cy="3086100"/>
+          </a:xfrm>
+          <a:prstGeom prst="rect">
+            <a:avLst/>
+          </a:prstGeom>
+          <a:noFill/>
+          <a:ln w="12700">
+            <a:solidFill>
+              <a:prstClr val="black"/>
+            </a:solidFill>
+          </a:ln>
+        </p:spPr>
+        <p:txBody>
+          <a:bodyPr vert="horz" lIns="91440" tIns="45720" rIns="91440" bIns="45720" rtlCol="0" anchor="ctr"/>
+          <a:lstStyle/>
+          <a:p>
+            <a:endParaRPr lang="tr-TR"/>
+          </a:p>
+        </p:txBody>
+      </p:sp>
+      <p:sp>
+        <p:nvSpPr>
+          <p:cNvPr id="5" name="Not Yer Tutucusu 4"/>
+          <p:cNvSpPr>
+            <a:spLocks noGrp="1"/>
+          </p:cNvSpPr>
+          <p:nvPr>
+            <p:ph type="body" sz="quarter" idx="3"/>
+          </p:nvPr>
+        </p:nvSpPr>
+        <p:spPr>
+          <a:xfrm>
+            <a:off x="685800" y="4400550"/>
+            <a:ext cx="5486400" cy="3600450"/>
+          </a:xfrm>
+          <a:prstGeom prst="rect">
+            <a:avLst/>
+          </a:prstGeom>
+        </p:spPr>
+        <p:txBody>
+          <a:bodyPr vert="horz" lIns="91440" tIns="45720" rIns="91440" bIns="45720" rtlCol="0"/>
+          <a:lstStyle/>
+          <a:p>
+            <a:pPr lvl="0"/>
+            <a:r>
+              <a:rPr lang="tr-TR"/>
+              <a:t>Asıl metin stillerini düzenlemek için tıklayın</a:t>
+            </a:r>
+          </a:p>
+          <a:p>
+            <a:pPr lvl="1"/>
+            <a:r>
+              <a:rPr lang="tr-TR"/>
+              <a:t>İkinci düzey</a:t>
+            </a:r>
+          </a:p>
+          <a:p>
+            <a:pPr lvl="2"/>
+            <a:r>
+              <a:rPr lang="tr-TR"/>
+              <a:t>Üçüncü düzey</a:t>
+            </a:r>
+          </a:p>
+          <a:p>
+            <a:pPr lvl="3"/>
+            <a:r>
+              <a:rPr lang="tr-TR"/>
+              <a:t>Dördüncü düzey</a:t>
+            </a:r>
+          </a:p>
+          <a:p>
+            <a:pPr lvl="4"/>
+            <a:r>
+              <a:rPr lang="tr-TR"/>
+              <a:t>Beşinci düzey</a:t>
+            </a:r>
+          </a:p>
+        </p:txBody>
+      </p:sp>
+      <p:sp>
+        <p:nvSpPr>
+          <p:cNvPr id="6" name="Alt Bilgi Yer Tutucusu 5"/>
+          <p:cNvSpPr>
+            <a:spLocks noGrp="1"/>
+          </p:cNvSpPr>
+          <p:nvPr>
+            <p:ph type="ftr" sz="quarter" idx="4"/>
+          </p:nvPr>
+        </p:nvSpPr>
+        <p:spPr>
+          <a:xfrm>
+            <a:off x="0" y="8685213"/>
+            <a:ext cx="2971800" cy="458787"/>
+          </a:xfrm>
+          <a:prstGeom prst="rect">
+            <a:avLst/>
+          </a:prstGeom>
+        </p:spPr>
+        <p:txBody>
+          <a:bodyPr vert="horz" lIns="91440" tIns="45720" rIns="91440" bIns="45720" rtlCol="0" anchor="b"/>
+          <a:lstStyle>
+            <a:lvl1pPr algn="l">
+              <a:defRPr sz="1200"/>
+            </a:lvl1pPr>
+          </a:lstStyle>
+          <a:p>
+            <a:endParaRPr lang="tr-TR"/>
+          </a:p>
+        </p:txBody>
+      </p:sp>
+      <p:sp>
+        <p:nvSpPr>
+          <p:cNvPr id="7" name="Slayt Numarası Yer Tutucusu 6"/>
+          <p:cNvSpPr>
+            <a:spLocks noGrp="1"/>
+          </p:cNvSpPr>
+          <p:nvPr>
+            <p:ph type="sldNum" sz="quarter" idx="5"/>
+          </p:nvPr>
+        </p:nvSpPr>
+        <p:spPr>
+          <a:xfrm>
+            <a:off x="3884613" y="8685213"/>
+            <a:ext cx="2971800" cy="458787"/>
+          </a:xfrm>
+          <a:prstGeom prst="rect">
+            <a:avLst/>
+          </a:prstGeom>
+        </p:spPr>
+        <p:txBody>
+          <a:bodyPr vert="horz" lIns="91440" tIns="45720" rIns="91440" bIns="45720" rtlCol="0" anchor="b"/>
+          <a:lstStyle>
+            <a:lvl1pPr algn="r">
+              <a:defRPr sz="1200"/>
+            </a:lvl1pPr>
+          </a:lstStyle>
+          <a:p>
+            <a:fld id="{B6F67602-9964-064F-AEAC-A33314438FC9}" type="slidenum">
+              <a:rPr lang="tr-TR" smtClean="0"/>
+              <a:t>‹#›</a:t>
+            </a:fld>
+            <a:endParaRPr lang="tr-TR"/>
+          </a:p>
+        </p:txBody>
+      </p:sp>
+    </p:spTree>
+    <p:extLst>
+      <p:ext uri="{BB962C8B-B14F-4D97-AF65-F5344CB8AC3E}">
+        <p14:creationId xmlns:p14="http://schemas.microsoft.com/office/powerpoint/2010/main" val="616653789"/>
+      </p:ext>
+    </p:extLst>
+  </p:cSld>
+  <p:clrMap bg1="lt1" tx1="dk1" bg2="lt2" tx2="dk2" accent1="accent1" accent2="accent2" accent3="accent3" accent4="accent4" accent5="accent5" accent6="accent6" hlink="hlink" folHlink="folHlink"/>
+  <p:notesStyle>
+    <a:lvl1pPr marL="0" algn="l" defTabSz="914400" rtl="0" eaLnBrk="1" latinLnBrk="0" hangingPunct="1">
+      <a:defRPr sz="1200" kern="1200">
+        <a:solidFill>
+          <a:schemeClr val="tx1"/>
+        </a:solidFill>
+        <a:latin typeface="+mn-lt"/>
+        <a:ea typeface="+mn-ea"/>
+        <a:cs typeface="+mn-cs"/>
+      </a:defRPr>
+    </a:lvl1pPr>
+    <a:lvl2pPr marL="457200" algn="l" defTabSz="914400" rtl="0" eaLnBrk="1" latinLnBrk="0" hangingPunct="1">
+      <a:defRPr sz="1200" kern="1200">
+        <a:solidFill>
+          <a:schemeClr val="tx1"/>
+        </a:solidFill>
+        <a:latin typeface="+mn-lt"/>
+        <a:ea typeface="+mn-ea"/>
+        <a:cs typeface="+mn-cs"/>
+      </a:defRPr>
+    </a:lvl2pPr>
+    <a:lvl3pPr marL="914400" algn="l" defTabSz="914400" rtl="0" eaLnBrk="1" latinLnBrk="0" hangingPunct="1">
+      <a:defRPr sz="1200" kern="1200">
+        <a:solidFill>
+          <a:schemeClr val="tx1"/>
+        </a:solidFill>
+        <a:latin typeface="+mn-lt"/>
+        <a:ea typeface="+mn-ea"/>
+        <a:cs typeface="+mn-cs"/>
+      </a:defRPr>
+    </a:lvl3pPr>
+    <a:lvl4pPr marL="1371600" algn="l" defTabSz="914400" rtl="0" eaLnBrk="1" latinLnBrk="0" hangingPunct="1">
+      <a:defRPr sz="1200" kern="1200">
+        <a:solidFill>
+          <a:schemeClr val="tx1"/>
+        </a:solidFill>
+        <a:latin typeface="+mn-lt"/>
+        <a:ea typeface="+mn-ea"/>
+        <a:cs typeface="+mn-cs"/>
+      </a:defRPr>
+    </a:lvl4pPr>
+    <a:lvl5pPr marL="1828800" algn="l" defTabSz="914400" rtl="0" eaLnBrk="1" latinLnBrk="0" hangingPunct="1">
+      <a:defRPr sz="1200" kern="1200">
+        <a:solidFill>
+          <a:schemeClr val="tx1"/>
+        </a:solidFill>
+        <a:latin typeface="+mn-lt"/>
+        <a:ea typeface="+mn-ea"/>
+        <a:cs typeface="+mn-cs"/>
+      </a:defRPr>
+    </a:lvl5pPr>
+    <a:lvl6pPr marL="2286000" algn="l" defTabSz="914400" rtl="0" eaLnBrk="1" latinLnBrk="0" hangingPunct="1">
+      <a:defRPr sz="1200" kern="1200">
+        <a:solidFill>
+          <a:schemeClr val="tx1"/>
+        </a:solidFill>
+        <a:latin typeface="+mn-lt"/>
+        <a:ea typeface="+mn-ea"/>
+        <a:cs typeface="+mn-cs"/>
+      </a:defRPr>
+    </a:lvl6pPr>
+    <a:lvl7pPr marL="2743200" algn="l" defTabSz="914400" rtl="0" eaLnBrk="1" latinLnBrk="0" hangingPunct="1">
+      <a:defRPr sz="1200" kern="1200">
+        <a:solidFill>
+          <a:schemeClr val="tx1"/>
+        </a:solidFill>
+        <a:latin typeface="+mn-lt"/>
+        <a:ea typeface="+mn-ea"/>
+        <a:cs typeface="+mn-cs"/>
+      </a:defRPr>
+    </a:lvl7pPr>
+    <a:lvl8pPr marL="3200400" algn="l" defTabSz="914400" rtl="0" eaLnBrk="1" latinLnBrk="0" hangingPunct="1">
+      <a:defRPr sz="1200" kern="1200">
+        <a:solidFill>
+          <a:schemeClr val="tx1"/>
+        </a:solidFill>
+        <a:latin typeface="+mn-lt"/>
+        <a:ea typeface="+mn-ea"/>
+        <a:cs typeface="+mn-cs"/>
+      </a:defRPr>
+    </a:lvl8pPr>
+    <a:lvl9pPr marL="3657600" algn="l" defTabSz="914400" rtl="0" eaLnBrk="1" latinLnBrk="0" hangingPunct="1">
+      <a:defRPr sz="1200" kern="1200">
+        <a:solidFill>
+          <a:schemeClr val="tx1"/>
+        </a:solidFill>
+        <a:latin typeface="+mn-lt"/>
+        <a:ea typeface="+mn-ea"/>
+        <a:cs typeface="+mn-cs"/>
+      </a:defRPr>
+    </a:lvl9pPr>
+  </p:notesStyle>
+</p:notesMaster>
 </file>
 
 <file path=ppt/slideLayouts/slideLayout1.xml><?xml version="1.0" encoding="utf-8"?>
@@ -252,9 +611,9 @@
           <a:bodyPr/>
           <a:lstStyle/>
           <a:p>
-            <a:fld id="{BAAAFD3F-C6C7-454D-B797-C707C8F9B2F0}" type="datetimeFigureOut">
+            <a:fld id="{A0BC1B2F-D5E0-B242-823E-FE47CCA4DBA0}" type="datetime1">
               <a:rPr lang="tr-TR" smtClean="0"/>
-              <a:t>12.03.2023</a:t>
+              <a:t>14.03.2023</a:t>
             </a:fld>
             <a:endParaRPr lang="tr-TR"/>
           </a:p>
@@ -450,9 +809,9 @@
           <a:bodyPr/>
           <a:lstStyle/>
           <a:p>
-            <a:fld id="{BAAAFD3F-C6C7-454D-B797-C707C8F9B2F0}" type="datetimeFigureOut">
+            <a:fld id="{3BC73FB5-D8C3-AB4D-8DC3-034195BC95AC}" type="datetime1">
               <a:rPr lang="tr-TR" smtClean="0"/>
-              <a:t>12.03.2023</a:t>
+              <a:t>14.03.2023</a:t>
             </a:fld>
             <a:endParaRPr lang="tr-TR"/>
           </a:p>
@@ -658,9 +1017,9 @@
           <a:bodyPr/>
           <a:lstStyle/>
           <a:p>
-            <a:fld id="{BAAAFD3F-C6C7-454D-B797-C707C8F9B2F0}" type="datetimeFigureOut">
+            <a:fld id="{37895915-7A2F-CA4C-8453-779E38F83BC2}" type="datetime1">
               <a:rPr lang="tr-TR" smtClean="0"/>
-              <a:t>12.03.2023</a:t>
+              <a:t>14.03.2023</a:t>
             </a:fld>
             <a:endParaRPr lang="tr-TR"/>
           </a:p>
@@ -856,9 +1215,9 @@
           <a:bodyPr/>
           <a:lstStyle/>
           <a:p>
-            <a:fld id="{BAAAFD3F-C6C7-454D-B797-C707C8F9B2F0}" type="datetimeFigureOut">
+            <a:fld id="{7F255B11-7DE9-9048-8EBC-40258560EEE5}" type="datetime1">
               <a:rPr lang="tr-TR" smtClean="0"/>
-              <a:t>12.03.2023</a:t>
+              <a:t>14.03.2023</a:t>
             </a:fld>
             <a:endParaRPr lang="tr-TR"/>
           </a:p>
@@ -1131,9 +1490,9 @@
           <a:bodyPr/>
           <a:lstStyle/>
           <a:p>
-            <a:fld id="{BAAAFD3F-C6C7-454D-B797-C707C8F9B2F0}" type="datetimeFigureOut">
+            <a:fld id="{5BD8ED9F-3ECD-B04F-B2E4-17605AAA5218}" type="datetime1">
               <a:rPr lang="tr-TR" smtClean="0"/>
-              <a:t>12.03.2023</a:t>
+              <a:t>14.03.2023</a:t>
             </a:fld>
             <a:endParaRPr lang="tr-TR"/>
           </a:p>
@@ -1396,9 +1755,9 @@
           <a:bodyPr/>
           <a:lstStyle/>
           <a:p>
-            <a:fld id="{BAAAFD3F-C6C7-454D-B797-C707C8F9B2F0}" type="datetimeFigureOut">
+            <a:fld id="{656E6A8C-24B8-0342-AADE-67C35D8E0AA1}" type="datetime1">
               <a:rPr lang="tr-TR" smtClean="0"/>
-              <a:t>12.03.2023</a:t>
+              <a:t>14.03.2023</a:t>
             </a:fld>
             <a:endParaRPr lang="tr-TR"/>
           </a:p>
@@ -1808,9 +2167,9 @@
           <a:bodyPr/>
           <a:lstStyle/>
           <a:p>
-            <a:fld id="{BAAAFD3F-C6C7-454D-B797-C707C8F9B2F0}" type="datetimeFigureOut">
+            <a:fld id="{307D2128-DD1F-5247-98CE-CA35DBD5419D}" type="datetime1">
               <a:rPr lang="tr-TR" smtClean="0"/>
-              <a:t>12.03.2023</a:t>
+              <a:t>14.03.2023</a:t>
             </a:fld>
             <a:endParaRPr lang="tr-TR"/>
           </a:p>
@@ -1949,9 +2308,9 @@
           <a:bodyPr/>
           <a:lstStyle/>
           <a:p>
-            <a:fld id="{BAAAFD3F-C6C7-454D-B797-C707C8F9B2F0}" type="datetimeFigureOut">
+            <a:fld id="{BF100BA4-85BB-7046-B3DC-B72F2A3A6C0C}" type="datetime1">
               <a:rPr lang="tr-TR" smtClean="0"/>
-              <a:t>12.03.2023</a:t>
+              <a:t>14.03.2023</a:t>
             </a:fld>
             <a:endParaRPr lang="tr-TR"/>
           </a:p>
@@ -2062,9 +2421,9 @@
           <a:bodyPr/>
           <a:lstStyle/>
           <a:p>
-            <a:fld id="{BAAAFD3F-C6C7-454D-B797-C707C8F9B2F0}" type="datetimeFigureOut">
+            <a:fld id="{22BE8E9F-A738-1A4A-8F57-7BFA234AA61E}" type="datetime1">
               <a:rPr lang="tr-TR" smtClean="0"/>
-              <a:t>12.03.2023</a:t>
+              <a:t>14.03.2023</a:t>
             </a:fld>
             <a:endParaRPr lang="tr-TR"/>
           </a:p>
@@ -2373,9 +2732,9 @@
           <a:bodyPr/>
           <a:lstStyle/>
           <a:p>
-            <a:fld id="{BAAAFD3F-C6C7-454D-B797-C707C8F9B2F0}" type="datetimeFigureOut">
+            <a:fld id="{A5FE5A4D-436B-174F-84D3-6BA2006990AC}" type="datetime1">
               <a:rPr lang="tr-TR" smtClean="0"/>
-              <a:t>12.03.2023</a:t>
+              <a:t>14.03.2023</a:t>
             </a:fld>
             <a:endParaRPr lang="tr-TR"/>
           </a:p>
@@ -2661,9 +3020,9 @@
           <a:bodyPr/>
           <a:lstStyle/>
           <a:p>
-            <a:fld id="{BAAAFD3F-C6C7-454D-B797-C707C8F9B2F0}" type="datetimeFigureOut">
+            <a:fld id="{8DC0D2D5-5D92-2A41-8A98-0A4CE906BA91}" type="datetime1">
               <a:rPr lang="tr-TR" smtClean="0"/>
-              <a:t>12.03.2023</a:t>
+              <a:t>14.03.2023</a:t>
             </a:fld>
             <a:endParaRPr lang="tr-TR"/>
           </a:p>
@@ -2902,9 +3261,9 @@
             </a:lvl1pPr>
           </a:lstStyle>
           <a:p>
-            <a:fld id="{BAAAFD3F-C6C7-454D-B797-C707C8F9B2F0}" type="datetimeFigureOut">
+            <a:fld id="{67F5A471-C20F-5449-B7B7-2115A63A2DB2}" type="datetime1">
               <a:rPr lang="tr-TR" smtClean="0"/>
-              <a:t>12.03.2023</a:t>
+              <a:t>14.03.2023</a:t>
             </a:fld>
             <a:endParaRPr lang="tr-TR"/>
           </a:p>
@@ -3021,6 +3380,7 @@
     <p:sldLayoutId id="2147483658" r:id="rId10"/>
     <p:sldLayoutId id="2147483659" r:id="rId11"/>
   </p:sldLayoutIdLst>
+  <p:hf hdr="0" ftr="0" dt="0"/>
   <p:txStyles>
     <p:titleStyle>
       <a:lvl1pPr algn="l" defTabSz="914400" rtl="0" eaLnBrk="1" latinLnBrk="0" hangingPunct="1">
@@ -3307,6 +3667,20 @@
 <file path=ppt/slides/slide1.xml><?xml version="1.0" encoding="utf-8"?>
 <p:sld xmlns:a="http://schemas.openxmlformats.org/drawingml/2006/main" xmlns:r="http://schemas.openxmlformats.org/officeDocument/2006/relationships" xmlns:p="http://schemas.openxmlformats.org/presentationml/2006/main">
   <p:cSld>
+    <p:bg>
+      <p:bgPr>
+        <a:blipFill dpi="0" rotWithShape="1">
+          <a:blip r:embed="rId2">
+            <a:lum/>
+          </a:blip>
+          <a:srcRect/>
+          <a:stretch>
+            <a:fillRect/>
+          </a:stretch>
+        </a:blipFill>
+        <a:effectLst/>
+      </p:bgPr>
+    </p:bg>
     <p:spTree>
       <p:nvGrpSpPr>
         <p:cNvPr id="1" name=""/>
@@ -3326,7 +3700,7 @@
           <p:cNvPr id="2" name="Başlık 1">
             <a:extLst>
               <a:ext uri="{FF2B5EF4-FFF2-40B4-BE49-F238E27FC236}">
-                <a16:creationId xmlns:a16="http://schemas.microsoft.com/office/drawing/2014/main" id="{E527332E-A680-3A84-8054-8601808CE951}"/>
+                <a16:creationId xmlns:a16="http://schemas.microsoft.com/office/drawing/2014/main" id="{4B166ECC-E8F6-D948-C6F6-E2C25163712E}"/>
               </a:ext>
             </a:extLst>
           </p:cNvPr>
@@ -3337,44 +3711,542 @@
             <p:ph type="ctrTitle"/>
           </p:nvPr>
         </p:nvSpPr>
-        <p:spPr/>
-        <p:txBody>
-          <a:bodyPr/>
-          <a:lstStyle/>
-          <a:p>
-            <a:endParaRPr lang="tr-TR"/>
-          </a:p>
-        </p:txBody>
-      </p:sp>
-      <p:sp>
-        <p:nvSpPr>
-          <p:cNvPr id="3" name="Alt Başlık 2">
-            <a:extLst>
-              <a:ext uri="{FF2B5EF4-FFF2-40B4-BE49-F238E27FC236}">
-                <a16:creationId xmlns:a16="http://schemas.microsoft.com/office/drawing/2014/main" id="{BDF158C1-D0E4-3978-99DB-593DAE6DFF52}"/>
-              </a:ext>
-            </a:extLst>
-          </p:cNvPr>
-          <p:cNvSpPr>
-            <a:spLocks noGrp="1"/>
-          </p:cNvSpPr>
-          <p:nvPr>
-            <p:ph type="subTitle" idx="1"/>
-          </p:nvPr>
-        </p:nvSpPr>
-        <p:spPr/>
-        <p:txBody>
-          <a:bodyPr/>
-          <a:lstStyle/>
-          <a:p>
-            <a:endParaRPr lang="tr-TR"/>
-          </a:p>
-        </p:txBody>
-      </p:sp>
+        <p:spPr>
+          <a:xfrm>
+            <a:off x="3535500" y="334382"/>
+            <a:ext cx="2134313" cy="1479521"/>
+          </a:xfrm>
+        </p:spPr>
+        <p:txBody>
+          <a:bodyPr>
+            <a:noAutofit/>
+          </a:bodyPr>
+          <a:lstStyle/>
+          <a:p>
+            <a:r>
+              <a:rPr lang="tr-TR" sz="9000" dirty="0">
+                <a:solidFill>
+                  <a:schemeClr val="tx1">
+                    <a:lumMod val="85000"/>
+                    <a:lumOff val="15000"/>
+                  </a:schemeClr>
+                </a:solidFill>
+                <a:latin typeface="STHupo" panose="02010800040101010101" pitchFamily="2" charset="-122"/>
+                <a:ea typeface="STHupo" panose="02010800040101010101" pitchFamily="2" charset="-122"/>
+                <a:cs typeface="Gill Sans" panose="020B0502020104020203" pitchFamily="34" charset="-79"/>
+              </a:rPr>
+              <a:t>GO</a:t>
+            </a:r>
+          </a:p>
+        </p:txBody>
+      </p:sp>
+      <p:sp>
+        <p:nvSpPr>
+          <p:cNvPr id="3" name="Metin kutusu 2">
+            <a:extLst>
+              <a:ext uri="{FF2B5EF4-FFF2-40B4-BE49-F238E27FC236}">
+                <a16:creationId xmlns:a16="http://schemas.microsoft.com/office/drawing/2014/main" id="{D356D5F5-5F06-9D33-C35C-780A0E7EB186}"/>
+              </a:ext>
+            </a:extLst>
+          </p:cNvPr>
+          <p:cNvSpPr txBox="1"/>
+          <p:nvPr/>
+        </p:nvSpPr>
+        <p:spPr>
+          <a:xfrm>
+            <a:off x="-374219" y="1834943"/>
+            <a:ext cx="5801990" cy="738664"/>
+          </a:xfrm>
+          <a:prstGeom prst="rect">
+            <a:avLst/>
+          </a:prstGeom>
+          <a:noFill/>
+        </p:spPr>
+        <p:txBody>
+          <a:bodyPr wrap="square" rtlCol="0">
+            <a:spAutoFit/>
+          </a:bodyPr>
+          <a:lstStyle/>
+          <a:p>
+            <a:pPr lvl="2" algn="r"/>
+            <a:r>
+              <a:rPr lang="en-US" sz="2100" dirty="0">
+                <a:latin typeface="Gill Sans Ultra Bold" panose="020B0A02020104020203" pitchFamily="34" charset="0"/>
+              </a:rPr>
+              <a:t>Concepts of Programming        		Languages</a:t>
+            </a:r>
+          </a:p>
+        </p:txBody>
+      </p:sp>
+      <p:sp>
+        <p:nvSpPr>
+          <p:cNvPr id="4" name="Metin kutusu 3">
+            <a:extLst>
+              <a:ext uri="{FF2B5EF4-FFF2-40B4-BE49-F238E27FC236}">
+                <a16:creationId xmlns:a16="http://schemas.microsoft.com/office/drawing/2014/main" id="{D537BAB9-85AD-BD04-9497-FC8FB129DC24}"/>
+              </a:ext>
+            </a:extLst>
+          </p:cNvPr>
+          <p:cNvSpPr txBox="1"/>
+          <p:nvPr/>
+        </p:nvSpPr>
+        <p:spPr>
+          <a:xfrm>
+            <a:off x="863144" y="3908115"/>
+            <a:ext cx="4806669" cy="1323439"/>
+          </a:xfrm>
+          <a:prstGeom prst="rect">
+            <a:avLst/>
+          </a:prstGeom>
+          <a:noFill/>
+        </p:spPr>
+        <p:txBody>
+          <a:bodyPr wrap="square" rtlCol="0">
+            <a:spAutoFit/>
+          </a:bodyPr>
+          <a:lstStyle/>
+          <a:p>
+            <a:r>
+              <a:rPr lang="tr-TR" sz="2000" dirty="0">
+                <a:latin typeface="Gill Sans" panose="020B0502020104020203" pitchFamily="34" charset="-79"/>
+                <a:cs typeface="Gill Sans" panose="020B0502020104020203" pitchFamily="34" charset="-79"/>
+              </a:rPr>
+              <a:t>Ahmet Eray Karadağ – B201202021</a:t>
+            </a:r>
+          </a:p>
+          <a:p>
+            <a:r>
+              <a:rPr lang="tr-TR" sz="2000" dirty="0">
+                <a:latin typeface="Gill Sans" panose="020B0502020104020203" pitchFamily="34" charset="-79"/>
+                <a:cs typeface="Gill Sans" panose="020B0502020104020203" pitchFamily="34" charset="-79"/>
+              </a:rPr>
+              <a:t>Tunahan Akça – B201202056</a:t>
+            </a:r>
+          </a:p>
+          <a:p>
+            <a:r>
+              <a:rPr lang="tr-TR" sz="2000" dirty="0">
+                <a:latin typeface="Gill Sans" panose="020B0502020104020203" pitchFamily="34" charset="-79"/>
+                <a:cs typeface="Gill Sans" panose="020B0502020104020203" pitchFamily="34" charset="-79"/>
+              </a:rPr>
+              <a:t>Ahmet Alkan – B211202378</a:t>
+            </a:r>
+          </a:p>
+          <a:p>
+            <a:r>
+              <a:rPr lang="tr-TR" sz="2000" dirty="0" err="1">
+                <a:latin typeface="Gill Sans" panose="020B0502020104020203" pitchFamily="34" charset="-79"/>
+                <a:cs typeface="Gill Sans" panose="020B0502020104020203" pitchFamily="34" charset="-79"/>
+              </a:rPr>
+              <a:t>Abdulhady</a:t>
+            </a:r>
+            <a:r>
+              <a:rPr lang="tr-TR" sz="2000" dirty="0">
+                <a:latin typeface="Gill Sans" panose="020B0502020104020203" pitchFamily="34" charset="-79"/>
+                <a:cs typeface="Gill Sans" panose="020B0502020104020203" pitchFamily="34" charset="-79"/>
+              </a:rPr>
+              <a:t> </a:t>
+            </a:r>
+            <a:r>
+              <a:rPr lang="tr-TR" sz="2000" dirty="0" err="1">
+                <a:latin typeface="Gill Sans" panose="020B0502020104020203" pitchFamily="34" charset="-79"/>
+                <a:cs typeface="Gill Sans" panose="020B0502020104020203" pitchFamily="34" charset="-79"/>
+              </a:rPr>
+              <a:t>Sabbagh</a:t>
+            </a:r>
+            <a:r>
+              <a:rPr lang="tr-TR" sz="2000" dirty="0">
+                <a:latin typeface="Gill Sans" panose="020B0502020104020203" pitchFamily="34" charset="-79"/>
+                <a:cs typeface="Gill Sans" panose="020B0502020104020203" pitchFamily="34" charset="-79"/>
+              </a:rPr>
+              <a:t> – B211202555</a:t>
+            </a:r>
+          </a:p>
+        </p:txBody>
+      </p:sp>
+      <p:cxnSp>
+        <p:nvCxnSpPr>
+          <p:cNvPr id="6" name="Düz Bağlayıcı 5">
+            <a:extLst>
+              <a:ext uri="{FF2B5EF4-FFF2-40B4-BE49-F238E27FC236}">
+                <a16:creationId xmlns:a16="http://schemas.microsoft.com/office/drawing/2014/main" id="{B18D8501-56FF-3A93-DBAA-32235373D404}"/>
+              </a:ext>
+            </a:extLst>
+          </p:cNvPr>
+          <p:cNvCxnSpPr>
+            <a:cxnSpLocks/>
+          </p:cNvCxnSpPr>
+          <p:nvPr/>
+        </p:nvCxnSpPr>
+        <p:spPr>
+          <a:xfrm>
+            <a:off x="971045" y="3584772"/>
+            <a:ext cx="4377790" cy="0"/>
+          </a:xfrm>
+          <a:prstGeom prst="line">
+            <a:avLst/>
+          </a:prstGeom>
+          <a:ln/>
+        </p:spPr>
+        <p:style>
+          <a:lnRef idx="3">
+            <a:schemeClr val="dk1"/>
+          </a:lnRef>
+          <a:fillRef idx="0">
+            <a:schemeClr val="dk1"/>
+          </a:fillRef>
+          <a:effectRef idx="2">
+            <a:schemeClr val="dk1"/>
+          </a:effectRef>
+          <a:fontRef idx="minor">
+            <a:schemeClr val="tx1"/>
+          </a:fontRef>
+        </p:style>
+      </p:cxnSp>
     </p:spTree>
     <p:extLst>
       <p:ext uri="{BB962C8B-B14F-4D97-AF65-F5344CB8AC3E}">
         <p14:creationId xmlns:p14="http://schemas.microsoft.com/office/powerpoint/2010/main" val="3778858258"/>
+      </p:ext>
+    </p:extLst>
+  </p:cSld>
+  <p:clrMapOvr>
+    <a:masterClrMapping/>
+  </p:clrMapOvr>
+</p:sld>
+</file>
+
+<file path=ppt/slides/slide2.xml><?xml version="1.0" encoding="utf-8"?>
+<p:sld xmlns:a="http://schemas.openxmlformats.org/drawingml/2006/main" xmlns:r="http://schemas.openxmlformats.org/officeDocument/2006/relationships" xmlns:p="http://schemas.openxmlformats.org/presentationml/2006/main">
+  <p:cSld>
+    <p:bg>
+      <p:bgPr>
+        <a:blipFill dpi="0" rotWithShape="1">
+          <a:blip r:embed="rId2">
+            <a:lum/>
+          </a:blip>
+          <a:srcRect/>
+          <a:stretch>
+            <a:fillRect l="-10000" r="-10000"/>
+          </a:stretch>
+        </a:blipFill>
+        <a:effectLst/>
+      </p:bgPr>
+    </p:bg>
+    <p:spTree>
+      <p:nvGrpSpPr>
+        <p:cNvPr id="1" name=""/>
+        <p:cNvGrpSpPr/>
+        <p:nvPr/>
+      </p:nvGrpSpPr>
+      <p:grpSpPr>
+        <a:xfrm>
+          <a:off x="0" y="0"/>
+          <a:ext cx="0" cy="0"/>
+          <a:chOff x="0" y="0"/>
+          <a:chExt cx="0" cy="0"/>
+        </a:xfrm>
+      </p:grpSpPr>
+      <p:sp>
+        <p:nvSpPr>
+          <p:cNvPr id="2" name="Slayt Numarası Yer Tutucusu 1">
+            <a:extLst>
+              <a:ext uri="{FF2B5EF4-FFF2-40B4-BE49-F238E27FC236}">
+                <a16:creationId xmlns:a16="http://schemas.microsoft.com/office/drawing/2014/main" id="{A3145DCC-95D4-1982-7BDC-60AB6EA7A177}"/>
+              </a:ext>
+            </a:extLst>
+          </p:cNvPr>
+          <p:cNvSpPr>
+            <a:spLocks noGrp="1"/>
+          </p:cNvSpPr>
+          <p:nvPr>
+            <p:ph type="sldNum" sz="quarter" idx="12"/>
+          </p:nvPr>
+        </p:nvSpPr>
+        <p:spPr/>
+        <p:txBody>
+          <a:bodyPr/>
+          <a:lstStyle/>
+          <a:p>
+            <a:fld id="{976E0F06-4CB6-4145-AA97-71AD1A1461D0}" type="slidenum">
+              <a:rPr lang="tr-TR" smtClean="0"/>
+              <a:t>2</a:t>
+            </a:fld>
+            <a:endParaRPr lang="tr-TR"/>
+          </a:p>
+        </p:txBody>
+      </p:sp>
+      <p:sp>
+        <p:nvSpPr>
+          <p:cNvPr id="4" name="Metin kutusu 3">
+            <a:extLst>
+              <a:ext uri="{FF2B5EF4-FFF2-40B4-BE49-F238E27FC236}">
+                <a16:creationId xmlns:a16="http://schemas.microsoft.com/office/drawing/2014/main" id="{36E1D82F-B1BA-FE7C-44E4-42896D9BC70D}"/>
+              </a:ext>
+            </a:extLst>
+          </p:cNvPr>
+          <p:cNvSpPr txBox="1"/>
+          <p:nvPr/>
+        </p:nvSpPr>
+        <p:spPr>
+          <a:xfrm>
+            <a:off x="2722880" y="457200"/>
+            <a:ext cx="2997200" cy="769441"/>
+          </a:xfrm>
+          <a:prstGeom prst="rect">
+            <a:avLst/>
+          </a:prstGeom>
+          <a:noFill/>
+        </p:spPr>
+        <p:txBody>
+          <a:bodyPr wrap="square" rtlCol="0">
+            <a:spAutoFit/>
+          </a:bodyPr>
+          <a:lstStyle/>
+          <a:p>
+            <a:r>
+              <a:rPr lang="en-US" sz="4400" b="1" dirty="0">
+                <a:solidFill>
+                  <a:schemeClr val="accent5">
+                    <a:lumMod val="20000"/>
+                    <a:lumOff val="80000"/>
+                  </a:schemeClr>
+                </a:solidFill>
+                <a:latin typeface="Gill Sans" panose="020B0502020104020203" pitchFamily="34" charset="-79"/>
+                <a:cs typeface="Gill Sans" panose="020B0502020104020203" pitchFamily="34" charset="-79"/>
+              </a:rPr>
+              <a:t>Overview</a:t>
+            </a:r>
+          </a:p>
+        </p:txBody>
+      </p:sp>
+      <p:sp>
+        <p:nvSpPr>
+          <p:cNvPr id="5" name="Metin kutusu 4">
+            <a:extLst>
+              <a:ext uri="{FF2B5EF4-FFF2-40B4-BE49-F238E27FC236}">
+                <a16:creationId xmlns:a16="http://schemas.microsoft.com/office/drawing/2014/main" id="{846D15FB-0BEF-74C2-9EB1-F6EE36AEBEF1}"/>
+              </a:ext>
+            </a:extLst>
+          </p:cNvPr>
+          <p:cNvSpPr txBox="1"/>
+          <p:nvPr/>
+        </p:nvSpPr>
+        <p:spPr>
+          <a:xfrm>
+            <a:off x="1097280" y="1859280"/>
+            <a:ext cx="6725920" cy="369332"/>
+          </a:xfrm>
+          <a:prstGeom prst="rect">
+            <a:avLst/>
+          </a:prstGeom>
+          <a:noFill/>
+        </p:spPr>
+        <p:txBody>
+          <a:bodyPr wrap="square" rtlCol="0">
+            <a:spAutoFit/>
+          </a:bodyPr>
+          <a:lstStyle/>
+          <a:p>
+            <a:r>
+              <a:rPr lang="en-US" dirty="0">
+                <a:solidFill>
+                  <a:schemeClr val="accent5">
+                    <a:lumMod val="20000"/>
+                    <a:lumOff val="80000"/>
+                  </a:schemeClr>
+                </a:solidFill>
+                <a:latin typeface="Gill Sans" panose="020B0502020104020203" pitchFamily="34" charset="-79"/>
+                <a:cs typeface="Gill Sans" panose="020B0502020104020203" pitchFamily="34" charset="-79"/>
+              </a:rPr>
+              <a:t>1) About Golang. ……………………………………………………3</a:t>
+            </a:r>
+          </a:p>
+        </p:txBody>
+      </p:sp>
+    </p:spTree>
+    <p:extLst>
+      <p:ext uri="{BB962C8B-B14F-4D97-AF65-F5344CB8AC3E}">
+        <p14:creationId xmlns:p14="http://schemas.microsoft.com/office/powerpoint/2010/main" val="4049959031"/>
+      </p:ext>
+    </p:extLst>
+  </p:cSld>
+  <p:clrMapOvr>
+    <a:masterClrMapping/>
+  </p:clrMapOvr>
+</p:sld>
+</file>
+
+<file path=ppt/slides/slide3.xml><?xml version="1.0" encoding="utf-8"?>
+<p:sld xmlns:a="http://schemas.openxmlformats.org/drawingml/2006/main" xmlns:r="http://schemas.openxmlformats.org/officeDocument/2006/relationships" xmlns:p="http://schemas.openxmlformats.org/presentationml/2006/main">
+  <p:cSld>
+    <p:bg>
+      <p:bgPr>
+        <a:blipFill dpi="0" rotWithShape="1">
+          <a:blip r:embed="rId2">
+            <a:lum/>
+          </a:blip>
+          <a:srcRect/>
+          <a:stretch>
+            <a:fillRect l="-7000" r="-7000"/>
+          </a:stretch>
+        </a:blipFill>
+        <a:effectLst/>
+      </p:bgPr>
+    </p:bg>
+    <p:spTree>
+      <p:nvGrpSpPr>
+        <p:cNvPr id="1" name=""/>
+        <p:cNvGrpSpPr/>
+        <p:nvPr/>
+      </p:nvGrpSpPr>
+      <p:grpSpPr>
+        <a:xfrm>
+          <a:off x="0" y="0"/>
+          <a:ext cx="0" cy="0"/>
+          <a:chOff x="0" y="0"/>
+          <a:chExt cx="0" cy="0"/>
+        </a:xfrm>
+      </p:grpSpPr>
+      <p:sp>
+        <p:nvSpPr>
+          <p:cNvPr id="2" name="Slayt Numarası Yer Tutucusu 1">
+            <a:extLst>
+              <a:ext uri="{FF2B5EF4-FFF2-40B4-BE49-F238E27FC236}">
+                <a16:creationId xmlns:a16="http://schemas.microsoft.com/office/drawing/2014/main" id="{D4D837ED-02C8-0468-52C0-456ED8DBB44F}"/>
+              </a:ext>
+            </a:extLst>
+          </p:cNvPr>
+          <p:cNvSpPr>
+            <a:spLocks noGrp="1"/>
+          </p:cNvSpPr>
+          <p:nvPr>
+            <p:ph type="sldNum" sz="quarter" idx="12"/>
+          </p:nvPr>
+        </p:nvSpPr>
+        <p:spPr/>
+        <p:txBody>
+          <a:bodyPr/>
+          <a:lstStyle/>
+          <a:p>
+            <a:fld id="{976E0F06-4CB6-4145-AA97-71AD1A1461D0}" type="slidenum">
+              <a:rPr lang="tr-TR" smtClean="0"/>
+              <a:t>3</a:t>
+            </a:fld>
+            <a:endParaRPr lang="tr-TR"/>
+          </a:p>
+        </p:txBody>
+      </p:sp>
+      <p:sp>
+        <p:nvSpPr>
+          <p:cNvPr id="3" name="Metin kutusu 2">
+            <a:extLst>
+              <a:ext uri="{FF2B5EF4-FFF2-40B4-BE49-F238E27FC236}">
+                <a16:creationId xmlns:a16="http://schemas.microsoft.com/office/drawing/2014/main" id="{C6B911D3-4A82-988E-8D46-892147797781}"/>
+              </a:ext>
+            </a:extLst>
+          </p:cNvPr>
+          <p:cNvSpPr txBox="1"/>
+          <p:nvPr/>
+        </p:nvSpPr>
+        <p:spPr>
+          <a:xfrm>
+            <a:off x="1696720" y="528320"/>
+            <a:ext cx="3515360" cy="769441"/>
+          </a:xfrm>
+          <a:prstGeom prst="rect">
+            <a:avLst/>
+          </a:prstGeom>
+          <a:noFill/>
+        </p:spPr>
+        <p:txBody>
+          <a:bodyPr wrap="square" rtlCol="0">
+            <a:spAutoFit/>
+          </a:bodyPr>
+          <a:lstStyle/>
+          <a:p>
+            <a:r>
+              <a:rPr lang="en-US" sz="4400" b="1" dirty="0">
+                <a:solidFill>
+                  <a:schemeClr val="tx1">
+                    <a:lumMod val="75000"/>
+                    <a:lumOff val="25000"/>
+                  </a:schemeClr>
+                </a:solidFill>
+                <a:latin typeface="Gill Sans" panose="020B0502020104020203" pitchFamily="34" charset="-79"/>
+                <a:cs typeface="Gill Sans" panose="020B0502020104020203" pitchFamily="34" charset="-79"/>
+              </a:rPr>
+              <a:t>References</a:t>
+            </a:r>
+          </a:p>
+        </p:txBody>
+      </p:sp>
+      <p:sp>
+        <p:nvSpPr>
+          <p:cNvPr id="5" name="Metin kutusu 4">
+            <a:extLst>
+              <a:ext uri="{FF2B5EF4-FFF2-40B4-BE49-F238E27FC236}">
+                <a16:creationId xmlns:a16="http://schemas.microsoft.com/office/drawing/2014/main" id="{D8A4BA62-9AE6-72FF-D004-C84476DFFEF5}"/>
+              </a:ext>
+            </a:extLst>
+          </p:cNvPr>
+          <p:cNvSpPr txBox="1"/>
+          <p:nvPr/>
+        </p:nvSpPr>
+        <p:spPr>
+          <a:xfrm>
+            <a:off x="711200" y="1930400"/>
+            <a:ext cx="5943600" cy="369332"/>
+          </a:xfrm>
+          <a:prstGeom prst="rect">
+            <a:avLst/>
+          </a:prstGeom>
+          <a:noFill/>
+        </p:spPr>
+        <p:txBody>
+          <a:bodyPr wrap="square" rtlCol="0">
+            <a:spAutoFit/>
+          </a:bodyPr>
+          <a:lstStyle/>
+          <a:p>
+            <a:pPr marL="285750" indent="-285750">
+              <a:buFont typeface="Arial" panose="020B0604020202020204" pitchFamily="34" charset="0"/>
+              <a:buChar char="•"/>
+            </a:pPr>
+            <a:r>
+              <a:rPr lang="en-US" dirty="0">
+                <a:solidFill>
+                  <a:schemeClr val="tx1">
+                    <a:lumMod val="75000"/>
+                    <a:lumOff val="25000"/>
+                  </a:schemeClr>
+                </a:solidFill>
+                <a:latin typeface="Gill Sans" panose="020B0502020104020203" pitchFamily="34" charset="-79"/>
+                <a:cs typeface="Gill Sans" panose="020B0502020104020203" pitchFamily="34" charset="-79"/>
+                <a:hlinkClick r:id="rId3"/>
+              </a:rPr>
+              <a:t>https://go.dev</a:t>
+            </a:r>
+            <a:r>
+              <a:rPr lang="en-US" dirty="0">
+                <a:solidFill>
+                  <a:schemeClr val="tx1">
+                    <a:lumMod val="75000"/>
+                    <a:lumOff val="25000"/>
+                  </a:schemeClr>
+                </a:solidFill>
+                <a:latin typeface="Gill Sans" panose="020B0502020104020203" pitchFamily="34" charset="-79"/>
+                <a:cs typeface="Gill Sans" panose="020B0502020104020203" pitchFamily="34" charset="-79"/>
+              </a:rPr>
+              <a:t> </a:t>
+            </a:r>
+          </a:p>
+        </p:txBody>
+      </p:sp>
+    </p:spTree>
+    <p:extLst>
+      <p:ext uri="{BB962C8B-B14F-4D97-AF65-F5344CB8AC3E}">
+        <p14:creationId xmlns:p14="http://schemas.microsoft.com/office/powerpoint/2010/main" val="1794357257"/>
       </p:ext>
     </p:extLst>
   </p:cSld>
@@ -3677,4 +4549,299 @@
     </a:ext>
   </a:extLst>
 </a:theme>
+</file>
+
+<file path=ppt/theme/theme2.xml><?xml version="1.0" encoding="utf-8"?>
+<a:theme xmlns:a="http://schemas.openxmlformats.org/drawingml/2006/main" name="Office Teması">
+  <a:themeElements>
+    <a:clrScheme name="Office">
+      <a:dk1>
+        <a:sysClr val="windowText" lastClr="000000"/>
+      </a:dk1>
+      <a:lt1>
+        <a:sysClr val="window" lastClr="FFFFFF"/>
+      </a:lt1>
+      <a:dk2>
+        <a:srgbClr val="44546A"/>
+      </a:dk2>
+      <a:lt2>
+        <a:srgbClr val="E7E6E6"/>
+      </a:lt2>
+      <a:accent1>
+        <a:srgbClr val="4472C4"/>
+      </a:accent1>
+      <a:accent2>
+        <a:srgbClr val="ED7D31"/>
+      </a:accent2>
+      <a:accent3>
+        <a:srgbClr val="A5A5A5"/>
+      </a:accent3>
+      <a:accent4>
+        <a:srgbClr val="FFC000"/>
+      </a:accent4>
+      <a:accent5>
+        <a:srgbClr val="5B9BD5"/>
+      </a:accent5>
+      <a:accent6>
+        <a:srgbClr val="70AD47"/>
+      </a:accent6>
+      <a:hlink>
+        <a:srgbClr val="0563C1"/>
+      </a:hlink>
+      <a:folHlink>
+        <a:srgbClr val="954F72"/>
+      </a:folHlink>
+    </a:clrScheme>
+    <a:fontScheme name="Office">
+      <a:majorFont>
+        <a:latin typeface="Calibri Light" panose="020F0302020204030204"/>
+        <a:ea typeface=""/>
+        <a:cs typeface=""/>
+        <a:font script="Jpan" typeface="游ゴシック Light"/>
+        <a:font script="Hang" typeface="맑은 고딕"/>
+        <a:font script="Hans" typeface="等线 Light"/>
+        <a:font script="Hant" typeface="新細明體"/>
+        <a:font script="Arab" typeface="Times New Roman"/>
+        <a:font script="Hebr" typeface="Times New Roman"/>
+        <a:font script="Thai" typeface="Angsana New"/>
+        <a:font script="Ethi" typeface="Nyala"/>
+        <a:font script="Beng" typeface="Vrinda"/>
+        <a:font script="Gujr" typeface="Shruti"/>
+        <a:font script="Khmr" typeface="MoolBoran"/>
+        <a:font script="Knda" typeface="Tunga"/>
+        <a:font script="Guru" typeface="Raavi"/>
+        <a:font script="Cans" typeface="Euphemia"/>
+        <a:font script="Cher" typeface="Plantagenet Cherokee"/>
+        <a:font script="Yiii" typeface="Microsoft Yi Baiti"/>
+        <a:font script="Tibt" typeface="Microsoft Himalaya"/>
+        <a:font script="Thaa" typeface="MV Boli"/>
+        <a:font script="Deva" typeface="Mangal"/>
+        <a:font script="Telu" typeface="Gautami"/>
+        <a:font script="Taml" typeface="Latha"/>
+        <a:font script="Syrc" typeface="Estrangelo Edessa"/>
+        <a:font script="Orya" typeface="Kalinga"/>
+        <a:font script="Mlym" typeface="Kartika"/>
+        <a:font script="Laoo" typeface="DokChampa"/>
+        <a:font script="Sinh" typeface="Iskoola Pota"/>
+        <a:font script="Mong" typeface="Mongolian Baiti"/>
+        <a:font script="Viet" typeface="Times New Roman"/>
+        <a:font script="Uigh" typeface="Microsoft Uighur"/>
+        <a:font script="Geor" typeface="Sylfaen"/>
+        <a:font script="Armn" typeface="Arial"/>
+        <a:font script="Bugi" typeface="Leelawadee UI"/>
+        <a:font script="Bopo" typeface="Microsoft JhengHei"/>
+        <a:font script="Java" typeface="Javanese Text"/>
+        <a:font script="Lisu" typeface="Segoe UI"/>
+        <a:font script="Mymr" typeface="Myanmar Text"/>
+        <a:font script="Nkoo" typeface="Ebrima"/>
+        <a:font script="Olck" typeface="Nirmala UI"/>
+        <a:font script="Osma" typeface="Ebrima"/>
+        <a:font script="Phag" typeface="Phagspa"/>
+        <a:font script="Syrn" typeface="Estrangelo Edessa"/>
+        <a:font script="Syrj" typeface="Estrangelo Edessa"/>
+        <a:font script="Syre" typeface="Estrangelo Edessa"/>
+        <a:font script="Sora" typeface="Nirmala UI"/>
+        <a:font script="Tale" typeface="Microsoft Tai Le"/>
+        <a:font script="Talu" typeface="Microsoft New Tai Lue"/>
+        <a:font script="Tfng" typeface="Ebrima"/>
+      </a:majorFont>
+      <a:minorFont>
+        <a:latin typeface="Calibri" panose="020F0502020204030204"/>
+        <a:ea typeface=""/>
+        <a:cs typeface=""/>
+        <a:font script="Jpan" typeface="游ゴシック"/>
+        <a:font script="Hang" typeface="맑은 고딕"/>
+        <a:font script="Hans" typeface="等线"/>
+        <a:font script="Hant" typeface="新細明體"/>
+        <a:font script="Arab" typeface="Arial"/>
+        <a:font script="Hebr" typeface="Arial"/>
+        <a:font script="Thai" typeface="Cordia New"/>
+        <a:font script="Ethi" typeface="Nyala"/>
+        <a:font script="Beng" typeface="Vrinda"/>
+        <a:font script="Gujr" typeface="Shruti"/>
+        <a:font script="Khmr" typeface="DaunPenh"/>
+        <a:font script="Knda" typeface="Tunga"/>
+        <a:font script="Guru" typeface="Raavi"/>
+        <a:font script="Cans" typeface="Euphemia"/>
+        <a:font script="Cher" typeface="Plantagenet Cherokee"/>
+        <a:font script="Yiii" typeface="Microsoft Yi Baiti"/>
+        <a:font script="Tibt" typeface="Microsoft Himalaya"/>
+        <a:font script="Thaa" typeface="MV Boli"/>
+        <a:font script="Deva" typeface="Mangal"/>
+        <a:font script="Telu" typeface="Gautami"/>
+        <a:font script="Taml" typeface="Latha"/>
+        <a:font script="Syrc" typeface="Estrangelo Edessa"/>
+        <a:font script="Orya" typeface="Kalinga"/>
+        <a:font script="Mlym" typeface="Kartika"/>
+        <a:font script="Laoo" typeface="DokChampa"/>
+        <a:font script="Sinh" typeface="Iskoola Pota"/>
+        <a:font script="Mong" typeface="Mongolian Baiti"/>
+        <a:font script="Viet" typeface="Arial"/>
+        <a:font script="Uigh" typeface="Microsoft Uighur"/>
+        <a:font script="Geor" typeface="Sylfaen"/>
+        <a:font script="Armn" typeface="Arial"/>
+        <a:font script="Bugi" typeface="Leelawadee UI"/>
+        <a:font script="Bopo" typeface="Microsoft JhengHei"/>
+        <a:font script="Java" typeface="Javanese Text"/>
+        <a:font script="Lisu" typeface="Segoe UI"/>
+        <a:font script="Mymr" typeface="Myanmar Text"/>
+        <a:font script="Nkoo" typeface="Ebrima"/>
+        <a:font script="Olck" typeface="Nirmala UI"/>
+        <a:font script="Osma" typeface="Ebrima"/>
+        <a:font script="Phag" typeface="Phagspa"/>
+        <a:font script="Syrn" typeface="Estrangelo Edessa"/>
+        <a:font script="Syrj" typeface="Estrangelo Edessa"/>
+        <a:font script="Syre" typeface="Estrangelo Edessa"/>
+        <a:font script="Sora" typeface="Nirmala UI"/>
+        <a:font script="Tale" typeface="Microsoft Tai Le"/>
+        <a:font script="Talu" typeface="Microsoft New Tai Lue"/>
+        <a:font script="Tfng" typeface="Ebrima"/>
+      </a:minorFont>
+    </a:fontScheme>
+    <a:fmtScheme name="Office">
+      <a:fillStyleLst>
+        <a:solidFill>
+          <a:schemeClr val="phClr"/>
+        </a:solidFill>
+        <a:gradFill rotWithShape="1">
+          <a:gsLst>
+            <a:gs pos="0">
+              <a:schemeClr val="phClr">
+                <a:lumMod val="110000"/>
+                <a:satMod val="105000"/>
+                <a:tint val="67000"/>
+              </a:schemeClr>
+            </a:gs>
+            <a:gs pos="50000">
+              <a:schemeClr val="phClr">
+                <a:lumMod val="105000"/>
+                <a:satMod val="103000"/>
+                <a:tint val="73000"/>
+              </a:schemeClr>
+            </a:gs>
+            <a:gs pos="100000">
+              <a:schemeClr val="phClr">
+                <a:lumMod val="105000"/>
+                <a:satMod val="109000"/>
+                <a:tint val="81000"/>
+              </a:schemeClr>
+            </a:gs>
+          </a:gsLst>
+          <a:lin ang="5400000" scaled="0"/>
+        </a:gradFill>
+        <a:gradFill rotWithShape="1">
+          <a:gsLst>
+            <a:gs pos="0">
+              <a:schemeClr val="phClr">
+                <a:satMod val="103000"/>
+                <a:lumMod val="102000"/>
+                <a:tint val="94000"/>
+              </a:schemeClr>
+            </a:gs>
+            <a:gs pos="50000">
+              <a:schemeClr val="phClr">
+                <a:satMod val="110000"/>
+                <a:lumMod val="100000"/>
+                <a:shade val="100000"/>
+              </a:schemeClr>
+            </a:gs>
+            <a:gs pos="100000">
+              <a:schemeClr val="phClr">
+                <a:lumMod val="99000"/>
+                <a:satMod val="120000"/>
+                <a:shade val="78000"/>
+              </a:schemeClr>
+            </a:gs>
+          </a:gsLst>
+          <a:lin ang="5400000" scaled="0"/>
+        </a:gradFill>
+      </a:fillStyleLst>
+      <a:lnStyleLst>
+        <a:ln w="6350" cap="flat" cmpd="sng" algn="ctr">
+          <a:solidFill>
+            <a:schemeClr val="phClr"/>
+          </a:solidFill>
+          <a:prstDash val="solid"/>
+          <a:miter lim="800000"/>
+        </a:ln>
+        <a:ln w="12700" cap="flat" cmpd="sng" algn="ctr">
+          <a:solidFill>
+            <a:schemeClr val="phClr"/>
+          </a:solidFill>
+          <a:prstDash val="solid"/>
+          <a:miter lim="800000"/>
+        </a:ln>
+        <a:ln w="19050" cap="flat" cmpd="sng" algn="ctr">
+          <a:solidFill>
+            <a:schemeClr val="phClr"/>
+          </a:solidFill>
+          <a:prstDash val="solid"/>
+          <a:miter lim="800000"/>
+        </a:ln>
+      </a:lnStyleLst>
+      <a:effectStyleLst>
+        <a:effectStyle>
+          <a:effectLst/>
+        </a:effectStyle>
+        <a:effectStyle>
+          <a:effectLst/>
+        </a:effectStyle>
+        <a:effectStyle>
+          <a:effectLst>
+            <a:outerShdw blurRad="57150" dist="19050" dir="5400000" algn="ctr" rotWithShape="0">
+              <a:srgbClr val="000000">
+                <a:alpha val="63000"/>
+              </a:srgbClr>
+            </a:outerShdw>
+          </a:effectLst>
+        </a:effectStyle>
+      </a:effectStyleLst>
+      <a:bgFillStyleLst>
+        <a:solidFill>
+          <a:schemeClr val="phClr"/>
+        </a:solidFill>
+        <a:solidFill>
+          <a:schemeClr val="phClr">
+            <a:tint val="95000"/>
+            <a:satMod val="170000"/>
+          </a:schemeClr>
+        </a:solidFill>
+        <a:gradFill rotWithShape="1">
+          <a:gsLst>
+            <a:gs pos="0">
+              <a:schemeClr val="phClr">
+                <a:tint val="93000"/>
+                <a:satMod val="150000"/>
+                <a:shade val="98000"/>
+                <a:lumMod val="102000"/>
+              </a:schemeClr>
+            </a:gs>
+            <a:gs pos="50000">
+              <a:schemeClr val="phClr">
+                <a:tint val="98000"/>
+                <a:satMod val="130000"/>
+                <a:shade val="90000"/>
+                <a:lumMod val="103000"/>
+              </a:schemeClr>
+            </a:gs>
+            <a:gs pos="100000">
+              <a:schemeClr val="phClr">
+                <a:shade val="63000"/>
+                <a:satMod val="120000"/>
+              </a:schemeClr>
+            </a:gs>
+          </a:gsLst>
+          <a:lin ang="5400000" scaled="0"/>
+        </a:gradFill>
+      </a:bgFillStyleLst>
+    </a:fmtScheme>
+  </a:themeElements>
+  <a:objectDefaults/>
+  <a:extraClrSchemeLst/>
+  <a:extLst>
+    <a:ext uri="{05A4C25C-085E-4340-85A3-A5531E510DB2}">
+      <thm15:themeFamily xmlns:thm15="http://schemas.microsoft.com/office/thememl/2012/main" name="Office Theme" id="{62F939B6-93AF-4DB8-9C6B-D6C7DFDC589F}" vid="{4A3C46E8-61CC-4603-A589-7422A47A8E4A}"/>
+    </a:ext>
+  </a:extLst>
+</a:theme>
 </file>
--- a/GO.pptx
+++ b/GO.pptx
@@ -5,12 +5,13 @@
     <p:sldMasterId id="2147483648" r:id="rId1"/>
   </p:sldMasterIdLst>
   <p:notesMasterIdLst>
-    <p:notesMasterId r:id="rId5"/>
+    <p:notesMasterId r:id="rId6"/>
   </p:notesMasterIdLst>
   <p:sldIdLst>
     <p:sldId id="256" r:id="rId2"/>
     <p:sldId id="257" r:id="rId3"/>
-    <p:sldId id="258" r:id="rId4"/>
+    <p:sldId id="259" r:id="rId4"/>
+    <p:sldId id="258" r:id="rId5"/>
   </p:sldIdLst>
   <p:sldSz cx="12192000" cy="6858000"/>
   <p:notesSz cx="6858000" cy="9144000"/>
@@ -199,7 +200,7 @@
           <a:p>
             <a:fld id="{C5BC088C-EE55-154C-9AC8-BC5C920DF30B}" type="datetimeFigureOut">
               <a:rPr lang="tr-TR" smtClean="0"/>
-              <a:t>14.03.2023</a:t>
+              <a:t>16.03.2023</a:t>
             </a:fld>
             <a:endParaRPr lang="tr-TR"/>
           </a:p>
@@ -613,7 +614,7 @@
           <a:p>
             <a:fld id="{A0BC1B2F-D5E0-B242-823E-FE47CCA4DBA0}" type="datetime1">
               <a:rPr lang="tr-TR" smtClean="0"/>
-              <a:t>14.03.2023</a:t>
+              <a:t>16.03.2023</a:t>
             </a:fld>
             <a:endParaRPr lang="tr-TR"/>
           </a:p>
@@ -811,7 +812,7 @@
           <a:p>
             <a:fld id="{3BC73FB5-D8C3-AB4D-8DC3-034195BC95AC}" type="datetime1">
               <a:rPr lang="tr-TR" smtClean="0"/>
-              <a:t>14.03.2023</a:t>
+              <a:t>16.03.2023</a:t>
             </a:fld>
             <a:endParaRPr lang="tr-TR"/>
           </a:p>
@@ -1019,7 +1020,7 @@
           <a:p>
             <a:fld id="{37895915-7A2F-CA4C-8453-779E38F83BC2}" type="datetime1">
               <a:rPr lang="tr-TR" smtClean="0"/>
-              <a:t>14.03.2023</a:t>
+              <a:t>16.03.2023</a:t>
             </a:fld>
             <a:endParaRPr lang="tr-TR"/>
           </a:p>
@@ -1217,7 +1218,7 @@
           <a:p>
             <a:fld id="{7F255B11-7DE9-9048-8EBC-40258560EEE5}" type="datetime1">
               <a:rPr lang="tr-TR" smtClean="0"/>
-              <a:t>14.03.2023</a:t>
+              <a:t>16.03.2023</a:t>
             </a:fld>
             <a:endParaRPr lang="tr-TR"/>
           </a:p>
@@ -1492,7 +1493,7 @@
           <a:p>
             <a:fld id="{5BD8ED9F-3ECD-B04F-B2E4-17605AAA5218}" type="datetime1">
               <a:rPr lang="tr-TR" smtClean="0"/>
-              <a:t>14.03.2023</a:t>
+              <a:t>16.03.2023</a:t>
             </a:fld>
             <a:endParaRPr lang="tr-TR"/>
           </a:p>
@@ -1757,7 +1758,7 @@
           <a:p>
             <a:fld id="{656E6A8C-24B8-0342-AADE-67C35D8E0AA1}" type="datetime1">
               <a:rPr lang="tr-TR" smtClean="0"/>
-              <a:t>14.03.2023</a:t>
+              <a:t>16.03.2023</a:t>
             </a:fld>
             <a:endParaRPr lang="tr-TR"/>
           </a:p>
@@ -2169,7 +2170,7 @@
           <a:p>
             <a:fld id="{307D2128-DD1F-5247-98CE-CA35DBD5419D}" type="datetime1">
               <a:rPr lang="tr-TR" smtClean="0"/>
-              <a:t>14.03.2023</a:t>
+              <a:t>16.03.2023</a:t>
             </a:fld>
             <a:endParaRPr lang="tr-TR"/>
           </a:p>
@@ -2310,7 +2311,7 @@
           <a:p>
             <a:fld id="{BF100BA4-85BB-7046-B3DC-B72F2A3A6C0C}" type="datetime1">
               <a:rPr lang="tr-TR" smtClean="0"/>
-              <a:t>14.03.2023</a:t>
+              <a:t>16.03.2023</a:t>
             </a:fld>
             <a:endParaRPr lang="tr-TR"/>
           </a:p>
@@ -2423,7 +2424,7 @@
           <a:p>
             <a:fld id="{22BE8E9F-A738-1A4A-8F57-7BFA234AA61E}" type="datetime1">
               <a:rPr lang="tr-TR" smtClean="0"/>
-              <a:t>14.03.2023</a:t>
+              <a:t>16.03.2023</a:t>
             </a:fld>
             <a:endParaRPr lang="tr-TR"/>
           </a:p>
@@ -2734,7 +2735,7 @@
           <a:p>
             <a:fld id="{A5FE5A4D-436B-174F-84D3-6BA2006990AC}" type="datetime1">
               <a:rPr lang="tr-TR" smtClean="0"/>
-              <a:t>14.03.2023</a:t>
+              <a:t>16.03.2023</a:t>
             </a:fld>
             <a:endParaRPr lang="tr-TR"/>
           </a:p>
@@ -3022,7 +3023,7 @@
           <a:p>
             <a:fld id="{8DC0D2D5-5D92-2A41-8A98-0A4CE906BA91}" type="datetime1">
               <a:rPr lang="tr-TR" smtClean="0"/>
-              <a:t>14.03.2023</a:t>
+              <a:t>16.03.2023</a:t>
             </a:fld>
             <a:endParaRPr lang="tr-TR"/>
           </a:p>
@@ -3263,7 +3264,7 @@
           <a:p>
             <a:fld id="{67F5A471-C20F-5449-B7B7-2115A63A2DB2}" type="datetime1">
               <a:rPr lang="tr-TR" smtClean="0"/>
-              <a:t>14.03.2023</a:t>
+              <a:t>16.03.2023</a:t>
             </a:fld>
             <a:endParaRPr lang="tr-TR"/>
           </a:p>
@@ -4088,6 +4089,877 @@
           </a:blip>
           <a:srcRect/>
           <a:stretch>
+            <a:fillRect/>
+          </a:stretch>
+        </a:blipFill>
+        <a:effectLst/>
+      </p:bgPr>
+    </p:bg>
+    <p:spTree>
+      <p:nvGrpSpPr>
+        <p:cNvPr id="1" name=""/>
+        <p:cNvGrpSpPr/>
+        <p:nvPr/>
+      </p:nvGrpSpPr>
+      <p:grpSpPr>
+        <a:xfrm>
+          <a:off x="0" y="0"/>
+          <a:ext cx="0" cy="0"/>
+          <a:chOff x="0" y="0"/>
+          <a:chExt cx="0" cy="0"/>
+        </a:xfrm>
+      </p:grpSpPr>
+      <p:sp>
+        <p:nvSpPr>
+          <p:cNvPr id="2" name="Slayt Numarası Yer Tutucusu 1">
+            <a:extLst>
+              <a:ext uri="{FF2B5EF4-FFF2-40B4-BE49-F238E27FC236}">
+                <a16:creationId xmlns:a16="http://schemas.microsoft.com/office/drawing/2014/main" id="{85E042F7-0256-D9EC-C35C-2D08812F739B}"/>
+              </a:ext>
+            </a:extLst>
+          </p:cNvPr>
+          <p:cNvSpPr>
+            <a:spLocks noGrp="1"/>
+          </p:cNvSpPr>
+          <p:nvPr>
+            <p:ph type="sldNum" sz="quarter" idx="12"/>
+          </p:nvPr>
+        </p:nvSpPr>
+        <p:spPr/>
+        <p:txBody>
+          <a:bodyPr/>
+          <a:lstStyle/>
+          <a:p>
+            <a:fld id="{976E0F06-4CB6-4145-AA97-71AD1A1461D0}" type="slidenum">
+              <a:rPr lang="tr-TR" smtClean="0"/>
+              <a:t>3</a:t>
+            </a:fld>
+            <a:endParaRPr lang="tr-TR"/>
+          </a:p>
+        </p:txBody>
+      </p:sp>
+      <p:sp>
+        <p:nvSpPr>
+          <p:cNvPr id="4" name="Metin kutusu 3">
+            <a:extLst>
+              <a:ext uri="{FF2B5EF4-FFF2-40B4-BE49-F238E27FC236}">
+                <a16:creationId xmlns:a16="http://schemas.microsoft.com/office/drawing/2014/main" id="{C1728D22-C9BF-0D58-7237-C7DC6B867AE9}"/>
+              </a:ext>
+            </a:extLst>
+          </p:cNvPr>
+          <p:cNvSpPr txBox="1"/>
+          <p:nvPr/>
+        </p:nvSpPr>
+        <p:spPr>
+          <a:xfrm>
+            <a:off x="3003539" y="240261"/>
+            <a:ext cx="6184922" cy="769441"/>
+          </a:xfrm>
+          <a:prstGeom prst="rect">
+            <a:avLst/>
+          </a:prstGeom>
+          <a:noFill/>
+        </p:spPr>
+        <p:txBody>
+          <a:bodyPr wrap="square" rtlCol="0">
+            <a:spAutoFit/>
+          </a:bodyPr>
+          <a:lstStyle/>
+          <a:p>
+            <a:r>
+              <a:rPr lang="en-US" sz="4400" b="1" dirty="0">
+                <a:solidFill>
+                  <a:schemeClr val="accent5">
+                    <a:lumMod val="50000"/>
+                  </a:schemeClr>
+                </a:solidFill>
+                <a:latin typeface="Gill Sans" panose="020B0502020104020203" pitchFamily="34" charset="-79"/>
+                <a:cs typeface="Gill Sans" panose="020B0502020104020203" pitchFamily="34" charset="-79"/>
+              </a:rPr>
+              <a:t>Companies Using GO</a:t>
+            </a:r>
+          </a:p>
+        </p:txBody>
+      </p:sp>
+      <p:sp>
+        <p:nvSpPr>
+          <p:cNvPr id="7" name="Metin kutusu 6">
+            <a:extLst>
+              <a:ext uri="{FF2B5EF4-FFF2-40B4-BE49-F238E27FC236}">
+                <a16:creationId xmlns:a16="http://schemas.microsoft.com/office/drawing/2014/main" id="{B97774D0-852D-76E1-4C71-7FABDED62FBD}"/>
+              </a:ext>
+            </a:extLst>
+          </p:cNvPr>
+          <p:cNvSpPr txBox="1"/>
+          <p:nvPr/>
+        </p:nvSpPr>
+        <p:spPr>
+          <a:xfrm>
+            <a:off x="796787" y="1471654"/>
+            <a:ext cx="10598426" cy="3416320"/>
+          </a:xfrm>
+          <a:prstGeom prst="rect">
+            <a:avLst/>
+          </a:prstGeom>
+          <a:noFill/>
+        </p:spPr>
+        <p:txBody>
+          <a:bodyPr wrap="square" rtlCol="0">
+            <a:spAutoFit/>
+          </a:bodyPr>
+          <a:lstStyle/>
+          <a:p>
+            <a:r>
+              <a:rPr lang="en-US" dirty="0">
+                <a:solidFill>
+                  <a:schemeClr val="tx1">
+                    <a:lumMod val="75000"/>
+                    <a:lumOff val="25000"/>
+                  </a:schemeClr>
+                </a:solidFill>
+                <a:latin typeface="Gill Sans" panose="020B0502020104020203" pitchFamily="34" charset="-79"/>
+                <a:cs typeface="Gill Sans" panose="020B0502020104020203" pitchFamily="34" charset="-79"/>
+              </a:rPr>
+              <a:t>Many famous companies in the world use GO language in certain areas like Web Development, Cloud &amp; Network Services, etc. In a few examples:</a:t>
+            </a:r>
+          </a:p>
+          <a:p>
+            <a:endParaRPr lang="en-US" dirty="0">
+              <a:solidFill>
+                <a:schemeClr val="tx1">
+                  <a:lumMod val="75000"/>
+                  <a:lumOff val="25000"/>
+                </a:schemeClr>
+              </a:solidFill>
+              <a:latin typeface="Gill Sans" panose="020B0502020104020203" pitchFamily="34" charset="-79"/>
+              <a:cs typeface="Gill Sans" panose="020B0502020104020203" pitchFamily="34" charset="-79"/>
+            </a:endParaRPr>
+          </a:p>
+          <a:p>
+            <a:pPr marL="285750" indent="-285750">
+              <a:buFont typeface="Arial" panose="020B0604020202020204" pitchFamily="34" charset="0"/>
+              <a:buChar char="•"/>
+            </a:pPr>
+            <a:r>
+              <a:rPr lang="en-US" dirty="0">
+                <a:solidFill>
+                  <a:schemeClr val="tx1">
+                    <a:lumMod val="75000"/>
+                    <a:lumOff val="25000"/>
+                  </a:schemeClr>
+                </a:solidFill>
+                <a:effectLst/>
+                <a:latin typeface="Gill Sans" panose="020B0502020104020203" pitchFamily="34" charset="-79"/>
+                <a:cs typeface="Gill Sans" panose="020B0502020104020203" pitchFamily="34" charset="-79"/>
+              </a:rPr>
+              <a:t>American Express uses GO for payment &amp; rewards.</a:t>
+            </a:r>
+          </a:p>
+          <a:p>
+            <a:pPr marL="285750" indent="-285750">
+              <a:buFont typeface="Arial" panose="020B0604020202020204" pitchFamily="34" charset="0"/>
+              <a:buChar char="•"/>
+            </a:pPr>
+            <a:r>
+              <a:rPr lang="en-US" dirty="0" err="1">
+                <a:solidFill>
+                  <a:schemeClr val="tx1">
+                    <a:lumMod val="75000"/>
+                    <a:lumOff val="25000"/>
+                  </a:schemeClr>
+                </a:solidFill>
+                <a:effectLst/>
+                <a:latin typeface="Gill Sans" panose="020B0502020104020203" pitchFamily="34" charset="-79"/>
+                <a:cs typeface="Gill Sans" panose="020B0502020104020203" pitchFamily="34" charset="-79"/>
+              </a:rPr>
+              <a:t>Paypal</a:t>
+            </a:r>
+            <a:r>
+              <a:rPr lang="en-US" dirty="0">
+                <a:solidFill>
+                  <a:schemeClr val="tx1">
+                    <a:lumMod val="75000"/>
+                    <a:lumOff val="25000"/>
+                  </a:schemeClr>
+                </a:solidFill>
+                <a:effectLst/>
+                <a:latin typeface="Gill Sans" panose="020B0502020104020203" pitchFamily="34" charset="-79"/>
+                <a:cs typeface="Gill Sans" panose="020B0502020104020203" pitchFamily="34" charset="-79"/>
+              </a:rPr>
+              <a:t> taps GO to modernize and scale.</a:t>
+            </a:r>
+          </a:p>
+          <a:p>
+            <a:pPr marL="285750" indent="-285750">
+              <a:buFont typeface="Arial" panose="020B0604020202020204" pitchFamily="34" charset="0"/>
+              <a:buChar char="•"/>
+            </a:pPr>
+            <a:r>
+              <a:rPr lang="en-US" dirty="0">
+                <a:solidFill>
+                  <a:schemeClr val="tx1">
+                    <a:lumMod val="75000"/>
+                    <a:lumOff val="25000"/>
+                  </a:schemeClr>
+                </a:solidFill>
+                <a:effectLst/>
+                <a:latin typeface="Gill Sans" panose="020B0502020104020203" pitchFamily="34" charset="-79"/>
+                <a:cs typeface="Gill Sans" panose="020B0502020104020203" pitchFamily="34" charset="-79"/>
+              </a:rPr>
+              <a:t>Riot Games - leveraging Golang for game development and operations.</a:t>
+            </a:r>
+          </a:p>
+          <a:p>
+            <a:pPr marL="285750" indent="-285750">
+              <a:buFont typeface="Arial" panose="020B0604020202020204" pitchFamily="34" charset="0"/>
+              <a:buChar char="•"/>
+            </a:pPr>
+            <a:r>
+              <a:rPr lang="en-US" dirty="0">
+                <a:solidFill>
+                  <a:schemeClr val="tx1">
+                    <a:lumMod val="75000"/>
+                    <a:lumOff val="25000"/>
+                  </a:schemeClr>
+                </a:solidFill>
+                <a:effectLst/>
+                <a:latin typeface="Gill Sans" panose="020B0502020104020203" pitchFamily="34" charset="-79"/>
+                <a:cs typeface="Gill Sans" panose="020B0502020104020203" pitchFamily="34" charset="-79"/>
+              </a:rPr>
+              <a:t>Salesforce - from Python/C to GO</a:t>
+            </a:r>
+          </a:p>
+          <a:p>
+            <a:pPr marL="285750" indent="-285750">
+              <a:buFont typeface="Arial" panose="020B0604020202020204" pitchFamily="34" charset="0"/>
+              <a:buChar char="•"/>
+            </a:pPr>
+            <a:r>
+              <a:rPr lang="en-US" dirty="0">
+                <a:solidFill>
+                  <a:schemeClr val="tx1">
+                    <a:lumMod val="75000"/>
+                    <a:lumOff val="25000"/>
+                  </a:schemeClr>
+                </a:solidFill>
+                <a:effectLst/>
+                <a:latin typeface="Gill Sans" panose="020B0502020104020203" pitchFamily="34" charset="-79"/>
+                <a:cs typeface="Gill Sans" panose="020B0502020104020203" pitchFamily="34" charset="-79"/>
+              </a:rPr>
+              <a:t>Uber - GPU-power analytics engine in GO.</a:t>
+            </a:r>
+          </a:p>
+          <a:p>
+            <a:pPr marL="285750" indent="-285750">
+              <a:buFont typeface="Arial" panose="020B0604020202020204" pitchFamily="34" charset="0"/>
+              <a:buChar char="•"/>
+            </a:pPr>
+            <a:r>
+              <a:rPr lang="en-US" dirty="0">
+                <a:solidFill>
+                  <a:schemeClr val="tx1">
+                    <a:lumMod val="75000"/>
+                    <a:lumOff val="25000"/>
+                  </a:schemeClr>
+                </a:solidFill>
+                <a:effectLst/>
+                <a:latin typeface="Gill Sans" panose="020B0502020104020203" pitchFamily="34" charset="-79"/>
+                <a:cs typeface="Gill Sans" panose="020B0502020104020203" pitchFamily="34" charset="-79"/>
+              </a:rPr>
+              <a:t>Twitch - GO's march to low-latency GC.</a:t>
+            </a:r>
+          </a:p>
+          <a:p>
+            <a:pPr marL="285750" indent="-285750">
+              <a:buFont typeface="Arial" panose="020B0604020202020204" pitchFamily="34" charset="0"/>
+              <a:buChar char="•"/>
+            </a:pPr>
+            <a:r>
+              <a:rPr lang="en-US" dirty="0" err="1">
+                <a:solidFill>
+                  <a:schemeClr val="tx1">
+                    <a:lumMod val="75000"/>
+                    <a:lumOff val="25000"/>
+                  </a:schemeClr>
+                </a:solidFill>
+                <a:effectLst/>
+                <a:latin typeface="Gill Sans" panose="020B0502020104020203" pitchFamily="34" charset="-79"/>
+                <a:cs typeface="Gill Sans" panose="020B0502020104020203" pitchFamily="34" charset="-79"/>
+              </a:rPr>
+              <a:t>Monzo</a:t>
+            </a:r>
+            <a:r>
+              <a:rPr lang="en-US" dirty="0">
+                <a:solidFill>
+                  <a:schemeClr val="tx1">
+                    <a:lumMod val="75000"/>
+                    <a:lumOff val="25000"/>
+                  </a:schemeClr>
+                </a:solidFill>
+                <a:effectLst/>
+                <a:latin typeface="Gill Sans" panose="020B0502020104020203" pitchFamily="34" charset="-79"/>
+                <a:cs typeface="Gill Sans" panose="020B0502020104020203" pitchFamily="34" charset="-79"/>
+              </a:rPr>
+              <a:t> - Building a bank with Golang, microservices and containers.</a:t>
+            </a:r>
+            <a:endParaRPr lang="en-US" dirty="0">
+              <a:solidFill>
+                <a:schemeClr val="tx1">
+                  <a:lumMod val="75000"/>
+                  <a:lumOff val="25000"/>
+                </a:schemeClr>
+              </a:solidFill>
+              <a:latin typeface="Gill Sans" panose="020B0502020104020203" pitchFamily="34" charset="-79"/>
+              <a:cs typeface="Gill Sans" panose="020B0502020104020203" pitchFamily="34" charset="-79"/>
+            </a:endParaRPr>
+          </a:p>
+          <a:p>
+            <a:endParaRPr lang="tr-TR" dirty="0">
+              <a:solidFill>
+                <a:schemeClr val="tx1">
+                  <a:lumMod val="75000"/>
+                  <a:lumOff val="25000"/>
+                </a:schemeClr>
+              </a:solidFill>
+              <a:effectLst/>
+              <a:latin typeface="Gill Sans" panose="020B0502020104020203" pitchFamily="34" charset="-79"/>
+              <a:cs typeface="Gill Sans" panose="020B0502020104020203" pitchFamily="34" charset="-79"/>
+            </a:endParaRPr>
+          </a:p>
+          <a:p>
+            <a:pPr marL="285750" indent="-285750">
+              <a:buFont typeface="Arial" panose="020B0604020202020204" pitchFamily="34" charset="0"/>
+              <a:buChar char="•"/>
+            </a:pPr>
+            <a:endParaRPr lang="en-US" dirty="0">
+              <a:solidFill>
+                <a:schemeClr val="tx1">
+                  <a:lumMod val="75000"/>
+                  <a:lumOff val="25000"/>
+                </a:schemeClr>
+              </a:solidFill>
+              <a:latin typeface="Gill Sans" panose="020B0502020104020203" pitchFamily="34" charset="-79"/>
+              <a:cs typeface="Gill Sans" panose="020B0502020104020203" pitchFamily="34" charset="-79"/>
+            </a:endParaRPr>
+          </a:p>
+        </p:txBody>
+      </p:sp>
+      <p:pic>
+        <p:nvPicPr>
+          <p:cNvPr id="9" name="Grafik 8">
+            <a:extLst>
+              <a:ext uri="{FF2B5EF4-FFF2-40B4-BE49-F238E27FC236}">
+                <a16:creationId xmlns:a16="http://schemas.microsoft.com/office/drawing/2014/main" id="{EFAE01FC-9A79-5198-2E14-A2CA799A334A}"/>
+              </a:ext>
+            </a:extLst>
+          </p:cNvPr>
+          <p:cNvPicPr>
+            <a:picLocks noChangeAspect="1"/>
+          </p:cNvPicPr>
+          <p:nvPr/>
+        </p:nvPicPr>
+        <p:blipFill>
+          <a:blip r:embed="rId3">
+            <a:extLst>
+              <a:ext uri="{96DAC541-7B7A-43D3-8B79-37D633B846F1}">
+                <asvg:svgBlip xmlns:asvg="http://schemas.microsoft.com/office/drawing/2016/SVG/main" r:embed="rId4"/>
+              </a:ext>
+            </a:extLst>
+          </a:blip>
+          <a:stretch>
+            <a:fillRect/>
+          </a:stretch>
+        </p:blipFill>
+        <p:spPr>
+          <a:xfrm>
+            <a:off x="408246" y="5691134"/>
+            <a:ext cx="651811" cy="650073"/>
+          </a:xfrm>
+          <a:prstGeom prst="rect">
+            <a:avLst/>
+          </a:prstGeom>
+        </p:spPr>
+      </p:pic>
+      <p:pic>
+        <p:nvPicPr>
+          <p:cNvPr id="41" name="Resim 40" descr="logo içeren bir resim&#10;&#10;Açıklama otomatik olarak oluşturuldu">
+            <a:extLst>
+              <a:ext uri="{FF2B5EF4-FFF2-40B4-BE49-F238E27FC236}">
+                <a16:creationId xmlns:a16="http://schemas.microsoft.com/office/drawing/2014/main" id="{A4F834E4-523C-DD25-6378-B43653602139}"/>
+              </a:ext>
+            </a:extLst>
+          </p:cNvPr>
+          <p:cNvPicPr>
+            <a:picLocks noChangeAspect="1"/>
+          </p:cNvPicPr>
+          <p:nvPr/>
+        </p:nvPicPr>
+        <p:blipFill>
+          <a:blip r:embed="rId5"/>
+          <a:stretch>
+            <a:fillRect/>
+          </a:stretch>
+        </p:blipFill>
+        <p:spPr>
+          <a:xfrm>
+            <a:off x="1507101" y="5646698"/>
+            <a:ext cx="2040092" cy="652529"/>
+          </a:xfrm>
+          <a:prstGeom prst="rect">
+            <a:avLst/>
+          </a:prstGeom>
+        </p:spPr>
+      </p:pic>
+      <p:pic>
+        <p:nvPicPr>
+          <p:cNvPr id="43" name="Grafik 42">
+            <a:extLst>
+              <a:ext uri="{FF2B5EF4-FFF2-40B4-BE49-F238E27FC236}">
+                <a16:creationId xmlns:a16="http://schemas.microsoft.com/office/drawing/2014/main" id="{7404BCF3-3C03-7AA8-B81C-24AB4CBF1F5F}"/>
+              </a:ext>
+            </a:extLst>
+          </p:cNvPr>
+          <p:cNvPicPr>
+            <a:picLocks noChangeAspect="1"/>
+          </p:cNvPicPr>
+          <p:nvPr/>
+        </p:nvPicPr>
+        <p:blipFill>
+          <a:blip r:embed="rId6">
+            <a:extLst>
+              <a:ext uri="{96DAC541-7B7A-43D3-8B79-37D633B846F1}">
+                <asvg:svgBlip xmlns:asvg="http://schemas.microsoft.com/office/drawing/2016/SVG/main" r:embed="rId7"/>
+              </a:ext>
+            </a:extLst>
+          </a:blip>
+          <a:stretch>
+            <a:fillRect/>
+          </a:stretch>
+        </p:blipFill>
+        <p:spPr>
+          <a:xfrm>
+            <a:off x="3705031" y="5691134"/>
+            <a:ext cx="1386451" cy="744666"/>
+          </a:xfrm>
+          <a:prstGeom prst="rect">
+            <a:avLst/>
+          </a:prstGeom>
+        </p:spPr>
+      </p:pic>
+      <p:pic>
+        <p:nvPicPr>
+          <p:cNvPr id="45" name="Resim 44" descr="zemin, bina, hafif, kontrol eden, damalı içeren bir resim&#10;&#10;Açıklama otomatik olarak oluşturuldu">
+            <a:extLst>
+              <a:ext uri="{FF2B5EF4-FFF2-40B4-BE49-F238E27FC236}">
+                <a16:creationId xmlns:a16="http://schemas.microsoft.com/office/drawing/2014/main" id="{BC631CB9-C82D-47FD-F461-B03FFE235316}"/>
+              </a:ext>
+            </a:extLst>
+          </p:cNvPr>
+          <p:cNvPicPr>
+            <a:picLocks noChangeAspect="1"/>
+          </p:cNvPicPr>
+          <p:nvPr/>
+        </p:nvPicPr>
+        <p:blipFill>
+          <a:blip r:embed="rId8"/>
+          <a:stretch>
+            <a:fillRect/>
+          </a:stretch>
+        </p:blipFill>
+        <p:spPr>
+          <a:xfrm>
+            <a:off x="5380888" y="5646698"/>
+            <a:ext cx="704917" cy="658800"/>
+          </a:xfrm>
+          <a:prstGeom prst="rect">
+            <a:avLst/>
+          </a:prstGeom>
+        </p:spPr>
+      </p:pic>
+      <p:pic>
+        <p:nvPicPr>
+          <p:cNvPr id="47" name="Grafik 46">
+            <a:extLst>
+              <a:ext uri="{FF2B5EF4-FFF2-40B4-BE49-F238E27FC236}">
+                <a16:creationId xmlns:a16="http://schemas.microsoft.com/office/drawing/2014/main" id="{D32FCF55-476B-0BA5-D8C4-D2240958200F}"/>
+              </a:ext>
+            </a:extLst>
+          </p:cNvPr>
+          <p:cNvPicPr>
+            <a:picLocks noChangeAspect="1"/>
+          </p:cNvPicPr>
+          <p:nvPr/>
+        </p:nvPicPr>
+        <p:blipFill>
+          <a:blip r:embed="rId9">
+            <a:extLst>
+              <a:ext uri="{96DAC541-7B7A-43D3-8B79-37D633B846F1}">
+                <asvg:svgBlip xmlns:asvg="http://schemas.microsoft.com/office/drawing/2016/SVG/main" r:embed="rId10"/>
+              </a:ext>
+            </a:extLst>
+          </a:blip>
+          <a:stretch>
+            <a:fillRect/>
+          </a:stretch>
+        </p:blipFill>
+        <p:spPr>
+          <a:xfrm>
+            <a:off x="6527789" y="5702111"/>
+            <a:ext cx="1173687" cy="541702"/>
+          </a:xfrm>
+          <a:prstGeom prst="rect">
+            <a:avLst/>
+          </a:prstGeom>
+        </p:spPr>
+      </p:pic>
+      <p:pic>
+        <p:nvPicPr>
+          <p:cNvPr id="49" name="Grafik 48">
+            <a:extLst>
+              <a:ext uri="{FF2B5EF4-FFF2-40B4-BE49-F238E27FC236}">
+                <a16:creationId xmlns:a16="http://schemas.microsoft.com/office/drawing/2014/main" id="{39A9E02E-713A-F16B-2F00-A6A7E291E1B3}"/>
+              </a:ext>
+            </a:extLst>
+          </p:cNvPr>
+          <p:cNvPicPr>
+            <a:picLocks noChangeAspect="1"/>
+          </p:cNvPicPr>
+          <p:nvPr/>
+        </p:nvPicPr>
+        <p:blipFill>
+          <a:blip r:embed="rId11">
+            <a:extLst>
+              <a:ext uri="{96DAC541-7B7A-43D3-8B79-37D633B846F1}">
+                <asvg:svgBlip xmlns:asvg="http://schemas.microsoft.com/office/drawing/2016/SVG/main" r:embed="rId12"/>
+              </a:ext>
+            </a:extLst>
+          </a:blip>
+          <a:stretch>
+            <a:fillRect/>
+          </a:stretch>
+        </p:blipFill>
+        <p:spPr>
+          <a:xfrm>
+            <a:off x="8163458" y="5718680"/>
+            <a:ext cx="1818742" cy="594979"/>
+          </a:xfrm>
+          <a:prstGeom prst="rect">
+            <a:avLst/>
+          </a:prstGeom>
+        </p:spPr>
+      </p:pic>
+      <p:pic>
+        <p:nvPicPr>
+          <p:cNvPr id="51" name="Grafik 50">
+            <a:extLst>
+              <a:ext uri="{FF2B5EF4-FFF2-40B4-BE49-F238E27FC236}">
+                <a16:creationId xmlns:a16="http://schemas.microsoft.com/office/drawing/2014/main" id="{63EDA15F-1538-7424-59D2-AF7A8BEBE324}"/>
+              </a:ext>
+            </a:extLst>
+          </p:cNvPr>
+          <p:cNvPicPr>
+            <a:picLocks noChangeAspect="1"/>
+          </p:cNvPicPr>
+          <p:nvPr/>
+        </p:nvPicPr>
+        <p:blipFill>
+          <a:blip r:embed="rId13">
+            <a:extLst>
+              <a:ext uri="{96DAC541-7B7A-43D3-8B79-37D633B846F1}">
+                <asvg:svgBlip xmlns:asvg="http://schemas.microsoft.com/office/drawing/2016/SVG/main" r:embed="rId14"/>
+              </a:ext>
+            </a:extLst>
+          </a:blip>
+          <a:stretch>
+            <a:fillRect/>
+          </a:stretch>
+        </p:blipFill>
+        <p:spPr>
+          <a:xfrm>
+            <a:off x="408246" y="4821277"/>
+            <a:ext cx="1919440" cy="387114"/>
+          </a:xfrm>
+          <a:prstGeom prst="rect">
+            <a:avLst/>
+          </a:prstGeom>
+        </p:spPr>
+      </p:pic>
+      <p:pic>
+        <p:nvPicPr>
+          <p:cNvPr id="53" name="Grafik 52">
+            <a:extLst>
+              <a:ext uri="{FF2B5EF4-FFF2-40B4-BE49-F238E27FC236}">
+                <a16:creationId xmlns:a16="http://schemas.microsoft.com/office/drawing/2014/main" id="{B5D8903F-74AA-C800-58B1-0673B0C94097}"/>
+              </a:ext>
+            </a:extLst>
+          </p:cNvPr>
+          <p:cNvPicPr>
+            <a:picLocks noChangeAspect="1"/>
+          </p:cNvPicPr>
+          <p:nvPr/>
+        </p:nvPicPr>
+        <p:blipFill>
+          <a:blip r:embed="rId15">
+            <a:extLst>
+              <a:ext uri="{96DAC541-7B7A-43D3-8B79-37D633B846F1}">
+                <asvg:svgBlip xmlns:asvg="http://schemas.microsoft.com/office/drawing/2016/SVG/main" r:embed="rId16"/>
+              </a:ext>
+            </a:extLst>
+          </a:blip>
+          <a:stretch>
+            <a:fillRect/>
+          </a:stretch>
+        </p:blipFill>
+        <p:spPr>
+          <a:xfrm>
+            <a:off x="2857135" y="4703053"/>
+            <a:ext cx="546088" cy="744666"/>
+          </a:xfrm>
+          <a:prstGeom prst="rect">
+            <a:avLst/>
+          </a:prstGeom>
+        </p:spPr>
+      </p:pic>
+      <p:pic>
+        <p:nvPicPr>
+          <p:cNvPr id="55" name="Grafik 54">
+            <a:extLst>
+              <a:ext uri="{FF2B5EF4-FFF2-40B4-BE49-F238E27FC236}">
+                <a16:creationId xmlns:a16="http://schemas.microsoft.com/office/drawing/2014/main" id="{E391EB21-1336-541F-287F-8FB9507AFE1D}"/>
+              </a:ext>
+            </a:extLst>
+          </p:cNvPr>
+          <p:cNvPicPr>
+            <a:picLocks noChangeAspect="1"/>
+          </p:cNvPicPr>
+          <p:nvPr/>
+        </p:nvPicPr>
+        <p:blipFill>
+          <a:blip r:embed="rId17">
+            <a:extLst>
+              <a:ext uri="{96DAC541-7B7A-43D3-8B79-37D633B846F1}">
+                <asvg:svgBlip xmlns:asvg="http://schemas.microsoft.com/office/drawing/2016/SVG/main" r:embed="rId18"/>
+              </a:ext>
+            </a:extLst>
+          </a:blip>
+          <a:stretch>
+            <a:fillRect/>
+          </a:stretch>
+        </p:blipFill>
+        <p:spPr>
+          <a:xfrm>
+            <a:off x="10378254" y="5737833"/>
+            <a:ext cx="1405500" cy="505980"/>
+          </a:xfrm>
+          <a:prstGeom prst="rect">
+            <a:avLst/>
+          </a:prstGeom>
+        </p:spPr>
+      </p:pic>
+      <p:pic>
+        <p:nvPicPr>
+          <p:cNvPr id="57" name="Grafik 56">
+            <a:extLst>
+              <a:ext uri="{FF2B5EF4-FFF2-40B4-BE49-F238E27FC236}">
+                <a16:creationId xmlns:a16="http://schemas.microsoft.com/office/drawing/2014/main" id="{BB66C18C-006C-5E6E-E1BF-E29EF48F0D25}"/>
+              </a:ext>
+            </a:extLst>
+          </p:cNvPr>
+          <p:cNvPicPr>
+            <a:picLocks noChangeAspect="1"/>
+          </p:cNvPicPr>
+          <p:nvPr/>
+        </p:nvPicPr>
+        <p:blipFill>
+          <a:blip r:embed="rId19">
+            <a:extLst>
+              <a:ext uri="{96DAC541-7B7A-43D3-8B79-37D633B846F1}">
+                <asvg:svgBlip xmlns:asvg="http://schemas.microsoft.com/office/drawing/2016/SVG/main" r:embed="rId20"/>
+              </a:ext>
+            </a:extLst>
+          </a:blip>
+          <a:stretch>
+            <a:fillRect/>
+          </a:stretch>
+        </p:blipFill>
+        <p:spPr>
+          <a:xfrm>
+            <a:off x="3932672" y="4745986"/>
+            <a:ext cx="558311" cy="658800"/>
+          </a:xfrm>
+          <a:prstGeom prst="rect">
+            <a:avLst/>
+          </a:prstGeom>
+        </p:spPr>
+      </p:pic>
+      <p:pic>
+        <p:nvPicPr>
+          <p:cNvPr id="59" name="Grafik 58">
+            <a:extLst>
+              <a:ext uri="{FF2B5EF4-FFF2-40B4-BE49-F238E27FC236}">
+                <a16:creationId xmlns:a16="http://schemas.microsoft.com/office/drawing/2014/main" id="{F695169F-637E-BB47-96E0-4710AD6DF7E4}"/>
+              </a:ext>
+            </a:extLst>
+          </p:cNvPr>
+          <p:cNvPicPr>
+            <a:picLocks noChangeAspect="1"/>
+          </p:cNvPicPr>
+          <p:nvPr/>
+        </p:nvPicPr>
+        <p:blipFill>
+          <a:blip r:embed="rId21">
+            <a:extLst>
+              <a:ext uri="{96DAC541-7B7A-43D3-8B79-37D633B846F1}">
+                <asvg:svgBlip xmlns:asvg="http://schemas.microsoft.com/office/drawing/2016/SVG/main" r:embed="rId22"/>
+              </a:ext>
+            </a:extLst>
+          </a:blip>
+          <a:stretch>
+            <a:fillRect/>
+          </a:stretch>
+        </p:blipFill>
+        <p:spPr>
+          <a:xfrm>
+            <a:off x="5020432" y="4844225"/>
+            <a:ext cx="1620374" cy="515086"/>
+          </a:xfrm>
+          <a:prstGeom prst="rect">
+            <a:avLst/>
+          </a:prstGeom>
+        </p:spPr>
+      </p:pic>
+      <p:pic>
+        <p:nvPicPr>
+          <p:cNvPr id="61" name="Grafik 60">
+            <a:extLst>
+              <a:ext uri="{FF2B5EF4-FFF2-40B4-BE49-F238E27FC236}">
+                <a16:creationId xmlns:a16="http://schemas.microsoft.com/office/drawing/2014/main" id="{7E4609E0-9A3B-B878-CAEE-D90B7FC66447}"/>
+              </a:ext>
+            </a:extLst>
+          </p:cNvPr>
+          <p:cNvPicPr>
+            <a:picLocks noChangeAspect="1"/>
+          </p:cNvPicPr>
+          <p:nvPr/>
+        </p:nvPicPr>
+        <p:blipFill>
+          <a:blip r:embed="rId23">
+            <a:extLst>
+              <a:ext uri="{96DAC541-7B7A-43D3-8B79-37D633B846F1}">
+                <asvg:svgBlip xmlns:asvg="http://schemas.microsoft.com/office/drawing/2016/SVG/main" r:embed="rId24"/>
+              </a:ext>
+            </a:extLst>
+          </a:blip>
+          <a:stretch>
+            <a:fillRect/>
+          </a:stretch>
+        </p:blipFill>
+        <p:spPr>
+          <a:xfrm>
+            <a:off x="7104453" y="4798750"/>
+            <a:ext cx="1086087" cy="560561"/>
+          </a:xfrm>
+          <a:prstGeom prst="rect">
+            <a:avLst/>
+          </a:prstGeom>
+        </p:spPr>
+      </p:pic>
+      <p:pic>
+        <p:nvPicPr>
+          <p:cNvPr id="63" name="Grafik 62">
+            <a:extLst>
+              <a:ext uri="{FF2B5EF4-FFF2-40B4-BE49-F238E27FC236}">
+                <a16:creationId xmlns:a16="http://schemas.microsoft.com/office/drawing/2014/main" id="{55FF56DF-F324-124D-E5A4-789E9877318E}"/>
+              </a:ext>
+            </a:extLst>
+          </p:cNvPr>
+          <p:cNvPicPr>
+            <a:picLocks noChangeAspect="1"/>
+          </p:cNvPicPr>
+          <p:nvPr/>
+        </p:nvPicPr>
+        <p:blipFill>
+          <a:blip r:embed="rId25">
+            <a:extLst>
+              <a:ext uri="{96DAC541-7B7A-43D3-8B79-37D633B846F1}">
+                <asvg:svgBlip xmlns:asvg="http://schemas.microsoft.com/office/drawing/2016/SVG/main" r:embed="rId26"/>
+              </a:ext>
+            </a:extLst>
+          </a:blip>
+          <a:stretch>
+            <a:fillRect/>
+          </a:stretch>
+        </p:blipFill>
+        <p:spPr>
+          <a:xfrm>
+            <a:off x="8579081" y="4844225"/>
+            <a:ext cx="1651012" cy="511281"/>
+          </a:xfrm>
+          <a:prstGeom prst="rect">
+            <a:avLst/>
+          </a:prstGeom>
+        </p:spPr>
+      </p:pic>
+      <p:pic>
+        <p:nvPicPr>
+          <p:cNvPr id="65" name="Grafik 64">
+            <a:extLst>
+              <a:ext uri="{FF2B5EF4-FFF2-40B4-BE49-F238E27FC236}">
+                <a16:creationId xmlns:a16="http://schemas.microsoft.com/office/drawing/2014/main" id="{8AC642A9-03B3-BC28-6377-8631BE54FE47}"/>
+              </a:ext>
+            </a:extLst>
+          </p:cNvPr>
+          <p:cNvPicPr>
+            <a:picLocks noChangeAspect="1"/>
+          </p:cNvPicPr>
+          <p:nvPr/>
+        </p:nvPicPr>
+        <p:blipFill>
+          <a:blip r:embed="rId27">
+            <a:extLst>
+              <a:ext uri="{96DAC541-7B7A-43D3-8B79-37D633B846F1}">
+                <asvg:svgBlip xmlns:asvg="http://schemas.microsoft.com/office/drawing/2016/SVG/main" r:embed="rId28"/>
+              </a:ext>
+            </a:extLst>
+          </a:blip>
+          <a:stretch>
+            <a:fillRect/>
+          </a:stretch>
+        </p:blipFill>
+        <p:spPr>
+          <a:xfrm>
+            <a:off x="10618634" y="4829601"/>
+            <a:ext cx="1278248" cy="568110"/>
+          </a:xfrm>
+          <a:prstGeom prst="rect">
+            <a:avLst/>
+          </a:prstGeom>
+        </p:spPr>
+      </p:pic>
+    </p:spTree>
+    <p:extLst>
+      <p:ext uri="{BB962C8B-B14F-4D97-AF65-F5344CB8AC3E}">
+        <p14:creationId xmlns:p14="http://schemas.microsoft.com/office/powerpoint/2010/main" val="3130587467"/>
+      </p:ext>
+    </p:extLst>
+  </p:cSld>
+  <p:clrMapOvr>
+    <a:masterClrMapping/>
+  </p:clrMapOvr>
+</p:sld>
+</file>
+
+<file path=ppt/slides/slide4.xml><?xml version="1.0" encoding="utf-8"?>
+<p:sld xmlns:a="http://schemas.openxmlformats.org/drawingml/2006/main" xmlns:r="http://schemas.openxmlformats.org/officeDocument/2006/relationships" xmlns:p="http://schemas.openxmlformats.org/presentationml/2006/main">
+  <p:cSld>
+    <p:bg>
+      <p:bgPr>
+        <a:blipFill dpi="0" rotWithShape="1">
+          <a:blip r:embed="rId2">
+            <a:lum/>
+          </a:blip>
+          <a:srcRect/>
+          <a:stretch>
             <a:fillRect l="-7000" r="-7000"/>
           </a:stretch>
         </a:blipFill>
@@ -4131,7 +5003,7 @@
           <a:p>
             <a:fld id="{976E0F06-4CB6-4145-AA97-71AD1A1461D0}" type="slidenum">
               <a:rPr lang="tr-TR" smtClean="0"/>
-              <a:t>3</a:t>
+              <a:t>4</a:t>
             </a:fld>
             <a:endParaRPr lang="tr-TR"/>
           </a:p>

--- a/GO.pptx
+++ b/GO.pptx
@@ -5,13 +5,20 @@
     <p:sldMasterId id="2147483648" r:id="rId1"/>
   </p:sldMasterIdLst>
   <p:notesMasterIdLst>
-    <p:notesMasterId r:id="rId6"/>
+    <p:notesMasterId r:id="rId13"/>
   </p:notesMasterIdLst>
   <p:sldIdLst>
     <p:sldId id="256" r:id="rId2"/>
     <p:sldId id="257" r:id="rId3"/>
-    <p:sldId id="259" r:id="rId4"/>
-    <p:sldId id="258" r:id="rId5"/>
+    <p:sldId id="260" r:id="rId4"/>
+    <p:sldId id="261" r:id="rId5"/>
+    <p:sldId id="259" r:id="rId6"/>
+    <p:sldId id="262" r:id="rId7"/>
+    <p:sldId id="263" r:id="rId8"/>
+    <p:sldId id="264" r:id="rId9"/>
+    <p:sldId id="265" r:id="rId10"/>
+    <p:sldId id="266" r:id="rId11"/>
+    <p:sldId id="258" r:id="rId12"/>
   </p:sldIdLst>
   <p:sldSz cx="12192000" cy="6858000"/>
   <p:notesSz cx="6858000" cy="9144000"/>
@@ -200,7 +207,7 @@
           <a:p>
             <a:fld id="{C5BC088C-EE55-154C-9AC8-BC5C920DF30B}" type="datetimeFigureOut">
               <a:rPr lang="tr-TR" smtClean="0"/>
-              <a:t>16.03.2023</a:t>
+              <a:t>26.03.2023</a:t>
             </a:fld>
             <a:endParaRPr lang="tr-TR"/>
           </a:p>
@@ -467,6 +474,174 @@
 </p:notesMaster>
 </file>
 
+<file path=ppt/notesSlides/notesSlide1.xml><?xml version="1.0" encoding="utf-8"?>
+<p:notes xmlns:a="http://schemas.openxmlformats.org/drawingml/2006/main" xmlns:r="http://schemas.openxmlformats.org/officeDocument/2006/relationships" xmlns:p="http://schemas.openxmlformats.org/presentationml/2006/main">
+  <p:cSld>
+    <p:spTree>
+      <p:nvGrpSpPr>
+        <p:cNvPr id="1" name=""/>
+        <p:cNvGrpSpPr/>
+        <p:nvPr/>
+      </p:nvGrpSpPr>
+      <p:grpSpPr>
+        <a:xfrm>
+          <a:off x="0" y="0"/>
+          <a:ext cx="0" cy="0"/>
+          <a:chOff x="0" y="0"/>
+          <a:chExt cx="0" cy="0"/>
+        </a:xfrm>
+      </p:grpSpPr>
+      <p:sp>
+        <p:nvSpPr>
+          <p:cNvPr id="2" name="Slayt Resmi Yer Tutucusu 1"/>
+          <p:cNvSpPr>
+            <a:spLocks noGrp="1" noRot="1" noChangeAspect="1"/>
+          </p:cNvSpPr>
+          <p:nvPr>
+            <p:ph type="sldImg"/>
+          </p:nvPr>
+        </p:nvSpPr>
+        <p:spPr/>
+      </p:sp>
+      <p:sp>
+        <p:nvSpPr>
+          <p:cNvPr id="3" name="Not Yer Tutucusu 2"/>
+          <p:cNvSpPr>
+            <a:spLocks noGrp="1"/>
+          </p:cNvSpPr>
+          <p:nvPr>
+            <p:ph type="body" idx="1"/>
+          </p:nvPr>
+        </p:nvSpPr>
+        <p:spPr/>
+        <p:txBody>
+          <a:bodyPr/>
+          <a:lstStyle/>
+          <a:p>
+            <a:endParaRPr lang="en-US" dirty="0"/>
+          </a:p>
+        </p:txBody>
+      </p:sp>
+      <p:sp>
+        <p:nvSpPr>
+          <p:cNvPr id="4" name="Slayt Numarası Yer Tutucusu 3"/>
+          <p:cNvSpPr>
+            <a:spLocks noGrp="1"/>
+          </p:cNvSpPr>
+          <p:nvPr>
+            <p:ph type="sldNum" sz="quarter" idx="5"/>
+          </p:nvPr>
+        </p:nvSpPr>
+        <p:spPr/>
+        <p:txBody>
+          <a:bodyPr/>
+          <a:lstStyle/>
+          <a:p>
+            <a:fld id="{B6F67602-9964-064F-AEAC-A33314438FC9}" type="slidenum">
+              <a:rPr lang="tr-TR" smtClean="0"/>
+              <a:t>4</a:t>
+            </a:fld>
+            <a:endParaRPr lang="tr-TR"/>
+          </a:p>
+        </p:txBody>
+      </p:sp>
+    </p:spTree>
+    <p:extLst>
+      <p:ext uri="{BB962C8B-B14F-4D97-AF65-F5344CB8AC3E}">
+        <p14:creationId xmlns:p14="http://schemas.microsoft.com/office/powerpoint/2010/main" val="3118357852"/>
+      </p:ext>
+    </p:extLst>
+  </p:cSld>
+  <p:clrMapOvr>
+    <a:masterClrMapping/>
+  </p:clrMapOvr>
+</p:notes>
+</file>
+
+<file path=ppt/notesSlides/notesSlide2.xml><?xml version="1.0" encoding="utf-8"?>
+<p:notes xmlns:a="http://schemas.openxmlformats.org/drawingml/2006/main" xmlns:r="http://schemas.openxmlformats.org/officeDocument/2006/relationships" xmlns:p="http://schemas.openxmlformats.org/presentationml/2006/main">
+  <p:cSld>
+    <p:spTree>
+      <p:nvGrpSpPr>
+        <p:cNvPr id="1" name=""/>
+        <p:cNvGrpSpPr/>
+        <p:nvPr/>
+      </p:nvGrpSpPr>
+      <p:grpSpPr>
+        <a:xfrm>
+          <a:off x="0" y="0"/>
+          <a:ext cx="0" cy="0"/>
+          <a:chOff x="0" y="0"/>
+          <a:chExt cx="0" cy="0"/>
+        </a:xfrm>
+      </p:grpSpPr>
+      <p:sp>
+        <p:nvSpPr>
+          <p:cNvPr id="2" name="Slayt Resmi Yer Tutucusu 1"/>
+          <p:cNvSpPr>
+            <a:spLocks noGrp="1" noRot="1" noChangeAspect="1"/>
+          </p:cNvSpPr>
+          <p:nvPr>
+            <p:ph type="sldImg"/>
+          </p:nvPr>
+        </p:nvSpPr>
+        <p:spPr/>
+      </p:sp>
+      <p:sp>
+        <p:nvSpPr>
+          <p:cNvPr id="3" name="Not Yer Tutucusu 2"/>
+          <p:cNvSpPr>
+            <a:spLocks noGrp="1"/>
+          </p:cNvSpPr>
+          <p:nvPr>
+            <p:ph type="body" idx="1"/>
+          </p:nvPr>
+        </p:nvSpPr>
+        <p:spPr/>
+        <p:txBody>
+          <a:bodyPr/>
+          <a:lstStyle/>
+          <a:p>
+            <a:endParaRPr lang="en-US" dirty="0"/>
+          </a:p>
+        </p:txBody>
+      </p:sp>
+      <p:sp>
+        <p:nvSpPr>
+          <p:cNvPr id="4" name="Slayt Numarası Yer Tutucusu 3"/>
+          <p:cNvSpPr>
+            <a:spLocks noGrp="1"/>
+          </p:cNvSpPr>
+          <p:nvPr>
+            <p:ph type="sldNum" sz="quarter" idx="5"/>
+          </p:nvPr>
+        </p:nvSpPr>
+        <p:spPr/>
+        <p:txBody>
+          <a:bodyPr/>
+          <a:lstStyle/>
+          <a:p>
+            <a:fld id="{B6F67602-9964-064F-AEAC-A33314438FC9}" type="slidenum">
+              <a:rPr lang="tr-TR" smtClean="0"/>
+              <a:t>6</a:t>
+            </a:fld>
+            <a:endParaRPr lang="tr-TR"/>
+          </a:p>
+        </p:txBody>
+      </p:sp>
+    </p:spTree>
+    <p:extLst>
+      <p:ext uri="{BB962C8B-B14F-4D97-AF65-F5344CB8AC3E}">
+        <p14:creationId xmlns:p14="http://schemas.microsoft.com/office/powerpoint/2010/main" val="900426966"/>
+      </p:ext>
+    </p:extLst>
+  </p:cSld>
+  <p:clrMapOvr>
+    <a:masterClrMapping/>
+  </p:clrMapOvr>
+</p:notes>
+</file>
+
 <file path=ppt/slideLayouts/slideLayout1.xml><?xml version="1.0" encoding="utf-8"?>
 <p:sldLayout xmlns:a="http://schemas.openxmlformats.org/drawingml/2006/main" xmlns:r="http://schemas.openxmlformats.org/officeDocument/2006/relationships" xmlns:p="http://schemas.openxmlformats.org/presentationml/2006/main" type="title" preserve="1">
   <p:cSld name="Başlık Slaydı">
@@ -614,7 +789,7 @@
           <a:p>
             <a:fld id="{A0BC1B2F-D5E0-B242-823E-FE47CCA4DBA0}" type="datetime1">
               <a:rPr lang="tr-TR" smtClean="0"/>
-              <a:t>16.03.2023</a:t>
+              <a:t>26.03.2023</a:t>
             </a:fld>
             <a:endParaRPr lang="tr-TR"/>
           </a:p>
@@ -812,7 +987,7 @@
           <a:p>
             <a:fld id="{3BC73FB5-D8C3-AB4D-8DC3-034195BC95AC}" type="datetime1">
               <a:rPr lang="tr-TR" smtClean="0"/>
-              <a:t>16.03.2023</a:t>
+              <a:t>26.03.2023</a:t>
             </a:fld>
             <a:endParaRPr lang="tr-TR"/>
           </a:p>
@@ -1020,7 +1195,7 @@
           <a:p>
             <a:fld id="{37895915-7A2F-CA4C-8453-779E38F83BC2}" type="datetime1">
               <a:rPr lang="tr-TR" smtClean="0"/>
-              <a:t>16.03.2023</a:t>
+              <a:t>26.03.2023</a:t>
             </a:fld>
             <a:endParaRPr lang="tr-TR"/>
           </a:p>
@@ -1218,7 +1393,7 @@
           <a:p>
             <a:fld id="{7F255B11-7DE9-9048-8EBC-40258560EEE5}" type="datetime1">
               <a:rPr lang="tr-TR" smtClean="0"/>
-              <a:t>16.03.2023</a:t>
+              <a:t>26.03.2023</a:t>
             </a:fld>
             <a:endParaRPr lang="tr-TR"/>
           </a:p>
@@ -1493,7 +1668,7 @@
           <a:p>
             <a:fld id="{5BD8ED9F-3ECD-B04F-B2E4-17605AAA5218}" type="datetime1">
               <a:rPr lang="tr-TR" smtClean="0"/>
-              <a:t>16.03.2023</a:t>
+              <a:t>26.03.2023</a:t>
             </a:fld>
             <a:endParaRPr lang="tr-TR"/>
           </a:p>
@@ -1758,7 +1933,7 @@
           <a:p>
             <a:fld id="{656E6A8C-24B8-0342-AADE-67C35D8E0AA1}" type="datetime1">
               <a:rPr lang="tr-TR" smtClean="0"/>
-              <a:t>16.03.2023</a:t>
+              <a:t>26.03.2023</a:t>
             </a:fld>
             <a:endParaRPr lang="tr-TR"/>
           </a:p>
@@ -2170,7 +2345,7 @@
           <a:p>
             <a:fld id="{307D2128-DD1F-5247-98CE-CA35DBD5419D}" type="datetime1">
               <a:rPr lang="tr-TR" smtClean="0"/>
-              <a:t>16.03.2023</a:t>
+              <a:t>26.03.2023</a:t>
             </a:fld>
             <a:endParaRPr lang="tr-TR"/>
           </a:p>
@@ -2311,7 +2486,7 @@
           <a:p>
             <a:fld id="{BF100BA4-85BB-7046-B3DC-B72F2A3A6C0C}" type="datetime1">
               <a:rPr lang="tr-TR" smtClean="0"/>
-              <a:t>16.03.2023</a:t>
+              <a:t>26.03.2023</a:t>
             </a:fld>
             <a:endParaRPr lang="tr-TR"/>
           </a:p>
@@ -2424,7 +2599,7 @@
           <a:p>
             <a:fld id="{22BE8E9F-A738-1A4A-8F57-7BFA234AA61E}" type="datetime1">
               <a:rPr lang="tr-TR" smtClean="0"/>
-              <a:t>16.03.2023</a:t>
+              <a:t>26.03.2023</a:t>
             </a:fld>
             <a:endParaRPr lang="tr-TR"/>
           </a:p>
@@ -2735,7 +2910,7 @@
           <a:p>
             <a:fld id="{A5FE5A4D-436B-174F-84D3-6BA2006990AC}" type="datetime1">
               <a:rPr lang="tr-TR" smtClean="0"/>
-              <a:t>16.03.2023</a:t>
+              <a:t>26.03.2023</a:t>
             </a:fld>
             <a:endParaRPr lang="tr-TR"/>
           </a:p>
@@ -3023,7 +3198,7 @@
           <a:p>
             <a:fld id="{8DC0D2D5-5D92-2A41-8A98-0A4CE906BA91}" type="datetime1">
               <a:rPr lang="tr-TR" smtClean="0"/>
-              <a:t>16.03.2023</a:t>
+              <a:t>26.03.2023</a:t>
             </a:fld>
             <a:endParaRPr lang="tr-TR"/>
           </a:p>
@@ -3264,7 +3439,7 @@
           <a:p>
             <a:fld id="{67F5A471-C20F-5449-B7B7-2115A63A2DB2}" type="datetime1">
               <a:rPr lang="tr-TR" smtClean="0"/>
-              <a:t>16.03.2023</a:t>
+              <a:t>26.03.2023</a:t>
             </a:fld>
             <a:endParaRPr lang="tr-TR"/>
           </a:p>
@@ -3917,6 +4092,699 @@
 </p:sld>
 </file>
 
+<file path=ppt/slides/slide10.xml><?xml version="1.0" encoding="utf-8"?>
+<p:sld xmlns:a="http://schemas.openxmlformats.org/drawingml/2006/main" xmlns:r="http://schemas.openxmlformats.org/officeDocument/2006/relationships" xmlns:p="http://schemas.openxmlformats.org/presentationml/2006/main">
+  <p:cSld>
+    <p:bg>
+      <p:bgPr>
+        <a:blipFill dpi="0" rotWithShape="1">
+          <a:blip r:embed="rId2">
+            <a:lum/>
+          </a:blip>
+          <a:srcRect/>
+          <a:stretch>
+            <a:fillRect/>
+          </a:stretch>
+        </a:blipFill>
+        <a:effectLst/>
+      </p:bgPr>
+    </p:bg>
+    <p:spTree>
+      <p:nvGrpSpPr>
+        <p:cNvPr id="1" name=""/>
+        <p:cNvGrpSpPr/>
+        <p:nvPr/>
+      </p:nvGrpSpPr>
+      <p:grpSpPr>
+        <a:xfrm>
+          <a:off x="0" y="0"/>
+          <a:ext cx="0" cy="0"/>
+          <a:chOff x="0" y="0"/>
+          <a:chExt cx="0" cy="0"/>
+        </a:xfrm>
+      </p:grpSpPr>
+      <p:sp>
+        <p:nvSpPr>
+          <p:cNvPr id="2" name="Slayt Numarası Yer Tutucusu 1">
+            <a:extLst>
+              <a:ext uri="{FF2B5EF4-FFF2-40B4-BE49-F238E27FC236}">
+                <a16:creationId xmlns:a16="http://schemas.microsoft.com/office/drawing/2014/main" id="{28801326-11C5-86B2-50DA-36414E317A50}"/>
+              </a:ext>
+            </a:extLst>
+          </p:cNvPr>
+          <p:cNvSpPr>
+            <a:spLocks noGrp="1"/>
+          </p:cNvSpPr>
+          <p:nvPr>
+            <p:ph type="sldNum" sz="quarter" idx="12"/>
+          </p:nvPr>
+        </p:nvSpPr>
+        <p:spPr/>
+        <p:txBody>
+          <a:bodyPr/>
+          <a:lstStyle/>
+          <a:p>
+            <a:fld id="{976E0F06-4CB6-4145-AA97-71AD1A1461D0}" type="slidenum">
+              <a:rPr lang="tr-TR" smtClean="0"/>
+              <a:t>10</a:t>
+            </a:fld>
+            <a:endParaRPr lang="tr-TR"/>
+          </a:p>
+        </p:txBody>
+      </p:sp>
+      <p:sp>
+        <p:nvSpPr>
+          <p:cNvPr id="6" name="Metin kutusu 5">
+            <a:extLst>
+              <a:ext uri="{FF2B5EF4-FFF2-40B4-BE49-F238E27FC236}">
+                <a16:creationId xmlns:a16="http://schemas.microsoft.com/office/drawing/2014/main" id="{744EBD0D-E6E3-4B33-95AF-2C1BA07AE6B6}"/>
+              </a:ext>
+            </a:extLst>
+          </p:cNvPr>
+          <p:cNvSpPr txBox="1"/>
+          <p:nvPr/>
+        </p:nvSpPr>
+        <p:spPr>
+          <a:xfrm>
+            <a:off x="796787" y="310011"/>
+            <a:ext cx="10598426" cy="2215991"/>
+          </a:xfrm>
+          <a:prstGeom prst="rect">
+            <a:avLst/>
+          </a:prstGeom>
+          <a:noFill/>
+        </p:spPr>
+        <p:txBody>
+          <a:bodyPr wrap="square" rtlCol="0">
+            <a:spAutoFit/>
+          </a:bodyPr>
+          <a:lstStyle/>
+          <a:p>
+            <a:pPr algn="l"/>
+            <a:r>
+              <a:rPr lang="en-US" sz="2400" b="1" u="none" strike="noStrike" dirty="0" err="1">
+                <a:solidFill>
+                  <a:srgbClr val="1D1F21"/>
+                </a:solidFill>
+                <a:effectLst/>
+                <a:latin typeface="Gill Sans SemiBold" panose="020B0502020104020203" pitchFamily="34" charset="-79"/>
+                <a:cs typeface="Gill Sans SemiBold" panose="020B0502020104020203" pitchFamily="34" charset="-79"/>
+              </a:rPr>
+              <a:t>gsutil</a:t>
+            </a:r>
+            <a:r>
+              <a:rPr lang="en-US" sz="2400" b="1" u="none" strike="noStrike" dirty="0">
+                <a:solidFill>
+                  <a:srgbClr val="1D1F21"/>
+                </a:solidFill>
+                <a:effectLst/>
+                <a:latin typeface="Gill Sans SemiBold" panose="020B0502020104020203" pitchFamily="34" charset="-79"/>
+                <a:cs typeface="Gill Sans SemiBold" panose="020B0502020104020203" pitchFamily="34" charset="-79"/>
+              </a:rPr>
+              <a:t> (Python) to </a:t>
+            </a:r>
+            <a:r>
+              <a:rPr lang="en-US" sz="2400" b="1" u="none" strike="noStrike" dirty="0" err="1">
+                <a:solidFill>
+                  <a:srgbClr val="1D1F21"/>
+                </a:solidFill>
+                <a:effectLst/>
+                <a:latin typeface="Gill Sans SemiBold" panose="020B0502020104020203" pitchFamily="34" charset="-79"/>
+                <a:cs typeface="Gill Sans SemiBold" panose="020B0502020104020203" pitchFamily="34" charset="-79"/>
+              </a:rPr>
+              <a:t>gscopy</a:t>
+            </a:r>
+            <a:r>
+              <a:rPr lang="en-US" sz="2400" b="1" u="none" strike="noStrike" dirty="0">
+                <a:solidFill>
+                  <a:srgbClr val="1D1F21"/>
+                </a:solidFill>
+                <a:effectLst/>
+                <a:latin typeface="Gill Sans SemiBold" panose="020B0502020104020203" pitchFamily="34" charset="-79"/>
+                <a:cs typeface="Gill Sans SemiBold" panose="020B0502020104020203" pitchFamily="34" charset="-79"/>
+              </a:rPr>
+              <a:t> (Go)</a:t>
+            </a:r>
+          </a:p>
+          <a:p>
+            <a:endParaRPr lang="en-US" sz="600" b="1" u="none" strike="noStrike" dirty="0">
+              <a:solidFill>
+                <a:srgbClr val="252628"/>
+              </a:solidFill>
+              <a:effectLst/>
+              <a:latin typeface="Gill Sans SemiBold" panose="020B0502020104020203" pitchFamily="34" charset="-79"/>
+              <a:cs typeface="Gill Sans SemiBold" panose="020B0502020104020203" pitchFamily="34" charset="-79"/>
+            </a:endParaRPr>
+          </a:p>
+          <a:p>
+            <a:pPr algn="l"/>
+            <a:r>
+              <a:rPr lang="en-US" u="none" strike="noStrike" dirty="0">
+                <a:solidFill>
+                  <a:srgbClr val="1D1F21"/>
+                </a:solidFill>
+                <a:effectLst/>
+                <a:latin typeface="Gill Sans" panose="020B0502020104020203" pitchFamily="34" charset="-79"/>
+                <a:cs typeface="Gill Sans" panose="020B0502020104020203" pitchFamily="34" charset="-79"/>
+              </a:rPr>
+              <a:t>Maybe you use </a:t>
+            </a:r>
+            <a:r>
+              <a:rPr lang="en-US" u="none" strike="noStrike" dirty="0" err="1">
+                <a:solidFill>
+                  <a:srgbClr val="1D1F21"/>
+                </a:solidFill>
+                <a:effectLst/>
+                <a:latin typeface="Gill Sans" panose="020B0502020104020203" pitchFamily="34" charset="-79"/>
+                <a:cs typeface="Gill Sans" panose="020B0502020104020203" pitchFamily="34" charset="-79"/>
+              </a:rPr>
+              <a:t>gsutil</a:t>
+            </a:r>
+            <a:r>
+              <a:rPr lang="en-US" u="none" strike="noStrike" dirty="0">
+                <a:solidFill>
+                  <a:srgbClr val="1D1F21"/>
+                </a:solidFill>
+                <a:effectLst/>
+                <a:latin typeface="Gill Sans" panose="020B0502020104020203" pitchFamily="34" charset="-79"/>
+                <a:cs typeface="Gill Sans" panose="020B0502020104020203" pitchFamily="34" charset="-79"/>
+              </a:rPr>
+              <a:t>, like we used to, to copy files to Google Storage. Mundane task, right?</a:t>
+            </a:r>
+          </a:p>
+          <a:p>
+            <a:pPr algn="l"/>
+            <a:r>
+              <a:rPr lang="en-US" u="none" strike="noStrike" dirty="0" err="1">
+                <a:solidFill>
+                  <a:srgbClr val="1D1F21"/>
+                </a:solidFill>
+                <a:effectLst/>
+                <a:latin typeface="Gill Sans" panose="020B0502020104020203" pitchFamily="34" charset="-79"/>
+                <a:cs typeface="Gill Sans" panose="020B0502020104020203" pitchFamily="34" charset="-79"/>
+              </a:rPr>
+              <a:t>gsutil</a:t>
+            </a:r>
+            <a:r>
+              <a:rPr lang="en-US" u="none" strike="noStrike" dirty="0">
+                <a:solidFill>
+                  <a:srgbClr val="1D1F21"/>
+                </a:solidFill>
+                <a:effectLst/>
+                <a:latin typeface="Gill Sans" panose="020B0502020104020203" pitchFamily="34" charset="-79"/>
+                <a:cs typeface="Gill Sans" panose="020B0502020104020203" pitchFamily="34" charset="-79"/>
+              </a:rPr>
+              <a:t> is a Python-based utility provided by Google (</a:t>
+            </a:r>
+            <a:r>
+              <a:rPr lang="en-US" u="none" strike="noStrike" dirty="0">
+                <a:solidFill>
+                  <a:srgbClr val="2A5BD7"/>
+                </a:solidFill>
+                <a:effectLst/>
+                <a:latin typeface="Gill Sans" panose="020B0502020104020203" pitchFamily="34" charset="-79"/>
+                <a:cs typeface="Gill Sans" panose="020B0502020104020203" pitchFamily="34" charset="-79"/>
+                <a:hlinkClick r:id="rId3"/>
+              </a:rPr>
+              <a:t>https://cloud.google.com/storage/docs/gsutil</a:t>
+            </a:r>
+            <a:r>
+              <a:rPr lang="en-US" u="none" strike="noStrike" dirty="0">
+                <a:solidFill>
+                  <a:srgbClr val="1D1F21"/>
+                </a:solidFill>
+                <a:effectLst/>
+                <a:latin typeface="Gill Sans" panose="020B0502020104020203" pitchFamily="34" charset="-79"/>
+                <a:cs typeface="Gill Sans" panose="020B0502020104020203" pitchFamily="34" charset="-79"/>
+              </a:rPr>
+              <a:t>). We rewrote the parts of it that we needed in Go and here’s what we found.</a:t>
+            </a:r>
+          </a:p>
+          <a:p>
+            <a:pPr algn="l"/>
+            <a:r>
+              <a:rPr lang="en-US" u="none" strike="noStrike" dirty="0">
+                <a:solidFill>
+                  <a:srgbClr val="1D1F21"/>
+                </a:solidFill>
+                <a:effectLst/>
+                <a:latin typeface="Gill Sans" panose="020B0502020104020203" pitchFamily="34" charset="-79"/>
+                <a:cs typeface="Gill Sans" panose="020B0502020104020203" pitchFamily="34" charset="-79"/>
+              </a:rPr>
+              <a:t>The graph below shows the duration of a </a:t>
+            </a:r>
+            <a:r>
+              <a:rPr lang="en-US" u="none" strike="noStrike" dirty="0" err="1">
+                <a:solidFill>
+                  <a:srgbClr val="1D1F21"/>
+                </a:solidFill>
+                <a:effectLst/>
+                <a:latin typeface="Gill Sans" panose="020B0502020104020203" pitchFamily="34" charset="-79"/>
+                <a:cs typeface="Gill Sans" panose="020B0502020104020203" pitchFamily="34" charset="-79"/>
+              </a:rPr>
+              <a:t>cron</a:t>
+            </a:r>
+            <a:r>
+              <a:rPr lang="en-US" u="none" strike="noStrike" dirty="0">
+                <a:solidFill>
+                  <a:srgbClr val="1D1F21"/>
+                </a:solidFill>
+                <a:effectLst/>
+                <a:latin typeface="Gill Sans" panose="020B0502020104020203" pitchFamily="34" charset="-79"/>
+                <a:cs typeface="Gill Sans" panose="020B0502020104020203" pitchFamily="34" charset="-79"/>
+              </a:rPr>
+              <a:t> job that runs every 30 minutes. It copies 7,000 to 11,000 files per run. Average file size is 100Mb. (Those of you crunching the numbers will see that the Python version of that </a:t>
+            </a:r>
+            <a:r>
+              <a:rPr lang="en-US" u="none" strike="noStrike" dirty="0" err="1">
+                <a:solidFill>
+                  <a:srgbClr val="1D1F21"/>
+                </a:solidFill>
+                <a:effectLst/>
+                <a:latin typeface="Gill Sans" panose="020B0502020104020203" pitchFamily="34" charset="-79"/>
+                <a:cs typeface="Gill Sans" panose="020B0502020104020203" pitchFamily="34" charset="-79"/>
+              </a:rPr>
+              <a:t>cron</a:t>
+            </a:r>
+            <a:r>
+              <a:rPr lang="en-US" u="none" strike="noStrike" dirty="0">
+                <a:solidFill>
+                  <a:srgbClr val="1D1F21"/>
+                </a:solidFill>
+                <a:effectLst/>
+                <a:latin typeface="Gill Sans" panose="020B0502020104020203" pitchFamily="34" charset="-79"/>
+                <a:cs typeface="Gill Sans" panose="020B0502020104020203" pitchFamily="34" charset="-79"/>
+              </a:rPr>
+              <a:t> job didn’t really run every 30 minutes. That version took close to an hour to run.)</a:t>
+            </a:r>
+          </a:p>
+        </p:txBody>
+      </p:sp>
+      <p:pic>
+        <p:nvPicPr>
+          <p:cNvPr id="13" name="Resim 12" descr="çizelge içeren bir resim&#10;&#10;Açıklama otomatik olarak oluşturuldu">
+            <a:extLst>
+              <a:ext uri="{FF2B5EF4-FFF2-40B4-BE49-F238E27FC236}">
+                <a16:creationId xmlns:a16="http://schemas.microsoft.com/office/drawing/2014/main" id="{4856FD28-5C84-2FC9-8965-55BDC23C5997}"/>
+              </a:ext>
+            </a:extLst>
+          </p:cNvPr>
+          <p:cNvPicPr>
+            <a:picLocks noChangeAspect="1"/>
+          </p:cNvPicPr>
+          <p:nvPr/>
+        </p:nvPicPr>
+        <p:blipFill>
+          <a:blip r:embed="rId4"/>
+          <a:stretch>
+            <a:fillRect/>
+          </a:stretch>
+        </p:blipFill>
+        <p:spPr>
+          <a:xfrm>
+            <a:off x="3062693" y="2868328"/>
+            <a:ext cx="5547907" cy="3406936"/>
+          </a:xfrm>
+          <a:prstGeom prst="rect">
+            <a:avLst/>
+          </a:prstGeom>
+        </p:spPr>
+      </p:pic>
+      <p:sp>
+        <p:nvSpPr>
+          <p:cNvPr id="16" name="Metin kutusu 15">
+            <a:extLst>
+              <a:ext uri="{FF2B5EF4-FFF2-40B4-BE49-F238E27FC236}">
+                <a16:creationId xmlns:a16="http://schemas.microsoft.com/office/drawing/2014/main" id="{727BE5FF-07A0-A7B2-30D4-3A8024329267}"/>
+              </a:ext>
+            </a:extLst>
+          </p:cNvPr>
+          <p:cNvSpPr txBox="1"/>
+          <p:nvPr/>
+        </p:nvSpPr>
+        <p:spPr>
+          <a:xfrm>
+            <a:off x="3304531" y="6356350"/>
+            <a:ext cx="5064229" cy="276999"/>
+          </a:xfrm>
+          <a:prstGeom prst="rect">
+            <a:avLst/>
+          </a:prstGeom>
+          <a:noFill/>
+        </p:spPr>
+        <p:txBody>
+          <a:bodyPr wrap="square" rtlCol="0">
+            <a:spAutoFit/>
+          </a:bodyPr>
+          <a:lstStyle/>
+          <a:p>
+            <a:r>
+              <a:rPr lang="en-US" sz="1200" u="none" strike="noStrike" dirty="0">
+                <a:solidFill>
+                  <a:srgbClr val="002060"/>
+                </a:solidFill>
+                <a:effectLst/>
+                <a:latin typeface="Gill Sans" panose="020B0502020104020203" pitchFamily="34" charset="-79"/>
+                <a:cs typeface="Gill Sans" panose="020B0502020104020203" pitchFamily="34" charset="-79"/>
+              </a:rPr>
+              <a:t>Fig 3. Time to copy 7,000 to 11,000 files to Google Storage, Python vs. Go</a:t>
+            </a:r>
+            <a:endParaRPr lang="en-US" sz="1200" dirty="0">
+              <a:solidFill>
+                <a:srgbClr val="002060"/>
+              </a:solidFill>
+              <a:latin typeface="Gill Sans" panose="020B0502020104020203" pitchFamily="34" charset="-79"/>
+              <a:cs typeface="Gill Sans" panose="020B0502020104020203" pitchFamily="34" charset="-79"/>
+            </a:endParaRPr>
+          </a:p>
+        </p:txBody>
+      </p:sp>
+    </p:spTree>
+    <p:extLst>
+      <p:ext uri="{BB962C8B-B14F-4D97-AF65-F5344CB8AC3E}">
+        <p14:creationId xmlns:p14="http://schemas.microsoft.com/office/powerpoint/2010/main" val="2881640242"/>
+      </p:ext>
+    </p:extLst>
+  </p:cSld>
+  <p:clrMapOvr>
+    <a:masterClrMapping/>
+  </p:clrMapOvr>
+</p:sld>
+</file>
+
+<file path=ppt/slides/slide11.xml><?xml version="1.0" encoding="utf-8"?>
+<p:sld xmlns:a="http://schemas.openxmlformats.org/drawingml/2006/main" xmlns:r="http://schemas.openxmlformats.org/officeDocument/2006/relationships" xmlns:p="http://schemas.openxmlformats.org/presentationml/2006/main">
+  <p:cSld>
+    <p:bg>
+      <p:bgPr>
+        <a:blipFill dpi="0" rotWithShape="1">
+          <a:blip r:embed="rId2">
+            <a:lum/>
+          </a:blip>
+          <a:srcRect/>
+          <a:stretch>
+            <a:fillRect l="-7000" r="-7000"/>
+          </a:stretch>
+        </a:blipFill>
+        <a:effectLst/>
+      </p:bgPr>
+    </p:bg>
+    <p:spTree>
+      <p:nvGrpSpPr>
+        <p:cNvPr id="1" name=""/>
+        <p:cNvGrpSpPr/>
+        <p:nvPr/>
+      </p:nvGrpSpPr>
+      <p:grpSpPr>
+        <a:xfrm>
+          <a:off x="0" y="0"/>
+          <a:ext cx="0" cy="0"/>
+          <a:chOff x="0" y="0"/>
+          <a:chExt cx="0" cy="0"/>
+        </a:xfrm>
+      </p:grpSpPr>
+      <p:sp>
+        <p:nvSpPr>
+          <p:cNvPr id="2" name="Slayt Numarası Yer Tutucusu 1">
+            <a:extLst>
+              <a:ext uri="{FF2B5EF4-FFF2-40B4-BE49-F238E27FC236}">
+                <a16:creationId xmlns:a16="http://schemas.microsoft.com/office/drawing/2014/main" id="{D4D837ED-02C8-0468-52C0-456ED8DBB44F}"/>
+              </a:ext>
+            </a:extLst>
+          </p:cNvPr>
+          <p:cNvSpPr>
+            <a:spLocks noGrp="1"/>
+          </p:cNvSpPr>
+          <p:nvPr>
+            <p:ph type="sldNum" sz="quarter" idx="12"/>
+          </p:nvPr>
+        </p:nvSpPr>
+        <p:spPr/>
+        <p:txBody>
+          <a:bodyPr/>
+          <a:lstStyle/>
+          <a:p>
+            <a:fld id="{976E0F06-4CB6-4145-AA97-71AD1A1461D0}" type="slidenum">
+              <a:rPr lang="tr-TR" smtClean="0"/>
+              <a:t>11</a:t>
+            </a:fld>
+            <a:endParaRPr lang="tr-TR"/>
+          </a:p>
+        </p:txBody>
+      </p:sp>
+      <p:sp>
+        <p:nvSpPr>
+          <p:cNvPr id="3" name="Metin kutusu 2">
+            <a:extLst>
+              <a:ext uri="{FF2B5EF4-FFF2-40B4-BE49-F238E27FC236}">
+                <a16:creationId xmlns:a16="http://schemas.microsoft.com/office/drawing/2014/main" id="{C6B911D3-4A82-988E-8D46-892147797781}"/>
+              </a:ext>
+            </a:extLst>
+          </p:cNvPr>
+          <p:cNvSpPr txBox="1"/>
+          <p:nvPr/>
+        </p:nvSpPr>
+        <p:spPr>
+          <a:xfrm>
+            <a:off x="1696720" y="528320"/>
+            <a:ext cx="3515360" cy="769441"/>
+          </a:xfrm>
+          <a:prstGeom prst="rect">
+            <a:avLst/>
+          </a:prstGeom>
+          <a:noFill/>
+        </p:spPr>
+        <p:txBody>
+          <a:bodyPr wrap="square" rtlCol="0">
+            <a:spAutoFit/>
+          </a:bodyPr>
+          <a:lstStyle/>
+          <a:p>
+            <a:r>
+              <a:rPr lang="en-US" sz="4400" b="1" dirty="0">
+                <a:solidFill>
+                  <a:schemeClr val="tx1">
+                    <a:lumMod val="75000"/>
+                    <a:lumOff val="25000"/>
+                  </a:schemeClr>
+                </a:solidFill>
+                <a:latin typeface="Gill Sans" panose="020B0502020104020203" pitchFamily="34" charset="-79"/>
+                <a:cs typeface="Gill Sans" panose="020B0502020104020203" pitchFamily="34" charset="-79"/>
+              </a:rPr>
+              <a:t>References</a:t>
+            </a:r>
+          </a:p>
+        </p:txBody>
+      </p:sp>
+      <p:sp>
+        <p:nvSpPr>
+          <p:cNvPr id="5" name="Metin kutusu 4">
+            <a:extLst>
+              <a:ext uri="{FF2B5EF4-FFF2-40B4-BE49-F238E27FC236}">
+                <a16:creationId xmlns:a16="http://schemas.microsoft.com/office/drawing/2014/main" id="{D8A4BA62-9AE6-72FF-D004-C84476DFFEF5}"/>
+              </a:ext>
+            </a:extLst>
+          </p:cNvPr>
+          <p:cNvSpPr txBox="1"/>
+          <p:nvPr/>
+        </p:nvSpPr>
+        <p:spPr>
+          <a:xfrm>
+            <a:off x="711200" y="1930400"/>
+            <a:ext cx="5943600" cy="3416320"/>
+          </a:xfrm>
+          <a:prstGeom prst="rect">
+            <a:avLst/>
+          </a:prstGeom>
+          <a:noFill/>
+        </p:spPr>
+        <p:txBody>
+          <a:bodyPr wrap="square" rtlCol="0">
+            <a:spAutoFit/>
+          </a:bodyPr>
+          <a:lstStyle/>
+          <a:p>
+            <a:pPr marL="285750" indent="-285750">
+              <a:buFont typeface="Arial" panose="020B0604020202020204" pitchFamily="34" charset="0"/>
+              <a:buChar char="•"/>
+            </a:pPr>
+            <a:r>
+              <a:rPr lang="en-US" dirty="0">
+                <a:solidFill>
+                  <a:schemeClr val="tx1">
+                    <a:lumMod val="75000"/>
+                    <a:lumOff val="25000"/>
+                  </a:schemeClr>
+                </a:solidFill>
+                <a:latin typeface="Gill Sans" panose="020B0502020104020203" pitchFamily="34" charset="-79"/>
+                <a:cs typeface="Gill Sans" panose="020B0502020104020203" pitchFamily="34" charset="-79"/>
+                <a:hlinkClick r:id="rId3"/>
+              </a:rPr>
+              <a:t>https://go.dev</a:t>
+            </a:r>
+            <a:endParaRPr lang="en-US" dirty="0">
+              <a:solidFill>
+                <a:schemeClr val="tx1">
+                  <a:lumMod val="75000"/>
+                  <a:lumOff val="25000"/>
+                </a:schemeClr>
+              </a:solidFill>
+              <a:latin typeface="Gill Sans" panose="020B0502020104020203" pitchFamily="34" charset="-79"/>
+              <a:cs typeface="Gill Sans" panose="020B0502020104020203" pitchFamily="34" charset="-79"/>
+            </a:endParaRPr>
+          </a:p>
+          <a:p>
+            <a:pPr marL="285750" indent="-285750">
+              <a:buFont typeface="Arial" panose="020B0604020202020204" pitchFamily="34" charset="0"/>
+              <a:buChar char="•"/>
+            </a:pPr>
+            <a:r>
+              <a:rPr lang="tr-TR" u="none" strike="noStrike" dirty="0">
+                <a:solidFill>
+                  <a:srgbClr val="24292F"/>
+                </a:solidFill>
+                <a:effectLst/>
+                <a:latin typeface="Gill Sans" panose="020B0502020104020203" pitchFamily="34" charset="-79"/>
+                <a:cs typeface="Gill Sans" panose="020B0502020104020203" pitchFamily="34" charset="-79"/>
+                <a:hlinkClick r:id="rId4"/>
+              </a:rPr>
+              <a:t>https://www.freecodecamp.org/news/what-is-go-programming-language/</a:t>
+            </a:r>
+            <a:endParaRPr lang="tr-TR" u="none" strike="noStrike" dirty="0">
+              <a:solidFill>
+                <a:srgbClr val="24292F"/>
+              </a:solidFill>
+              <a:effectLst/>
+              <a:latin typeface="Gill Sans" panose="020B0502020104020203" pitchFamily="34" charset="-79"/>
+              <a:cs typeface="Gill Sans" panose="020B0502020104020203" pitchFamily="34" charset="-79"/>
+            </a:endParaRPr>
+          </a:p>
+          <a:p>
+            <a:pPr marL="285750" indent="-285750">
+              <a:buFont typeface="Arial" panose="020B0604020202020204" pitchFamily="34" charset="0"/>
+              <a:buChar char="•"/>
+            </a:pPr>
+            <a:r>
+              <a:rPr lang="tr-TR" u="none" strike="noStrike" dirty="0">
+                <a:solidFill>
+                  <a:srgbClr val="24292F"/>
+                </a:solidFill>
+                <a:effectLst/>
+                <a:latin typeface="Gill Sans" panose="020B0502020104020203" pitchFamily="34" charset="-79"/>
+                <a:cs typeface="Gill Sans" panose="020B0502020104020203" pitchFamily="34" charset="-79"/>
+                <a:hlinkClick r:id="rId5"/>
+              </a:rPr>
+              <a:t>https://nexttechnology.io/the-most-popular-programming-languages-in-2023/</a:t>
+            </a:r>
+            <a:endParaRPr lang="tr-TR" u="none" strike="noStrike" dirty="0">
+              <a:solidFill>
+                <a:srgbClr val="24292F"/>
+              </a:solidFill>
+              <a:effectLst/>
+              <a:latin typeface="Gill Sans" panose="020B0502020104020203" pitchFamily="34" charset="-79"/>
+              <a:cs typeface="Gill Sans" panose="020B0502020104020203" pitchFamily="34" charset="-79"/>
+            </a:endParaRPr>
+          </a:p>
+          <a:p>
+            <a:pPr marL="285750" indent="-285750">
+              <a:buFont typeface="Arial" panose="020B0604020202020204" pitchFamily="34" charset="0"/>
+              <a:buChar char="•"/>
+            </a:pPr>
+            <a:r>
+              <a:rPr lang="tr-TR" u="none" strike="noStrike" dirty="0">
+                <a:solidFill>
+                  <a:srgbClr val="24292F"/>
+                </a:solidFill>
+                <a:effectLst/>
+                <a:latin typeface="Gill Sans" panose="020B0502020104020203" pitchFamily="34" charset="-79"/>
+                <a:cs typeface="Gill Sans" panose="020B0502020104020203" pitchFamily="34" charset="-79"/>
+                <a:hlinkClick r:id="rId6"/>
+              </a:rPr>
+              <a:t>https://www.infoworld.com/article/3198928/whats-the-go-programming-language-really-good-for.html</a:t>
+            </a:r>
+            <a:endParaRPr lang="tr-TR" u="none" strike="noStrike" dirty="0">
+              <a:solidFill>
+                <a:srgbClr val="24292F"/>
+              </a:solidFill>
+              <a:effectLst/>
+              <a:latin typeface="Gill Sans" panose="020B0502020104020203" pitchFamily="34" charset="-79"/>
+              <a:cs typeface="Gill Sans" panose="020B0502020104020203" pitchFamily="34" charset="-79"/>
+            </a:endParaRPr>
+          </a:p>
+          <a:p>
+            <a:pPr marL="285750" indent="-285750">
+              <a:buFont typeface="Arial" panose="020B0604020202020204" pitchFamily="34" charset="0"/>
+              <a:buChar char="•"/>
+            </a:pPr>
+            <a:r>
+              <a:rPr lang="tr-TR" u="none" strike="noStrike" dirty="0">
+                <a:solidFill>
+                  <a:srgbClr val="24292F"/>
+                </a:solidFill>
+                <a:effectLst/>
+                <a:latin typeface="Gill Sans" panose="020B0502020104020203" pitchFamily="34" charset="-79"/>
+                <a:cs typeface="Gill Sans" panose="020B0502020104020203" pitchFamily="34" charset="-79"/>
+                <a:hlinkClick r:id="rId7"/>
+              </a:rPr>
+              <a:t>https://www.youtube.com/watch?v=etSN4X_fCnM&amp;list=PL4cUxeGkcC9gC88BEo9czgyS72A3doDeM</a:t>
+            </a:r>
+            <a:endParaRPr lang="tr-TR" dirty="0">
+              <a:solidFill>
+                <a:srgbClr val="24292F"/>
+              </a:solidFill>
+              <a:latin typeface="Gill Sans" panose="020B0502020104020203" pitchFamily="34" charset="-79"/>
+              <a:cs typeface="Gill Sans" panose="020B0502020104020203" pitchFamily="34" charset="-79"/>
+            </a:endParaRPr>
+          </a:p>
+          <a:p>
+            <a:pPr marL="285750" indent="-285750">
+              <a:buFont typeface="Arial" panose="020B0604020202020204" pitchFamily="34" charset="0"/>
+              <a:buChar char="•"/>
+            </a:pPr>
+            <a:r>
+              <a:rPr lang="tr-TR" u="none" strike="noStrike" dirty="0">
+                <a:solidFill>
+                  <a:srgbClr val="24292F"/>
+                </a:solidFill>
+                <a:effectLst/>
+                <a:latin typeface="Gill Sans" panose="020B0502020104020203" pitchFamily="34" charset="-79"/>
+                <a:cs typeface="Gill Sans" panose="020B0502020104020203" pitchFamily="34" charset="-79"/>
+                <a:hlinkClick r:id="rId8"/>
+              </a:rPr>
+              <a:t>https://www.golangprograms.com/go-language/functions.html</a:t>
+            </a:r>
+            <a:br>
+              <a:rPr lang="tr-TR" dirty="0"/>
+            </a:br>
+            <a:r>
+              <a:rPr lang="en-US" dirty="0">
+                <a:solidFill>
+                  <a:schemeClr val="tx1">
+                    <a:lumMod val="75000"/>
+                    <a:lumOff val="25000"/>
+                  </a:schemeClr>
+                </a:solidFill>
+                <a:latin typeface="Gill Sans" panose="020B0502020104020203" pitchFamily="34" charset="-79"/>
+                <a:cs typeface="Gill Sans" panose="020B0502020104020203" pitchFamily="34" charset="-79"/>
+              </a:rPr>
+              <a:t> </a:t>
+            </a:r>
+          </a:p>
+        </p:txBody>
+      </p:sp>
+    </p:spTree>
+    <p:extLst>
+      <p:ext uri="{BB962C8B-B14F-4D97-AF65-F5344CB8AC3E}">
+        <p14:creationId xmlns:p14="http://schemas.microsoft.com/office/powerpoint/2010/main" val="1794357257"/>
+      </p:ext>
+    </p:extLst>
+  </p:cSld>
+  <p:clrMapOvr>
+    <a:masterClrMapping/>
+  </p:clrMapOvr>
+</p:sld>
+</file>
+
 <file path=ppt/slides/slide2.xml><?xml version="1.0" encoding="utf-8"?>
 <p:sld xmlns:a="http://schemas.openxmlformats.org/drawingml/2006/main" xmlns:r="http://schemas.openxmlformats.org/officeDocument/2006/relationships" xmlns:p="http://schemas.openxmlformats.org/presentationml/2006/main">
   <p:cSld>
@@ -4036,7 +4904,7 @@
         <p:spPr>
           <a:xfrm>
             <a:off x="1097280" y="1859280"/>
-            <a:ext cx="6725920" cy="369332"/>
+            <a:ext cx="6725920" cy="1477328"/>
           </a:xfrm>
           <a:prstGeom prst="rect">
             <a:avLst/>
@@ -4049,6 +4917,9 @@
           </a:bodyPr>
           <a:lstStyle/>
           <a:p>
+            <a:pPr marL="342900" indent="-342900">
+              <a:buAutoNum type="arabicParenR"/>
+            </a:pPr>
             <a:r>
               <a:rPr lang="en-US" dirty="0">
                 <a:solidFill>
@@ -4060,7 +4931,92 @@
                 <a:latin typeface="Gill Sans" panose="020B0502020104020203" pitchFamily="34" charset="-79"/>
                 <a:cs typeface="Gill Sans" panose="020B0502020104020203" pitchFamily="34" charset="-79"/>
               </a:rPr>
-              <a:t>1) About Golang. ……………………………………………………3</a:t>
+              <a:t>Where Go came from and where it is now... ……………………3</a:t>
+            </a:r>
+          </a:p>
+          <a:p>
+            <a:pPr marL="342900" indent="-342900">
+              <a:buAutoNum type="arabicParenR"/>
+            </a:pPr>
+            <a:r>
+              <a:rPr lang="en-US" dirty="0">
+                <a:solidFill>
+                  <a:schemeClr val="accent5">
+                    <a:lumMod val="20000"/>
+                    <a:lumOff val="80000"/>
+                  </a:schemeClr>
+                </a:solidFill>
+                <a:latin typeface="Gill Sans" panose="020B0502020104020203" pitchFamily="34" charset="-79"/>
+                <a:cs typeface="Gill Sans" panose="020B0502020104020203" pitchFamily="34" charset="-79"/>
+              </a:rPr>
+              <a:t>Why learn Go?..........................................................................................4</a:t>
+            </a:r>
+          </a:p>
+          <a:p>
+            <a:pPr marL="342900" indent="-342900">
+              <a:buAutoNum type="arabicParenR"/>
+            </a:pPr>
+            <a:r>
+              <a:rPr lang="en-US" dirty="0">
+                <a:solidFill>
+                  <a:schemeClr val="accent5">
+                    <a:lumMod val="20000"/>
+                    <a:lumOff val="80000"/>
+                  </a:schemeClr>
+                </a:solidFill>
+                <a:latin typeface="Gill Sans" panose="020B0502020104020203" pitchFamily="34" charset="-79"/>
+                <a:cs typeface="Gill Sans" panose="020B0502020104020203" pitchFamily="34" charset="-79"/>
+              </a:rPr>
+              <a:t>Companies using Go……………………………………………...5</a:t>
+            </a:r>
+          </a:p>
+          <a:p>
+            <a:pPr marL="342900" indent="-342900">
+              <a:buAutoNum type="arabicParenR"/>
+            </a:pPr>
+            <a:r>
+              <a:rPr lang="en-US" dirty="0">
+                <a:solidFill>
+                  <a:schemeClr val="accent5">
+                    <a:lumMod val="20000"/>
+                    <a:lumOff val="80000"/>
+                  </a:schemeClr>
+                </a:solidFill>
+                <a:latin typeface="Gill Sans" panose="020B0502020104020203" pitchFamily="34" charset="-79"/>
+                <a:cs typeface="Gill Sans" panose="020B0502020104020203" pitchFamily="34" charset="-79"/>
+              </a:rPr>
+              <a:t>Where Go language works best &amp; Go language limitations……...6</a:t>
+            </a:r>
+          </a:p>
+          <a:p>
+            <a:pPr marL="342900" indent="-342900">
+              <a:buAutoNum type="arabicParenR"/>
+            </a:pPr>
+            <a:r>
+              <a:rPr lang="en-US" dirty="0" err="1">
+                <a:solidFill>
+                  <a:schemeClr val="accent5">
+                    <a:lumMod val="20000"/>
+                    <a:lumOff val="80000"/>
+                  </a:schemeClr>
+                </a:solidFill>
+                <a:latin typeface="Gill Sans" panose="020B0502020104020203" pitchFamily="34" charset="-79"/>
+                <a:cs typeface="Gill Sans" panose="020B0502020104020203" pitchFamily="34" charset="-79"/>
+              </a:rPr>
+              <a:t>Bitly</a:t>
+            </a:r>
+            <a:r>
+              <a:rPr lang="en-US" dirty="0">
+                <a:solidFill>
+                  <a:schemeClr val="accent5">
+                    <a:lumMod val="20000"/>
+                    <a:lumOff val="80000"/>
+                  </a:schemeClr>
+                </a:solidFill>
+                <a:latin typeface="Gill Sans" panose="020B0502020104020203" pitchFamily="34" charset="-79"/>
+                <a:cs typeface="Gill Sans" panose="020B0502020104020203" pitchFamily="34" charset="-79"/>
+              </a:rPr>
+              <a:t> – Why we write everything in Go…………………………...7 </a:t>
             </a:r>
           </a:p>
         </p:txBody>
@@ -4114,7 +5070,7 @@
           <p:cNvPr id="2" name="Slayt Numarası Yer Tutucusu 1">
             <a:extLst>
               <a:ext uri="{FF2B5EF4-FFF2-40B4-BE49-F238E27FC236}">
-                <a16:creationId xmlns:a16="http://schemas.microsoft.com/office/drawing/2014/main" id="{85E042F7-0256-D9EC-C35C-2D08812F739B}"/>
+                <a16:creationId xmlns:a16="http://schemas.microsoft.com/office/drawing/2014/main" id="{28801326-11C5-86B2-50DA-36414E317A50}"/>
               </a:ext>
             </a:extLst>
           </p:cNvPr>
@@ -4133,6 +5089,746 @@
             <a:fld id="{976E0F06-4CB6-4145-AA97-71AD1A1461D0}" type="slidenum">
               <a:rPr lang="tr-TR" smtClean="0"/>
               <a:t>3</a:t>
+            </a:fld>
+            <a:endParaRPr lang="tr-TR"/>
+          </a:p>
+        </p:txBody>
+      </p:sp>
+      <p:sp>
+        <p:nvSpPr>
+          <p:cNvPr id="3" name="Metin kutusu 2">
+            <a:extLst>
+              <a:ext uri="{FF2B5EF4-FFF2-40B4-BE49-F238E27FC236}">
+                <a16:creationId xmlns:a16="http://schemas.microsoft.com/office/drawing/2014/main" id="{8FDFA05F-9579-66F2-86A6-C97FD988A6D1}"/>
+              </a:ext>
+            </a:extLst>
+          </p:cNvPr>
+          <p:cNvSpPr txBox="1"/>
+          <p:nvPr/>
+        </p:nvSpPr>
+        <p:spPr>
+          <a:xfrm>
+            <a:off x="1265055" y="280721"/>
+            <a:ext cx="9661890" cy="1446550"/>
+          </a:xfrm>
+          <a:prstGeom prst="rect">
+            <a:avLst/>
+          </a:prstGeom>
+          <a:noFill/>
+        </p:spPr>
+        <p:txBody>
+          <a:bodyPr wrap="square" rtlCol="0">
+            <a:spAutoFit/>
+          </a:bodyPr>
+          <a:lstStyle/>
+          <a:p>
+            <a:r>
+              <a:rPr lang="en-US" sz="4400" b="1" dirty="0">
+                <a:solidFill>
+                  <a:schemeClr val="accent5">
+                    <a:lumMod val="50000"/>
+                  </a:schemeClr>
+                </a:solidFill>
+                <a:latin typeface="Gill Sans" panose="020B0502020104020203" pitchFamily="34" charset="-79"/>
+                <a:cs typeface="Gill Sans" panose="020B0502020104020203" pitchFamily="34" charset="-79"/>
+              </a:rPr>
+              <a:t>Where Go came from and where it is now</a:t>
+            </a:r>
+          </a:p>
+        </p:txBody>
+      </p:sp>
+      <p:sp>
+        <p:nvSpPr>
+          <p:cNvPr id="4" name="Metin kutusu 3">
+            <a:extLst>
+              <a:ext uri="{FF2B5EF4-FFF2-40B4-BE49-F238E27FC236}">
+                <a16:creationId xmlns:a16="http://schemas.microsoft.com/office/drawing/2014/main" id="{89E73F57-BEFA-2D0F-4289-731D3029FCA9}"/>
+              </a:ext>
+            </a:extLst>
+          </p:cNvPr>
+          <p:cNvSpPr txBox="1"/>
+          <p:nvPr/>
+        </p:nvSpPr>
+        <p:spPr>
+          <a:xfrm>
+            <a:off x="885277" y="2199241"/>
+            <a:ext cx="10598426" cy="3970318"/>
+          </a:xfrm>
+          <a:prstGeom prst="rect">
+            <a:avLst/>
+          </a:prstGeom>
+          <a:noFill/>
+        </p:spPr>
+        <p:txBody>
+          <a:bodyPr wrap="square" rtlCol="0">
+            <a:spAutoFit/>
+          </a:bodyPr>
+          <a:lstStyle/>
+          <a:p>
+            <a:pPr marL="285750" indent="-285750">
+              <a:buFont typeface="Arial" panose="020B0604020202020204" pitchFamily="34" charset="0"/>
+              <a:buChar char="•"/>
+            </a:pPr>
+            <a:r>
+              <a:rPr lang="en-US" dirty="0">
+                <a:solidFill>
+                  <a:schemeClr val="tx1">
+                    <a:lumMod val="75000"/>
+                    <a:lumOff val="25000"/>
+                  </a:schemeClr>
+                </a:solidFill>
+                <a:effectLst/>
+                <a:latin typeface="Gill Sans" panose="020B0502020104020203" pitchFamily="34" charset="-79"/>
+                <a:cs typeface="Gill Sans" panose="020B0502020104020203" pitchFamily="34" charset="-79"/>
+              </a:rPr>
+              <a:t>The GO was born be</a:t>
+            </a:r>
+            <a:r>
+              <a:rPr lang="en-US" dirty="0">
+                <a:solidFill>
+                  <a:schemeClr val="tx1">
+                    <a:lumMod val="75000"/>
+                    <a:lumOff val="25000"/>
+                  </a:schemeClr>
+                </a:solidFill>
+                <a:latin typeface="Gill Sans" panose="020B0502020104020203" pitchFamily="34" charset="-79"/>
+                <a:cs typeface="Gill Sans" panose="020B0502020104020203" pitchFamily="34" charset="-79"/>
+              </a:rPr>
+              <a:t>cause Google’s codebase has been getting more and more complex in time.</a:t>
+            </a:r>
+          </a:p>
+          <a:p>
+            <a:pPr marL="285750" indent="-285750">
+              <a:buFont typeface="Arial" panose="020B0604020202020204" pitchFamily="34" charset="0"/>
+              <a:buChar char="•"/>
+            </a:pPr>
+            <a:r>
+              <a:rPr lang="en-US" u="none" strike="noStrike" dirty="0">
+                <a:solidFill>
+                  <a:srgbClr val="24292F"/>
+                </a:solidFill>
+                <a:effectLst/>
+                <a:latin typeface="Gill Sans" panose="020B0502020104020203" pitchFamily="34" charset="-79"/>
+                <a:cs typeface="Gill Sans" panose="020B0502020104020203" pitchFamily="34" charset="-79"/>
+              </a:rPr>
+              <a:t>It was designed by Robert </a:t>
+            </a:r>
+            <a:r>
+              <a:rPr lang="en-US" u="none" strike="noStrike" dirty="0" err="1">
+                <a:solidFill>
+                  <a:srgbClr val="24292F"/>
+                </a:solidFill>
+                <a:effectLst/>
+                <a:latin typeface="Gill Sans" panose="020B0502020104020203" pitchFamily="34" charset="-79"/>
+                <a:cs typeface="Gill Sans" panose="020B0502020104020203" pitchFamily="34" charset="-79"/>
+              </a:rPr>
+              <a:t>Griesemer</a:t>
+            </a:r>
+            <a:r>
+              <a:rPr lang="en-US" u="none" strike="noStrike" dirty="0">
+                <a:solidFill>
+                  <a:srgbClr val="24292F"/>
+                </a:solidFill>
+                <a:effectLst/>
+                <a:latin typeface="Gill Sans" panose="020B0502020104020203" pitchFamily="34" charset="-79"/>
+                <a:cs typeface="Gill Sans" panose="020B0502020104020203" pitchFamily="34" charset="-79"/>
+              </a:rPr>
+              <a:t>, Rob Pike, and Ken Thompson.</a:t>
+            </a:r>
+          </a:p>
+          <a:p>
+            <a:pPr marL="285750" indent="-285750">
+              <a:buFont typeface="Arial" panose="020B0604020202020204" pitchFamily="34" charset="0"/>
+              <a:buChar char="•"/>
+            </a:pPr>
+            <a:r>
+              <a:rPr lang="en-US" u="none" strike="noStrike" dirty="0">
+                <a:solidFill>
+                  <a:srgbClr val="24292F"/>
+                </a:solidFill>
+                <a:effectLst/>
+                <a:latin typeface="Gill Sans" panose="020B0502020104020203" pitchFamily="34" charset="-79"/>
+                <a:cs typeface="Gill Sans" panose="020B0502020104020203" pitchFamily="34" charset="-79"/>
+              </a:rPr>
+              <a:t>Go was announced to the public in 2009, and it was made open source in 2012 when its first version, 1.0, was released.</a:t>
+            </a:r>
+          </a:p>
+          <a:p>
+            <a:pPr marL="285750" indent="-285750">
+              <a:buFont typeface="Arial" panose="020B0604020202020204" pitchFamily="34" charset="0"/>
+              <a:buChar char="•"/>
+            </a:pPr>
+            <a:r>
+              <a:rPr lang="en-US" u="none" strike="noStrike" dirty="0">
+                <a:solidFill>
+                  <a:srgbClr val="24292F"/>
+                </a:solidFill>
+                <a:effectLst/>
+                <a:latin typeface="Gill Sans" panose="020B0502020104020203" pitchFamily="34" charset="-79"/>
+                <a:cs typeface="Gill Sans" panose="020B0502020104020203" pitchFamily="34" charset="-79"/>
+              </a:rPr>
+              <a:t>Go language is a statically typed language. Meaning that the variable types are known and verified at compile time. Unlike dynamically typed languages where the variable types are checked at runtime.</a:t>
+            </a:r>
+          </a:p>
+          <a:p>
+            <a:pPr marL="285750" indent="-285750">
+              <a:buFont typeface="Arial" panose="020B0604020202020204" pitchFamily="34" charset="0"/>
+              <a:buChar char="•"/>
+            </a:pPr>
+            <a:r>
+              <a:rPr lang="en-US" u="none" strike="noStrike" dirty="0">
+                <a:solidFill>
+                  <a:srgbClr val="24292F"/>
+                </a:solidFill>
+                <a:effectLst/>
+                <a:latin typeface="Gill Sans" panose="020B0502020104020203" pitchFamily="34" charset="-79"/>
+                <a:cs typeface="Gill Sans" panose="020B0502020104020203" pitchFamily="34" charset="-79"/>
+              </a:rPr>
+              <a:t>Go quickly rose in popularity and became many developers' first choice due to its simplicity, readability, efficiency, and concurrent nature.</a:t>
+            </a:r>
+          </a:p>
+          <a:p>
+            <a:pPr marL="285750" indent="-285750">
+              <a:buFont typeface="Arial" panose="020B0604020202020204" pitchFamily="34" charset="0"/>
+              <a:buChar char="•"/>
+            </a:pPr>
+            <a:r>
+              <a:rPr lang="en-US" u="none" strike="noStrike" dirty="0">
+                <a:solidFill>
+                  <a:srgbClr val="24292F"/>
+                </a:solidFill>
+                <a:effectLst/>
+                <a:latin typeface="Gill Sans" panose="020B0502020104020203" pitchFamily="34" charset="-79"/>
+                <a:cs typeface="Gill Sans" panose="020B0502020104020203" pitchFamily="34" charset="-79"/>
+              </a:rPr>
+              <a:t>Go is used for server-side (backend) programming, game development, cloud-based programming, and even Data Science.</a:t>
+            </a:r>
+          </a:p>
+          <a:p>
+            <a:pPr algn="l">
+              <a:buFont typeface="Arial" panose="020B0604020202020204" pitchFamily="34" charset="0"/>
+              <a:buChar char="•"/>
+            </a:pPr>
+            <a:r>
+              <a:rPr lang="en-US" u="none" strike="noStrike" dirty="0">
+                <a:solidFill>
+                  <a:srgbClr val="24292F"/>
+                </a:solidFill>
+                <a:effectLst/>
+                <a:latin typeface="Gill Sans" panose="020B0502020104020203" pitchFamily="34" charset="-79"/>
+                <a:cs typeface="Gill Sans" panose="020B0502020104020203" pitchFamily="34" charset="-79"/>
+              </a:rPr>
+              <a:t>    As of December 21st, 2022, Go is one of the Top 10 most popular programming languages.</a:t>
+            </a:r>
+          </a:p>
+          <a:p>
+            <a:br>
+              <a:rPr lang="tr-TR" dirty="0"/>
+            </a:br>
+            <a:endParaRPr lang="tr-TR" u="none" strike="noStrike" dirty="0">
+              <a:solidFill>
+                <a:srgbClr val="24292F"/>
+              </a:solidFill>
+              <a:effectLst/>
+              <a:latin typeface="Gill Sans" panose="020B0502020104020203" pitchFamily="34" charset="-79"/>
+              <a:cs typeface="Gill Sans" panose="020B0502020104020203" pitchFamily="34" charset="-79"/>
+            </a:endParaRPr>
+          </a:p>
+          <a:p>
+            <a:pPr marL="285750" indent="-285750">
+              <a:buFont typeface="Arial" panose="020B0604020202020204" pitchFamily="34" charset="0"/>
+              <a:buChar char="•"/>
+            </a:pPr>
+            <a:endParaRPr lang="tr-TR" dirty="0">
+              <a:solidFill>
+                <a:schemeClr val="tx1">
+                  <a:lumMod val="75000"/>
+                  <a:lumOff val="25000"/>
+                </a:schemeClr>
+              </a:solidFill>
+              <a:effectLst/>
+              <a:latin typeface="Gill Sans" panose="020B0502020104020203" pitchFamily="34" charset="-79"/>
+              <a:cs typeface="Gill Sans" panose="020B0502020104020203" pitchFamily="34" charset="-79"/>
+            </a:endParaRPr>
+          </a:p>
+        </p:txBody>
+      </p:sp>
+    </p:spTree>
+    <p:extLst>
+      <p:ext uri="{BB962C8B-B14F-4D97-AF65-F5344CB8AC3E}">
+        <p14:creationId xmlns:p14="http://schemas.microsoft.com/office/powerpoint/2010/main" val="523760778"/>
+      </p:ext>
+    </p:extLst>
+  </p:cSld>
+  <p:clrMapOvr>
+    <a:masterClrMapping/>
+  </p:clrMapOvr>
+</p:sld>
+</file>
+
+<file path=ppt/slides/slide4.xml><?xml version="1.0" encoding="utf-8"?>
+<p:sld xmlns:a="http://schemas.openxmlformats.org/drawingml/2006/main" xmlns:r="http://schemas.openxmlformats.org/officeDocument/2006/relationships" xmlns:p="http://schemas.openxmlformats.org/presentationml/2006/main">
+  <p:cSld>
+    <p:bg>
+      <p:bgPr>
+        <a:blipFill dpi="0" rotWithShape="1">
+          <a:blip r:embed="rId3">
+            <a:lum/>
+          </a:blip>
+          <a:srcRect/>
+          <a:stretch>
+            <a:fillRect/>
+          </a:stretch>
+        </a:blipFill>
+        <a:effectLst/>
+      </p:bgPr>
+    </p:bg>
+    <p:spTree>
+      <p:nvGrpSpPr>
+        <p:cNvPr id="1" name=""/>
+        <p:cNvGrpSpPr/>
+        <p:nvPr/>
+      </p:nvGrpSpPr>
+      <p:grpSpPr>
+        <a:xfrm>
+          <a:off x="0" y="0"/>
+          <a:ext cx="0" cy="0"/>
+          <a:chOff x="0" y="0"/>
+          <a:chExt cx="0" cy="0"/>
+        </a:xfrm>
+      </p:grpSpPr>
+      <p:sp>
+        <p:nvSpPr>
+          <p:cNvPr id="2" name="Slayt Numarası Yer Tutucusu 1">
+            <a:extLst>
+              <a:ext uri="{FF2B5EF4-FFF2-40B4-BE49-F238E27FC236}">
+                <a16:creationId xmlns:a16="http://schemas.microsoft.com/office/drawing/2014/main" id="{85E042F7-0256-D9EC-C35C-2D08812F739B}"/>
+              </a:ext>
+            </a:extLst>
+          </p:cNvPr>
+          <p:cNvSpPr>
+            <a:spLocks noGrp="1"/>
+          </p:cNvSpPr>
+          <p:nvPr>
+            <p:ph type="sldNum" sz="quarter" idx="12"/>
+          </p:nvPr>
+        </p:nvSpPr>
+        <p:spPr/>
+        <p:txBody>
+          <a:bodyPr/>
+          <a:lstStyle/>
+          <a:p>
+            <a:fld id="{976E0F06-4CB6-4145-AA97-71AD1A1461D0}" type="slidenum">
+              <a:rPr lang="tr-TR" smtClean="0"/>
+              <a:t>4</a:t>
+            </a:fld>
+            <a:endParaRPr lang="tr-TR"/>
+          </a:p>
+        </p:txBody>
+      </p:sp>
+      <p:sp>
+        <p:nvSpPr>
+          <p:cNvPr id="4" name="Metin kutusu 3">
+            <a:extLst>
+              <a:ext uri="{FF2B5EF4-FFF2-40B4-BE49-F238E27FC236}">
+                <a16:creationId xmlns:a16="http://schemas.microsoft.com/office/drawing/2014/main" id="{C1728D22-C9BF-0D58-7237-C7DC6B867AE9}"/>
+              </a:ext>
+            </a:extLst>
+          </p:cNvPr>
+          <p:cNvSpPr txBox="1"/>
+          <p:nvPr/>
+        </p:nvSpPr>
+        <p:spPr>
+          <a:xfrm>
+            <a:off x="3645291" y="256227"/>
+            <a:ext cx="4370655" cy="769441"/>
+          </a:xfrm>
+          <a:prstGeom prst="rect">
+            <a:avLst/>
+          </a:prstGeom>
+          <a:noFill/>
+        </p:spPr>
+        <p:txBody>
+          <a:bodyPr wrap="square" rtlCol="0">
+            <a:spAutoFit/>
+          </a:bodyPr>
+          <a:lstStyle/>
+          <a:p>
+            <a:pPr algn="l"/>
+            <a:r>
+              <a:rPr lang="en-US" sz="4400" b="1" u="none" strike="noStrike" dirty="0">
+                <a:solidFill>
+                  <a:schemeClr val="accent5">
+                    <a:lumMod val="50000"/>
+                  </a:schemeClr>
+                </a:solidFill>
+                <a:effectLst/>
+                <a:latin typeface="Gill Sans" panose="020B0502020104020203" pitchFamily="34" charset="-79"/>
+                <a:cs typeface="Gill Sans" panose="020B0502020104020203" pitchFamily="34" charset="-79"/>
+              </a:rPr>
+              <a:t>Why learn Go?</a:t>
+            </a:r>
+          </a:p>
+        </p:txBody>
+      </p:sp>
+      <p:sp>
+        <p:nvSpPr>
+          <p:cNvPr id="7" name="Metin kutusu 6">
+            <a:extLst>
+              <a:ext uri="{FF2B5EF4-FFF2-40B4-BE49-F238E27FC236}">
+                <a16:creationId xmlns:a16="http://schemas.microsoft.com/office/drawing/2014/main" id="{B97774D0-852D-76E1-4C71-7FABDED62FBD}"/>
+              </a:ext>
+            </a:extLst>
+          </p:cNvPr>
+          <p:cNvSpPr txBox="1"/>
+          <p:nvPr/>
+        </p:nvSpPr>
+        <p:spPr>
+          <a:xfrm>
+            <a:off x="796787" y="2012428"/>
+            <a:ext cx="10598426" cy="1200329"/>
+          </a:xfrm>
+          <a:prstGeom prst="rect">
+            <a:avLst/>
+          </a:prstGeom>
+          <a:noFill/>
+        </p:spPr>
+        <p:txBody>
+          <a:bodyPr wrap="square" rtlCol="0">
+            <a:spAutoFit/>
+          </a:bodyPr>
+          <a:lstStyle/>
+          <a:p>
+            <a:pPr algn="l"/>
+            <a:r>
+              <a:rPr lang="en-US" u="none" strike="noStrike" dirty="0">
+                <a:solidFill>
+                  <a:srgbClr val="24292F"/>
+                </a:solidFill>
+                <a:effectLst/>
+                <a:latin typeface="Gill Sans" panose="020B0502020104020203" pitchFamily="34" charset="-79"/>
+                <a:cs typeface="Gill Sans" panose="020B0502020104020203" pitchFamily="34" charset="-79"/>
+              </a:rPr>
+              <a:t>Go is meant to be simple to learn, straightforward to work with, and easy to read by other developers. Go is reminiscent of C in its syntax, making it relatively easy for longtime C developers to learn.</a:t>
+            </a:r>
+          </a:p>
+          <a:p>
+            <a:pPr algn="l"/>
+            <a:endParaRPr lang="en-US" dirty="0">
+              <a:solidFill>
+                <a:srgbClr val="24292F"/>
+              </a:solidFill>
+              <a:latin typeface="Gill Sans" panose="020B0502020104020203" pitchFamily="34" charset="-79"/>
+              <a:cs typeface="Gill Sans" panose="020B0502020104020203" pitchFamily="34" charset="-79"/>
+            </a:endParaRPr>
+          </a:p>
+          <a:p>
+            <a:pPr algn="l"/>
+            <a:endParaRPr lang="tr-TR" u="none" strike="noStrike" dirty="0">
+              <a:solidFill>
+                <a:srgbClr val="24292F"/>
+              </a:solidFill>
+              <a:effectLst/>
+              <a:latin typeface="Gill Sans" panose="020B0502020104020203" pitchFamily="34" charset="-79"/>
+              <a:cs typeface="Gill Sans" panose="020B0502020104020203" pitchFamily="34" charset="-79"/>
+            </a:endParaRPr>
+          </a:p>
+        </p:txBody>
+      </p:sp>
+      <p:sp>
+        <p:nvSpPr>
+          <p:cNvPr id="3" name="Metin kutusu 2">
+            <a:extLst>
+              <a:ext uri="{FF2B5EF4-FFF2-40B4-BE49-F238E27FC236}">
+                <a16:creationId xmlns:a16="http://schemas.microsoft.com/office/drawing/2014/main" id="{04978AD3-5B3E-15B5-80CE-E6709454F163}"/>
+              </a:ext>
+            </a:extLst>
+          </p:cNvPr>
+          <p:cNvSpPr txBox="1"/>
+          <p:nvPr/>
+        </p:nvSpPr>
+        <p:spPr>
+          <a:xfrm>
+            <a:off x="796787" y="1526817"/>
+            <a:ext cx="4001355" cy="400110"/>
+          </a:xfrm>
+          <a:prstGeom prst="rect">
+            <a:avLst/>
+          </a:prstGeom>
+          <a:noFill/>
+        </p:spPr>
+        <p:txBody>
+          <a:bodyPr wrap="square" rtlCol="0">
+            <a:spAutoFit/>
+          </a:bodyPr>
+          <a:lstStyle/>
+          <a:p>
+            <a:pPr marL="285750" indent="-285750">
+              <a:buFont typeface="Arial" panose="020B0604020202020204" pitchFamily="34" charset="0"/>
+              <a:buChar char="•"/>
+            </a:pPr>
+            <a:r>
+              <a:rPr lang="en-US" sz="2000" b="1" u="none" strike="noStrike" dirty="0">
+                <a:solidFill>
+                  <a:srgbClr val="24292F"/>
+                </a:solidFill>
+                <a:effectLst/>
+                <a:latin typeface="Gill Sans SemiBold" panose="020B0502020104020203" pitchFamily="34" charset="-79"/>
+                <a:cs typeface="Gill Sans SemiBold" panose="020B0502020104020203" pitchFamily="34" charset="-79"/>
+              </a:rPr>
+              <a:t>Go language is small and simple</a:t>
+            </a:r>
+          </a:p>
+        </p:txBody>
+      </p:sp>
+      <p:sp>
+        <p:nvSpPr>
+          <p:cNvPr id="5" name="Metin kutusu 4">
+            <a:extLst>
+              <a:ext uri="{FF2B5EF4-FFF2-40B4-BE49-F238E27FC236}">
+                <a16:creationId xmlns:a16="http://schemas.microsoft.com/office/drawing/2014/main" id="{3A8F41D0-380A-D536-6622-C7194ECF3977}"/>
+              </a:ext>
+            </a:extLst>
+          </p:cNvPr>
+          <p:cNvSpPr txBox="1"/>
+          <p:nvPr/>
+        </p:nvSpPr>
+        <p:spPr>
+          <a:xfrm>
+            <a:off x="880361" y="3098203"/>
+            <a:ext cx="1558039" cy="400110"/>
+          </a:xfrm>
+          <a:prstGeom prst="rect">
+            <a:avLst/>
+          </a:prstGeom>
+          <a:noFill/>
+        </p:spPr>
+        <p:txBody>
+          <a:bodyPr wrap="square" rtlCol="0">
+            <a:spAutoFit/>
+          </a:bodyPr>
+          <a:lstStyle/>
+          <a:p>
+            <a:pPr marL="285750" indent="-285750">
+              <a:buFont typeface="Arial" panose="020B0604020202020204" pitchFamily="34" charset="0"/>
+              <a:buChar char="•"/>
+            </a:pPr>
+            <a:r>
+              <a:rPr lang="en-US" sz="2000" b="1" u="none" strike="noStrike" dirty="0">
+                <a:solidFill>
+                  <a:srgbClr val="24292F"/>
+                </a:solidFill>
+                <a:effectLst/>
+                <a:latin typeface="Gill Sans SemiBold" panose="020B0502020104020203" pitchFamily="34" charset="-79"/>
+                <a:cs typeface="Gill Sans SemiBold" panose="020B0502020104020203" pitchFamily="34" charset="-79"/>
+              </a:rPr>
+              <a:t>Go is fast</a:t>
+            </a:r>
+          </a:p>
+        </p:txBody>
+      </p:sp>
+      <p:sp>
+        <p:nvSpPr>
+          <p:cNvPr id="8" name="Metin kutusu 7">
+            <a:extLst>
+              <a:ext uri="{FF2B5EF4-FFF2-40B4-BE49-F238E27FC236}">
+                <a16:creationId xmlns:a16="http://schemas.microsoft.com/office/drawing/2014/main" id="{0B981C07-54EF-3E12-EBBB-E8E2AF75718F}"/>
+              </a:ext>
+            </a:extLst>
+          </p:cNvPr>
+          <p:cNvSpPr txBox="1"/>
+          <p:nvPr/>
+        </p:nvSpPr>
+        <p:spPr>
+          <a:xfrm>
+            <a:off x="796787" y="3567139"/>
+            <a:ext cx="10598426" cy="923330"/>
+          </a:xfrm>
+          <a:prstGeom prst="rect">
+            <a:avLst/>
+          </a:prstGeom>
+          <a:noFill/>
+        </p:spPr>
+        <p:txBody>
+          <a:bodyPr wrap="square" rtlCol="0">
+            <a:spAutoFit/>
+          </a:bodyPr>
+          <a:lstStyle/>
+          <a:p>
+            <a:pPr algn="l"/>
+            <a:r>
+              <a:rPr lang="en-US" u="none" strike="noStrike" dirty="0">
+                <a:solidFill>
+                  <a:srgbClr val="24292F"/>
+                </a:solidFill>
+                <a:effectLst/>
+                <a:latin typeface="Gill Sans" panose="020B0502020104020203" pitchFamily="34" charset="-79"/>
+                <a:cs typeface="Gill Sans" panose="020B0502020104020203" pitchFamily="34" charset="-79"/>
+              </a:rPr>
+              <a:t>Go performance is as good as C for the vast majority of work, and generally much faster than other languages known for speed of development (e.g., JavaScript, Python, and Ruby).</a:t>
+            </a:r>
+            <a:endParaRPr lang="en-US" dirty="0">
+              <a:solidFill>
+                <a:srgbClr val="24292F"/>
+              </a:solidFill>
+              <a:latin typeface="Gill Sans" panose="020B0502020104020203" pitchFamily="34" charset="-79"/>
+              <a:cs typeface="Gill Sans" panose="020B0502020104020203" pitchFamily="34" charset="-79"/>
+            </a:endParaRPr>
+          </a:p>
+          <a:p>
+            <a:pPr algn="l"/>
+            <a:endParaRPr lang="tr-TR" u="none" strike="noStrike" dirty="0">
+              <a:solidFill>
+                <a:srgbClr val="24292F"/>
+              </a:solidFill>
+              <a:effectLst/>
+              <a:latin typeface="Gill Sans" panose="020B0502020104020203" pitchFamily="34" charset="-79"/>
+              <a:cs typeface="Gill Sans" panose="020B0502020104020203" pitchFamily="34" charset="-79"/>
+            </a:endParaRPr>
+          </a:p>
+        </p:txBody>
+      </p:sp>
+      <p:pic>
+        <p:nvPicPr>
+          <p:cNvPr id="11" name="Resim 10" descr="metin içeren bir resim&#10;&#10;Açıklama otomatik olarak oluşturuldu">
+            <a:extLst>
+              <a:ext uri="{FF2B5EF4-FFF2-40B4-BE49-F238E27FC236}">
+                <a16:creationId xmlns:a16="http://schemas.microsoft.com/office/drawing/2014/main" id="{81E2D9AD-6BB7-8C72-5119-CA7B8E6BF916}"/>
+              </a:ext>
+            </a:extLst>
+          </p:cNvPr>
+          <p:cNvPicPr>
+            <a:picLocks noChangeAspect="1"/>
+          </p:cNvPicPr>
+          <p:nvPr/>
+        </p:nvPicPr>
+        <p:blipFill>
+          <a:blip r:embed="rId4"/>
+          <a:stretch>
+            <a:fillRect/>
+          </a:stretch>
+        </p:blipFill>
+        <p:spPr>
+          <a:xfrm>
+            <a:off x="618698" y="4886632"/>
+            <a:ext cx="3954213" cy="1421448"/>
+          </a:xfrm>
+          <a:prstGeom prst="rect">
+            <a:avLst/>
+          </a:prstGeom>
+        </p:spPr>
+      </p:pic>
+      <p:sp>
+        <p:nvSpPr>
+          <p:cNvPr id="12" name="Metin kutusu 11">
+            <a:extLst>
+              <a:ext uri="{FF2B5EF4-FFF2-40B4-BE49-F238E27FC236}">
+                <a16:creationId xmlns:a16="http://schemas.microsoft.com/office/drawing/2014/main" id="{790D5014-B17B-966E-77AB-B3EDEE28FAD7}"/>
+              </a:ext>
+            </a:extLst>
+          </p:cNvPr>
+          <p:cNvSpPr txBox="1"/>
+          <p:nvPr/>
+        </p:nvSpPr>
+        <p:spPr>
+          <a:xfrm>
+            <a:off x="1659380" y="6308080"/>
+            <a:ext cx="2853813" cy="230832"/>
+          </a:xfrm>
+          <a:prstGeom prst="rect">
+            <a:avLst/>
+          </a:prstGeom>
+          <a:noFill/>
+        </p:spPr>
+        <p:txBody>
+          <a:bodyPr wrap="square" rtlCol="0">
+            <a:spAutoFit/>
+          </a:bodyPr>
+          <a:lstStyle/>
+          <a:p>
+            <a:r>
+              <a:rPr lang="en-US" sz="900" dirty="0">
+                <a:solidFill>
+                  <a:schemeClr val="bg1">
+                    <a:lumMod val="50000"/>
+                  </a:schemeClr>
+                </a:solidFill>
+                <a:latin typeface="Gill Sans Light" panose="020B0302020104020203" pitchFamily="34" charset="-79"/>
+                <a:cs typeface="Gill Sans Light" panose="020B0302020104020203" pitchFamily="34" charset="-79"/>
+              </a:rPr>
+              <a:t>Mascot of Go programing language is a Gopher</a:t>
+            </a:r>
+          </a:p>
+        </p:txBody>
+      </p:sp>
+    </p:spTree>
+    <p:extLst>
+      <p:ext uri="{BB962C8B-B14F-4D97-AF65-F5344CB8AC3E}">
+        <p14:creationId xmlns:p14="http://schemas.microsoft.com/office/powerpoint/2010/main" val="2681848592"/>
+      </p:ext>
+    </p:extLst>
+  </p:cSld>
+  <p:clrMapOvr>
+    <a:masterClrMapping/>
+  </p:clrMapOvr>
+</p:sld>
+</file>
+
+<file path=ppt/slides/slide5.xml><?xml version="1.0" encoding="utf-8"?>
+<p:sld xmlns:a="http://schemas.openxmlformats.org/drawingml/2006/main" xmlns:r="http://schemas.openxmlformats.org/officeDocument/2006/relationships" xmlns:p="http://schemas.openxmlformats.org/presentationml/2006/main">
+  <p:cSld>
+    <p:bg>
+      <p:bgPr>
+        <a:blipFill dpi="0" rotWithShape="1">
+          <a:blip r:embed="rId2">
+            <a:lum/>
+          </a:blip>
+          <a:srcRect/>
+          <a:stretch>
+            <a:fillRect/>
+          </a:stretch>
+        </a:blipFill>
+        <a:effectLst/>
+      </p:bgPr>
+    </p:bg>
+    <p:spTree>
+      <p:nvGrpSpPr>
+        <p:cNvPr id="1" name=""/>
+        <p:cNvGrpSpPr/>
+        <p:nvPr/>
+      </p:nvGrpSpPr>
+      <p:grpSpPr>
+        <a:xfrm>
+          <a:off x="0" y="0"/>
+          <a:ext cx="0" cy="0"/>
+          <a:chOff x="0" y="0"/>
+          <a:chExt cx="0" cy="0"/>
+        </a:xfrm>
+      </p:grpSpPr>
+      <p:sp>
+        <p:nvSpPr>
+          <p:cNvPr id="2" name="Slayt Numarası Yer Tutucusu 1">
+            <a:extLst>
+              <a:ext uri="{FF2B5EF4-FFF2-40B4-BE49-F238E27FC236}">
+                <a16:creationId xmlns:a16="http://schemas.microsoft.com/office/drawing/2014/main" id="{85E042F7-0256-D9EC-C35C-2D08812F739B}"/>
+              </a:ext>
+            </a:extLst>
+          </p:cNvPr>
+          <p:cNvSpPr>
+            <a:spLocks noGrp="1"/>
+          </p:cNvSpPr>
+          <p:nvPr>
+            <p:ph type="sldNum" sz="quarter" idx="12"/>
+          </p:nvPr>
+        </p:nvSpPr>
+        <p:spPr/>
+        <p:txBody>
+          <a:bodyPr/>
+          <a:lstStyle/>
+          <a:p>
+            <a:fld id="{976E0F06-4CB6-4145-AA97-71AD1A1461D0}" type="slidenum">
+              <a:rPr lang="tr-TR" smtClean="0"/>
+              <a:t>5</a:t>
             </a:fld>
             <a:endParaRPr lang="tr-TR"/>
           </a:p>
@@ -4176,7 +5872,7 @@
                 <a:latin typeface="Gill Sans" panose="020B0502020104020203" pitchFamily="34" charset="-79"/>
                 <a:cs typeface="Gill Sans" panose="020B0502020104020203" pitchFamily="34" charset="-79"/>
               </a:rPr>
-              <a:t>Companies Using GO</a:t>
+              <a:t>Companies using Go</a:t>
             </a:r>
           </a:p>
         </p:txBody>
@@ -4949,18 +6645,18 @@
 </p:sld>
 </file>
 
-<file path=ppt/slides/slide4.xml><?xml version="1.0" encoding="utf-8"?>
+<file path=ppt/slides/slide6.xml><?xml version="1.0" encoding="utf-8"?>
 <p:sld xmlns:a="http://schemas.openxmlformats.org/drawingml/2006/main" xmlns:r="http://schemas.openxmlformats.org/officeDocument/2006/relationships" xmlns:p="http://schemas.openxmlformats.org/presentationml/2006/main">
   <p:cSld>
     <p:bg>
       <p:bgPr>
         <a:blipFill dpi="0" rotWithShape="1">
-          <a:blip r:embed="rId2">
+          <a:blip r:embed="rId3">
             <a:lum/>
           </a:blip>
           <a:srcRect/>
           <a:stretch>
-            <a:fillRect l="-7000" r="-7000"/>
+            <a:fillRect/>
           </a:stretch>
         </a:blipFill>
         <a:effectLst/>
@@ -4985,7 +6681,7 @@
           <p:cNvPr id="2" name="Slayt Numarası Yer Tutucusu 1">
             <a:extLst>
               <a:ext uri="{FF2B5EF4-FFF2-40B4-BE49-F238E27FC236}">
-                <a16:creationId xmlns:a16="http://schemas.microsoft.com/office/drawing/2014/main" id="{D4D837ED-02C8-0468-52C0-456ED8DBB44F}"/>
+                <a16:creationId xmlns:a16="http://schemas.microsoft.com/office/drawing/2014/main" id="{28801326-11C5-86B2-50DA-36414E317A50}"/>
               </a:ext>
             </a:extLst>
           </p:cNvPr>
@@ -5003,7 +6699,7 @@
           <a:p>
             <a:fld id="{976E0F06-4CB6-4145-AA97-71AD1A1461D0}" type="slidenum">
               <a:rPr lang="tr-TR" smtClean="0"/>
-              <a:t>4</a:t>
+              <a:t>6</a:t>
             </a:fld>
             <a:endParaRPr lang="tr-TR"/>
           </a:p>
@@ -5014,7 +6710,7 @@
           <p:cNvPr id="3" name="Metin kutusu 2">
             <a:extLst>
               <a:ext uri="{FF2B5EF4-FFF2-40B4-BE49-F238E27FC236}">
-                <a16:creationId xmlns:a16="http://schemas.microsoft.com/office/drawing/2014/main" id="{C6B911D3-4A82-988E-8D46-892147797781}"/>
+                <a16:creationId xmlns:a16="http://schemas.microsoft.com/office/drawing/2014/main" id="{8FDFA05F-9579-66F2-86A6-C97FD988A6D1}"/>
               </a:ext>
             </a:extLst>
           </p:cNvPr>
@@ -5023,8 +6719,8 @@
         </p:nvSpPr>
         <p:spPr>
           <a:xfrm>
-            <a:off x="1696720" y="528320"/>
-            <a:ext cx="3515360" cy="769441"/>
+            <a:off x="582287" y="280721"/>
+            <a:ext cx="4577837" cy="2123658"/>
           </a:xfrm>
           <a:prstGeom prst="rect">
             <a:avLst/>
@@ -5037,28 +6733,29 @@
           </a:bodyPr>
           <a:lstStyle/>
           <a:p>
-            <a:r>
-              <a:rPr lang="en-US" sz="4400" b="1" dirty="0">
-                <a:solidFill>
-                  <a:schemeClr val="tx1">
-                    <a:lumMod val="75000"/>
-                    <a:lumOff val="25000"/>
+            <a:pPr algn="l"/>
+            <a:r>
+              <a:rPr lang="en-US" sz="4400" b="1" u="none" strike="noStrike" dirty="0">
+                <a:solidFill>
+                  <a:schemeClr val="accent5">
+                    <a:lumMod val="50000"/>
                   </a:schemeClr>
                 </a:solidFill>
-                <a:latin typeface="Gill Sans" panose="020B0502020104020203" pitchFamily="34" charset="-79"/>
-                <a:cs typeface="Gill Sans" panose="020B0502020104020203" pitchFamily="34" charset="-79"/>
-              </a:rPr>
-              <a:t>References</a:t>
-            </a:r>
-          </a:p>
-        </p:txBody>
-      </p:sp>
-      <p:sp>
-        <p:nvSpPr>
-          <p:cNvPr id="5" name="Metin kutusu 4">
-            <a:extLst>
-              <a:ext uri="{FF2B5EF4-FFF2-40B4-BE49-F238E27FC236}">
-                <a16:creationId xmlns:a16="http://schemas.microsoft.com/office/drawing/2014/main" id="{D8A4BA62-9AE6-72FF-D004-C84476DFFEF5}"/>
+                <a:effectLst/>
+                <a:latin typeface="Gill Sans" panose="020B0502020104020203" pitchFamily="34" charset="-79"/>
+                <a:cs typeface="Gill Sans" panose="020B0502020104020203" pitchFamily="34" charset="-79"/>
+              </a:rPr>
+              <a:t>Where Go language works best</a:t>
+            </a:r>
+          </a:p>
+        </p:txBody>
+      </p:sp>
+      <p:sp>
+        <p:nvSpPr>
+          <p:cNvPr id="4" name="Metin kutusu 3">
+            <a:extLst>
+              <a:ext uri="{FF2B5EF4-FFF2-40B4-BE49-F238E27FC236}">
+                <a16:creationId xmlns:a16="http://schemas.microsoft.com/office/drawing/2014/main" id="{89E73F57-BEFA-2D0F-4289-731D3029FCA9}"/>
               </a:ext>
             </a:extLst>
           </p:cNvPr>
@@ -5067,8 +6764,8 @@
         </p:nvSpPr>
         <p:spPr>
           <a:xfrm>
-            <a:off x="711200" y="1930400"/>
-            <a:ext cx="5943600" cy="369332"/>
+            <a:off x="7049728" y="2012429"/>
+            <a:ext cx="4463471" cy="5355312"/>
           </a:xfrm>
           <a:prstGeom prst="rect">
             <a:avLst/>
@@ -5086,39 +6783,1415 @@
               <a:buChar char="•"/>
             </a:pPr>
             <a:r>
-              <a:rPr lang="en-US" dirty="0">
-                <a:solidFill>
-                  <a:schemeClr val="tx1">
-                    <a:lumMod val="75000"/>
-                    <a:lumOff val="25000"/>
+              <a:rPr lang="en-US" u="none" strike="noStrike" dirty="0">
+                <a:solidFill>
+                  <a:srgbClr val="24292F"/>
+                </a:solidFill>
+                <a:effectLst/>
+                <a:latin typeface="Gill Sans" panose="020B0502020104020203" pitchFamily="34" charset="-79"/>
+                <a:cs typeface="Gill Sans" panose="020B0502020104020203" pitchFamily="34" charset="-79"/>
+              </a:rPr>
+              <a:t>Go’s opinionated set of features has drawn both praise and criticism. Go is designed small and easy to understand, with certain features deliberately omitted. The result is that some features that are commonplace in other languages simply aren’t available in Go—on purpose.</a:t>
+            </a:r>
+          </a:p>
+          <a:p>
+            <a:endParaRPr lang="en-US" u="none" strike="noStrike" dirty="0">
+              <a:solidFill>
+                <a:srgbClr val="24292F"/>
+              </a:solidFill>
+              <a:effectLst/>
+              <a:latin typeface="Gill Sans" panose="020B0502020104020203" pitchFamily="34" charset="-79"/>
+              <a:cs typeface="Gill Sans" panose="020B0502020104020203" pitchFamily="34" charset="-79"/>
+            </a:endParaRPr>
+          </a:p>
+          <a:p>
+            <a:pPr marL="285750" indent="-285750">
+              <a:buFont typeface="Arial" panose="020B0604020202020204" pitchFamily="34" charset="0"/>
+              <a:buChar char="•"/>
+            </a:pPr>
+            <a:r>
+              <a:rPr lang="en-US" u="none" strike="noStrike" dirty="0">
+                <a:solidFill>
+                  <a:srgbClr val="24292F"/>
+                </a:solidFill>
+                <a:effectLst/>
+                <a:latin typeface="Gill Sans" panose="020B0502020104020203" pitchFamily="34" charset="-79"/>
+                <a:cs typeface="Gill Sans" panose="020B0502020104020203" pitchFamily="34" charset="-79"/>
+              </a:rPr>
+              <a:t>Another potential downside to Go is the size of the generated binaries. Go binaries are statically compiled by default, meaning that everything needed at runtime is included in the binary image. This approach simplifies the build and deployment process, but at the cost of a simple “Hello, world!” weighing in at around 1.5MB on 64-bit Windows.</a:t>
+            </a:r>
+            <a:br>
+              <a:rPr lang="tr-TR" dirty="0"/>
+            </a:br>
+            <a:endParaRPr lang="tr-TR" u="none" strike="noStrike" dirty="0">
+              <a:solidFill>
+                <a:srgbClr val="24292F"/>
+              </a:solidFill>
+              <a:effectLst/>
+              <a:latin typeface="Gill Sans" panose="020B0502020104020203" pitchFamily="34" charset="-79"/>
+              <a:cs typeface="Gill Sans" panose="020B0502020104020203" pitchFamily="34" charset="-79"/>
+            </a:endParaRPr>
+          </a:p>
+          <a:p>
+            <a:pPr marL="285750" indent="-285750">
+              <a:buFont typeface="Arial" panose="020B0604020202020204" pitchFamily="34" charset="0"/>
+              <a:buChar char="•"/>
+            </a:pPr>
+            <a:endParaRPr lang="tr-TR" dirty="0">
+              <a:solidFill>
+                <a:schemeClr val="tx1">
+                  <a:lumMod val="75000"/>
+                  <a:lumOff val="25000"/>
+                </a:schemeClr>
+              </a:solidFill>
+              <a:effectLst/>
+              <a:latin typeface="Gill Sans" panose="020B0502020104020203" pitchFamily="34" charset="-79"/>
+              <a:cs typeface="Gill Sans" panose="020B0502020104020203" pitchFamily="34" charset="-79"/>
+            </a:endParaRPr>
+          </a:p>
+        </p:txBody>
+      </p:sp>
+      <p:sp>
+        <p:nvSpPr>
+          <p:cNvPr id="7" name="Metin kutusu 6">
+            <a:extLst>
+              <a:ext uri="{FF2B5EF4-FFF2-40B4-BE49-F238E27FC236}">
+                <a16:creationId xmlns:a16="http://schemas.microsoft.com/office/drawing/2014/main" id="{9A9C7EAA-0EFD-F362-25A7-6D92DE172DD3}"/>
+              </a:ext>
+            </a:extLst>
+          </p:cNvPr>
+          <p:cNvSpPr txBox="1"/>
+          <p:nvPr/>
+        </p:nvSpPr>
+        <p:spPr>
+          <a:xfrm>
+            <a:off x="7392937" y="280721"/>
+            <a:ext cx="3777055" cy="1446550"/>
+          </a:xfrm>
+          <a:prstGeom prst="rect">
+            <a:avLst/>
+          </a:prstGeom>
+          <a:noFill/>
+        </p:spPr>
+        <p:txBody>
+          <a:bodyPr wrap="square" rtlCol="0">
+            <a:spAutoFit/>
+          </a:bodyPr>
+          <a:lstStyle/>
+          <a:p>
+            <a:r>
+              <a:rPr lang="en-US" sz="4400" b="1" dirty="0">
+                <a:solidFill>
+                  <a:schemeClr val="accent5">
+                    <a:lumMod val="50000"/>
                   </a:schemeClr>
                 </a:solidFill>
                 <a:latin typeface="Gill Sans" panose="020B0502020104020203" pitchFamily="34" charset="-79"/>
                 <a:cs typeface="Gill Sans" panose="020B0502020104020203" pitchFamily="34" charset="-79"/>
-                <a:hlinkClick r:id="rId3"/>
-              </a:rPr>
-              <a:t>https://go.dev</a:t>
-            </a:r>
-            <a:r>
-              <a:rPr lang="en-US" dirty="0">
-                <a:solidFill>
-                  <a:schemeClr val="tx1">
-                    <a:lumMod val="75000"/>
-                    <a:lumOff val="25000"/>
-                  </a:schemeClr>
-                </a:solidFill>
-                <a:latin typeface="Gill Sans" panose="020B0502020104020203" pitchFamily="34" charset="-79"/>
-                <a:cs typeface="Gill Sans" panose="020B0502020104020203" pitchFamily="34" charset="-79"/>
-              </a:rPr>
-              <a:t> </a:t>
-            </a:r>
-          </a:p>
-        </p:txBody>
-      </p:sp>
+              </a:rPr>
+              <a:t>Go language limitations</a:t>
+            </a:r>
+          </a:p>
+        </p:txBody>
+      </p:sp>
+      <p:sp>
+        <p:nvSpPr>
+          <p:cNvPr id="8" name="Metin kutusu 7">
+            <a:extLst>
+              <a:ext uri="{FF2B5EF4-FFF2-40B4-BE49-F238E27FC236}">
+                <a16:creationId xmlns:a16="http://schemas.microsoft.com/office/drawing/2014/main" id="{AB4D77C4-7319-9FCB-4728-EE7BB4DA49E8}"/>
+              </a:ext>
+            </a:extLst>
+          </p:cNvPr>
+          <p:cNvSpPr txBox="1"/>
+          <p:nvPr/>
+        </p:nvSpPr>
+        <p:spPr>
+          <a:xfrm>
+            <a:off x="582287" y="2651526"/>
+            <a:ext cx="4463471" cy="3139321"/>
+          </a:xfrm>
+          <a:prstGeom prst="rect">
+            <a:avLst/>
+          </a:prstGeom>
+          <a:noFill/>
+        </p:spPr>
+        <p:txBody>
+          <a:bodyPr wrap="square" rtlCol="0">
+            <a:spAutoFit/>
+          </a:bodyPr>
+          <a:lstStyle/>
+          <a:p>
+            <a:r>
+              <a:rPr lang="en-US" u="none" strike="noStrike" dirty="0">
+                <a:solidFill>
+                  <a:srgbClr val="24292F"/>
+                </a:solidFill>
+                <a:effectLst/>
+                <a:latin typeface="Gill Sans" panose="020B0502020104020203" pitchFamily="34" charset="-79"/>
+                <a:cs typeface="Gill Sans" panose="020B0502020104020203" pitchFamily="34" charset="-79"/>
+              </a:rPr>
+              <a:t>No language is suited to every job, but some languages are suited to more jobs than others. Go shines brightest for developing the following application types:</a:t>
+            </a:r>
+          </a:p>
+          <a:p>
+            <a:endParaRPr lang="en-US" u="none" strike="noStrike" dirty="0">
+              <a:solidFill>
+                <a:srgbClr val="24292F"/>
+              </a:solidFill>
+              <a:effectLst/>
+              <a:latin typeface="Gill Sans" panose="020B0502020104020203" pitchFamily="34" charset="-79"/>
+              <a:cs typeface="Gill Sans" panose="020B0502020104020203" pitchFamily="34" charset="-79"/>
+            </a:endParaRPr>
+          </a:p>
+          <a:p>
+            <a:pPr marL="285750" indent="-285750">
+              <a:buFont typeface="Arial" panose="020B0604020202020204" pitchFamily="34" charset="0"/>
+              <a:buChar char="•"/>
+            </a:pPr>
+            <a:r>
+              <a:rPr lang="en-US" u="none" strike="noStrike" dirty="0">
+                <a:solidFill>
+                  <a:srgbClr val="24292F"/>
+                </a:solidFill>
+                <a:effectLst/>
+                <a:latin typeface="Gill Sans" panose="020B0502020104020203" pitchFamily="34" charset="-79"/>
+                <a:cs typeface="Gill Sans" panose="020B0502020104020203" pitchFamily="34" charset="-79"/>
+              </a:rPr>
+              <a:t>Cloud-native development</a:t>
+            </a:r>
+          </a:p>
+          <a:p>
+            <a:pPr marL="285750" indent="-285750">
+              <a:buFont typeface="Arial" panose="020B0604020202020204" pitchFamily="34" charset="0"/>
+              <a:buChar char="•"/>
+            </a:pPr>
+            <a:r>
+              <a:rPr lang="en-US" u="none" strike="noStrike" dirty="0">
+                <a:solidFill>
+                  <a:srgbClr val="24292F"/>
+                </a:solidFill>
+                <a:effectLst/>
+                <a:latin typeface="Gill Sans" panose="020B0502020104020203" pitchFamily="34" charset="-79"/>
+                <a:cs typeface="Gill Sans" panose="020B0502020104020203" pitchFamily="34" charset="-79"/>
+              </a:rPr>
+              <a:t>Distributed network services</a:t>
+            </a:r>
+          </a:p>
+          <a:p>
+            <a:pPr marL="285750" indent="-285750">
+              <a:buFont typeface="Arial" panose="020B0604020202020204" pitchFamily="34" charset="0"/>
+              <a:buChar char="•"/>
+            </a:pPr>
+            <a:r>
+              <a:rPr lang="en-US" u="none" strike="noStrike" dirty="0">
+                <a:solidFill>
+                  <a:srgbClr val="24292F"/>
+                </a:solidFill>
+                <a:effectLst/>
+                <a:latin typeface="Gill Sans" panose="020B0502020104020203" pitchFamily="34" charset="-79"/>
+                <a:cs typeface="Gill Sans" panose="020B0502020104020203" pitchFamily="34" charset="-79"/>
+              </a:rPr>
+              <a:t>Utilities and stand-alone tools</a:t>
+            </a:r>
+          </a:p>
+          <a:p>
+            <a:br>
+              <a:rPr lang="tr-TR" dirty="0"/>
+            </a:br>
+            <a:endParaRPr lang="tr-TR" u="none" strike="noStrike" dirty="0">
+              <a:solidFill>
+                <a:srgbClr val="24292F"/>
+              </a:solidFill>
+              <a:effectLst/>
+              <a:latin typeface="Gill Sans" panose="020B0502020104020203" pitchFamily="34" charset="-79"/>
+              <a:cs typeface="Gill Sans" panose="020B0502020104020203" pitchFamily="34" charset="-79"/>
+            </a:endParaRPr>
+          </a:p>
+          <a:p>
+            <a:pPr marL="285750" indent="-285750">
+              <a:buFont typeface="Arial" panose="020B0604020202020204" pitchFamily="34" charset="0"/>
+              <a:buChar char="•"/>
+            </a:pPr>
+            <a:endParaRPr lang="tr-TR" dirty="0">
+              <a:solidFill>
+                <a:schemeClr val="tx1">
+                  <a:lumMod val="75000"/>
+                  <a:lumOff val="25000"/>
+                </a:schemeClr>
+              </a:solidFill>
+              <a:effectLst/>
+              <a:latin typeface="Gill Sans" panose="020B0502020104020203" pitchFamily="34" charset="-79"/>
+              <a:cs typeface="Gill Sans" panose="020B0502020104020203" pitchFamily="34" charset="-79"/>
+            </a:endParaRPr>
+          </a:p>
+        </p:txBody>
+      </p:sp>
+      <p:cxnSp>
+        <p:nvCxnSpPr>
+          <p:cNvPr id="17" name="Düz Bağlayıcı 16">
+            <a:extLst>
+              <a:ext uri="{FF2B5EF4-FFF2-40B4-BE49-F238E27FC236}">
+                <a16:creationId xmlns:a16="http://schemas.microsoft.com/office/drawing/2014/main" id="{3AD836BD-73B4-24E1-DF8A-047E2B37ED89}"/>
+              </a:ext>
+            </a:extLst>
+          </p:cNvPr>
+          <p:cNvCxnSpPr>
+            <a:cxnSpLocks/>
+          </p:cNvCxnSpPr>
+          <p:nvPr/>
+        </p:nvCxnSpPr>
+        <p:spPr>
+          <a:xfrm>
+            <a:off x="6096000" y="984741"/>
+            <a:ext cx="0" cy="5025154"/>
+          </a:xfrm>
+          <a:prstGeom prst="line">
+            <a:avLst/>
+          </a:prstGeom>
+          <a:ln w="19050" cmpd="sng">
+            <a:solidFill>
+              <a:schemeClr val="accent5">
+                <a:lumMod val="50000"/>
+              </a:schemeClr>
+            </a:solidFill>
+            <a:headEnd type="none" w="med" len="med"/>
+            <a:tailEnd type="none" w="med" len="med"/>
+          </a:ln>
+        </p:spPr>
+        <p:style>
+          <a:lnRef idx="1">
+            <a:schemeClr val="accent1"/>
+          </a:lnRef>
+          <a:fillRef idx="0">
+            <a:schemeClr val="accent1"/>
+          </a:fillRef>
+          <a:effectRef idx="0">
+            <a:schemeClr val="accent1"/>
+          </a:effectRef>
+          <a:fontRef idx="minor">
+            <a:schemeClr val="tx1"/>
+          </a:fontRef>
+        </p:style>
+      </p:cxnSp>
+      <p:pic>
+        <p:nvPicPr>
+          <p:cNvPr id="20" name="Grafik 19">
+            <a:extLst>
+              <a:ext uri="{FF2B5EF4-FFF2-40B4-BE49-F238E27FC236}">
+                <a16:creationId xmlns:a16="http://schemas.microsoft.com/office/drawing/2014/main" id="{C684DBA2-6D78-2B24-DE0F-E8219BCCB02C}"/>
+              </a:ext>
+            </a:extLst>
+          </p:cNvPr>
+          <p:cNvPicPr>
+            <a:picLocks noChangeAspect="1"/>
+          </p:cNvPicPr>
+          <p:nvPr/>
+        </p:nvPicPr>
+        <p:blipFill>
+          <a:blip r:embed="rId4">
+            <a:extLst>
+              <a:ext uri="{96DAC541-7B7A-43D3-8B79-37D633B846F1}">
+                <asvg:svgBlip xmlns:asvg="http://schemas.microsoft.com/office/drawing/2016/SVG/main" r:embed="rId5"/>
+              </a:ext>
+            </a:extLst>
+          </a:blip>
+          <a:stretch>
+            <a:fillRect/>
+          </a:stretch>
+        </p:blipFill>
+        <p:spPr>
+          <a:xfrm>
+            <a:off x="422888" y="5790847"/>
+            <a:ext cx="1770047" cy="659429"/>
+          </a:xfrm>
+          <a:prstGeom prst="rect">
+            <a:avLst/>
+          </a:prstGeom>
+        </p:spPr>
+      </p:pic>
     </p:spTree>
     <p:extLst>
       <p:ext uri="{BB962C8B-B14F-4D97-AF65-F5344CB8AC3E}">
-        <p14:creationId xmlns:p14="http://schemas.microsoft.com/office/powerpoint/2010/main" val="1794357257"/>
+        <p14:creationId xmlns:p14="http://schemas.microsoft.com/office/powerpoint/2010/main" val="3426639534"/>
+      </p:ext>
+    </p:extLst>
+  </p:cSld>
+  <p:clrMapOvr>
+    <a:masterClrMapping/>
+  </p:clrMapOvr>
+</p:sld>
+</file>
+
+<file path=ppt/slides/slide7.xml><?xml version="1.0" encoding="utf-8"?>
+<p:sld xmlns:a="http://schemas.openxmlformats.org/drawingml/2006/main" xmlns:r="http://schemas.openxmlformats.org/officeDocument/2006/relationships" xmlns:p="http://schemas.openxmlformats.org/presentationml/2006/main">
+  <p:cSld>
+    <p:bg>
+      <p:bgPr>
+        <a:blipFill dpi="0" rotWithShape="1">
+          <a:blip r:embed="rId2">
+            <a:lum/>
+          </a:blip>
+          <a:srcRect/>
+          <a:stretch>
+            <a:fillRect/>
+          </a:stretch>
+        </a:blipFill>
+        <a:effectLst/>
+      </p:bgPr>
+    </p:bg>
+    <p:spTree>
+      <p:nvGrpSpPr>
+        <p:cNvPr id="1" name=""/>
+        <p:cNvGrpSpPr/>
+        <p:nvPr/>
+      </p:nvGrpSpPr>
+      <p:grpSpPr>
+        <a:xfrm>
+          <a:off x="0" y="0"/>
+          <a:ext cx="0" cy="0"/>
+          <a:chOff x="0" y="0"/>
+          <a:chExt cx="0" cy="0"/>
+        </a:xfrm>
+      </p:grpSpPr>
+      <p:sp>
+        <p:nvSpPr>
+          <p:cNvPr id="2" name="Slayt Numarası Yer Tutucusu 1">
+            <a:extLst>
+              <a:ext uri="{FF2B5EF4-FFF2-40B4-BE49-F238E27FC236}">
+                <a16:creationId xmlns:a16="http://schemas.microsoft.com/office/drawing/2014/main" id="{28801326-11C5-86B2-50DA-36414E317A50}"/>
+              </a:ext>
+            </a:extLst>
+          </p:cNvPr>
+          <p:cNvSpPr>
+            <a:spLocks noGrp="1"/>
+          </p:cNvSpPr>
+          <p:nvPr>
+            <p:ph type="sldNum" sz="quarter" idx="12"/>
+          </p:nvPr>
+        </p:nvSpPr>
+        <p:spPr/>
+        <p:txBody>
+          <a:bodyPr/>
+          <a:lstStyle/>
+          <a:p>
+            <a:fld id="{976E0F06-4CB6-4145-AA97-71AD1A1461D0}" type="slidenum">
+              <a:rPr lang="tr-TR" smtClean="0"/>
+              <a:t>7</a:t>
+            </a:fld>
+            <a:endParaRPr lang="tr-TR"/>
+          </a:p>
+        </p:txBody>
+      </p:sp>
+      <p:sp>
+        <p:nvSpPr>
+          <p:cNvPr id="3" name="Metin kutusu 2">
+            <a:extLst>
+              <a:ext uri="{FF2B5EF4-FFF2-40B4-BE49-F238E27FC236}">
+                <a16:creationId xmlns:a16="http://schemas.microsoft.com/office/drawing/2014/main" id="{8FDFA05F-9579-66F2-86A6-C97FD988A6D1}"/>
+              </a:ext>
+            </a:extLst>
+          </p:cNvPr>
+          <p:cNvSpPr txBox="1"/>
+          <p:nvPr/>
+        </p:nvSpPr>
+        <p:spPr>
+          <a:xfrm>
+            <a:off x="2928359" y="362667"/>
+            <a:ext cx="6512262" cy="1446550"/>
+          </a:xfrm>
+          <a:prstGeom prst="rect">
+            <a:avLst/>
+          </a:prstGeom>
+          <a:noFill/>
+        </p:spPr>
+        <p:txBody>
+          <a:bodyPr wrap="square" rtlCol="0">
+            <a:spAutoFit/>
+          </a:bodyPr>
+          <a:lstStyle/>
+          <a:p>
+            <a:pPr algn="l"/>
+            <a:r>
+              <a:rPr lang="en-US" sz="4400" b="1" u="none" strike="noStrike" dirty="0" err="1">
+                <a:solidFill>
+                  <a:schemeClr val="accent5">
+                    <a:lumMod val="50000"/>
+                  </a:schemeClr>
+                </a:solidFill>
+                <a:effectLst/>
+                <a:latin typeface="Gill Sans" panose="020B0502020104020203" pitchFamily="34" charset="-79"/>
+                <a:cs typeface="Gill Sans" panose="020B0502020104020203" pitchFamily="34" charset="-79"/>
+              </a:rPr>
+              <a:t>Bitly</a:t>
+            </a:r>
+            <a:r>
+              <a:rPr lang="en-US" sz="4400" b="1" u="none" strike="noStrike" dirty="0">
+                <a:solidFill>
+                  <a:schemeClr val="accent5">
+                    <a:lumMod val="50000"/>
+                  </a:schemeClr>
+                </a:solidFill>
+                <a:effectLst/>
+                <a:latin typeface="Gill Sans" panose="020B0502020104020203" pitchFamily="34" charset="-79"/>
+                <a:cs typeface="Gill Sans" panose="020B0502020104020203" pitchFamily="34" charset="-79"/>
+              </a:rPr>
+              <a:t> - Why </a:t>
+            </a:r>
+            <a:r>
+              <a:rPr lang="en-US" sz="4400" b="1" dirty="0">
+                <a:solidFill>
+                  <a:schemeClr val="accent5">
+                    <a:lumMod val="50000"/>
+                  </a:schemeClr>
+                </a:solidFill>
+                <a:latin typeface="Gill Sans" panose="020B0502020104020203" pitchFamily="34" charset="-79"/>
+                <a:cs typeface="Gill Sans" panose="020B0502020104020203" pitchFamily="34" charset="-79"/>
+              </a:rPr>
+              <a:t>w</a:t>
+            </a:r>
+            <a:r>
+              <a:rPr lang="en-US" sz="4400" b="1" u="none" strike="noStrike" dirty="0">
+                <a:solidFill>
+                  <a:schemeClr val="accent5">
+                    <a:lumMod val="50000"/>
+                  </a:schemeClr>
+                </a:solidFill>
+                <a:effectLst/>
+                <a:latin typeface="Gill Sans" panose="020B0502020104020203" pitchFamily="34" charset="-79"/>
+                <a:cs typeface="Gill Sans" panose="020B0502020104020203" pitchFamily="34" charset="-79"/>
+              </a:rPr>
+              <a:t>e </a:t>
+            </a:r>
+            <a:r>
+              <a:rPr lang="en-US" sz="4400" b="1" dirty="0">
+                <a:solidFill>
+                  <a:schemeClr val="accent5">
+                    <a:lumMod val="50000"/>
+                  </a:schemeClr>
+                </a:solidFill>
+                <a:latin typeface="Gill Sans" panose="020B0502020104020203" pitchFamily="34" charset="-79"/>
+                <a:cs typeface="Gill Sans" panose="020B0502020104020203" pitchFamily="34" charset="-79"/>
+              </a:rPr>
+              <a:t>w</a:t>
+            </a:r>
+            <a:r>
+              <a:rPr lang="en-US" sz="4400" b="1" u="none" strike="noStrike" dirty="0">
+                <a:solidFill>
+                  <a:schemeClr val="accent5">
+                    <a:lumMod val="50000"/>
+                  </a:schemeClr>
+                </a:solidFill>
+                <a:effectLst/>
+                <a:latin typeface="Gill Sans" panose="020B0502020104020203" pitchFamily="34" charset="-79"/>
+                <a:cs typeface="Gill Sans" panose="020B0502020104020203" pitchFamily="34" charset="-79"/>
+              </a:rPr>
+              <a:t>rite </a:t>
+            </a:r>
+            <a:r>
+              <a:rPr lang="en-US" sz="4400" b="1" dirty="0">
+                <a:solidFill>
+                  <a:schemeClr val="accent5">
+                    <a:lumMod val="50000"/>
+                  </a:schemeClr>
+                </a:solidFill>
+                <a:latin typeface="Gill Sans" panose="020B0502020104020203" pitchFamily="34" charset="-79"/>
+                <a:cs typeface="Gill Sans" panose="020B0502020104020203" pitchFamily="34" charset="-79"/>
+              </a:rPr>
+              <a:t>e</a:t>
+            </a:r>
+            <a:r>
+              <a:rPr lang="en-US" sz="4400" b="1" u="none" strike="noStrike" dirty="0">
+                <a:solidFill>
+                  <a:schemeClr val="accent5">
+                    <a:lumMod val="50000"/>
+                  </a:schemeClr>
+                </a:solidFill>
+                <a:effectLst/>
+                <a:latin typeface="Gill Sans" panose="020B0502020104020203" pitchFamily="34" charset="-79"/>
+                <a:cs typeface="Gill Sans" panose="020B0502020104020203" pitchFamily="34" charset="-79"/>
+              </a:rPr>
+              <a:t>verything in Go</a:t>
+            </a:r>
+          </a:p>
+        </p:txBody>
+      </p:sp>
+      <p:sp>
+        <p:nvSpPr>
+          <p:cNvPr id="4" name="Metin kutusu 3">
+            <a:extLst>
+              <a:ext uri="{FF2B5EF4-FFF2-40B4-BE49-F238E27FC236}">
+                <a16:creationId xmlns:a16="http://schemas.microsoft.com/office/drawing/2014/main" id="{89E73F57-BEFA-2D0F-4289-731D3029FCA9}"/>
+              </a:ext>
+            </a:extLst>
+          </p:cNvPr>
+          <p:cNvSpPr txBox="1"/>
+          <p:nvPr/>
+        </p:nvSpPr>
+        <p:spPr>
+          <a:xfrm>
+            <a:off x="885277" y="2400052"/>
+            <a:ext cx="10598426" cy="3354765"/>
+          </a:xfrm>
+          <a:prstGeom prst="rect">
+            <a:avLst/>
+          </a:prstGeom>
+          <a:noFill/>
+        </p:spPr>
+        <p:txBody>
+          <a:bodyPr wrap="square" rtlCol="0">
+            <a:spAutoFit/>
+          </a:bodyPr>
+          <a:lstStyle/>
+          <a:p>
+            <a:r>
+              <a:rPr lang="en-US" u="none" strike="noStrike" dirty="0">
+                <a:solidFill>
+                  <a:srgbClr val="1D1F21"/>
+                </a:solidFill>
+                <a:effectLst/>
+                <a:latin typeface="Gill Sans" panose="020B0502020104020203" pitchFamily="34" charset="-79"/>
+                <a:cs typeface="Gill Sans" panose="020B0502020104020203" pitchFamily="34" charset="-79"/>
+              </a:rPr>
+              <a:t>At </a:t>
+            </a:r>
+            <a:r>
+              <a:rPr lang="en-US" u="none" strike="noStrike" dirty="0" err="1">
+                <a:solidFill>
+                  <a:srgbClr val="1D1F21"/>
+                </a:solidFill>
+                <a:effectLst/>
+                <a:latin typeface="Gill Sans" panose="020B0502020104020203" pitchFamily="34" charset="-79"/>
+                <a:cs typeface="Gill Sans" panose="020B0502020104020203" pitchFamily="34" charset="-79"/>
+              </a:rPr>
+              <a:t>Bitly</a:t>
+            </a:r>
+            <a:r>
+              <a:rPr lang="en-US" u="none" strike="noStrike" dirty="0">
+                <a:solidFill>
+                  <a:srgbClr val="1D1F21"/>
+                </a:solidFill>
+                <a:effectLst/>
+                <a:latin typeface="Gill Sans" panose="020B0502020104020203" pitchFamily="34" charset="-79"/>
+                <a:cs typeface="Gill Sans" panose="020B0502020104020203" pitchFamily="34" charset="-79"/>
+              </a:rPr>
+              <a:t>, we’ve been all in on Go as our preferred back-end language since about 2015.  Why? We like tools that are efficient and powerful. We like to avoid the unnecessarily complex. We like repeatable patterns, open source, clear standards and high performance. We like easy-to-read code because we like easy-to-maintain code. This is why we like Go.</a:t>
+            </a:r>
+            <a:br>
+              <a:rPr lang="en-US" dirty="0"/>
+            </a:br>
+            <a:endParaRPr lang="en-US" dirty="0"/>
+          </a:p>
+          <a:p>
+            <a:r>
+              <a:rPr lang="en-US" sz="2400" b="1" u="none" strike="noStrike" dirty="0">
+                <a:solidFill>
+                  <a:srgbClr val="252628"/>
+                </a:solidFill>
+                <a:effectLst/>
+                <a:latin typeface="Gill Sans SemiBold" panose="020B0502020104020203" pitchFamily="34" charset="-79"/>
+                <a:cs typeface="Gill Sans SemiBold" panose="020B0502020104020203" pitchFamily="34" charset="-79"/>
+              </a:rPr>
+              <a:t>Once Upon a Time…</a:t>
+            </a:r>
+          </a:p>
+          <a:p>
+            <a:endParaRPr lang="en-US" sz="600" b="1" u="none" strike="noStrike" dirty="0">
+              <a:solidFill>
+                <a:srgbClr val="252628"/>
+              </a:solidFill>
+              <a:effectLst/>
+              <a:latin typeface="Gill Sans SemiBold" panose="020B0502020104020203" pitchFamily="34" charset="-79"/>
+              <a:cs typeface="Gill Sans SemiBold" panose="020B0502020104020203" pitchFamily="34" charset="-79"/>
+            </a:endParaRPr>
+          </a:p>
+          <a:p>
+            <a:r>
+              <a:rPr lang="en-US" u="none" strike="noStrike" dirty="0">
+                <a:solidFill>
+                  <a:srgbClr val="1D1F21"/>
+                </a:solidFill>
+                <a:effectLst/>
+                <a:latin typeface="Gill Sans" panose="020B0502020104020203" pitchFamily="34" charset="-79"/>
+                <a:cs typeface="Gill Sans" panose="020B0502020104020203" pitchFamily="34" charset="-79"/>
+              </a:rPr>
+              <a:t>There once was a time when we wrote most backend services in Python, and when we wanted serious performance, we dropped into C. </a:t>
+            </a:r>
+          </a:p>
+          <a:p>
+            <a:r>
+              <a:rPr lang="en-US" u="none" strike="noStrike" dirty="0">
+                <a:solidFill>
+                  <a:srgbClr val="1D1F21"/>
+                </a:solidFill>
+                <a:effectLst/>
+                <a:latin typeface="Gill Sans" panose="020B0502020104020203" pitchFamily="34" charset="-79"/>
+                <a:cs typeface="Gill Sans" panose="020B0502020104020203" pitchFamily="34" charset="-79"/>
+              </a:rPr>
+              <a:t>We used Python because it was easy to write, reasonably performant, and there was a nice web server framework called Tornado that scaled pretty well with its effective use of non-blocking network I/O.  We used C because, well, it was C and you can’t beat its performance. You can, however, beat its maintainability.</a:t>
+            </a:r>
+            <a:endParaRPr lang="en-US" dirty="0">
+              <a:solidFill>
+                <a:srgbClr val="252628"/>
+              </a:solidFill>
+              <a:latin typeface="Gill Sans" panose="020B0502020104020203" pitchFamily="34" charset="-79"/>
+              <a:cs typeface="Gill Sans" panose="020B0502020104020203" pitchFamily="34" charset="-79"/>
+            </a:endParaRPr>
+          </a:p>
+        </p:txBody>
+      </p:sp>
+    </p:spTree>
+    <p:extLst>
+      <p:ext uri="{BB962C8B-B14F-4D97-AF65-F5344CB8AC3E}">
+        <p14:creationId xmlns:p14="http://schemas.microsoft.com/office/powerpoint/2010/main" val="3812587078"/>
+      </p:ext>
+    </p:extLst>
+  </p:cSld>
+  <p:clrMapOvr>
+    <a:masterClrMapping/>
+  </p:clrMapOvr>
+</p:sld>
+</file>
+
+<file path=ppt/slides/slide8.xml><?xml version="1.0" encoding="utf-8"?>
+<p:sld xmlns:a="http://schemas.openxmlformats.org/drawingml/2006/main" xmlns:r="http://schemas.openxmlformats.org/officeDocument/2006/relationships" xmlns:p="http://schemas.openxmlformats.org/presentationml/2006/main">
+  <p:cSld>
+    <p:bg>
+      <p:bgPr>
+        <a:blipFill dpi="0" rotWithShape="1">
+          <a:blip r:embed="rId2">
+            <a:lum/>
+          </a:blip>
+          <a:srcRect/>
+          <a:stretch>
+            <a:fillRect/>
+          </a:stretch>
+        </a:blipFill>
+        <a:effectLst/>
+      </p:bgPr>
+    </p:bg>
+    <p:spTree>
+      <p:nvGrpSpPr>
+        <p:cNvPr id="1" name=""/>
+        <p:cNvGrpSpPr/>
+        <p:nvPr/>
+      </p:nvGrpSpPr>
+      <p:grpSpPr>
+        <a:xfrm>
+          <a:off x="0" y="0"/>
+          <a:ext cx="0" cy="0"/>
+          <a:chOff x="0" y="0"/>
+          <a:chExt cx="0" cy="0"/>
+        </a:xfrm>
+      </p:grpSpPr>
+      <p:sp>
+        <p:nvSpPr>
+          <p:cNvPr id="2" name="Slayt Numarası Yer Tutucusu 1">
+            <a:extLst>
+              <a:ext uri="{FF2B5EF4-FFF2-40B4-BE49-F238E27FC236}">
+                <a16:creationId xmlns:a16="http://schemas.microsoft.com/office/drawing/2014/main" id="{28801326-11C5-86B2-50DA-36414E317A50}"/>
+              </a:ext>
+            </a:extLst>
+          </p:cNvPr>
+          <p:cNvSpPr>
+            <a:spLocks noGrp="1"/>
+          </p:cNvSpPr>
+          <p:nvPr>
+            <p:ph type="sldNum" sz="quarter" idx="12"/>
+          </p:nvPr>
+        </p:nvSpPr>
+        <p:spPr/>
+        <p:txBody>
+          <a:bodyPr/>
+          <a:lstStyle/>
+          <a:p>
+            <a:fld id="{976E0F06-4CB6-4145-AA97-71AD1A1461D0}" type="slidenum">
+              <a:rPr lang="tr-TR" smtClean="0"/>
+              <a:t>8</a:t>
+            </a:fld>
+            <a:endParaRPr lang="tr-TR"/>
+          </a:p>
+        </p:txBody>
+      </p:sp>
+      <p:sp>
+        <p:nvSpPr>
+          <p:cNvPr id="4" name="Metin kutusu 3">
+            <a:extLst>
+              <a:ext uri="{FF2B5EF4-FFF2-40B4-BE49-F238E27FC236}">
+                <a16:creationId xmlns:a16="http://schemas.microsoft.com/office/drawing/2014/main" id="{89E73F57-BEFA-2D0F-4289-731D3029FCA9}"/>
+              </a:ext>
+            </a:extLst>
+          </p:cNvPr>
+          <p:cNvSpPr txBox="1"/>
+          <p:nvPr/>
+        </p:nvSpPr>
+        <p:spPr>
+          <a:xfrm>
+            <a:off x="796787" y="522091"/>
+            <a:ext cx="10598426" cy="5555367"/>
+          </a:xfrm>
+          <a:prstGeom prst="rect">
+            <a:avLst/>
+          </a:prstGeom>
+          <a:noFill/>
+        </p:spPr>
+        <p:txBody>
+          <a:bodyPr wrap="square" rtlCol="0">
+            <a:spAutoFit/>
+          </a:bodyPr>
+          <a:lstStyle/>
+          <a:p>
+            <a:pPr algn="l"/>
+            <a:r>
+              <a:rPr lang="en-US" sz="2400" b="1" u="none" strike="noStrike" dirty="0">
+                <a:solidFill>
+                  <a:srgbClr val="252628"/>
+                </a:solidFill>
+                <a:effectLst/>
+                <a:latin typeface="Gill Sans SemiBold" panose="020B0502020104020203" pitchFamily="34" charset="-79"/>
+                <a:cs typeface="Gill Sans SemiBold" panose="020B0502020104020203" pitchFamily="34" charset="-79"/>
+              </a:rPr>
+              <a:t>Enter Go</a:t>
+            </a:r>
+          </a:p>
+          <a:p>
+            <a:pPr algn="l"/>
+            <a:endParaRPr lang="en-US" sz="600" b="1" u="none" strike="noStrike" dirty="0">
+              <a:solidFill>
+                <a:srgbClr val="252628"/>
+              </a:solidFill>
+              <a:effectLst/>
+              <a:latin typeface="Gill Sans SemiBold" panose="020B0502020104020203" pitchFamily="34" charset="-79"/>
+              <a:cs typeface="Gill Sans SemiBold" panose="020B0502020104020203" pitchFamily="34" charset="-79"/>
+            </a:endParaRPr>
+          </a:p>
+          <a:p>
+            <a:pPr algn="l"/>
+            <a:r>
+              <a:rPr lang="en-US" u="none" strike="noStrike" dirty="0">
+                <a:solidFill>
+                  <a:srgbClr val="1D1F21"/>
+                </a:solidFill>
+                <a:effectLst/>
+                <a:latin typeface="Gill Sans" panose="020B0502020104020203" pitchFamily="34" charset="-79"/>
+                <a:cs typeface="Gill Sans" panose="020B0502020104020203" pitchFamily="34" charset="-79"/>
+              </a:rPr>
+              <a:t>In 2014, we wrote a little open source project called NSQ (</a:t>
+            </a:r>
+            <a:r>
+              <a:rPr lang="en-US" u="none" strike="noStrike" dirty="0">
+                <a:solidFill>
+                  <a:srgbClr val="2A5BD7"/>
+                </a:solidFill>
+                <a:effectLst/>
+                <a:latin typeface="Gill Sans" panose="020B0502020104020203" pitchFamily="34" charset="-79"/>
+                <a:cs typeface="Gill Sans" panose="020B0502020104020203" pitchFamily="34" charset="-79"/>
+                <a:hlinkClick r:id="rId3"/>
+              </a:rPr>
+              <a:t>nsq.io</a:t>
+            </a:r>
+            <a:r>
+              <a:rPr lang="en-US" u="none" strike="noStrike" dirty="0">
+                <a:solidFill>
+                  <a:srgbClr val="1D1F21"/>
+                </a:solidFill>
+                <a:effectLst/>
+                <a:latin typeface="Gill Sans" panose="020B0502020104020203" pitchFamily="34" charset="-79"/>
+                <a:cs typeface="Gill Sans" panose="020B0502020104020203" pitchFamily="34" charset="-79"/>
+              </a:rPr>
+              <a:t>) and put a promising new language called Go through its paces. We liked what we saw so much that we started writing everything new in Go, and soon thereafter we began porting all legacy services to Go as well.</a:t>
+            </a:r>
+          </a:p>
+          <a:p>
+            <a:pPr algn="l"/>
+            <a:r>
+              <a:rPr lang="en-US" u="none" strike="noStrike" dirty="0">
+                <a:solidFill>
+                  <a:srgbClr val="1D1F21"/>
+                </a:solidFill>
+                <a:effectLst/>
+                <a:latin typeface="Gill Sans" panose="020B0502020104020203" pitchFamily="34" charset="-79"/>
+                <a:cs typeface="Gill Sans" panose="020B0502020104020203" pitchFamily="34" charset="-79"/>
+              </a:rPr>
+              <a:t>One of the most compelling findings from that early experience was that we could run the same workload in Go on fewer servers than the Python version and the response times were typically twice as fast. </a:t>
+            </a:r>
+          </a:p>
+          <a:p>
+            <a:pPr algn="l"/>
+            <a:endParaRPr lang="en-US" sz="2000" b="1" dirty="0">
+              <a:solidFill>
+                <a:srgbClr val="1D1F21"/>
+              </a:solidFill>
+              <a:latin typeface="Gill Sans" panose="020B0502020104020203" pitchFamily="34" charset="-79"/>
+              <a:cs typeface="Gill Sans" panose="020B0502020104020203" pitchFamily="34" charset="-79"/>
+            </a:endParaRPr>
+          </a:p>
+          <a:p>
+            <a:r>
+              <a:rPr lang="en-US" sz="2400" b="1" u="none" strike="noStrike" dirty="0">
+                <a:solidFill>
+                  <a:srgbClr val="252628"/>
+                </a:solidFill>
+                <a:effectLst/>
+                <a:latin typeface="Gill Sans SemiBold" panose="020B0502020104020203" pitchFamily="34" charset="-79"/>
+                <a:cs typeface="Gill Sans SemiBold" panose="020B0502020104020203" pitchFamily="34" charset="-79"/>
+              </a:rPr>
+              <a:t>Performance: Go vs. Python</a:t>
+            </a:r>
+          </a:p>
+          <a:p>
+            <a:endParaRPr lang="en-US" sz="600" u="none" strike="noStrike" dirty="0">
+              <a:solidFill>
+                <a:srgbClr val="252628"/>
+              </a:solidFill>
+              <a:effectLst/>
+              <a:latin typeface="Gill Sans" panose="020B0502020104020203" pitchFamily="34" charset="-79"/>
+              <a:cs typeface="Gill Sans" panose="020B0502020104020203" pitchFamily="34" charset="-79"/>
+            </a:endParaRPr>
+          </a:p>
+          <a:p>
+            <a:r>
+              <a:rPr lang="en-US" u="sng" strike="noStrike" dirty="0">
+                <a:solidFill>
+                  <a:srgbClr val="1D1F21"/>
+                </a:solidFill>
+                <a:effectLst/>
+                <a:latin typeface="Gill Sans" panose="020B0502020104020203" pitchFamily="34" charset="-79"/>
+                <a:cs typeface="Gill Sans" panose="020B0502020104020203" pitchFamily="34" charset="-79"/>
+              </a:rPr>
+              <a:t>Serving a simple request</a:t>
+            </a:r>
+          </a:p>
+          <a:p>
+            <a:endParaRPr lang="en-US" sz="300" u="sng" strike="noStrike" dirty="0">
+              <a:solidFill>
+                <a:srgbClr val="1D1F21"/>
+              </a:solidFill>
+              <a:effectLst/>
+              <a:latin typeface="Gill Sans" panose="020B0502020104020203" pitchFamily="34" charset="-79"/>
+              <a:cs typeface="Gill Sans" panose="020B0502020104020203" pitchFamily="34" charset="-79"/>
+            </a:endParaRPr>
+          </a:p>
+          <a:p>
+            <a:r>
+              <a:rPr lang="en-US" u="none" strike="noStrike" dirty="0">
+                <a:solidFill>
+                  <a:srgbClr val="1D1F21"/>
+                </a:solidFill>
+                <a:effectLst/>
+                <a:latin typeface="Gill Sans" panose="020B0502020104020203" pitchFamily="34" charset="-79"/>
+                <a:cs typeface="Gill Sans" panose="020B0502020104020203" pitchFamily="34" charset="-79"/>
+              </a:rPr>
+              <a:t>In this example, there is one path served up by a web app. This is simply the serving of a site association file for iOS deep linking for a given custom domain. (If you don’t know what that means, suffice it to say, iOS calls it and it’s a simple </a:t>
+            </a:r>
+            <a:r>
+              <a:rPr lang="en-US" u="none" strike="noStrike" dirty="0" err="1">
+                <a:solidFill>
+                  <a:srgbClr val="1D1F21"/>
+                </a:solidFill>
+                <a:effectLst/>
+                <a:latin typeface="Gill Sans" panose="020B0502020104020203" pitchFamily="34" charset="-79"/>
+                <a:cs typeface="Gill Sans" panose="020B0502020104020203" pitchFamily="34" charset="-79"/>
+              </a:rPr>
+              <a:t>json</a:t>
+            </a:r>
+            <a:r>
+              <a:rPr lang="en-US" u="none" strike="noStrike" dirty="0">
+                <a:solidFill>
+                  <a:srgbClr val="1D1F21"/>
+                </a:solidFill>
+                <a:effectLst/>
+                <a:latin typeface="Gill Sans" panose="020B0502020104020203" pitchFamily="34" charset="-79"/>
+                <a:cs typeface="Gill Sans" panose="020B0502020104020203" pitchFamily="34" charset="-79"/>
+              </a:rPr>
+              <a:t> response.)</a:t>
+            </a:r>
+          </a:p>
+          <a:p>
+            <a:r>
+              <a:rPr lang="en-US" dirty="0">
+                <a:solidFill>
+                  <a:srgbClr val="1D1F21"/>
+                </a:solidFill>
+                <a:latin typeface="Gill Sans" panose="020B0502020104020203" pitchFamily="34" charset="-79"/>
+                <a:cs typeface="Gill Sans" panose="020B0502020104020203" pitchFamily="34" charset="-79"/>
+              </a:rPr>
+              <a:t>This example is written in Go and Python versions. The two pieces of code are basically doing the same thing:</a:t>
+            </a:r>
+          </a:p>
+          <a:p>
+            <a:pPr marL="285750" indent="-285750">
+              <a:buFont typeface="Arial" panose="020B0604020202020204" pitchFamily="34" charset="0"/>
+              <a:buChar char="•"/>
+            </a:pPr>
+            <a:r>
+              <a:rPr lang="en-US" u="none" strike="noStrike" dirty="0">
+                <a:solidFill>
+                  <a:srgbClr val="1D1F21"/>
+                </a:solidFill>
+                <a:effectLst/>
+                <a:latin typeface="Gill Sans" panose="020B0502020104020203" pitchFamily="34" charset="-79"/>
+                <a:cs typeface="Gill Sans" panose="020B0502020104020203" pitchFamily="34" charset="-79"/>
+              </a:rPr>
+              <a:t>Call our internal API to get the site association data for a given custom domain</a:t>
+            </a:r>
+          </a:p>
+          <a:p>
+            <a:pPr marL="285750" indent="-285750">
+              <a:buFont typeface="Arial" panose="020B0604020202020204" pitchFamily="34" charset="0"/>
+              <a:buChar char="•"/>
+            </a:pPr>
+            <a:r>
+              <a:rPr lang="en-US" u="none" strike="noStrike" dirty="0">
+                <a:solidFill>
+                  <a:srgbClr val="1D1F21"/>
+                </a:solidFill>
+                <a:effectLst/>
+                <a:latin typeface="Gill Sans" panose="020B0502020104020203" pitchFamily="34" charset="-79"/>
+                <a:cs typeface="Gill Sans" panose="020B0502020104020203" pitchFamily="34" charset="-79"/>
+              </a:rPr>
+              <a:t>Return some </a:t>
+            </a:r>
+            <a:r>
+              <a:rPr lang="en-US" u="none" strike="noStrike" dirty="0" err="1">
+                <a:solidFill>
+                  <a:srgbClr val="1D1F21"/>
+                </a:solidFill>
+                <a:effectLst/>
+                <a:latin typeface="Gill Sans" panose="020B0502020104020203" pitchFamily="34" charset="-79"/>
+                <a:cs typeface="Gill Sans" panose="020B0502020104020203" pitchFamily="34" charset="-79"/>
+              </a:rPr>
+              <a:t>json</a:t>
+            </a:r>
+            <a:endParaRPr lang="en-US" u="none" strike="noStrike" dirty="0">
+              <a:solidFill>
+                <a:srgbClr val="1D1F21"/>
+              </a:solidFill>
+              <a:effectLst/>
+              <a:latin typeface="Gill Sans" panose="020B0502020104020203" pitchFamily="34" charset="-79"/>
+              <a:cs typeface="Gill Sans" panose="020B0502020104020203" pitchFamily="34" charset="-79"/>
+            </a:endParaRPr>
+          </a:p>
+          <a:p>
+            <a:pPr marL="285750" indent="-285750">
+              <a:buFont typeface="Arial" panose="020B0604020202020204" pitchFamily="34" charset="0"/>
+              <a:buChar char="•"/>
+            </a:pPr>
+            <a:endParaRPr lang="en-US" u="sng" strike="noStrike" dirty="0">
+              <a:solidFill>
+                <a:srgbClr val="1D1F21"/>
+              </a:solidFill>
+              <a:effectLst/>
+              <a:latin typeface="Gill Sans" panose="020B0502020104020203" pitchFamily="34" charset="-79"/>
+              <a:cs typeface="Gill Sans" panose="020B0502020104020203" pitchFamily="34" charset="-79"/>
+            </a:endParaRPr>
+          </a:p>
+          <a:p>
+            <a:endParaRPr lang="tr-TR" u="none" strike="noStrike" dirty="0">
+              <a:solidFill>
+                <a:srgbClr val="252628"/>
+              </a:solidFill>
+              <a:effectLst/>
+              <a:latin typeface="Gill Sans" panose="020B0502020104020203" pitchFamily="34" charset="-79"/>
+              <a:cs typeface="Gill Sans" panose="020B0502020104020203" pitchFamily="34" charset="-79"/>
+            </a:endParaRPr>
+          </a:p>
+          <a:p>
+            <a:pPr algn="l"/>
+            <a:endParaRPr lang="en-US" sz="2000" b="1" u="none" strike="noStrike" dirty="0">
+              <a:solidFill>
+                <a:srgbClr val="252628"/>
+              </a:solidFill>
+              <a:effectLst/>
+              <a:latin typeface="Gill Sans SemiBold" panose="020B0502020104020203" pitchFamily="34" charset="-79"/>
+              <a:cs typeface="Gill Sans SemiBold" panose="020B0502020104020203" pitchFamily="34" charset="-79"/>
+            </a:endParaRPr>
+          </a:p>
+        </p:txBody>
+      </p:sp>
+    </p:spTree>
+    <p:extLst>
+      <p:ext uri="{BB962C8B-B14F-4D97-AF65-F5344CB8AC3E}">
+        <p14:creationId xmlns:p14="http://schemas.microsoft.com/office/powerpoint/2010/main" val="3328398708"/>
+      </p:ext>
+    </p:extLst>
+  </p:cSld>
+  <p:clrMapOvr>
+    <a:masterClrMapping/>
+  </p:clrMapOvr>
+</p:sld>
+</file>
+
+<file path=ppt/slides/slide9.xml><?xml version="1.0" encoding="utf-8"?>
+<p:sld xmlns:a="http://schemas.openxmlformats.org/drawingml/2006/main" xmlns:r="http://schemas.openxmlformats.org/officeDocument/2006/relationships" xmlns:p="http://schemas.openxmlformats.org/presentationml/2006/main">
+  <p:cSld>
+    <p:bg>
+      <p:bgPr>
+        <a:blipFill dpi="0" rotWithShape="1">
+          <a:blip r:embed="rId2">
+            <a:lum/>
+          </a:blip>
+          <a:srcRect/>
+          <a:stretch>
+            <a:fillRect/>
+          </a:stretch>
+        </a:blipFill>
+        <a:effectLst/>
+      </p:bgPr>
+    </p:bg>
+    <p:spTree>
+      <p:nvGrpSpPr>
+        <p:cNvPr id="1" name=""/>
+        <p:cNvGrpSpPr/>
+        <p:nvPr/>
+      </p:nvGrpSpPr>
+      <p:grpSpPr>
+        <a:xfrm>
+          <a:off x="0" y="0"/>
+          <a:ext cx="0" cy="0"/>
+          <a:chOff x="0" y="0"/>
+          <a:chExt cx="0" cy="0"/>
+        </a:xfrm>
+      </p:grpSpPr>
+      <p:sp>
+        <p:nvSpPr>
+          <p:cNvPr id="2" name="Slayt Numarası Yer Tutucusu 1">
+            <a:extLst>
+              <a:ext uri="{FF2B5EF4-FFF2-40B4-BE49-F238E27FC236}">
+                <a16:creationId xmlns:a16="http://schemas.microsoft.com/office/drawing/2014/main" id="{28801326-11C5-86B2-50DA-36414E317A50}"/>
+              </a:ext>
+            </a:extLst>
+          </p:cNvPr>
+          <p:cNvSpPr>
+            <a:spLocks noGrp="1"/>
+          </p:cNvSpPr>
+          <p:nvPr>
+            <p:ph type="sldNum" sz="quarter" idx="12"/>
+          </p:nvPr>
+        </p:nvSpPr>
+        <p:spPr/>
+        <p:txBody>
+          <a:bodyPr/>
+          <a:lstStyle/>
+          <a:p>
+            <a:fld id="{976E0F06-4CB6-4145-AA97-71AD1A1461D0}" type="slidenum">
+              <a:rPr lang="tr-TR" smtClean="0"/>
+              <a:t>9</a:t>
+            </a:fld>
+            <a:endParaRPr lang="tr-TR"/>
+          </a:p>
+        </p:txBody>
+      </p:sp>
+      <p:sp>
+        <p:nvSpPr>
+          <p:cNvPr id="4" name="Metin kutusu 3">
+            <a:extLst>
+              <a:ext uri="{FF2B5EF4-FFF2-40B4-BE49-F238E27FC236}">
+                <a16:creationId xmlns:a16="http://schemas.microsoft.com/office/drawing/2014/main" id="{89E73F57-BEFA-2D0F-4289-731D3029FCA9}"/>
+              </a:ext>
+            </a:extLst>
+          </p:cNvPr>
+          <p:cNvSpPr txBox="1"/>
+          <p:nvPr/>
+        </p:nvSpPr>
+        <p:spPr>
+          <a:xfrm>
+            <a:off x="796787" y="266095"/>
+            <a:ext cx="10598426" cy="954107"/>
+          </a:xfrm>
+          <a:prstGeom prst="rect">
+            <a:avLst/>
+          </a:prstGeom>
+          <a:noFill/>
+        </p:spPr>
+        <p:txBody>
+          <a:bodyPr wrap="square" rtlCol="0">
+            <a:spAutoFit/>
+          </a:bodyPr>
+          <a:lstStyle/>
+          <a:p>
+            <a:pPr algn="l"/>
+            <a:r>
+              <a:rPr lang="en-US" u="none" strike="noStrike" dirty="0">
+                <a:solidFill>
+                  <a:srgbClr val="1D1F21"/>
+                </a:solidFill>
+                <a:effectLst/>
+                <a:latin typeface="Gill Sans" panose="020B0502020104020203" pitchFamily="34" charset="-79"/>
+                <a:cs typeface="Gill Sans" panose="020B0502020104020203" pitchFamily="34" charset="-79"/>
+              </a:rPr>
+              <a:t>Now look at the difference in performance.</a:t>
+            </a:r>
+            <a:endParaRPr lang="en-US" u="sng" strike="noStrike" dirty="0">
+              <a:solidFill>
+                <a:srgbClr val="1D1F21"/>
+              </a:solidFill>
+              <a:effectLst/>
+              <a:latin typeface="Gill Sans" panose="020B0502020104020203" pitchFamily="34" charset="-79"/>
+              <a:cs typeface="Gill Sans" panose="020B0502020104020203" pitchFamily="34" charset="-79"/>
+            </a:endParaRPr>
+          </a:p>
+          <a:p>
+            <a:endParaRPr lang="tr-TR" u="none" strike="noStrike" dirty="0">
+              <a:solidFill>
+                <a:srgbClr val="252628"/>
+              </a:solidFill>
+              <a:effectLst/>
+              <a:latin typeface="Gill Sans" panose="020B0502020104020203" pitchFamily="34" charset="-79"/>
+              <a:cs typeface="Gill Sans" panose="020B0502020104020203" pitchFamily="34" charset="-79"/>
+            </a:endParaRPr>
+          </a:p>
+          <a:p>
+            <a:pPr algn="l"/>
+            <a:endParaRPr lang="en-US" sz="2000" b="1" u="none" strike="noStrike" dirty="0">
+              <a:solidFill>
+                <a:srgbClr val="252628"/>
+              </a:solidFill>
+              <a:effectLst/>
+              <a:latin typeface="Gill Sans SemiBold" panose="020B0502020104020203" pitchFamily="34" charset="-79"/>
+              <a:cs typeface="Gill Sans SemiBold" panose="020B0502020104020203" pitchFamily="34" charset="-79"/>
+            </a:endParaRPr>
+          </a:p>
+        </p:txBody>
+      </p:sp>
+      <p:pic>
+        <p:nvPicPr>
+          <p:cNvPr id="5" name="Resim 4" descr="çizelge içeren bir resim&#10;&#10;Açıklama otomatik olarak oluşturuldu">
+            <a:extLst>
+              <a:ext uri="{FF2B5EF4-FFF2-40B4-BE49-F238E27FC236}">
+                <a16:creationId xmlns:a16="http://schemas.microsoft.com/office/drawing/2014/main" id="{1C5B2B0F-14E2-16F7-89CA-580F6CEE4970}"/>
+              </a:ext>
+            </a:extLst>
+          </p:cNvPr>
+          <p:cNvPicPr>
+            <a:picLocks noChangeAspect="1"/>
+          </p:cNvPicPr>
+          <p:nvPr/>
+        </p:nvPicPr>
+        <p:blipFill>
+          <a:blip r:embed="rId3"/>
+          <a:stretch>
+            <a:fillRect/>
+          </a:stretch>
+        </p:blipFill>
+        <p:spPr>
+          <a:xfrm>
+            <a:off x="796787" y="1133575"/>
+            <a:ext cx="4940912" cy="3024538"/>
+          </a:xfrm>
+          <a:prstGeom prst="rect">
+            <a:avLst/>
+          </a:prstGeom>
+        </p:spPr>
+      </p:pic>
+      <p:pic>
+        <p:nvPicPr>
+          <p:cNvPr id="7" name="Resim 6" descr="çizelge içeren bir resim&#10;&#10;Açıklama otomatik olarak oluşturuldu">
+            <a:extLst>
+              <a:ext uri="{FF2B5EF4-FFF2-40B4-BE49-F238E27FC236}">
+                <a16:creationId xmlns:a16="http://schemas.microsoft.com/office/drawing/2014/main" id="{FF152A72-180C-EECD-72D7-C4E5F243204C}"/>
+              </a:ext>
+            </a:extLst>
+          </p:cNvPr>
+          <p:cNvPicPr>
+            <a:picLocks noChangeAspect="1"/>
+          </p:cNvPicPr>
+          <p:nvPr/>
+        </p:nvPicPr>
+        <p:blipFill>
+          <a:blip r:embed="rId4"/>
+          <a:stretch>
+            <a:fillRect/>
+          </a:stretch>
+        </p:blipFill>
+        <p:spPr>
+          <a:xfrm>
+            <a:off x="6459567" y="1133575"/>
+            <a:ext cx="4935646" cy="3024538"/>
+          </a:xfrm>
+          <a:prstGeom prst="rect">
+            <a:avLst/>
+          </a:prstGeom>
+        </p:spPr>
+      </p:pic>
+      <p:sp>
+        <p:nvSpPr>
+          <p:cNvPr id="8" name="Metin kutusu 7">
+            <a:extLst>
+              <a:ext uri="{FF2B5EF4-FFF2-40B4-BE49-F238E27FC236}">
+                <a16:creationId xmlns:a16="http://schemas.microsoft.com/office/drawing/2014/main" id="{D59989AA-6ECB-F4D9-3702-3FD1B26D3686}"/>
+              </a:ext>
+            </a:extLst>
+          </p:cNvPr>
+          <p:cNvSpPr txBox="1"/>
+          <p:nvPr/>
+        </p:nvSpPr>
+        <p:spPr>
+          <a:xfrm>
+            <a:off x="796787" y="4279495"/>
+            <a:ext cx="4940912" cy="276999"/>
+          </a:xfrm>
+          <a:prstGeom prst="rect">
+            <a:avLst/>
+          </a:prstGeom>
+          <a:noFill/>
+        </p:spPr>
+        <p:txBody>
+          <a:bodyPr wrap="square" rtlCol="0">
+            <a:spAutoFit/>
+          </a:bodyPr>
+          <a:lstStyle/>
+          <a:p>
+            <a:r>
+              <a:rPr lang="en-US" sz="1200" u="none" strike="noStrike" dirty="0">
+                <a:solidFill>
+                  <a:srgbClr val="002060"/>
+                </a:solidFill>
+                <a:effectLst/>
+                <a:latin typeface="Gill Sans" panose="020B0502020104020203" pitchFamily="34" charset="-79"/>
+                <a:cs typeface="Gill Sans" panose="020B0502020104020203" pitchFamily="34" charset="-79"/>
+              </a:rPr>
+              <a:t>Fig 1. Python – Response times in milliseconds. Sample size: 67,179 requests.</a:t>
+            </a:r>
+            <a:endParaRPr lang="en-US" sz="1200" dirty="0">
+              <a:solidFill>
+                <a:srgbClr val="002060"/>
+              </a:solidFill>
+              <a:latin typeface="Gill Sans" panose="020B0502020104020203" pitchFamily="34" charset="-79"/>
+              <a:cs typeface="Gill Sans" panose="020B0502020104020203" pitchFamily="34" charset="-79"/>
+            </a:endParaRPr>
+          </a:p>
+        </p:txBody>
+      </p:sp>
+      <p:sp>
+        <p:nvSpPr>
+          <p:cNvPr id="9" name="Metin kutusu 8">
+            <a:extLst>
+              <a:ext uri="{FF2B5EF4-FFF2-40B4-BE49-F238E27FC236}">
+                <a16:creationId xmlns:a16="http://schemas.microsoft.com/office/drawing/2014/main" id="{5392E70E-C272-9A6E-E2FB-20AB360B8308}"/>
+              </a:ext>
+            </a:extLst>
+          </p:cNvPr>
+          <p:cNvSpPr txBox="1"/>
+          <p:nvPr/>
+        </p:nvSpPr>
+        <p:spPr>
+          <a:xfrm>
+            <a:off x="6454301" y="4279495"/>
+            <a:ext cx="4940912" cy="276999"/>
+          </a:xfrm>
+          <a:prstGeom prst="rect">
+            <a:avLst/>
+          </a:prstGeom>
+          <a:noFill/>
+        </p:spPr>
+        <p:txBody>
+          <a:bodyPr wrap="square" rtlCol="0">
+            <a:spAutoFit/>
+          </a:bodyPr>
+          <a:lstStyle/>
+          <a:p>
+            <a:r>
+              <a:rPr lang="en-US" sz="1200" u="none" strike="noStrike" dirty="0">
+                <a:solidFill>
+                  <a:srgbClr val="002060"/>
+                </a:solidFill>
+                <a:effectLst/>
+                <a:latin typeface="Gill Sans" panose="020B0502020104020203" pitchFamily="34" charset="-79"/>
+                <a:cs typeface="Gill Sans" panose="020B0502020104020203" pitchFamily="34" charset="-79"/>
+              </a:rPr>
+              <a:t>Fig 2. Go – Response times in milliseconds. Sample size: 50,192 requests.</a:t>
+            </a:r>
+            <a:endParaRPr lang="en-US" sz="1200" dirty="0">
+              <a:solidFill>
+                <a:srgbClr val="002060"/>
+              </a:solidFill>
+              <a:latin typeface="Gill Sans" panose="020B0502020104020203" pitchFamily="34" charset="-79"/>
+              <a:cs typeface="Gill Sans" panose="020B0502020104020203" pitchFamily="34" charset="-79"/>
+            </a:endParaRPr>
+          </a:p>
+        </p:txBody>
+      </p:sp>
+      <p:sp>
+        <p:nvSpPr>
+          <p:cNvPr id="10" name="Metin kutusu 9">
+            <a:extLst>
+              <a:ext uri="{FF2B5EF4-FFF2-40B4-BE49-F238E27FC236}">
+                <a16:creationId xmlns:a16="http://schemas.microsoft.com/office/drawing/2014/main" id="{B1C592A8-28DE-E321-7683-834745F54F38}"/>
+              </a:ext>
+            </a:extLst>
+          </p:cNvPr>
+          <p:cNvSpPr txBox="1"/>
+          <p:nvPr/>
+        </p:nvSpPr>
+        <p:spPr>
+          <a:xfrm>
+            <a:off x="796787" y="4996412"/>
+            <a:ext cx="10598426" cy="1785104"/>
+          </a:xfrm>
+          <a:prstGeom prst="rect">
+            <a:avLst/>
+          </a:prstGeom>
+          <a:noFill/>
+        </p:spPr>
+        <p:txBody>
+          <a:bodyPr wrap="square" rtlCol="0">
+            <a:spAutoFit/>
+          </a:bodyPr>
+          <a:lstStyle/>
+          <a:p>
+            <a:pPr algn="l"/>
+            <a:r>
+              <a:rPr lang="en-US" u="none" strike="noStrike" dirty="0">
+                <a:solidFill>
+                  <a:srgbClr val="1D1F21"/>
+                </a:solidFill>
+                <a:effectLst/>
+                <a:latin typeface="Gill Sans" panose="020B0502020104020203" pitchFamily="34" charset="-79"/>
+                <a:cs typeface="Gill Sans" panose="020B0502020104020203" pitchFamily="34" charset="-79"/>
+              </a:rPr>
+              <a:t>That’s almost half the average response time!</a:t>
+            </a:r>
+          </a:p>
+          <a:p>
+            <a:pPr algn="l"/>
+            <a:r>
+              <a:rPr lang="en-US" u="none" strike="noStrike" dirty="0">
+                <a:solidFill>
+                  <a:srgbClr val="1D1F21"/>
+                </a:solidFill>
+                <a:effectLst/>
+                <a:latin typeface="Gill Sans" panose="020B0502020104020203" pitchFamily="34" charset="-79"/>
+                <a:cs typeface="Gill Sans" panose="020B0502020104020203" pitchFamily="34" charset="-79"/>
+              </a:rPr>
+              <a:t>A handful of milliseconds improvement may seem like no big deal, but this code does almost nothing. It makes a single API call and marshals some data to return. A 50% improvement in response time at this level increases exponentially as the complexity of the code increases. More complex code is made up of simple building blocks like this.</a:t>
+            </a:r>
+            <a:endParaRPr lang="en-US" u="none" strike="noStrike" dirty="0">
+              <a:solidFill>
+                <a:srgbClr val="252628"/>
+              </a:solidFill>
+              <a:effectLst/>
+              <a:latin typeface="Gill Sans" panose="020B0502020104020203" pitchFamily="34" charset="-79"/>
+              <a:cs typeface="Gill Sans" panose="020B0502020104020203" pitchFamily="34" charset="-79"/>
+            </a:endParaRPr>
+          </a:p>
+          <a:p>
+            <a:pPr algn="l"/>
+            <a:endParaRPr lang="en-US" sz="2000" b="1" u="none" strike="noStrike" dirty="0">
+              <a:solidFill>
+                <a:srgbClr val="252628"/>
+              </a:solidFill>
+              <a:effectLst/>
+              <a:latin typeface="Gill Sans SemiBold" panose="020B0502020104020203" pitchFamily="34" charset="-79"/>
+              <a:cs typeface="Gill Sans SemiBold" panose="020B0502020104020203" pitchFamily="34" charset="-79"/>
+            </a:endParaRPr>
+          </a:p>
+        </p:txBody>
+      </p:sp>
+    </p:spTree>
+    <p:extLst>
+      <p:ext uri="{BB962C8B-B14F-4D97-AF65-F5344CB8AC3E}">
+        <p14:creationId xmlns:p14="http://schemas.microsoft.com/office/powerpoint/2010/main" val="978811197"/>
       </p:ext>
     </p:extLst>
   </p:cSld>

--- a/GO.pptx
+++ b/GO.pptx
@@ -5,7 +5,7 @@
     <p:sldMasterId id="2147483648" r:id="rId1"/>
   </p:sldMasterIdLst>
   <p:notesMasterIdLst>
-    <p:notesMasterId r:id="rId13"/>
+    <p:notesMasterId r:id="rId25"/>
   </p:notesMasterIdLst>
   <p:sldIdLst>
     <p:sldId id="256" r:id="rId2"/>
@@ -18,7 +18,19 @@
     <p:sldId id="264" r:id="rId9"/>
     <p:sldId id="265" r:id="rId10"/>
     <p:sldId id="266" r:id="rId11"/>
-    <p:sldId id="258" r:id="rId12"/>
+    <p:sldId id="267" r:id="rId12"/>
+    <p:sldId id="271" r:id="rId13"/>
+    <p:sldId id="272" r:id="rId14"/>
+    <p:sldId id="268" r:id="rId15"/>
+    <p:sldId id="269" r:id="rId16"/>
+    <p:sldId id="270" r:id="rId17"/>
+    <p:sldId id="273" r:id="rId18"/>
+    <p:sldId id="274" r:id="rId19"/>
+    <p:sldId id="275" r:id="rId20"/>
+    <p:sldId id="276" r:id="rId21"/>
+    <p:sldId id="277" r:id="rId22"/>
+    <p:sldId id="278" r:id="rId23"/>
+    <p:sldId id="258" r:id="rId24"/>
   </p:sldIdLst>
   <p:sldSz cx="12192000" cy="6858000"/>
   <p:notesSz cx="6858000" cy="9144000"/>
@@ -207,7 +219,7 @@
           <a:p>
             <a:fld id="{C5BC088C-EE55-154C-9AC8-BC5C920DF30B}" type="datetimeFigureOut">
               <a:rPr lang="tr-TR" smtClean="0"/>
-              <a:t>26.03.2023</a:t>
+              <a:t>1.05.2023</a:t>
             </a:fld>
             <a:endParaRPr lang="tr-TR"/>
           </a:p>
@@ -642,6 +654,174 @@
 </p:notes>
 </file>
 
+<file path=ppt/notesSlides/notesSlide3.xml><?xml version="1.0" encoding="utf-8"?>
+<p:notes xmlns:a="http://schemas.openxmlformats.org/drawingml/2006/main" xmlns:r="http://schemas.openxmlformats.org/officeDocument/2006/relationships" xmlns:p="http://schemas.openxmlformats.org/presentationml/2006/main">
+  <p:cSld>
+    <p:spTree>
+      <p:nvGrpSpPr>
+        <p:cNvPr id="1" name=""/>
+        <p:cNvGrpSpPr/>
+        <p:nvPr/>
+      </p:nvGrpSpPr>
+      <p:grpSpPr>
+        <a:xfrm>
+          <a:off x="0" y="0"/>
+          <a:ext cx="0" cy="0"/>
+          <a:chOff x="0" y="0"/>
+          <a:chExt cx="0" cy="0"/>
+        </a:xfrm>
+      </p:grpSpPr>
+      <p:sp>
+        <p:nvSpPr>
+          <p:cNvPr id="2" name="Slayt Resmi Yer Tutucusu 1"/>
+          <p:cNvSpPr>
+            <a:spLocks noGrp="1" noRot="1" noChangeAspect="1"/>
+          </p:cNvSpPr>
+          <p:nvPr>
+            <p:ph type="sldImg"/>
+          </p:nvPr>
+        </p:nvSpPr>
+        <p:spPr/>
+      </p:sp>
+      <p:sp>
+        <p:nvSpPr>
+          <p:cNvPr id="3" name="Not Yer Tutucusu 2"/>
+          <p:cNvSpPr>
+            <a:spLocks noGrp="1"/>
+          </p:cNvSpPr>
+          <p:nvPr>
+            <p:ph type="body" idx="1"/>
+          </p:nvPr>
+        </p:nvSpPr>
+        <p:spPr/>
+        <p:txBody>
+          <a:bodyPr/>
+          <a:lstStyle/>
+          <a:p>
+            <a:endParaRPr lang="en-US" dirty="0"/>
+          </a:p>
+        </p:txBody>
+      </p:sp>
+      <p:sp>
+        <p:nvSpPr>
+          <p:cNvPr id="4" name="Slayt Numarası Yer Tutucusu 3"/>
+          <p:cNvSpPr>
+            <a:spLocks noGrp="1"/>
+          </p:cNvSpPr>
+          <p:nvPr>
+            <p:ph type="sldNum" sz="quarter" idx="5"/>
+          </p:nvPr>
+        </p:nvSpPr>
+        <p:spPr/>
+        <p:txBody>
+          <a:bodyPr/>
+          <a:lstStyle/>
+          <a:p>
+            <a:fld id="{B6F67602-9964-064F-AEAC-A33314438FC9}" type="slidenum">
+              <a:rPr lang="tr-TR" smtClean="0"/>
+              <a:t>12</a:t>
+            </a:fld>
+            <a:endParaRPr lang="tr-TR"/>
+          </a:p>
+        </p:txBody>
+      </p:sp>
+    </p:spTree>
+    <p:extLst>
+      <p:ext uri="{BB962C8B-B14F-4D97-AF65-F5344CB8AC3E}">
+        <p14:creationId xmlns:p14="http://schemas.microsoft.com/office/powerpoint/2010/main" val="790798629"/>
+      </p:ext>
+    </p:extLst>
+  </p:cSld>
+  <p:clrMapOvr>
+    <a:masterClrMapping/>
+  </p:clrMapOvr>
+</p:notes>
+</file>
+
+<file path=ppt/notesSlides/notesSlide4.xml><?xml version="1.0" encoding="utf-8"?>
+<p:notes xmlns:a="http://schemas.openxmlformats.org/drawingml/2006/main" xmlns:r="http://schemas.openxmlformats.org/officeDocument/2006/relationships" xmlns:p="http://schemas.openxmlformats.org/presentationml/2006/main">
+  <p:cSld>
+    <p:spTree>
+      <p:nvGrpSpPr>
+        <p:cNvPr id="1" name=""/>
+        <p:cNvGrpSpPr/>
+        <p:nvPr/>
+      </p:nvGrpSpPr>
+      <p:grpSpPr>
+        <a:xfrm>
+          <a:off x="0" y="0"/>
+          <a:ext cx="0" cy="0"/>
+          <a:chOff x="0" y="0"/>
+          <a:chExt cx="0" cy="0"/>
+        </a:xfrm>
+      </p:grpSpPr>
+      <p:sp>
+        <p:nvSpPr>
+          <p:cNvPr id="2" name="Slayt Resmi Yer Tutucusu 1"/>
+          <p:cNvSpPr>
+            <a:spLocks noGrp="1" noRot="1" noChangeAspect="1"/>
+          </p:cNvSpPr>
+          <p:nvPr>
+            <p:ph type="sldImg"/>
+          </p:nvPr>
+        </p:nvSpPr>
+        <p:spPr/>
+      </p:sp>
+      <p:sp>
+        <p:nvSpPr>
+          <p:cNvPr id="3" name="Not Yer Tutucusu 2"/>
+          <p:cNvSpPr>
+            <a:spLocks noGrp="1"/>
+          </p:cNvSpPr>
+          <p:nvPr>
+            <p:ph type="body" idx="1"/>
+          </p:nvPr>
+        </p:nvSpPr>
+        <p:spPr/>
+        <p:txBody>
+          <a:bodyPr/>
+          <a:lstStyle/>
+          <a:p>
+            <a:endParaRPr lang="en-US" dirty="0"/>
+          </a:p>
+        </p:txBody>
+      </p:sp>
+      <p:sp>
+        <p:nvSpPr>
+          <p:cNvPr id="4" name="Slayt Numarası Yer Tutucusu 3"/>
+          <p:cNvSpPr>
+            <a:spLocks noGrp="1"/>
+          </p:cNvSpPr>
+          <p:nvPr>
+            <p:ph type="sldNum" sz="quarter" idx="5"/>
+          </p:nvPr>
+        </p:nvSpPr>
+        <p:spPr/>
+        <p:txBody>
+          <a:bodyPr/>
+          <a:lstStyle/>
+          <a:p>
+            <a:fld id="{B6F67602-9964-064F-AEAC-A33314438FC9}" type="slidenum">
+              <a:rPr lang="tr-TR" smtClean="0"/>
+              <a:t>14</a:t>
+            </a:fld>
+            <a:endParaRPr lang="tr-TR"/>
+          </a:p>
+        </p:txBody>
+      </p:sp>
+    </p:spTree>
+    <p:extLst>
+      <p:ext uri="{BB962C8B-B14F-4D97-AF65-F5344CB8AC3E}">
+        <p14:creationId xmlns:p14="http://schemas.microsoft.com/office/powerpoint/2010/main" val="1076004399"/>
+      </p:ext>
+    </p:extLst>
+  </p:cSld>
+  <p:clrMapOvr>
+    <a:masterClrMapping/>
+  </p:clrMapOvr>
+</p:notes>
+</file>
+
 <file path=ppt/slideLayouts/slideLayout1.xml><?xml version="1.0" encoding="utf-8"?>
 <p:sldLayout xmlns:a="http://schemas.openxmlformats.org/drawingml/2006/main" xmlns:r="http://schemas.openxmlformats.org/officeDocument/2006/relationships" xmlns:p="http://schemas.openxmlformats.org/presentationml/2006/main" type="title" preserve="1">
   <p:cSld name="Başlık Slaydı">
@@ -789,7 +969,7 @@
           <a:p>
             <a:fld id="{A0BC1B2F-D5E0-B242-823E-FE47CCA4DBA0}" type="datetime1">
               <a:rPr lang="tr-TR" smtClean="0"/>
-              <a:t>26.03.2023</a:t>
+              <a:t>1.05.2023</a:t>
             </a:fld>
             <a:endParaRPr lang="tr-TR"/>
           </a:p>
@@ -987,7 +1167,7 @@
           <a:p>
             <a:fld id="{3BC73FB5-D8C3-AB4D-8DC3-034195BC95AC}" type="datetime1">
               <a:rPr lang="tr-TR" smtClean="0"/>
-              <a:t>26.03.2023</a:t>
+              <a:t>1.05.2023</a:t>
             </a:fld>
             <a:endParaRPr lang="tr-TR"/>
           </a:p>
@@ -1195,7 +1375,7 @@
           <a:p>
             <a:fld id="{37895915-7A2F-CA4C-8453-779E38F83BC2}" type="datetime1">
               <a:rPr lang="tr-TR" smtClean="0"/>
-              <a:t>26.03.2023</a:t>
+              <a:t>1.05.2023</a:t>
             </a:fld>
             <a:endParaRPr lang="tr-TR"/>
           </a:p>
@@ -1393,7 +1573,7 @@
           <a:p>
             <a:fld id="{7F255B11-7DE9-9048-8EBC-40258560EEE5}" type="datetime1">
               <a:rPr lang="tr-TR" smtClean="0"/>
-              <a:t>26.03.2023</a:t>
+              <a:t>1.05.2023</a:t>
             </a:fld>
             <a:endParaRPr lang="tr-TR"/>
           </a:p>
@@ -1668,7 +1848,7 @@
           <a:p>
             <a:fld id="{5BD8ED9F-3ECD-B04F-B2E4-17605AAA5218}" type="datetime1">
               <a:rPr lang="tr-TR" smtClean="0"/>
-              <a:t>26.03.2023</a:t>
+              <a:t>1.05.2023</a:t>
             </a:fld>
             <a:endParaRPr lang="tr-TR"/>
           </a:p>
@@ -1933,7 +2113,7 @@
           <a:p>
             <a:fld id="{656E6A8C-24B8-0342-AADE-67C35D8E0AA1}" type="datetime1">
               <a:rPr lang="tr-TR" smtClean="0"/>
-              <a:t>26.03.2023</a:t>
+              <a:t>1.05.2023</a:t>
             </a:fld>
             <a:endParaRPr lang="tr-TR"/>
           </a:p>
@@ -2345,7 +2525,7 @@
           <a:p>
             <a:fld id="{307D2128-DD1F-5247-98CE-CA35DBD5419D}" type="datetime1">
               <a:rPr lang="tr-TR" smtClean="0"/>
-              <a:t>26.03.2023</a:t>
+              <a:t>1.05.2023</a:t>
             </a:fld>
             <a:endParaRPr lang="tr-TR"/>
           </a:p>
@@ -2486,7 +2666,7 @@
           <a:p>
             <a:fld id="{BF100BA4-85BB-7046-B3DC-B72F2A3A6C0C}" type="datetime1">
               <a:rPr lang="tr-TR" smtClean="0"/>
-              <a:t>26.03.2023</a:t>
+              <a:t>1.05.2023</a:t>
             </a:fld>
             <a:endParaRPr lang="tr-TR"/>
           </a:p>
@@ -2599,7 +2779,7 @@
           <a:p>
             <a:fld id="{22BE8E9F-A738-1A4A-8F57-7BFA234AA61E}" type="datetime1">
               <a:rPr lang="tr-TR" smtClean="0"/>
-              <a:t>26.03.2023</a:t>
+              <a:t>1.05.2023</a:t>
             </a:fld>
             <a:endParaRPr lang="tr-TR"/>
           </a:p>
@@ -2910,7 +3090,7 @@
           <a:p>
             <a:fld id="{A5FE5A4D-436B-174F-84D3-6BA2006990AC}" type="datetime1">
               <a:rPr lang="tr-TR" smtClean="0"/>
-              <a:t>26.03.2023</a:t>
+              <a:t>1.05.2023</a:t>
             </a:fld>
             <a:endParaRPr lang="tr-TR"/>
           </a:p>
@@ -3198,7 +3378,7 @@
           <a:p>
             <a:fld id="{8DC0D2D5-5D92-2A41-8A98-0A4CE906BA91}" type="datetime1">
               <a:rPr lang="tr-TR" smtClean="0"/>
-              <a:t>26.03.2023</a:t>
+              <a:t>1.05.2023</a:t>
             </a:fld>
             <a:endParaRPr lang="tr-TR"/>
           </a:p>
@@ -3439,7 +3619,7 @@
           <a:p>
             <a:fld id="{67F5A471-C20F-5449-B7B7-2115A63A2DB2}" type="datetime1">
               <a:rPr lang="tr-TR" smtClean="0"/>
-              <a:t>26.03.2023</a:t>
+              <a:t>1.05.2023</a:t>
             </a:fld>
             <a:endParaRPr lang="tr-TR"/>
           </a:p>
@@ -4477,13 +4657,718 @@
   <p:cSld>
     <p:bg>
       <p:bgPr>
+        <a:solidFill>
+          <a:schemeClr val="bg1"/>
+        </a:solidFill>
+        <a:effectLst/>
+      </p:bgPr>
+    </p:bg>
+    <p:spTree>
+      <p:nvGrpSpPr>
+        <p:cNvPr id="1" name=""/>
+        <p:cNvGrpSpPr/>
+        <p:nvPr/>
+      </p:nvGrpSpPr>
+      <p:grpSpPr>
+        <a:xfrm>
+          <a:off x="0" y="0"/>
+          <a:ext cx="0" cy="0"/>
+          <a:chOff x="0" y="0"/>
+          <a:chExt cx="0" cy="0"/>
+        </a:xfrm>
+      </p:grpSpPr>
+      <p:sp useBgFill="1">
+        <p:nvSpPr>
+          <p:cNvPr id="10" name="Rectangle 9">
+            <a:extLst>
+              <a:ext uri="{FF2B5EF4-FFF2-40B4-BE49-F238E27FC236}">
+                <a16:creationId xmlns:a16="http://schemas.microsoft.com/office/drawing/2014/main" id="{06DA9DF9-31F7-4056-B42E-878CC92417B8}"/>
+              </a:ext>
+              <a:ext uri="{C183D7F6-B498-43B3-948B-1728B52AA6E4}">
+                <adec:decorative xmlns:adec="http://schemas.microsoft.com/office/drawing/2017/decorative" val="1"/>
+              </a:ext>
+            </a:extLst>
+          </p:cNvPr>
+          <p:cNvSpPr>
+            <a:spLocks noGrp="1" noRot="1" noChangeAspect="1" noMove="1" noResize="1" noEditPoints="1" noAdjustHandles="1" noChangeArrowheads="1" noChangeShapeType="1" noTextEdit="1"/>
+          </p:cNvSpPr>
+          <p:nvPr>
+            <p:extLst>
+              <p:ext uri="{386F3935-93C4-4BCD-93E2-E3B085C9AB24}">
+                <p16:designElem xmlns:p16="http://schemas.microsoft.com/office/powerpoint/2015/main" val="1"/>
+              </p:ext>
+            </p:extLst>
+          </p:nvPr>
+        </p:nvSpPr>
+        <p:spPr>
+          <a:xfrm>
+            <a:off x="0" y="0"/>
+            <a:ext cx="12188952" cy="6858000"/>
+          </a:xfrm>
+          <a:prstGeom prst="rect">
+            <a:avLst/>
+          </a:prstGeom>
+          <a:ln>
+            <a:noFill/>
+          </a:ln>
+        </p:spPr>
+        <p:style>
+          <a:lnRef idx="2">
+            <a:schemeClr val="accent1">
+              <a:shade val="50000"/>
+            </a:schemeClr>
+          </a:lnRef>
+          <a:fillRef idx="1">
+            <a:schemeClr val="accent1"/>
+          </a:fillRef>
+          <a:effectRef idx="0">
+            <a:schemeClr val="accent1"/>
+          </a:effectRef>
+          <a:fontRef idx="minor">
+            <a:schemeClr val="lt1"/>
+          </a:fontRef>
+        </p:style>
+        <p:txBody>
+          <a:bodyPr rtlCol="0" anchor="ctr"/>
+          <a:lstStyle/>
+          <a:p>
+            <a:pPr algn="ctr"/>
+            <a:endParaRPr lang="en-US"/>
+          </a:p>
+        </p:txBody>
+      </p:sp>
+      <p:sp>
+        <p:nvSpPr>
+          <p:cNvPr id="3" name="Metin kutusu 2">
+            <a:extLst>
+              <a:ext uri="{FF2B5EF4-FFF2-40B4-BE49-F238E27FC236}">
+                <a16:creationId xmlns:a16="http://schemas.microsoft.com/office/drawing/2014/main" id="{8DC3B112-466C-4743-1988-733682834F1C}"/>
+              </a:ext>
+            </a:extLst>
+          </p:cNvPr>
+          <p:cNvSpPr txBox="1"/>
+          <p:nvPr/>
+        </p:nvSpPr>
+        <p:spPr>
+          <a:xfrm>
+            <a:off x="643468" y="643467"/>
+            <a:ext cx="4620584" cy="4567137"/>
+          </a:xfrm>
+          <a:prstGeom prst="rect">
+            <a:avLst/>
+          </a:prstGeom>
+        </p:spPr>
+        <p:txBody>
+          <a:bodyPr vert="horz" lIns="91440" tIns="45720" rIns="91440" bIns="45720" rtlCol="0" anchor="b">
+            <a:normAutofit/>
+          </a:bodyPr>
+          <a:lstStyle/>
+          <a:p>
+            <a:pPr>
+              <a:lnSpc>
+                <a:spcPct val="90000"/>
+              </a:lnSpc>
+              <a:spcBef>
+                <a:spcPct val="0"/>
+              </a:spcBef>
+              <a:spcAft>
+                <a:spcPts val="600"/>
+              </a:spcAft>
+            </a:pPr>
+            <a:r>
+              <a:rPr lang="en-US" sz="4400" b="1" u="none" strike="noStrike" dirty="0">
+                <a:solidFill>
+                  <a:schemeClr val="tx1">
+                    <a:lumMod val="75000"/>
+                    <a:lumOff val="25000"/>
+                  </a:schemeClr>
+                </a:solidFill>
+                <a:effectLst/>
+                <a:latin typeface="Gill Sans" panose="020B0502020104020203" pitchFamily="34" charset="-79"/>
+                <a:ea typeface="+mj-ea"/>
+                <a:cs typeface="Gill Sans" panose="020B0502020104020203" pitchFamily="34" charset="-79"/>
+              </a:rPr>
+              <a:t>Syntax of Golang with codes</a:t>
+            </a:r>
+          </a:p>
+        </p:txBody>
+      </p:sp>
+      <p:pic>
+        <p:nvPicPr>
+          <p:cNvPr id="5" name="Resim 4" descr="metin, saat içeren bir resim&#10;&#10;Açıklama otomatik olarak oluşturuldu">
+            <a:extLst>
+              <a:ext uri="{FF2B5EF4-FFF2-40B4-BE49-F238E27FC236}">
+                <a16:creationId xmlns:a16="http://schemas.microsoft.com/office/drawing/2014/main" id="{A2F1EBE3-6620-F1DC-2DAC-68B0C8CE9159}"/>
+              </a:ext>
+            </a:extLst>
+          </p:cNvPr>
+          <p:cNvPicPr>
+            <a:picLocks noChangeAspect="1"/>
+          </p:cNvPicPr>
+          <p:nvPr/>
+        </p:nvPicPr>
+        <p:blipFill rotWithShape="1">
+          <a:blip r:embed="rId2"/>
+          <a:srcRect l="33100" r="19079" b="1"/>
+          <a:stretch/>
+        </p:blipFill>
+        <p:spPr>
+          <a:xfrm>
+            <a:off x="6229215" y="10"/>
+            <a:ext cx="5962785" cy="6857990"/>
+          </a:xfrm>
+          <a:custGeom>
+            <a:avLst/>
+            <a:gdLst/>
+            <a:ahLst/>
+            <a:cxnLst/>
+            <a:rect l="l" t="t" r="r" b="b"/>
+            <a:pathLst>
+              <a:path w="5962785" h="6858000">
+                <a:moveTo>
+                  <a:pt x="1044839" y="0"/>
+                </a:moveTo>
+                <a:lnTo>
+                  <a:pt x="5962785" y="0"/>
+                </a:lnTo>
+                <a:lnTo>
+                  <a:pt x="5962785" y="6858000"/>
+                </a:lnTo>
+                <a:lnTo>
+                  <a:pt x="1469886" y="6858000"/>
+                </a:lnTo>
+                <a:lnTo>
+                  <a:pt x="1416006" y="6823984"/>
+                </a:lnTo>
+                <a:cubicBezTo>
+                  <a:pt x="1356767" y="6787940"/>
+                  <a:pt x="1296437" y="6755500"/>
+                  <a:pt x="1232473" y="6733873"/>
+                </a:cubicBezTo>
+                <a:cubicBezTo>
+                  <a:pt x="1145250" y="6705037"/>
+                  <a:pt x="1060933" y="6654575"/>
+                  <a:pt x="1075471" y="6503186"/>
+                </a:cubicBezTo>
+                <a:cubicBezTo>
+                  <a:pt x="1078378" y="6459932"/>
+                  <a:pt x="1055118" y="6427493"/>
+                  <a:pt x="1020229" y="6438306"/>
+                </a:cubicBezTo>
+                <a:cubicBezTo>
+                  <a:pt x="953358" y="6459932"/>
+                  <a:pt x="921375" y="6398656"/>
+                  <a:pt x="883579" y="6351798"/>
+                </a:cubicBezTo>
+                <a:cubicBezTo>
+                  <a:pt x="816707" y="6268895"/>
+                  <a:pt x="752743" y="6182387"/>
+                  <a:pt x="645167" y="6167969"/>
+                </a:cubicBezTo>
+                <a:cubicBezTo>
+                  <a:pt x="665519" y="6103088"/>
+                  <a:pt x="700408" y="6110298"/>
+                  <a:pt x="732391" y="6124716"/>
+                </a:cubicBezTo>
+                <a:cubicBezTo>
+                  <a:pt x="816707" y="6160761"/>
+                  <a:pt x="901023" y="6200410"/>
+                  <a:pt x="985339" y="6236455"/>
+                </a:cubicBezTo>
+                <a:cubicBezTo>
+                  <a:pt x="1040581" y="6258081"/>
+                  <a:pt x="1095822" y="6290522"/>
+                  <a:pt x="1168509" y="6265291"/>
+                </a:cubicBezTo>
+                <a:cubicBezTo>
+                  <a:pt x="1104545" y="6135530"/>
+                  <a:pt x="996969" y="6110298"/>
+                  <a:pt x="909746" y="6070649"/>
+                </a:cubicBezTo>
+                <a:cubicBezTo>
+                  <a:pt x="802169" y="6020185"/>
+                  <a:pt x="738206" y="5926470"/>
+                  <a:pt x="659704" y="5818335"/>
+                </a:cubicBezTo>
+                <a:cubicBezTo>
+                  <a:pt x="738206" y="5789500"/>
+                  <a:pt x="787632" y="5868798"/>
+                  <a:pt x="851597" y="5865193"/>
+                </a:cubicBezTo>
+                <a:cubicBezTo>
+                  <a:pt x="854504" y="5854380"/>
+                  <a:pt x="860319" y="5832753"/>
+                  <a:pt x="860319" y="5832753"/>
+                </a:cubicBezTo>
+                <a:cubicBezTo>
+                  <a:pt x="755650" y="5775081"/>
+                  <a:pt x="709132" y="5666947"/>
+                  <a:pt x="691686" y="5533581"/>
+                </a:cubicBezTo>
+                <a:cubicBezTo>
+                  <a:pt x="685872" y="5465095"/>
+                  <a:pt x="648075" y="5443468"/>
+                  <a:pt x="610278" y="5411029"/>
+                </a:cubicBezTo>
+                <a:cubicBezTo>
+                  <a:pt x="482350" y="5299289"/>
+                  <a:pt x="345700" y="5198364"/>
+                  <a:pt x="238123" y="5046976"/>
+                </a:cubicBezTo>
+                <a:cubicBezTo>
+                  <a:pt x="363144" y="5064998"/>
+                  <a:pt x="461997" y="5165924"/>
+                  <a:pt x="592833" y="5209177"/>
+                </a:cubicBezTo>
+                <a:cubicBezTo>
+                  <a:pt x="488165" y="5043371"/>
+                  <a:pt x="351514" y="4956864"/>
+                  <a:pt x="226494" y="4855939"/>
+                </a:cubicBezTo>
+                <a:cubicBezTo>
+                  <a:pt x="168344" y="4809081"/>
+                  <a:pt x="116011" y="4751408"/>
+                  <a:pt x="49139" y="4726177"/>
+                </a:cubicBezTo>
+                <a:cubicBezTo>
+                  <a:pt x="25879" y="4718968"/>
+                  <a:pt x="-14825" y="4700947"/>
+                  <a:pt x="5527" y="4650483"/>
+                </a:cubicBezTo>
+                <a:cubicBezTo>
+                  <a:pt x="22972" y="4607230"/>
+                  <a:pt x="54954" y="4621648"/>
+                  <a:pt x="84029" y="4632460"/>
+                </a:cubicBezTo>
+                <a:cubicBezTo>
+                  <a:pt x="153807" y="4661296"/>
+                  <a:pt x="229401" y="4661296"/>
+                  <a:pt x="325347" y="4661296"/>
+                </a:cubicBezTo>
+                <a:cubicBezTo>
+                  <a:pt x="243939" y="4524326"/>
+                  <a:pt x="95658" y="4567580"/>
+                  <a:pt x="25879" y="4423401"/>
+                </a:cubicBezTo>
+                <a:cubicBezTo>
+                  <a:pt x="113103" y="4398170"/>
+                  <a:pt x="179975" y="4448632"/>
+                  <a:pt x="249753" y="4459446"/>
+                </a:cubicBezTo>
+                <a:cubicBezTo>
+                  <a:pt x="313718" y="4470259"/>
+                  <a:pt x="328254" y="4445028"/>
+                  <a:pt x="313718" y="4365729"/>
+                </a:cubicBezTo>
+                <a:cubicBezTo>
+                  <a:pt x="290458" y="4243177"/>
+                  <a:pt x="325347" y="4181900"/>
+                  <a:pt x="418386" y="4214341"/>
+                </a:cubicBezTo>
+                <a:cubicBezTo>
+                  <a:pt x="505609" y="4246781"/>
+                  <a:pt x="514332" y="4199922"/>
+                  <a:pt x="491072" y="4131438"/>
+                </a:cubicBezTo>
+                <a:cubicBezTo>
+                  <a:pt x="456183" y="4030512"/>
+                  <a:pt x="493979" y="3951214"/>
+                  <a:pt x="520147" y="3864706"/>
+                </a:cubicBezTo>
+                <a:cubicBezTo>
+                  <a:pt x="560851" y="3734945"/>
+                  <a:pt x="543407" y="3670064"/>
+                  <a:pt x="459090" y="3572743"/>
+                </a:cubicBezTo>
+                <a:cubicBezTo>
+                  <a:pt x="409664" y="3518676"/>
+                  <a:pt x="360236" y="3471818"/>
+                  <a:pt x="290458" y="3424959"/>
+                </a:cubicBezTo>
+                <a:cubicBezTo>
+                  <a:pt x="450368" y="3399728"/>
+                  <a:pt x="284643" y="3313221"/>
+                  <a:pt x="339884" y="3259153"/>
+                </a:cubicBezTo>
+                <a:cubicBezTo>
+                  <a:pt x="453275" y="3237527"/>
+                  <a:pt x="543407" y="3410542"/>
+                  <a:pt x="697501" y="3360078"/>
+                </a:cubicBezTo>
+                <a:cubicBezTo>
+                  <a:pt x="511425" y="3212294"/>
+                  <a:pt x="302087" y="3165436"/>
+                  <a:pt x="165437" y="2967190"/>
+                </a:cubicBezTo>
+                <a:cubicBezTo>
+                  <a:pt x="197419" y="2923937"/>
+                  <a:pt x="229401" y="2967190"/>
+                  <a:pt x="255568" y="2949167"/>
+                </a:cubicBezTo>
+                <a:cubicBezTo>
+                  <a:pt x="255568" y="2938354"/>
+                  <a:pt x="560851" y="3006840"/>
+                  <a:pt x="578296" y="2725691"/>
+                </a:cubicBezTo>
+                <a:cubicBezTo>
+                  <a:pt x="584111" y="2725691"/>
+                  <a:pt x="589926" y="2725691"/>
+                  <a:pt x="595740" y="2714876"/>
+                </a:cubicBezTo>
+                <a:cubicBezTo>
+                  <a:pt x="627722" y="2675228"/>
+                  <a:pt x="598648" y="2581510"/>
+                  <a:pt x="650982" y="2574301"/>
+                </a:cubicBezTo>
+                <a:cubicBezTo>
+                  <a:pt x="709132" y="2567092"/>
+                  <a:pt x="764373" y="2534653"/>
+                  <a:pt x="825429" y="2552674"/>
+                </a:cubicBezTo>
+                <a:cubicBezTo>
+                  <a:pt x="871949" y="2567092"/>
+                  <a:pt x="921375" y="2585115"/>
+                  <a:pt x="970802" y="2585115"/>
+                </a:cubicBezTo>
+                <a:cubicBezTo>
+                  <a:pt x="1023136" y="2585115"/>
+                  <a:pt x="1095822" y="2707668"/>
+                  <a:pt x="1127805" y="2545465"/>
+                </a:cubicBezTo>
+                <a:cubicBezTo>
+                  <a:pt x="1127805" y="2538257"/>
+                  <a:pt x="1217936" y="2556280"/>
+                  <a:pt x="1267362" y="2563488"/>
+                </a:cubicBezTo>
+                <a:cubicBezTo>
+                  <a:pt x="1308067" y="2570698"/>
+                  <a:pt x="1357494" y="2603137"/>
+                  <a:pt x="1386568" y="2538257"/>
+                </a:cubicBezTo>
+                <a:cubicBezTo>
+                  <a:pt x="1401105" y="2498607"/>
+                  <a:pt x="1331326" y="2426518"/>
+                  <a:pt x="1270270" y="2419309"/>
+                </a:cubicBezTo>
+                <a:cubicBezTo>
+                  <a:pt x="1215029" y="2412101"/>
+                  <a:pt x="1159787" y="2404892"/>
+                  <a:pt x="1107453" y="2419309"/>
+                </a:cubicBezTo>
+                <a:cubicBezTo>
+                  <a:pt x="1043489" y="2437331"/>
+                  <a:pt x="1008599" y="2408495"/>
+                  <a:pt x="991154" y="2343615"/>
+                </a:cubicBezTo>
+                <a:cubicBezTo>
+                  <a:pt x="970802" y="2275131"/>
+                  <a:pt x="933005" y="2239085"/>
+                  <a:pt x="880671" y="2206645"/>
+                </a:cubicBezTo>
+                <a:cubicBezTo>
+                  <a:pt x="752743" y="2127346"/>
+                  <a:pt x="630630" y="2033629"/>
+                  <a:pt x="491072" y="1986771"/>
+                </a:cubicBezTo>
+                <a:cubicBezTo>
+                  <a:pt x="464905" y="1979562"/>
+                  <a:pt x="432923" y="1965145"/>
+                  <a:pt x="421293" y="1903868"/>
+                </a:cubicBezTo>
+                <a:cubicBezTo>
+                  <a:pt x="799262" y="1997584"/>
+                  <a:pt x="1142342" y="2239085"/>
+                  <a:pt x="1531941" y="2224667"/>
+                </a:cubicBezTo>
+                <a:cubicBezTo>
+                  <a:pt x="1427272" y="2148974"/>
+                  <a:pt x="1302252" y="2145369"/>
+                  <a:pt x="1188861" y="2091301"/>
+                </a:cubicBezTo>
+                <a:cubicBezTo>
+                  <a:pt x="1270270" y="2051652"/>
+                  <a:pt x="1345864" y="2094906"/>
+                  <a:pt x="1421458" y="2116532"/>
+                </a:cubicBezTo>
+                <a:cubicBezTo>
+                  <a:pt x="1485422" y="2134554"/>
+                  <a:pt x="1543571" y="2138160"/>
+                  <a:pt x="1549386" y="2026420"/>
+                </a:cubicBezTo>
+                <a:cubicBezTo>
+                  <a:pt x="1549386" y="2015607"/>
+                  <a:pt x="1549386" y="2008398"/>
+                  <a:pt x="1549386" y="1997584"/>
+                </a:cubicBezTo>
+                <a:cubicBezTo>
+                  <a:pt x="1526126" y="1950727"/>
+                  <a:pt x="1494144" y="1929099"/>
+                  <a:pt x="1453440" y="1914682"/>
+                </a:cubicBezTo>
+                <a:cubicBezTo>
+                  <a:pt x="1430180" y="1907473"/>
+                  <a:pt x="1398198" y="1893056"/>
+                  <a:pt x="1398198" y="1860614"/>
+                </a:cubicBezTo>
+                <a:cubicBezTo>
+                  <a:pt x="1401105" y="1738063"/>
+                  <a:pt x="1322604" y="1702018"/>
+                  <a:pt x="1247011" y="1665972"/>
+                </a:cubicBezTo>
+                <a:cubicBezTo>
+                  <a:pt x="1287715" y="1604696"/>
+                  <a:pt x="1322604" y="1647950"/>
+                  <a:pt x="1354586" y="1644345"/>
+                </a:cubicBezTo>
+                <a:cubicBezTo>
+                  <a:pt x="1374939" y="1640741"/>
+                  <a:pt x="1395290" y="1637138"/>
+                  <a:pt x="1395290" y="1604696"/>
+                </a:cubicBezTo>
+                <a:cubicBezTo>
+                  <a:pt x="1395290" y="1579465"/>
+                  <a:pt x="1386568" y="1547025"/>
+                  <a:pt x="1366216" y="1547025"/>
+                </a:cubicBezTo>
+                <a:cubicBezTo>
+                  <a:pt x="1238288" y="1543420"/>
+                  <a:pt x="1165601" y="1370405"/>
+                  <a:pt x="1031858" y="1370405"/>
+                </a:cubicBezTo>
+                <a:cubicBezTo>
+                  <a:pt x="950450" y="1370405"/>
+                  <a:pt x="1072563" y="1273083"/>
+                  <a:pt x="1005692" y="1233435"/>
+                </a:cubicBezTo>
+                <a:cubicBezTo>
+                  <a:pt x="991154" y="1222621"/>
+                  <a:pt x="1046396" y="1208203"/>
+                  <a:pt x="1069655" y="1211808"/>
+                </a:cubicBezTo>
+                <a:cubicBezTo>
+                  <a:pt x="1092915" y="1215412"/>
+                  <a:pt x="1113268" y="1240644"/>
+                  <a:pt x="1142342" y="1222621"/>
+                </a:cubicBezTo>
+                <a:cubicBezTo>
+                  <a:pt x="1156879" y="1157741"/>
+                  <a:pt x="1119082" y="1132510"/>
+                  <a:pt x="1084193" y="1114487"/>
+                </a:cubicBezTo>
+                <a:cubicBezTo>
+                  <a:pt x="1008599" y="1071234"/>
+                  <a:pt x="933005" y="1020771"/>
+                  <a:pt x="848689" y="1006353"/>
+                </a:cubicBezTo>
+                <a:cubicBezTo>
+                  <a:pt x="819615" y="1002748"/>
+                  <a:pt x="802169" y="984726"/>
+                  <a:pt x="805077" y="948681"/>
+                </a:cubicBezTo>
+                <a:cubicBezTo>
+                  <a:pt x="810892" y="901822"/>
+                  <a:pt x="839967" y="916240"/>
+                  <a:pt x="863226" y="919844"/>
+                </a:cubicBezTo>
+                <a:cubicBezTo>
+                  <a:pt x="877764" y="923450"/>
+                  <a:pt x="892301" y="934263"/>
+                  <a:pt x="906838" y="909031"/>
+                </a:cubicBezTo>
+                <a:cubicBezTo>
+                  <a:pt x="566666" y="653113"/>
+                  <a:pt x="386404" y="667532"/>
+                  <a:pt x="5527" y="458471"/>
+                </a:cubicBezTo>
+                <a:cubicBezTo>
+                  <a:pt x="89843" y="418822"/>
+                  <a:pt x="150900" y="447658"/>
+                  <a:pt x="209049" y="454867"/>
+                </a:cubicBezTo>
+                <a:cubicBezTo>
+                  <a:pt x="354422" y="472890"/>
+                  <a:pt x="264290" y="505329"/>
+                  <a:pt x="409664" y="526956"/>
+                </a:cubicBezTo>
+                <a:cubicBezTo>
+                  <a:pt x="479443" y="537770"/>
+                  <a:pt x="543407" y="573815"/>
+                  <a:pt x="621908" y="516143"/>
+                </a:cubicBezTo>
+                <a:cubicBezTo>
+                  <a:pt x="674242" y="476494"/>
+                  <a:pt x="758558" y="519747"/>
+                  <a:pt x="822522" y="552188"/>
+                </a:cubicBezTo>
+                <a:cubicBezTo>
+                  <a:pt x="874856" y="581024"/>
+                  <a:pt x="927190" y="588232"/>
+                  <a:pt x="996969" y="552188"/>
+                </a:cubicBezTo>
+                <a:cubicBezTo>
+                  <a:pt x="933005" y="530562"/>
+                  <a:pt x="883579" y="512539"/>
+                  <a:pt x="834151" y="498120"/>
+                </a:cubicBezTo>
+                <a:cubicBezTo>
+                  <a:pt x="793447" y="487307"/>
+                  <a:pt x="770187" y="462076"/>
+                  <a:pt x="773095" y="408008"/>
+                </a:cubicBezTo>
+                <a:cubicBezTo>
+                  <a:pt x="773095" y="379172"/>
+                  <a:pt x="764373" y="339523"/>
+                  <a:pt x="793447" y="325106"/>
+                </a:cubicBezTo>
+                <a:cubicBezTo>
+                  <a:pt x="816707" y="310688"/>
+                  <a:pt x="848689" y="325106"/>
+                  <a:pt x="860319" y="350336"/>
+                </a:cubicBezTo>
+                <a:cubicBezTo>
+                  <a:pt x="874856" y="397195"/>
+                  <a:pt x="889393" y="440449"/>
+                  <a:pt x="938820" y="444054"/>
+                </a:cubicBezTo>
+                <a:cubicBezTo>
+                  <a:pt x="1005692" y="451262"/>
+                  <a:pt x="967894" y="422426"/>
+                  <a:pt x="956265" y="386381"/>
+                </a:cubicBezTo>
+                <a:cubicBezTo>
+                  <a:pt x="944635" y="346733"/>
+                  <a:pt x="979525" y="335919"/>
+                  <a:pt x="1002784" y="343127"/>
+                </a:cubicBezTo>
+                <a:cubicBezTo>
+                  <a:pt x="1090008" y="375569"/>
+                  <a:pt x="1180139" y="317897"/>
+                  <a:pt x="1270270" y="364755"/>
+                </a:cubicBezTo>
+                <a:cubicBezTo>
+                  <a:pt x="1247011" y="249411"/>
+                  <a:pt x="1197583" y="198949"/>
+                  <a:pt x="1092915" y="180926"/>
+                </a:cubicBezTo>
+                <a:cubicBezTo>
+                  <a:pt x="1055118" y="177322"/>
+                  <a:pt x="1014414" y="184530"/>
+                  <a:pt x="979525" y="152090"/>
+                </a:cubicBezTo>
+                <a:cubicBezTo>
+                  <a:pt x="959172" y="134068"/>
+                  <a:pt x="938820" y="112441"/>
+                  <a:pt x="953358" y="76396"/>
+                </a:cubicBezTo>
+                <a:cubicBezTo>
+                  <a:pt x="962080" y="51165"/>
+                  <a:pt x="985339" y="51165"/>
+                  <a:pt x="1005692" y="58373"/>
+                </a:cubicBezTo>
+                <a:cubicBezTo>
+                  <a:pt x="1090008" y="98023"/>
+                  <a:pt x="1180139" y="108837"/>
+                  <a:pt x="1267362" y="123254"/>
+                </a:cubicBezTo>
+                <a:cubicBezTo>
+                  <a:pt x="1281900" y="126859"/>
+                  <a:pt x="1296437" y="134068"/>
+                  <a:pt x="1310975" y="98023"/>
+                </a:cubicBezTo>
+                <a:cubicBezTo>
+                  <a:pt x="1260095" y="81803"/>
+                  <a:pt x="1209941" y="62879"/>
+                  <a:pt x="1159787" y="43505"/>
+                </a:cubicBezTo>
+                <a:close/>
+              </a:path>
+            </a:pathLst>
+          </a:custGeom>
+        </p:spPr>
+      </p:pic>
+      <p:sp>
+        <p:nvSpPr>
+          <p:cNvPr id="2" name="Slayt Numarası Yer Tutucusu 1">
+            <a:extLst>
+              <a:ext uri="{FF2B5EF4-FFF2-40B4-BE49-F238E27FC236}">
+                <a16:creationId xmlns:a16="http://schemas.microsoft.com/office/drawing/2014/main" id="{C9059DF0-2522-D24F-B340-545053F75563}"/>
+              </a:ext>
+            </a:extLst>
+          </p:cNvPr>
+          <p:cNvSpPr>
+            <a:spLocks noGrp="1"/>
+          </p:cNvSpPr>
+          <p:nvPr>
+            <p:ph type="sldNum" sz="quarter" idx="12"/>
+          </p:nvPr>
+        </p:nvSpPr>
+        <p:spPr>
+          <a:xfrm>
+            <a:off x="8610600" y="6356350"/>
+            <a:ext cx="2743200" cy="365125"/>
+          </a:xfrm>
+        </p:spPr>
+        <p:txBody>
+          <a:bodyPr vert="horz" lIns="91440" tIns="45720" rIns="91440" bIns="45720" rtlCol="0" anchor="ctr">
+            <a:normAutofit/>
+          </a:bodyPr>
+          <a:lstStyle/>
+          <a:p>
+            <a:pPr>
+              <a:spcAft>
+                <a:spcPts val="600"/>
+              </a:spcAft>
+              <a:defRPr/>
+            </a:pPr>
+            <a:fld id="{976E0F06-4CB6-4145-AA97-71AD1A1461D0}" type="slidenum">
+              <a:rPr lang="en-US">
+                <a:solidFill>
+                  <a:srgbClr val="FFFFFF"/>
+                </a:solidFill>
+                <a:latin typeface="Calibri" panose="020F0502020204030204"/>
+              </a:rPr>
+              <a:pPr>
+                <a:spcAft>
+                  <a:spcPts val="600"/>
+                </a:spcAft>
+                <a:defRPr/>
+              </a:pPr>
+              <a:t>11</a:t>
+            </a:fld>
+            <a:endParaRPr lang="en-US">
+              <a:solidFill>
+                <a:srgbClr val="FFFFFF"/>
+              </a:solidFill>
+              <a:latin typeface="Calibri" panose="020F0502020204030204"/>
+            </a:endParaRPr>
+          </a:p>
+        </p:txBody>
+      </p:sp>
+    </p:spTree>
+    <p:extLst>
+      <p:ext uri="{BB962C8B-B14F-4D97-AF65-F5344CB8AC3E}">
+        <p14:creationId xmlns:p14="http://schemas.microsoft.com/office/powerpoint/2010/main" val="3384467468"/>
+      </p:ext>
+    </p:extLst>
+  </p:cSld>
+  <p:clrMapOvr>
+    <a:masterClrMapping/>
+  </p:clrMapOvr>
+</p:sld>
+</file>
+
+<file path=ppt/slides/slide12.xml><?xml version="1.0" encoding="utf-8"?>
+<p:sld xmlns:a="http://schemas.openxmlformats.org/drawingml/2006/main" xmlns:r="http://schemas.openxmlformats.org/officeDocument/2006/relationships" xmlns:p="http://schemas.openxmlformats.org/presentationml/2006/main">
+  <p:cSld>
+    <p:bg>
+      <p:bgPr>
         <a:blipFill dpi="0" rotWithShape="1">
-          <a:blip r:embed="rId2">
+          <a:blip r:embed="rId3">
             <a:lum/>
           </a:blip>
           <a:srcRect/>
           <a:stretch>
-            <a:fillRect l="-7000" r="-7000"/>
+            <a:fillRect/>
           </a:stretch>
         </a:blipFill>
         <a:effectLst/>
@@ -4508,7 +5393,7 @@
           <p:cNvPr id="2" name="Slayt Numarası Yer Tutucusu 1">
             <a:extLst>
               <a:ext uri="{FF2B5EF4-FFF2-40B4-BE49-F238E27FC236}">
-                <a16:creationId xmlns:a16="http://schemas.microsoft.com/office/drawing/2014/main" id="{D4D837ED-02C8-0468-52C0-456ED8DBB44F}"/>
+                <a16:creationId xmlns:a16="http://schemas.microsoft.com/office/drawing/2014/main" id="{19A12E7A-916B-07A7-10B4-C75B34447B10}"/>
               </a:ext>
             </a:extLst>
           </p:cNvPr>
@@ -4526,7 +5411,7 @@
           <a:p>
             <a:fld id="{976E0F06-4CB6-4145-AA97-71AD1A1461D0}" type="slidenum">
               <a:rPr lang="tr-TR" smtClean="0"/>
-              <a:t>11</a:t>
+              <a:t>12</a:t>
             </a:fld>
             <a:endParaRPr lang="tr-TR"/>
           </a:p>
@@ -4537,7 +5422,7 @@
           <p:cNvPr id="3" name="Metin kutusu 2">
             <a:extLst>
               <a:ext uri="{FF2B5EF4-FFF2-40B4-BE49-F238E27FC236}">
-                <a16:creationId xmlns:a16="http://schemas.microsoft.com/office/drawing/2014/main" id="{C6B911D3-4A82-988E-8D46-892147797781}"/>
+                <a16:creationId xmlns:a16="http://schemas.microsoft.com/office/drawing/2014/main" id="{EC15E788-D917-4C45-7532-FFDCE1FC078F}"/>
               </a:ext>
             </a:extLst>
           </p:cNvPr>
@@ -4546,8 +5431,8 @@
         </p:nvSpPr>
         <p:spPr>
           <a:xfrm>
-            <a:off x="1696720" y="528320"/>
-            <a:ext cx="3515360" cy="769441"/>
+            <a:off x="4611682" y="173586"/>
+            <a:ext cx="2968636" cy="769441"/>
           </a:xfrm>
           <a:prstGeom prst="rect">
             <a:avLst/>
@@ -4563,25 +5448,127 @@
             <a:r>
               <a:rPr lang="en-US" sz="4400" b="1" dirty="0">
                 <a:solidFill>
-                  <a:schemeClr val="tx1">
-                    <a:lumMod val="75000"/>
-                    <a:lumOff val="25000"/>
+                  <a:schemeClr val="accent5">
+                    <a:lumMod val="50000"/>
                   </a:schemeClr>
                 </a:solidFill>
                 <a:latin typeface="Gill Sans" panose="020B0502020104020203" pitchFamily="34" charset="-79"/>
                 <a:cs typeface="Gill Sans" panose="020B0502020104020203" pitchFamily="34" charset="-79"/>
               </a:rPr>
-              <a:t>References</a:t>
-            </a:r>
-          </a:p>
-        </p:txBody>
-      </p:sp>
-      <p:sp>
-        <p:nvSpPr>
-          <p:cNvPr id="5" name="Metin kutusu 4">
-            <a:extLst>
-              <a:ext uri="{FF2B5EF4-FFF2-40B4-BE49-F238E27FC236}">
-                <a16:creationId xmlns:a16="http://schemas.microsoft.com/office/drawing/2014/main" id="{D8A4BA62-9AE6-72FF-D004-C84476DFFEF5}"/>
+              <a:t>Variables</a:t>
+            </a:r>
+          </a:p>
+        </p:txBody>
+      </p:sp>
+      <p:pic>
+        <p:nvPicPr>
+          <p:cNvPr id="5" name="Resim 4" descr="metin içeren bir resim&#10;&#10;Açıklama otomatik olarak oluşturuldu">
+            <a:extLst>
+              <a:ext uri="{FF2B5EF4-FFF2-40B4-BE49-F238E27FC236}">
+                <a16:creationId xmlns:a16="http://schemas.microsoft.com/office/drawing/2014/main" id="{AD5E6EC8-9FEB-55F2-F11E-A11DEB0FD302}"/>
+              </a:ext>
+            </a:extLst>
+          </p:cNvPr>
+          <p:cNvPicPr>
+            <a:picLocks noChangeAspect="1"/>
+          </p:cNvPicPr>
+          <p:nvPr/>
+        </p:nvPicPr>
+        <p:blipFill>
+          <a:blip r:embed="rId4"/>
+          <a:stretch>
+            <a:fillRect/>
+          </a:stretch>
+        </p:blipFill>
+        <p:spPr>
+          <a:xfrm>
+            <a:off x="1759614" y="1323974"/>
+            <a:ext cx="8672772" cy="5146675"/>
+          </a:xfrm>
+          <a:prstGeom prst="rect">
+            <a:avLst/>
+          </a:prstGeom>
+        </p:spPr>
+      </p:pic>
+    </p:spTree>
+    <p:extLst>
+      <p:ext uri="{BB962C8B-B14F-4D97-AF65-F5344CB8AC3E}">
+        <p14:creationId xmlns:p14="http://schemas.microsoft.com/office/powerpoint/2010/main" val="1920265272"/>
+      </p:ext>
+    </p:extLst>
+  </p:cSld>
+  <p:clrMapOvr>
+    <a:masterClrMapping/>
+  </p:clrMapOvr>
+</p:sld>
+</file>
+
+<file path=ppt/slides/slide13.xml><?xml version="1.0" encoding="utf-8"?>
+<p:sld xmlns:a="http://schemas.openxmlformats.org/drawingml/2006/main" xmlns:r="http://schemas.openxmlformats.org/officeDocument/2006/relationships" xmlns:p="http://schemas.openxmlformats.org/presentationml/2006/main">
+  <p:cSld>
+    <p:bg>
+      <p:bgPr>
+        <a:blipFill dpi="0" rotWithShape="1">
+          <a:blip r:embed="rId2">
+            <a:lum/>
+          </a:blip>
+          <a:srcRect/>
+          <a:stretch>
+            <a:fillRect/>
+          </a:stretch>
+        </a:blipFill>
+        <a:effectLst/>
+      </p:bgPr>
+    </p:bg>
+    <p:spTree>
+      <p:nvGrpSpPr>
+        <p:cNvPr id="1" name=""/>
+        <p:cNvGrpSpPr/>
+        <p:nvPr/>
+      </p:nvGrpSpPr>
+      <p:grpSpPr>
+        <a:xfrm>
+          <a:off x="0" y="0"/>
+          <a:ext cx="0" cy="0"/>
+          <a:chOff x="0" y="0"/>
+          <a:chExt cx="0" cy="0"/>
+        </a:xfrm>
+      </p:grpSpPr>
+      <p:sp>
+        <p:nvSpPr>
+          <p:cNvPr id="2" name="Slayt Numarası Yer Tutucusu 1">
+            <a:extLst>
+              <a:ext uri="{FF2B5EF4-FFF2-40B4-BE49-F238E27FC236}">
+                <a16:creationId xmlns:a16="http://schemas.microsoft.com/office/drawing/2014/main" id="{19A12E7A-916B-07A7-10B4-C75B34447B10}"/>
+              </a:ext>
+            </a:extLst>
+          </p:cNvPr>
+          <p:cNvSpPr>
+            <a:spLocks noGrp="1"/>
+          </p:cNvSpPr>
+          <p:nvPr>
+            <p:ph type="sldNum" sz="quarter" idx="12"/>
+          </p:nvPr>
+        </p:nvSpPr>
+        <p:spPr/>
+        <p:txBody>
+          <a:bodyPr/>
+          <a:lstStyle/>
+          <a:p>
+            <a:fld id="{976E0F06-4CB6-4145-AA97-71AD1A1461D0}" type="slidenum">
+              <a:rPr lang="tr-TR" smtClean="0"/>
+              <a:t>13</a:t>
+            </a:fld>
+            <a:endParaRPr lang="tr-TR"/>
+          </a:p>
+        </p:txBody>
+      </p:sp>
+      <p:sp>
+        <p:nvSpPr>
+          <p:cNvPr id="3" name="Metin kutusu 2">
+            <a:extLst>
+              <a:ext uri="{FF2B5EF4-FFF2-40B4-BE49-F238E27FC236}">
+                <a16:creationId xmlns:a16="http://schemas.microsoft.com/office/drawing/2014/main" id="{05D614E2-B942-2A31-8FED-FE7CCBEA768B}"/>
               </a:ext>
             </a:extLst>
           </p:cNvPr>
@@ -4590,8 +5577,8 @@
         </p:nvSpPr>
         <p:spPr>
           <a:xfrm>
-            <a:off x="711200" y="1930400"/>
-            <a:ext cx="5943600" cy="3416320"/>
+            <a:off x="4553741" y="183111"/>
+            <a:ext cx="3084518" cy="769441"/>
           </a:xfrm>
           <a:prstGeom prst="rect">
             <a:avLst/>
@@ -4604,6 +5591,216 @@
           </a:bodyPr>
           <a:lstStyle/>
           <a:p>
+            <a:r>
+              <a:rPr lang="en-US" sz="4400" b="1" dirty="0">
+                <a:solidFill>
+                  <a:schemeClr val="accent5">
+                    <a:lumMod val="50000"/>
+                  </a:schemeClr>
+                </a:solidFill>
+                <a:latin typeface="Gill Sans" panose="020B0502020104020203" pitchFamily="34" charset="-79"/>
+                <a:cs typeface="Gill Sans" panose="020B0502020104020203" pitchFamily="34" charset="-79"/>
+              </a:rPr>
+              <a:t>Constants</a:t>
+            </a:r>
+          </a:p>
+        </p:txBody>
+      </p:sp>
+      <p:pic>
+        <p:nvPicPr>
+          <p:cNvPr id="5" name="Resim 4" descr="metin içeren bir resim&#10;&#10;Açıklama otomatik olarak oluşturuldu">
+            <a:extLst>
+              <a:ext uri="{FF2B5EF4-FFF2-40B4-BE49-F238E27FC236}">
+                <a16:creationId xmlns:a16="http://schemas.microsoft.com/office/drawing/2014/main" id="{67555913-23E0-0E69-A8AC-0FAA2F2CD8CE}"/>
+              </a:ext>
+            </a:extLst>
+          </p:cNvPr>
+          <p:cNvPicPr>
+            <a:picLocks noChangeAspect="1"/>
+          </p:cNvPicPr>
+          <p:nvPr/>
+        </p:nvPicPr>
+        <p:blipFill>
+          <a:blip r:embed="rId3"/>
+          <a:stretch>
+            <a:fillRect/>
+          </a:stretch>
+        </p:blipFill>
+        <p:spPr>
+          <a:xfrm>
+            <a:off x="1984330" y="1313330"/>
+            <a:ext cx="8223339" cy="5294883"/>
+          </a:xfrm>
+          <a:prstGeom prst="rect">
+            <a:avLst/>
+          </a:prstGeom>
+        </p:spPr>
+      </p:pic>
+    </p:spTree>
+    <p:extLst>
+      <p:ext uri="{BB962C8B-B14F-4D97-AF65-F5344CB8AC3E}">
+        <p14:creationId xmlns:p14="http://schemas.microsoft.com/office/powerpoint/2010/main" val="1432473201"/>
+      </p:ext>
+    </p:extLst>
+  </p:cSld>
+  <p:clrMapOvr>
+    <a:masterClrMapping/>
+  </p:clrMapOvr>
+</p:sld>
+</file>
+
+<file path=ppt/slides/slide14.xml><?xml version="1.0" encoding="utf-8"?>
+<p:sld xmlns:a="http://schemas.openxmlformats.org/drawingml/2006/main" xmlns:r="http://schemas.openxmlformats.org/officeDocument/2006/relationships" xmlns:p="http://schemas.openxmlformats.org/presentationml/2006/main">
+  <p:cSld>
+    <p:bg>
+      <p:bgPr>
+        <a:blipFill dpi="0" rotWithShape="1">
+          <a:blip r:embed="rId3">
+            <a:lum/>
+          </a:blip>
+          <a:srcRect/>
+          <a:stretch>
+            <a:fillRect/>
+          </a:stretch>
+        </a:blipFill>
+        <a:effectLst/>
+      </p:bgPr>
+    </p:bg>
+    <p:spTree>
+      <p:nvGrpSpPr>
+        <p:cNvPr id="1" name=""/>
+        <p:cNvGrpSpPr/>
+        <p:nvPr/>
+      </p:nvGrpSpPr>
+      <p:grpSpPr>
+        <a:xfrm>
+          <a:off x="0" y="0"/>
+          <a:ext cx="0" cy="0"/>
+          <a:chOff x="0" y="0"/>
+          <a:chExt cx="0" cy="0"/>
+        </a:xfrm>
+      </p:grpSpPr>
+      <p:sp>
+        <p:nvSpPr>
+          <p:cNvPr id="2" name="Slayt Numarası Yer Tutucusu 1">
+            <a:extLst>
+              <a:ext uri="{FF2B5EF4-FFF2-40B4-BE49-F238E27FC236}">
+                <a16:creationId xmlns:a16="http://schemas.microsoft.com/office/drawing/2014/main" id="{01E116EA-C99E-7E7D-AD87-6D029D983325}"/>
+              </a:ext>
+            </a:extLst>
+          </p:cNvPr>
+          <p:cNvSpPr>
+            <a:spLocks noGrp="1"/>
+          </p:cNvSpPr>
+          <p:nvPr>
+            <p:ph type="sldNum" sz="quarter" idx="12"/>
+          </p:nvPr>
+        </p:nvSpPr>
+        <p:spPr/>
+        <p:txBody>
+          <a:bodyPr/>
+          <a:lstStyle/>
+          <a:p>
+            <a:fld id="{976E0F06-4CB6-4145-AA97-71AD1A1461D0}" type="slidenum">
+              <a:rPr lang="tr-TR" smtClean="0"/>
+              <a:t>14</a:t>
+            </a:fld>
+            <a:endParaRPr lang="tr-TR"/>
+          </a:p>
+        </p:txBody>
+      </p:sp>
+      <p:sp>
+        <p:nvSpPr>
+          <p:cNvPr id="3" name="Metin kutusu 2">
+            <a:extLst>
+              <a:ext uri="{FF2B5EF4-FFF2-40B4-BE49-F238E27FC236}">
+                <a16:creationId xmlns:a16="http://schemas.microsoft.com/office/drawing/2014/main" id="{1E77A538-1830-27EF-F82A-59687C123CBB}"/>
+              </a:ext>
+            </a:extLst>
+          </p:cNvPr>
+          <p:cNvSpPr txBox="1"/>
+          <p:nvPr/>
+        </p:nvSpPr>
+        <p:spPr>
+          <a:xfrm>
+            <a:off x="4611682" y="173586"/>
+            <a:ext cx="2968636" cy="769441"/>
+          </a:xfrm>
+          <a:prstGeom prst="rect">
+            <a:avLst/>
+          </a:prstGeom>
+          <a:noFill/>
+        </p:spPr>
+        <p:txBody>
+          <a:bodyPr wrap="square" rtlCol="0">
+            <a:spAutoFit/>
+          </a:bodyPr>
+          <a:lstStyle/>
+          <a:p>
+            <a:r>
+              <a:rPr lang="en-US" sz="4400" b="1" dirty="0">
+                <a:solidFill>
+                  <a:schemeClr val="accent5">
+                    <a:lumMod val="50000"/>
+                  </a:schemeClr>
+                </a:solidFill>
+                <a:latin typeface="Gill Sans" panose="020B0502020104020203" pitchFamily="34" charset="-79"/>
+                <a:cs typeface="Gill Sans" panose="020B0502020104020203" pitchFamily="34" charset="-79"/>
+              </a:rPr>
+              <a:t>Functions</a:t>
+            </a:r>
+          </a:p>
+        </p:txBody>
+      </p:sp>
+      <p:sp>
+        <p:nvSpPr>
+          <p:cNvPr id="8" name="Metin kutusu 7">
+            <a:extLst>
+              <a:ext uri="{FF2B5EF4-FFF2-40B4-BE49-F238E27FC236}">
+                <a16:creationId xmlns:a16="http://schemas.microsoft.com/office/drawing/2014/main" id="{145B4B8B-207C-2718-8DB0-B0519F56800C}"/>
+              </a:ext>
+            </a:extLst>
+          </p:cNvPr>
+          <p:cNvSpPr txBox="1"/>
+          <p:nvPr/>
+        </p:nvSpPr>
+        <p:spPr>
+          <a:xfrm>
+            <a:off x="796787" y="1371352"/>
+            <a:ext cx="10598426" cy="3046988"/>
+          </a:xfrm>
+          <a:prstGeom prst="rect">
+            <a:avLst/>
+          </a:prstGeom>
+          <a:noFill/>
+        </p:spPr>
+        <p:txBody>
+          <a:bodyPr wrap="square" rtlCol="0">
+            <a:spAutoFit/>
+          </a:bodyPr>
+          <a:lstStyle/>
+          <a:p>
+            <a:r>
+              <a:rPr lang="en-US" sz="2400" b="1" dirty="0">
+                <a:solidFill>
+                  <a:srgbClr val="252628"/>
+                </a:solidFill>
+                <a:latin typeface="Gill Sans" panose="020B0502020104020203" pitchFamily="34" charset="-79"/>
+                <a:cs typeface="Gill Sans" panose="020B0502020104020203" pitchFamily="34" charset="-79"/>
+              </a:rPr>
+              <a:t>Naming Conventions for Golang Functions</a:t>
+            </a:r>
+          </a:p>
+          <a:p>
+            <a:endParaRPr lang="en-US" sz="600" b="1" dirty="0">
+              <a:solidFill>
+                <a:srgbClr val="252628"/>
+              </a:solidFill>
+              <a:latin typeface="Gill Sans" panose="020B0502020104020203" pitchFamily="34" charset="-79"/>
+              <a:cs typeface="Gill Sans" panose="020B0502020104020203" pitchFamily="34" charset="-79"/>
+            </a:endParaRPr>
+          </a:p>
+          <a:p>
             <a:pPr marL="285750" indent="-285750">
               <a:buFont typeface="Arial" panose="020B0604020202020204" pitchFamily="34" charset="0"/>
               <a:buChar char="•"/>
@@ -4611,27 +5808,13 @@
             <a:r>
               <a:rPr lang="en-US" dirty="0">
                 <a:solidFill>
-                  <a:schemeClr val="tx1">
-                    <a:lumMod val="75000"/>
-                    <a:lumOff val="25000"/>
-                  </a:schemeClr>
-                </a:solidFill>
-                <a:latin typeface="Gill Sans" panose="020B0502020104020203" pitchFamily="34" charset="-79"/>
-                <a:cs typeface="Gill Sans" panose="020B0502020104020203" pitchFamily="34" charset="-79"/>
-                <a:hlinkClick r:id="rId3"/>
-              </a:rPr>
-              <a:t>https://go.dev</a:t>
-            </a:r>
-            <a:endParaRPr lang="en-US" dirty="0">
-              <a:solidFill>
-                <a:schemeClr val="tx1">
-                  <a:lumMod val="75000"/>
-                  <a:lumOff val="25000"/>
-                </a:schemeClr>
-              </a:solidFill>
-              <a:latin typeface="Gill Sans" panose="020B0502020104020203" pitchFamily="34" charset="-79"/>
-              <a:cs typeface="Gill Sans" panose="020B0502020104020203" pitchFamily="34" charset="-79"/>
-            </a:endParaRPr>
+                  <a:srgbClr val="252628"/>
+                </a:solidFill>
+                <a:latin typeface="Gill Sans" panose="020B0502020104020203" pitchFamily="34" charset="-79"/>
+                <a:cs typeface="Gill Sans" panose="020B0502020104020203" pitchFamily="34" charset="-79"/>
+              </a:rPr>
+              <a:t>A name must begin with a letter and can have any number of additional letters and numbers.</a:t>
+            </a:r>
           </a:p>
           <a:p>
             <a:pPr marL="285750" indent="-285750">
@@ -4639,25 +5822,15 @@
               <a:buChar char="•"/>
             </a:pPr>
             <a:r>
-              <a:rPr lang="tr-TR" u="none" strike="noStrike" dirty="0">
-                <a:solidFill>
-                  <a:srgbClr val="24292F"/>
-                </a:solidFill>
-                <a:effectLst/>
-                <a:latin typeface="Gill Sans" panose="020B0502020104020203" pitchFamily="34" charset="-79"/>
-                <a:cs typeface="Gill Sans" panose="020B0502020104020203" pitchFamily="34" charset="-79"/>
-                <a:hlinkClick r:id="rId4"/>
-              </a:rPr>
-              <a:t>https://www.freecodecamp.org/news/what-is-go-programming-language/</a:t>
-            </a:r>
-            <a:endParaRPr lang="tr-TR" u="none" strike="noStrike" dirty="0">
-              <a:solidFill>
-                <a:srgbClr val="24292F"/>
-              </a:solidFill>
-              <a:effectLst/>
-              <a:latin typeface="Gill Sans" panose="020B0502020104020203" pitchFamily="34" charset="-79"/>
-              <a:cs typeface="Gill Sans" panose="020B0502020104020203" pitchFamily="34" charset="-79"/>
-            </a:endParaRPr>
+              <a:rPr lang="en-US" dirty="0">
+                <a:solidFill>
+                  <a:srgbClr val="252628"/>
+                </a:solidFill>
+                <a:latin typeface="Gill Sans" panose="020B0502020104020203" pitchFamily="34" charset="-79"/>
+                <a:cs typeface="Gill Sans" panose="020B0502020104020203" pitchFamily="34" charset="-79"/>
+              </a:rPr>
+              <a:t>A function name cannot start with a number.</a:t>
+            </a:r>
           </a:p>
           <a:p>
             <a:pPr marL="285750" indent="-285750">
@@ -4665,25 +5838,15 @@
               <a:buChar char="•"/>
             </a:pPr>
             <a:r>
-              <a:rPr lang="tr-TR" u="none" strike="noStrike" dirty="0">
-                <a:solidFill>
-                  <a:srgbClr val="24292F"/>
-                </a:solidFill>
-                <a:effectLst/>
-                <a:latin typeface="Gill Sans" panose="020B0502020104020203" pitchFamily="34" charset="-79"/>
-                <a:cs typeface="Gill Sans" panose="020B0502020104020203" pitchFamily="34" charset="-79"/>
-                <a:hlinkClick r:id="rId5"/>
-              </a:rPr>
-              <a:t>https://nexttechnology.io/the-most-popular-programming-languages-in-2023/</a:t>
-            </a:r>
-            <a:endParaRPr lang="tr-TR" u="none" strike="noStrike" dirty="0">
-              <a:solidFill>
-                <a:srgbClr val="24292F"/>
-              </a:solidFill>
-              <a:effectLst/>
-              <a:latin typeface="Gill Sans" panose="020B0502020104020203" pitchFamily="34" charset="-79"/>
-              <a:cs typeface="Gill Sans" panose="020B0502020104020203" pitchFamily="34" charset="-79"/>
-            </a:endParaRPr>
+              <a:rPr lang="en-US" dirty="0">
+                <a:solidFill>
+                  <a:srgbClr val="252628"/>
+                </a:solidFill>
+                <a:latin typeface="Gill Sans" panose="020B0502020104020203" pitchFamily="34" charset="-79"/>
+                <a:cs typeface="Gill Sans" panose="020B0502020104020203" pitchFamily="34" charset="-79"/>
+              </a:rPr>
+              <a:t>A function name cannot contain spaces.</a:t>
+            </a:r>
           </a:p>
           <a:p>
             <a:pPr marL="285750" indent="-285750">
@@ -4691,25 +5854,15 @@
               <a:buChar char="•"/>
             </a:pPr>
             <a:r>
-              <a:rPr lang="tr-TR" u="none" strike="noStrike" dirty="0">
-                <a:solidFill>
-                  <a:srgbClr val="24292F"/>
-                </a:solidFill>
-                <a:effectLst/>
-                <a:latin typeface="Gill Sans" panose="020B0502020104020203" pitchFamily="34" charset="-79"/>
-                <a:cs typeface="Gill Sans" panose="020B0502020104020203" pitchFamily="34" charset="-79"/>
-                <a:hlinkClick r:id="rId6"/>
-              </a:rPr>
-              <a:t>https://www.infoworld.com/article/3198928/whats-the-go-programming-language-really-good-for.html</a:t>
-            </a:r>
-            <a:endParaRPr lang="tr-TR" u="none" strike="noStrike" dirty="0">
-              <a:solidFill>
-                <a:srgbClr val="24292F"/>
-              </a:solidFill>
-              <a:effectLst/>
-              <a:latin typeface="Gill Sans" panose="020B0502020104020203" pitchFamily="34" charset="-79"/>
-              <a:cs typeface="Gill Sans" panose="020B0502020104020203" pitchFamily="34" charset="-79"/>
-            </a:endParaRPr>
+              <a:rPr lang="en-US" dirty="0">
+                <a:solidFill>
+                  <a:srgbClr val="252628"/>
+                </a:solidFill>
+                <a:latin typeface="Gill Sans" panose="020B0502020104020203" pitchFamily="34" charset="-79"/>
+                <a:cs typeface="Gill Sans" panose="020B0502020104020203" pitchFamily="34" charset="-79"/>
+              </a:rPr>
+              <a:t>If the functions with names that start with an uppercase letter will be exported to other packages. If the function name starts with a lowercase letter, it won’t be exported to other packages, but you can call this function within the same package.</a:t>
+            </a:r>
           </a:p>
           <a:p>
             <a:pPr marL="285750" indent="-285750">
@@ -4717,24 +5870,55 @@
               <a:buChar char="•"/>
             </a:pPr>
             <a:r>
-              <a:rPr lang="tr-TR" u="none" strike="noStrike" dirty="0">
-                <a:solidFill>
-                  <a:srgbClr val="24292F"/>
-                </a:solidFill>
-                <a:effectLst/>
-                <a:latin typeface="Gill Sans" panose="020B0502020104020203" pitchFamily="34" charset="-79"/>
-                <a:cs typeface="Gill Sans" panose="020B0502020104020203" pitchFamily="34" charset="-79"/>
-                <a:hlinkClick r:id="rId7"/>
-              </a:rPr>
-              <a:t>https://www.youtube.com/watch?v=etSN4X_fCnM&amp;list=PL4cUxeGkcC9gC88BEo9czgyS72A3doDeM</a:t>
-            </a:r>
-            <a:endParaRPr lang="tr-TR" dirty="0">
-              <a:solidFill>
-                <a:srgbClr val="24292F"/>
-              </a:solidFill>
-              <a:latin typeface="Gill Sans" panose="020B0502020104020203" pitchFamily="34" charset="-79"/>
-              <a:cs typeface="Gill Sans" panose="020B0502020104020203" pitchFamily="34" charset="-79"/>
-            </a:endParaRPr>
+              <a:rPr lang="en-US" dirty="0">
+                <a:solidFill>
+                  <a:srgbClr val="252628"/>
+                </a:solidFill>
+                <a:latin typeface="Gill Sans" panose="020B0502020104020203" pitchFamily="34" charset="-79"/>
+                <a:cs typeface="Gill Sans" panose="020B0502020104020203" pitchFamily="34" charset="-79"/>
+              </a:rPr>
+              <a:t>If a name consists of multiple words, each word after the first should be capitalized like this: </a:t>
+            </a:r>
+            <a:r>
+              <a:rPr lang="en-US" dirty="0" err="1">
+                <a:solidFill>
+                  <a:srgbClr val="252628"/>
+                </a:solidFill>
+                <a:latin typeface="Gill Sans" panose="020B0502020104020203" pitchFamily="34" charset="-79"/>
+                <a:cs typeface="Gill Sans" panose="020B0502020104020203" pitchFamily="34" charset="-79"/>
+              </a:rPr>
+              <a:t>empName</a:t>
+            </a:r>
+            <a:r>
+              <a:rPr lang="en-US" dirty="0">
+                <a:solidFill>
+                  <a:srgbClr val="252628"/>
+                </a:solidFill>
+                <a:latin typeface="Gill Sans" panose="020B0502020104020203" pitchFamily="34" charset="-79"/>
+                <a:cs typeface="Gill Sans" panose="020B0502020104020203" pitchFamily="34" charset="-79"/>
+              </a:rPr>
+              <a:t>, </a:t>
+            </a:r>
+            <a:r>
+              <a:rPr lang="en-US" dirty="0" err="1">
+                <a:solidFill>
+                  <a:srgbClr val="252628"/>
+                </a:solidFill>
+                <a:latin typeface="Gill Sans" panose="020B0502020104020203" pitchFamily="34" charset="-79"/>
+                <a:cs typeface="Gill Sans" panose="020B0502020104020203" pitchFamily="34" charset="-79"/>
+              </a:rPr>
+              <a:t>EmpAddress</a:t>
+            </a:r>
+            <a:r>
+              <a:rPr lang="en-US" dirty="0">
+                <a:solidFill>
+                  <a:srgbClr val="252628"/>
+                </a:solidFill>
+                <a:latin typeface="Gill Sans" panose="020B0502020104020203" pitchFamily="34" charset="-79"/>
+                <a:cs typeface="Gill Sans" panose="020B0502020104020203" pitchFamily="34" charset="-79"/>
+              </a:rPr>
+              <a:t>, etc.</a:t>
+            </a:r>
           </a:p>
           <a:p>
             <a:pPr marL="285750" indent="-285750">
@@ -4742,40 +5926,696 @@
               <a:buChar char="•"/>
             </a:pPr>
             <a:r>
-              <a:rPr lang="tr-TR" u="none" strike="noStrike" dirty="0">
-                <a:solidFill>
-                  <a:srgbClr val="24292F"/>
-                </a:solidFill>
-                <a:effectLst/>
-                <a:latin typeface="Gill Sans" panose="020B0502020104020203" pitchFamily="34" charset="-79"/>
-                <a:cs typeface="Gill Sans" panose="020B0502020104020203" pitchFamily="34" charset="-79"/>
-                <a:hlinkClick r:id="rId8"/>
-              </a:rPr>
-              <a:t>https://www.golangprograms.com/go-language/functions.html</a:t>
-            </a:r>
-            <a:br>
-              <a:rPr lang="tr-TR" dirty="0"/>
-            </a:br>
-            <a:r>
               <a:rPr lang="en-US" dirty="0">
                 <a:solidFill>
-                  <a:schemeClr val="tx1">
-                    <a:lumMod val="75000"/>
-                    <a:lumOff val="25000"/>
-                  </a:schemeClr>
-                </a:solidFill>
-                <a:latin typeface="Gill Sans" panose="020B0502020104020203" pitchFamily="34" charset="-79"/>
-                <a:cs typeface="Gill Sans" panose="020B0502020104020203" pitchFamily="34" charset="-79"/>
-              </a:rPr>
-              <a:t> </a:t>
-            </a:r>
-          </a:p>
-        </p:txBody>
-      </p:sp>
+                  <a:srgbClr val="252628"/>
+                </a:solidFill>
+                <a:latin typeface="Gill Sans" panose="020B0502020104020203" pitchFamily="34" charset="-79"/>
+                <a:cs typeface="Gill Sans" panose="020B0502020104020203" pitchFamily="34" charset="-79"/>
+              </a:rPr>
+              <a:t>Function names are case-sensitive (car, Car and CAR are three different variables)</a:t>
+            </a:r>
+          </a:p>
+        </p:txBody>
+      </p:sp>
+      <p:pic>
+        <p:nvPicPr>
+          <p:cNvPr id="10" name="Resim 9">
+            <a:extLst>
+              <a:ext uri="{FF2B5EF4-FFF2-40B4-BE49-F238E27FC236}">
+                <a16:creationId xmlns:a16="http://schemas.microsoft.com/office/drawing/2014/main" id="{BC4B48D7-4694-742E-20E4-FEDD1DE78439}"/>
+              </a:ext>
+            </a:extLst>
+          </p:cNvPr>
+          <p:cNvPicPr>
+            <a:picLocks noChangeAspect="1"/>
+          </p:cNvPicPr>
+          <p:nvPr/>
+        </p:nvPicPr>
+        <p:blipFill>
+          <a:blip r:embed="rId4"/>
+          <a:stretch>
+            <a:fillRect/>
+          </a:stretch>
+        </p:blipFill>
+        <p:spPr>
+          <a:xfrm>
+            <a:off x="4081713" y="4455401"/>
+            <a:ext cx="4028574" cy="2266074"/>
+          </a:xfrm>
+          <a:prstGeom prst="rect">
+            <a:avLst/>
+          </a:prstGeom>
+        </p:spPr>
+      </p:pic>
     </p:spTree>
     <p:extLst>
       <p:ext uri="{BB962C8B-B14F-4D97-AF65-F5344CB8AC3E}">
-        <p14:creationId xmlns:p14="http://schemas.microsoft.com/office/powerpoint/2010/main" val="1794357257"/>
+        <p14:creationId xmlns:p14="http://schemas.microsoft.com/office/powerpoint/2010/main" val="1658541512"/>
+      </p:ext>
+    </p:extLst>
+  </p:cSld>
+  <p:clrMapOvr>
+    <a:masterClrMapping/>
+  </p:clrMapOvr>
+</p:sld>
+</file>
+
+<file path=ppt/slides/slide15.xml><?xml version="1.0" encoding="utf-8"?>
+<p:sld xmlns:a="http://schemas.openxmlformats.org/drawingml/2006/main" xmlns:r="http://schemas.openxmlformats.org/officeDocument/2006/relationships" xmlns:p="http://schemas.openxmlformats.org/presentationml/2006/main">
+  <p:cSld>
+    <p:bg>
+      <p:bgPr>
+        <a:blipFill dpi="0" rotWithShape="1">
+          <a:blip r:embed="rId2">
+            <a:lum/>
+          </a:blip>
+          <a:srcRect/>
+          <a:stretch>
+            <a:fillRect/>
+          </a:stretch>
+        </a:blipFill>
+        <a:effectLst/>
+      </p:bgPr>
+    </p:bg>
+    <p:spTree>
+      <p:nvGrpSpPr>
+        <p:cNvPr id="1" name=""/>
+        <p:cNvGrpSpPr/>
+        <p:nvPr/>
+      </p:nvGrpSpPr>
+      <p:grpSpPr>
+        <a:xfrm>
+          <a:off x="0" y="0"/>
+          <a:ext cx="0" cy="0"/>
+          <a:chOff x="0" y="0"/>
+          <a:chExt cx="0" cy="0"/>
+        </a:xfrm>
+      </p:grpSpPr>
+      <p:sp>
+        <p:nvSpPr>
+          <p:cNvPr id="2" name="Slayt Numarası Yer Tutucusu 1">
+            <a:extLst>
+              <a:ext uri="{FF2B5EF4-FFF2-40B4-BE49-F238E27FC236}">
+                <a16:creationId xmlns:a16="http://schemas.microsoft.com/office/drawing/2014/main" id="{DCDF5FA2-0264-A216-2E4E-2A4CDADB3828}"/>
+              </a:ext>
+            </a:extLst>
+          </p:cNvPr>
+          <p:cNvSpPr>
+            <a:spLocks noGrp="1"/>
+          </p:cNvSpPr>
+          <p:nvPr>
+            <p:ph type="sldNum" sz="quarter" idx="12"/>
+          </p:nvPr>
+        </p:nvSpPr>
+        <p:spPr/>
+        <p:txBody>
+          <a:bodyPr/>
+          <a:lstStyle/>
+          <a:p>
+            <a:fld id="{976E0F06-4CB6-4145-AA97-71AD1A1461D0}" type="slidenum">
+              <a:rPr lang="tr-TR" smtClean="0"/>
+              <a:t>15</a:t>
+            </a:fld>
+            <a:endParaRPr lang="tr-TR"/>
+          </a:p>
+        </p:txBody>
+      </p:sp>
+      <p:pic>
+        <p:nvPicPr>
+          <p:cNvPr id="6" name="Resim 5" descr="metin içeren bir resim&#10;&#10;Açıklama otomatik olarak oluşturuldu">
+            <a:extLst>
+              <a:ext uri="{FF2B5EF4-FFF2-40B4-BE49-F238E27FC236}">
+                <a16:creationId xmlns:a16="http://schemas.microsoft.com/office/drawing/2014/main" id="{A2C2E536-24B5-BB76-8D38-99B813CC0BD3}"/>
+              </a:ext>
+            </a:extLst>
+          </p:cNvPr>
+          <p:cNvPicPr>
+            <a:picLocks noChangeAspect="1"/>
+          </p:cNvPicPr>
+          <p:nvPr/>
+        </p:nvPicPr>
+        <p:blipFill>
+          <a:blip r:embed="rId3"/>
+          <a:stretch>
+            <a:fillRect/>
+          </a:stretch>
+        </p:blipFill>
+        <p:spPr>
+          <a:xfrm>
+            <a:off x="2802628" y="271754"/>
+            <a:ext cx="6586743" cy="6314491"/>
+          </a:xfrm>
+          <a:prstGeom prst="rect">
+            <a:avLst/>
+          </a:prstGeom>
+        </p:spPr>
+      </p:pic>
+    </p:spTree>
+    <p:extLst>
+      <p:ext uri="{BB962C8B-B14F-4D97-AF65-F5344CB8AC3E}">
+        <p14:creationId xmlns:p14="http://schemas.microsoft.com/office/powerpoint/2010/main" val="3560261829"/>
+      </p:ext>
+    </p:extLst>
+  </p:cSld>
+  <p:clrMapOvr>
+    <a:masterClrMapping/>
+  </p:clrMapOvr>
+</p:sld>
+</file>
+
+<file path=ppt/slides/slide16.xml><?xml version="1.0" encoding="utf-8"?>
+<p:sld xmlns:a="http://schemas.openxmlformats.org/drawingml/2006/main" xmlns:r="http://schemas.openxmlformats.org/officeDocument/2006/relationships" xmlns:p="http://schemas.openxmlformats.org/presentationml/2006/main">
+  <p:cSld>
+    <p:bg>
+      <p:bgPr>
+        <a:blipFill dpi="0" rotWithShape="1">
+          <a:blip r:embed="rId2">
+            <a:lum/>
+          </a:blip>
+          <a:srcRect/>
+          <a:stretch>
+            <a:fillRect/>
+          </a:stretch>
+        </a:blipFill>
+        <a:effectLst/>
+      </p:bgPr>
+    </p:bg>
+    <p:spTree>
+      <p:nvGrpSpPr>
+        <p:cNvPr id="1" name=""/>
+        <p:cNvGrpSpPr/>
+        <p:nvPr/>
+      </p:nvGrpSpPr>
+      <p:grpSpPr>
+        <a:xfrm>
+          <a:off x="0" y="0"/>
+          <a:ext cx="0" cy="0"/>
+          <a:chOff x="0" y="0"/>
+          <a:chExt cx="0" cy="0"/>
+        </a:xfrm>
+      </p:grpSpPr>
+      <p:sp>
+        <p:nvSpPr>
+          <p:cNvPr id="2" name="Slayt Numarası Yer Tutucusu 1">
+            <a:extLst>
+              <a:ext uri="{FF2B5EF4-FFF2-40B4-BE49-F238E27FC236}">
+                <a16:creationId xmlns:a16="http://schemas.microsoft.com/office/drawing/2014/main" id="{19A12E7A-916B-07A7-10B4-C75B34447B10}"/>
+              </a:ext>
+            </a:extLst>
+          </p:cNvPr>
+          <p:cNvSpPr>
+            <a:spLocks noGrp="1"/>
+          </p:cNvSpPr>
+          <p:nvPr>
+            <p:ph type="sldNum" sz="quarter" idx="12"/>
+          </p:nvPr>
+        </p:nvSpPr>
+        <p:spPr/>
+        <p:txBody>
+          <a:bodyPr/>
+          <a:lstStyle/>
+          <a:p>
+            <a:fld id="{976E0F06-4CB6-4145-AA97-71AD1A1461D0}" type="slidenum">
+              <a:rPr lang="tr-TR" smtClean="0"/>
+              <a:t>16</a:t>
+            </a:fld>
+            <a:endParaRPr lang="tr-TR"/>
+          </a:p>
+        </p:txBody>
+      </p:sp>
+      <p:pic>
+        <p:nvPicPr>
+          <p:cNvPr id="6" name="Resim 5" descr="metin içeren bir resim&#10;&#10;Açıklama otomatik olarak oluşturuldu">
+            <a:extLst>
+              <a:ext uri="{FF2B5EF4-FFF2-40B4-BE49-F238E27FC236}">
+                <a16:creationId xmlns:a16="http://schemas.microsoft.com/office/drawing/2014/main" id="{85BFEE2D-6592-DCA0-4D77-DD4A379A231E}"/>
+              </a:ext>
+            </a:extLst>
+          </p:cNvPr>
+          <p:cNvPicPr>
+            <a:picLocks noChangeAspect="1"/>
+          </p:cNvPicPr>
+          <p:nvPr/>
+        </p:nvPicPr>
+        <p:blipFill>
+          <a:blip r:embed="rId3"/>
+          <a:stretch>
+            <a:fillRect/>
+          </a:stretch>
+        </p:blipFill>
+        <p:spPr>
+          <a:xfrm>
+            <a:off x="1990725" y="358254"/>
+            <a:ext cx="8210550" cy="6141491"/>
+          </a:xfrm>
+          <a:prstGeom prst="rect">
+            <a:avLst/>
+          </a:prstGeom>
+        </p:spPr>
+      </p:pic>
+    </p:spTree>
+    <p:extLst>
+      <p:ext uri="{BB962C8B-B14F-4D97-AF65-F5344CB8AC3E}">
+        <p14:creationId xmlns:p14="http://schemas.microsoft.com/office/powerpoint/2010/main" val="3275362249"/>
+      </p:ext>
+    </p:extLst>
+  </p:cSld>
+  <p:clrMapOvr>
+    <a:masterClrMapping/>
+  </p:clrMapOvr>
+</p:sld>
+</file>
+
+<file path=ppt/slides/slide17.xml><?xml version="1.0" encoding="utf-8"?>
+<p:sld xmlns:a="http://schemas.openxmlformats.org/drawingml/2006/main" xmlns:r="http://schemas.openxmlformats.org/officeDocument/2006/relationships" xmlns:p="http://schemas.openxmlformats.org/presentationml/2006/main">
+  <p:cSld>
+    <p:bg>
+      <p:bgPr>
+        <a:blipFill dpi="0" rotWithShape="1">
+          <a:blip r:embed="rId2">
+            <a:lum/>
+          </a:blip>
+          <a:srcRect/>
+          <a:stretch>
+            <a:fillRect/>
+          </a:stretch>
+        </a:blipFill>
+        <a:effectLst/>
+      </p:bgPr>
+    </p:bg>
+    <p:spTree>
+      <p:nvGrpSpPr>
+        <p:cNvPr id="1" name=""/>
+        <p:cNvGrpSpPr/>
+        <p:nvPr/>
+      </p:nvGrpSpPr>
+      <p:grpSpPr>
+        <a:xfrm>
+          <a:off x="0" y="0"/>
+          <a:ext cx="0" cy="0"/>
+          <a:chOff x="0" y="0"/>
+          <a:chExt cx="0" cy="0"/>
+        </a:xfrm>
+      </p:grpSpPr>
+      <p:sp>
+        <p:nvSpPr>
+          <p:cNvPr id="2" name="Slayt Numarası Yer Tutucusu 1">
+            <a:extLst>
+              <a:ext uri="{FF2B5EF4-FFF2-40B4-BE49-F238E27FC236}">
+                <a16:creationId xmlns:a16="http://schemas.microsoft.com/office/drawing/2014/main" id="{19A12E7A-916B-07A7-10B4-C75B34447B10}"/>
+              </a:ext>
+            </a:extLst>
+          </p:cNvPr>
+          <p:cNvSpPr>
+            <a:spLocks noGrp="1"/>
+          </p:cNvSpPr>
+          <p:nvPr>
+            <p:ph type="sldNum" sz="quarter" idx="12"/>
+          </p:nvPr>
+        </p:nvSpPr>
+        <p:spPr/>
+        <p:txBody>
+          <a:bodyPr/>
+          <a:lstStyle/>
+          <a:p>
+            <a:fld id="{976E0F06-4CB6-4145-AA97-71AD1A1461D0}" type="slidenum">
+              <a:rPr lang="tr-TR" smtClean="0"/>
+              <a:t>17</a:t>
+            </a:fld>
+            <a:endParaRPr lang="tr-TR"/>
+          </a:p>
+        </p:txBody>
+      </p:sp>
+      <p:sp>
+        <p:nvSpPr>
+          <p:cNvPr id="3" name="Metin kutusu 2">
+            <a:extLst>
+              <a:ext uri="{FF2B5EF4-FFF2-40B4-BE49-F238E27FC236}">
+                <a16:creationId xmlns:a16="http://schemas.microsoft.com/office/drawing/2014/main" id="{4CC98E2D-2778-564B-060C-C60B797AF508}"/>
+              </a:ext>
+            </a:extLst>
+          </p:cNvPr>
+          <p:cNvSpPr txBox="1"/>
+          <p:nvPr/>
+        </p:nvSpPr>
+        <p:spPr>
+          <a:xfrm>
+            <a:off x="2915441" y="240261"/>
+            <a:ext cx="6361118" cy="769441"/>
+          </a:xfrm>
+          <a:prstGeom prst="rect">
+            <a:avLst/>
+          </a:prstGeom>
+          <a:noFill/>
+        </p:spPr>
+        <p:txBody>
+          <a:bodyPr wrap="square" rtlCol="0">
+            <a:spAutoFit/>
+          </a:bodyPr>
+          <a:lstStyle/>
+          <a:p>
+            <a:r>
+              <a:rPr lang="en-US" sz="4400" b="1" dirty="0">
+                <a:solidFill>
+                  <a:schemeClr val="accent5">
+                    <a:lumMod val="50000"/>
+                  </a:schemeClr>
+                </a:solidFill>
+                <a:latin typeface="Gill Sans" panose="020B0502020104020203" pitchFamily="34" charset="-79"/>
+                <a:cs typeface="Gill Sans" panose="020B0502020104020203" pitchFamily="34" charset="-79"/>
+              </a:rPr>
+              <a:t>Function Parameters</a:t>
+            </a:r>
+          </a:p>
+        </p:txBody>
+      </p:sp>
+      <p:pic>
+        <p:nvPicPr>
+          <p:cNvPr id="5" name="Resim 4">
+            <a:extLst>
+              <a:ext uri="{FF2B5EF4-FFF2-40B4-BE49-F238E27FC236}">
+                <a16:creationId xmlns:a16="http://schemas.microsoft.com/office/drawing/2014/main" id="{482EAC66-61F9-3DF2-D71C-FDF6647AB784}"/>
+              </a:ext>
+            </a:extLst>
+          </p:cNvPr>
+          <p:cNvPicPr>
+            <a:picLocks noChangeAspect="1"/>
+          </p:cNvPicPr>
+          <p:nvPr/>
+        </p:nvPicPr>
+        <p:blipFill>
+          <a:blip r:embed="rId3"/>
+          <a:stretch>
+            <a:fillRect/>
+          </a:stretch>
+        </p:blipFill>
+        <p:spPr>
+          <a:xfrm>
+            <a:off x="4039025" y="1429713"/>
+            <a:ext cx="4113950" cy="5002837"/>
+          </a:xfrm>
+          <a:prstGeom prst="rect">
+            <a:avLst/>
+          </a:prstGeom>
+        </p:spPr>
+      </p:pic>
+    </p:spTree>
+    <p:extLst>
+      <p:ext uri="{BB962C8B-B14F-4D97-AF65-F5344CB8AC3E}">
+        <p14:creationId xmlns:p14="http://schemas.microsoft.com/office/powerpoint/2010/main" val="532671743"/>
+      </p:ext>
+    </p:extLst>
+  </p:cSld>
+  <p:clrMapOvr>
+    <a:masterClrMapping/>
+  </p:clrMapOvr>
+</p:sld>
+</file>
+
+<file path=ppt/slides/slide18.xml><?xml version="1.0" encoding="utf-8"?>
+<p:sld xmlns:a="http://schemas.openxmlformats.org/drawingml/2006/main" xmlns:r="http://schemas.openxmlformats.org/officeDocument/2006/relationships" xmlns:p="http://schemas.openxmlformats.org/presentationml/2006/main">
+  <p:cSld>
+    <p:bg>
+      <p:bgPr>
+        <a:blipFill dpi="0" rotWithShape="1">
+          <a:blip r:embed="rId2">
+            <a:lum/>
+          </a:blip>
+          <a:srcRect/>
+          <a:stretch>
+            <a:fillRect/>
+          </a:stretch>
+        </a:blipFill>
+        <a:effectLst/>
+      </p:bgPr>
+    </p:bg>
+    <p:spTree>
+      <p:nvGrpSpPr>
+        <p:cNvPr id="1" name=""/>
+        <p:cNvGrpSpPr/>
+        <p:nvPr/>
+      </p:nvGrpSpPr>
+      <p:grpSpPr>
+        <a:xfrm>
+          <a:off x="0" y="0"/>
+          <a:ext cx="0" cy="0"/>
+          <a:chOff x="0" y="0"/>
+          <a:chExt cx="0" cy="0"/>
+        </a:xfrm>
+      </p:grpSpPr>
+      <p:sp>
+        <p:nvSpPr>
+          <p:cNvPr id="2" name="Slayt Numarası Yer Tutucusu 1">
+            <a:extLst>
+              <a:ext uri="{FF2B5EF4-FFF2-40B4-BE49-F238E27FC236}">
+                <a16:creationId xmlns:a16="http://schemas.microsoft.com/office/drawing/2014/main" id="{19A12E7A-916B-07A7-10B4-C75B34447B10}"/>
+              </a:ext>
+            </a:extLst>
+          </p:cNvPr>
+          <p:cNvSpPr>
+            <a:spLocks noGrp="1"/>
+          </p:cNvSpPr>
+          <p:nvPr>
+            <p:ph type="sldNum" sz="quarter" idx="12"/>
+          </p:nvPr>
+        </p:nvSpPr>
+        <p:spPr/>
+        <p:txBody>
+          <a:bodyPr/>
+          <a:lstStyle/>
+          <a:p>
+            <a:fld id="{976E0F06-4CB6-4145-AA97-71AD1A1461D0}" type="slidenum">
+              <a:rPr lang="tr-TR" smtClean="0"/>
+              <a:t>18</a:t>
+            </a:fld>
+            <a:endParaRPr lang="tr-TR"/>
+          </a:p>
+        </p:txBody>
+      </p:sp>
+      <p:sp>
+        <p:nvSpPr>
+          <p:cNvPr id="3" name="Metin kutusu 2">
+            <a:extLst>
+              <a:ext uri="{FF2B5EF4-FFF2-40B4-BE49-F238E27FC236}">
+                <a16:creationId xmlns:a16="http://schemas.microsoft.com/office/drawing/2014/main" id="{AFE5FA16-45FD-5779-FC2B-10F1E8164F27}"/>
+              </a:ext>
+            </a:extLst>
+          </p:cNvPr>
+          <p:cNvSpPr txBox="1"/>
+          <p:nvPr/>
+        </p:nvSpPr>
+        <p:spPr>
+          <a:xfrm>
+            <a:off x="933450" y="3044277"/>
+            <a:ext cx="3408368" cy="769441"/>
+          </a:xfrm>
+          <a:prstGeom prst="rect">
+            <a:avLst/>
+          </a:prstGeom>
+          <a:noFill/>
+        </p:spPr>
+        <p:txBody>
+          <a:bodyPr wrap="square" rtlCol="0">
+            <a:spAutoFit/>
+          </a:bodyPr>
+          <a:lstStyle/>
+          <a:p>
+            <a:r>
+              <a:rPr lang="en-US" sz="4400" b="1" dirty="0">
+                <a:solidFill>
+                  <a:schemeClr val="accent5">
+                    <a:lumMod val="50000"/>
+                  </a:schemeClr>
+                </a:solidFill>
+                <a:latin typeface="Gill Sans" panose="020B0502020104020203" pitchFamily="34" charset="-79"/>
+                <a:cs typeface="Gill Sans" panose="020B0502020104020203" pitchFamily="34" charset="-79"/>
+              </a:rPr>
+              <a:t>Conditions</a:t>
+            </a:r>
+          </a:p>
+        </p:txBody>
+      </p:sp>
+      <p:pic>
+        <p:nvPicPr>
+          <p:cNvPr id="5" name="Resim 4" descr="metin içeren bir resim&#10;&#10;Açıklama otomatik olarak oluşturuldu">
+            <a:extLst>
+              <a:ext uri="{FF2B5EF4-FFF2-40B4-BE49-F238E27FC236}">
+                <a16:creationId xmlns:a16="http://schemas.microsoft.com/office/drawing/2014/main" id="{F0B95493-0A7B-7F6A-CB09-AFEEA4041B33}"/>
+              </a:ext>
+            </a:extLst>
+          </p:cNvPr>
+          <p:cNvPicPr>
+            <a:picLocks noChangeAspect="1"/>
+          </p:cNvPicPr>
+          <p:nvPr/>
+        </p:nvPicPr>
+        <p:blipFill>
+          <a:blip r:embed="rId3"/>
+          <a:stretch>
+            <a:fillRect/>
+          </a:stretch>
+        </p:blipFill>
+        <p:spPr>
+          <a:xfrm>
+            <a:off x="5419725" y="411672"/>
+            <a:ext cx="5934075" cy="6034653"/>
+          </a:xfrm>
+          <a:prstGeom prst="rect">
+            <a:avLst/>
+          </a:prstGeom>
+        </p:spPr>
+      </p:pic>
+    </p:spTree>
+    <p:extLst>
+      <p:ext uri="{BB962C8B-B14F-4D97-AF65-F5344CB8AC3E}">
+        <p14:creationId xmlns:p14="http://schemas.microsoft.com/office/powerpoint/2010/main" val="2622191800"/>
+      </p:ext>
+    </p:extLst>
+  </p:cSld>
+  <p:clrMapOvr>
+    <a:masterClrMapping/>
+  </p:clrMapOvr>
+</p:sld>
+</file>
+
+<file path=ppt/slides/slide19.xml><?xml version="1.0" encoding="utf-8"?>
+<p:sld xmlns:a="http://schemas.openxmlformats.org/drawingml/2006/main" xmlns:r="http://schemas.openxmlformats.org/officeDocument/2006/relationships" xmlns:p="http://schemas.openxmlformats.org/presentationml/2006/main">
+  <p:cSld>
+    <p:bg>
+      <p:bgPr>
+        <a:blipFill dpi="0" rotWithShape="1">
+          <a:blip r:embed="rId2">
+            <a:lum/>
+          </a:blip>
+          <a:srcRect/>
+          <a:stretch>
+            <a:fillRect/>
+          </a:stretch>
+        </a:blipFill>
+        <a:effectLst/>
+      </p:bgPr>
+    </p:bg>
+    <p:spTree>
+      <p:nvGrpSpPr>
+        <p:cNvPr id="1" name=""/>
+        <p:cNvGrpSpPr/>
+        <p:nvPr/>
+      </p:nvGrpSpPr>
+      <p:grpSpPr>
+        <a:xfrm>
+          <a:off x="0" y="0"/>
+          <a:ext cx="0" cy="0"/>
+          <a:chOff x="0" y="0"/>
+          <a:chExt cx="0" cy="0"/>
+        </a:xfrm>
+      </p:grpSpPr>
+      <p:sp>
+        <p:nvSpPr>
+          <p:cNvPr id="2" name="Slayt Numarası Yer Tutucusu 1">
+            <a:extLst>
+              <a:ext uri="{FF2B5EF4-FFF2-40B4-BE49-F238E27FC236}">
+                <a16:creationId xmlns:a16="http://schemas.microsoft.com/office/drawing/2014/main" id="{19A12E7A-916B-07A7-10B4-C75B34447B10}"/>
+              </a:ext>
+            </a:extLst>
+          </p:cNvPr>
+          <p:cNvSpPr>
+            <a:spLocks noGrp="1"/>
+          </p:cNvSpPr>
+          <p:nvPr>
+            <p:ph type="sldNum" sz="quarter" idx="12"/>
+          </p:nvPr>
+        </p:nvSpPr>
+        <p:spPr/>
+        <p:txBody>
+          <a:bodyPr/>
+          <a:lstStyle/>
+          <a:p>
+            <a:fld id="{976E0F06-4CB6-4145-AA97-71AD1A1461D0}" type="slidenum">
+              <a:rPr lang="tr-TR" smtClean="0"/>
+              <a:t>19</a:t>
+            </a:fld>
+            <a:endParaRPr lang="tr-TR"/>
+          </a:p>
+        </p:txBody>
+      </p:sp>
+      <p:sp>
+        <p:nvSpPr>
+          <p:cNvPr id="3" name="Metin kutusu 2">
+            <a:extLst>
+              <a:ext uri="{FF2B5EF4-FFF2-40B4-BE49-F238E27FC236}">
+                <a16:creationId xmlns:a16="http://schemas.microsoft.com/office/drawing/2014/main" id="{4EA4021E-6919-5C16-F140-F01B47EEAB7C}"/>
+              </a:ext>
+            </a:extLst>
+          </p:cNvPr>
+          <p:cNvSpPr txBox="1"/>
+          <p:nvPr/>
+        </p:nvSpPr>
+        <p:spPr>
+          <a:xfrm>
+            <a:off x="2201066" y="3044278"/>
+            <a:ext cx="1998668" cy="769441"/>
+          </a:xfrm>
+          <a:prstGeom prst="rect">
+            <a:avLst/>
+          </a:prstGeom>
+          <a:noFill/>
+        </p:spPr>
+        <p:txBody>
+          <a:bodyPr wrap="square" rtlCol="0">
+            <a:spAutoFit/>
+          </a:bodyPr>
+          <a:lstStyle/>
+          <a:p>
+            <a:r>
+              <a:rPr lang="en-US" sz="4400" b="1" dirty="0">
+                <a:solidFill>
+                  <a:schemeClr val="accent5">
+                    <a:lumMod val="50000"/>
+                  </a:schemeClr>
+                </a:solidFill>
+                <a:latin typeface="Gill Sans" panose="020B0502020104020203" pitchFamily="34" charset="-79"/>
+                <a:cs typeface="Gill Sans" panose="020B0502020104020203" pitchFamily="34" charset="-79"/>
+              </a:rPr>
+              <a:t>Loops</a:t>
+            </a:r>
+          </a:p>
+        </p:txBody>
+      </p:sp>
+      <p:pic>
+        <p:nvPicPr>
+          <p:cNvPr id="7" name="Resim 6" descr="metin içeren bir resim&#10;&#10;Açıklama otomatik olarak oluşturuldu">
+            <a:extLst>
+              <a:ext uri="{FF2B5EF4-FFF2-40B4-BE49-F238E27FC236}">
+                <a16:creationId xmlns:a16="http://schemas.microsoft.com/office/drawing/2014/main" id="{2B72C1D6-84C7-B8A8-03E0-6D8A4803A090}"/>
+              </a:ext>
+            </a:extLst>
+          </p:cNvPr>
+          <p:cNvPicPr>
+            <a:picLocks noChangeAspect="1"/>
+          </p:cNvPicPr>
+          <p:nvPr/>
+        </p:nvPicPr>
+        <p:blipFill>
+          <a:blip r:embed="rId3"/>
+          <a:stretch>
+            <a:fillRect/>
+          </a:stretch>
+        </p:blipFill>
+        <p:spPr>
+          <a:xfrm>
+            <a:off x="6819360" y="380999"/>
+            <a:ext cx="4468714" cy="6096000"/>
+          </a:xfrm>
+          <a:prstGeom prst="rect">
+            <a:avLst/>
+          </a:prstGeom>
+        </p:spPr>
+      </p:pic>
+    </p:spTree>
+    <p:extLst>
+      <p:ext uri="{BB962C8B-B14F-4D97-AF65-F5344CB8AC3E}">
+        <p14:creationId xmlns:p14="http://schemas.microsoft.com/office/powerpoint/2010/main" val="25456544"/>
       </p:ext>
     </p:extLst>
   </p:cSld>
@@ -4904,7 +6744,7 @@
         <p:spPr>
           <a:xfrm>
             <a:off x="1097280" y="1859280"/>
-            <a:ext cx="6725920" cy="1477328"/>
+            <a:ext cx="6725920" cy="1754326"/>
           </a:xfrm>
           <a:prstGeom prst="rect">
             <a:avLst/>
@@ -5016,7 +6856,25 @@
                 <a:latin typeface="Gill Sans" panose="020B0502020104020203" pitchFamily="34" charset="-79"/>
                 <a:cs typeface="Gill Sans" panose="020B0502020104020203" pitchFamily="34" charset="-79"/>
               </a:rPr>
-              <a:t> – Why we write everything in Go…………………………...7 </a:t>
+              <a:t> – Why we write everything in Go…………………………...7</a:t>
+            </a:r>
+          </a:p>
+          <a:p>
+            <a:pPr marL="342900" indent="-342900">
+              <a:buAutoNum type="arabicParenR"/>
+            </a:pPr>
+            <a:r>
+              <a:rPr lang="en-US" dirty="0">
+                <a:solidFill>
+                  <a:schemeClr val="accent5">
+                    <a:lumMod val="20000"/>
+                    <a:lumOff val="80000"/>
+                  </a:schemeClr>
+                </a:solidFill>
+                <a:latin typeface="Gill Sans" panose="020B0502020104020203" pitchFamily="34" charset="-79"/>
+                <a:cs typeface="Gill Sans" panose="020B0502020104020203" pitchFamily="34" charset="-79"/>
+              </a:rPr>
+              <a:t>Syntax of  Golang with codes…………………………………….11</a:t>
             </a:r>
           </a:p>
         </p:txBody>
@@ -5025,6 +6883,680 @@
     <p:extLst>
       <p:ext uri="{BB962C8B-B14F-4D97-AF65-F5344CB8AC3E}">
         <p14:creationId xmlns:p14="http://schemas.microsoft.com/office/powerpoint/2010/main" val="4049959031"/>
+      </p:ext>
+    </p:extLst>
+  </p:cSld>
+  <p:clrMapOvr>
+    <a:masterClrMapping/>
+  </p:clrMapOvr>
+</p:sld>
+</file>
+
+<file path=ppt/slides/slide20.xml><?xml version="1.0" encoding="utf-8"?>
+<p:sld xmlns:a="http://schemas.openxmlformats.org/drawingml/2006/main" xmlns:r="http://schemas.openxmlformats.org/officeDocument/2006/relationships" xmlns:p="http://schemas.openxmlformats.org/presentationml/2006/main">
+  <p:cSld>
+    <p:bg>
+      <p:bgPr>
+        <a:blipFill dpi="0" rotWithShape="1">
+          <a:blip r:embed="rId2">
+            <a:lum/>
+          </a:blip>
+          <a:srcRect/>
+          <a:stretch>
+            <a:fillRect/>
+          </a:stretch>
+        </a:blipFill>
+        <a:effectLst/>
+      </p:bgPr>
+    </p:bg>
+    <p:spTree>
+      <p:nvGrpSpPr>
+        <p:cNvPr id="1" name=""/>
+        <p:cNvGrpSpPr/>
+        <p:nvPr/>
+      </p:nvGrpSpPr>
+      <p:grpSpPr>
+        <a:xfrm>
+          <a:off x="0" y="0"/>
+          <a:ext cx="0" cy="0"/>
+          <a:chOff x="0" y="0"/>
+          <a:chExt cx="0" cy="0"/>
+        </a:xfrm>
+      </p:grpSpPr>
+      <p:sp>
+        <p:nvSpPr>
+          <p:cNvPr id="2" name="Slayt Numarası Yer Tutucusu 1">
+            <a:extLst>
+              <a:ext uri="{FF2B5EF4-FFF2-40B4-BE49-F238E27FC236}">
+                <a16:creationId xmlns:a16="http://schemas.microsoft.com/office/drawing/2014/main" id="{19A12E7A-916B-07A7-10B4-C75B34447B10}"/>
+              </a:ext>
+            </a:extLst>
+          </p:cNvPr>
+          <p:cNvSpPr>
+            <a:spLocks noGrp="1"/>
+          </p:cNvSpPr>
+          <p:nvPr>
+            <p:ph type="sldNum" sz="quarter" idx="12"/>
+          </p:nvPr>
+        </p:nvSpPr>
+        <p:spPr/>
+        <p:txBody>
+          <a:bodyPr/>
+          <a:lstStyle/>
+          <a:p>
+            <a:fld id="{976E0F06-4CB6-4145-AA97-71AD1A1461D0}" type="slidenum">
+              <a:rPr lang="tr-TR" smtClean="0"/>
+              <a:t>20</a:t>
+            </a:fld>
+            <a:endParaRPr lang="tr-TR"/>
+          </a:p>
+        </p:txBody>
+      </p:sp>
+      <p:pic>
+        <p:nvPicPr>
+          <p:cNvPr id="4" name="Resim 3" descr="metin içeren bir resim&#10;&#10;Açıklama otomatik olarak oluşturuldu">
+            <a:extLst>
+              <a:ext uri="{FF2B5EF4-FFF2-40B4-BE49-F238E27FC236}">
+                <a16:creationId xmlns:a16="http://schemas.microsoft.com/office/drawing/2014/main" id="{B938FF49-1464-E067-D7D8-1B29D67161DE}"/>
+              </a:ext>
+            </a:extLst>
+          </p:cNvPr>
+          <p:cNvPicPr>
+            <a:picLocks noChangeAspect="1"/>
+          </p:cNvPicPr>
+          <p:nvPr/>
+        </p:nvPicPr>
+        <p:blipFill>
+          <a:blip r:embed="rId3"/>
+          <a:stretch>
+            <a:fillRect/>
+          </a:stretch>
+        </p:blipFill>
+        <p:spPr>
+          <a:xfrm>
+            <a:off x="1008995" y="509390"/>
+            <a:ext cx="10174010" cy="5839219"/>
+          </a:xfrm>
+          <a:prstGeom prst="rect">
+            <a:avLst/>
+          </a:prstGeom>
+        </p:spPr>
+      </p:pic>
+    </p:spTree>
+    <p:extLst>
+      <p:ext uri="{BB962C8B-B14F-4D97-AF65-F5344CB8AC3E}">
+        <p14:creationId xmlns:p14="http://schemas.microsoft.com/office/powerpoint/2010/main" val="127354322"/>
+      </p:ext>
+    </p:extLst>
+  </p:cSld>
+  <p:clrMapOvr>
+    <a:masterClrMapping/>
+  </p:clrMapOvr>
+</p:sld>
+</file>
+
+<file path=ppt/slides/slide21.xml><?xml version="1.0" encoding="utf-8"?>
+<p:sld xmlns:a="http://schemas.openxmlformats.org/drawingml/2006/main" xmlns:r="http://schemas.openxmlformats.org/officeDocument/2006/relationships" xmlns:p="http://schemas.openxmlformats.org/presentationml/2006/main">
+  <p:cSld>
+    <p:bg>
+      <p:bgPr>
+        <a:blipFill dpi="0" rotWithShape="1">
+          <a:blip r:embed="rId2">
+            <a:lum/>
+          </a:blip>
+          <a:srcRect/>
+          <a:stretch>
+            <a:fillRect/>
+          </a:stretch>
+        </a:blipFill>
+        <a:effectLst/>
+      </p:bgPr>
+    </p:bg>
+    <p:spTree>
+      <p:nvGrpSpPr>
+        <p:cNvPr id="1" name=""/>
+        <p:cNvGrpSpPr/>
+        <p:nvPr/>
+      </p:nvGrpSpPr>
+      <p:grpSpPr>
+        <a:xfrm>
+          <a:off x="0" y="0"/>
+          <a:ext cx="0" cy="0"/>
+          <a:chOff x="0" y="0"/>
+          <a:chExt cx="0" cy="0"/>
+        </a:xfrm>
+      </p:grpSpPr>
+      <p:sp>
+        <p:nvSpPr>
+          <p:cNvPr id="2" name="Slayt Numarası Yer Tutucusu 1">
+            <a:extLst>
+              <a:ext uri="{FF2B5EF4-FFF2-40B4-BE49-F238E27FC236}">
+                <a16:creationId xmlns:a16="http://schemas.microsoft.com/office/drawing/2014/main" id="{19A12E7A-916B-07A7-10B4-C75B34447B10}"/>
+              </a:ext>
+            </a:extLst>
+          </p:cNvPr>
+          <p:cNvSpPr>
+            <a:spLocks noGrp="1"/>
+          </p:cNvSpPr>
+          <p:nvPr>
+            <p:ph type="sldNum" sz="quarter" idx="12"/>
+          </p:nvPr>
+        </p:nvSpPr>
+        <p:spPr/>
+        <p:txBody>
+          <a:bodyPr/>
+          <a:lstStyle/>
+          <a:p>
+            <a:fld id="{976E0F06-4CB6-4145-AA97-71AD1A1461D0}" type="slidenum">
+              <a:rPr lang="tr-TR" smtClean="0"/>
+              <a:t>21</a:t>
+            </a:fld>
+            <a:endParaRPr lang="tr-TR"/>
+          </a:p>
+        </p:txBody>
+      </p:sp>
+      <p:sp>
+        <p:nvSpPr>
+          <p:cNvPr id="3" name="Metin kutusu 2">
+            <a:extLst>
+              <a:ext uri="{FF2B5EF4-FFF2-40B4-BE49-F238E27FC236}">
+                <a16:creationId xmlns:a16="http://schemas.microsoft.com/office/drawing/2014/main" id="{69AC6AA3-C79A-211A-C1AF-6E8464551EC0}"/>
+              </a:ext>
+            </a:extLst>
+          </p:cNvPr>
+          <p:cNvSpPr txBox="1"/>
+          <p:nvPr/>
+        </p:nvSpPr>
+        <p:spPr>
+          <a:xfrm>
+            <a:off x="1424383" y="2705725"/>
+            <a:ext cx="3376217" cy="1446550"/>
+          </a:xfrm>
+          <a:prstGeom prst="rect">
+            <a:avLst/>
+          </a:prstGeom>
+          <a:noFill/>
+        </p:spPr>
+        <p:txBody>
+          <a:bodyPr wrap="square" rtlCol="0">
+            <a:spAutoFit/>
+          </a:bodyPr>
+          <a:lstStyle/>
+          <a:p>
+            <a:r>
+              <a:rPr lang="en-US" sz="4400" b="1">
+                <a:solidFill>
+                  <a:schemeClr val="accent5">
+                    <a:lumMod val="50000"/>
+                  </a:schemeClr>
+                </a:solidFill>
+                <a:latin typeface="Gill Sans" panose="020B0502020104020203" pitchFamily="34" charset="-79"/>
+                <a:cs typeface="Gill Sans" panose="020B0502020104020203" pitchFamily="34" charset="-79"/>
+              </a:rPr>
+              <a:t>Switch Statement</a:t>
+            </a:r>
+            <a:endParaRPr lang="en-US" sz="4400" b="1" dirty="0">
+              <a:solidFill>
+                <a:schemeClr val="accent5">
+                  <a:lumMod val="50000"/>
+                </a:schemeClr>
+              </a:solidFill>
+              <a:latin typeface="Gill Sans" panose="020B0502020104020203" pitchFamily="34" charset="-79"/>
+              <a:cs typeface="Gill Sans" panose="020B0502020104020203" pitchFamily="34" charset="-79"/>
+            </a:endParaRPr>
+          </a:p>
+        </p:txBody>
+      </p:sp>
+      <p:pic>
+        <p:nvPicPr>
+          <p:cNvPr id="5" name="Resim 4">
+            <a:extLst>
+              <a:ext uri="{FF2B5EF4-FFF2-40B4-BE49-F238E27FC236}">
+                <a16:creationId xmlns:a16="http://schemas.microsoft.com/office/drawing/2014/main" id="{D876E44F-C51A-A758-BB24-33DACC46E67D}"/>
+              </a:ext>
+            </a:extLst>
+          </p:cNvPr>
+          <p:cNvPicPr>
+            <a:picLocks noChangeAspect="1"/>
+          </p:cNvPicPr>
+          <p:nvPr/>
+        </p:nvPicPr>
+        <p:blipFill>
+          <a:blip r:embed="rId3"/>
+          <a:stretch>
+            <a:fillRect/>
+          </a:stretch>
+        </p:blipFill>
+        <p:spPr>
+          <a:xfrm>
+            <a:off x="6619875" y="378517"/>
+            <a:ext cx="4610100" cy="6100965"/>
+          </a:xfrm>
+          <a:prstGeom prst="rect">
+            <a:avLst/>
+          </a:prstGeom>
+        </p:spPr>
+      </p:pic>
+    </p:spTree>
+    <p:extLst>
+      <p:ext uri="{BB962C8B-B14F-4D97-AF65-F5344CB8AC3E}">
+        <p14:creationId xmlns:p14="http://schemas.microsoft.com/office/powerpoint/2010/main" val="3783110276"/>
+      </p:ext>
+    </p:extLst>
+  </p:cSld>
+  <p:clrMapOvr>
+    <a:masterClrMapping/>
+  </p:clrMapOvr>
+</p:sld>
+</file>
+
+<file path=ppt/slides/slide22.xml><?xml version="1.0" encoding="utf-8"?>
+<p:sld xmlns:a="http://schemas.openxmlformats.org/drawingml/2006/main" xmlns:r="http://schemas.openxmlformats.org/officeDocument/2006/relationships" xmlns:p="http://schemas.openxmlformats.org/presentationml/2006/main">
+  <p:cSld>
+    <p:bg>
+      <p:bgPr>
+        <a:blipFill dpi="0" rotWithShape="1">
+          <a:blip r:embed="rId2">
+            <a:lum/>
+          </a:blip>
+          <a:srcRect/>
+          <a:stretch>
+            <a:fillRect/>
+          </a:stretch>
+        </a:blipFill>
+        <a:effectLst/>
+      </p:bgPr>
+    </p:bg>
+    <p:spTree>
+      <p:nvGrpSpPr>
+        <p:cNvPr id="1" name=""/>
+        <p:cNvGrpSpPr/>
+        <p:nvPr/>
+      </p:nvGrpSpPr>
+      <p:grpSpPr>
+        <a:xfrm>
+          <a:off x="0" y="0"/>
+          <a:ext cx="0" cy="0"/>
+          <a:chOff x="0" y="0"/>
+          <a:chExt cx="0" cy="0"/>
+        </a:xfrm>
+      </p:grpSpPr>
+      <p:sp>
+        <p:nvSpPr>
+          <p:cNvPr id="2" name="Slayt Numarası Yer Tutucusu 1">
+            <a:extLst>
+              <a:ext uri="{FF2B5EF4-FFF2-40B4-BE49-F238E27FC236}">
+                <a16:creationId xmlns:a16="http://schemas.microsoft.com/office/drawing/2014/main" id="{19A12E7A-916B-07A7-10B4-C75B34447B10}"/>
+              </a:ext>
+            </a:extLst>
+          </p:cNvPr>
+          <p:cNvSpPr>
+            <a:spLocks noGrp="1"/>
+          </p:cNvSpPr>
+          <p:nvPr>
+            <p:ph type="sldNum" sz="quarter" idx="12"/>
+          </p:nvPr>
+        </p:nvSpPr>
+        <p:spPr/>
+        <p:txBody>
+          <a:bodyPr/>
+          <a:lstStyle/>
+          <a:p>
+            <a:fld id="{976E0F06-4CB6-4145-AA97-71AD1A1461D0}" type="slidenum">
+              <a:rPr lang="tr-TR" smtClean="0"/>
+              <a:t>22</a:t>
+            </a:fld>
+            <a:endParaRPr lang="tr-TR"/>
+          </a:p>
+        </p:txBody>
+      </p:sp>
+      <p:pic>
+        <p:nvPicPr>
+          <p:cNvPr id="4" name="Resim 3">
+            <a:extLst>
+              <a:ext uri="{FF2B5EF4-FFF2-40B4-BE49-F238E27FC236}">
+                <a16:creationId xmlns:a16="http://schemas.microsoft.com/office/drawing/2014/main" id="{1DA9622F-0028-12DE-66BF-3E54B8E090EB}"/>
+              </a:ext>
+            </a:extLst>
+          </p:cNvPr>
+          <p:cNvPicPr>
+            <a:picLocks noChangeAspect="1"/>
+          </p:cNvPicPr>
+          <p:nvPr/>
+        </p:nvPicPr>
+        <p:blipFill>
+          <a:blip r:embed="rId3"/>
+          <a:stretch>
+            <a:fillRect/>
+          </a:stretch>
+        </p:blipFill>
+        <p:spPr>
+          <a:xfrm>
+            <a:off x="3410702" y="204946"/>
+            <a:ext cx="5370595" cy="6448108"/>
+          </a:xfrm>
+          <a:prstGeom prst="rect">
+            <a:avLst/>
+          </a:prstGeom>
+        </p:spPr>
+      </p:pic>
+    </p:spTree>
+    <p:extLst>
+      <p:ext uri="{BB962C8B-B14F-4D97-AF65-F5344CB8AC3E}">
+        <p14:creationId xmlns:p14="http://schemas.microsoft.com/office/powerpoint/2010/main" val="2588181584"/>
+      </p:ext>
+    </p:extLst>
+  </p:cSld>
+  <p:clrMapOvr>
+    <a:masterClrMapping/>
+  </p:clrMapOvr>
+</p:sld>
+</file>
+
+<file path=ppt/slides/slide23.xml><?xml version="1.0" encoding="utf-8"?>
+<p:sld xmlns:a="http://schemas.openxmlformats.org/drawingml/2006/main" xmlns:r="http://schemas.openxmlformats.org/officeDocument/2006/relationships" xmlns:p="http://schemas.openxmlformats.org/presentationml/2006/main">
+  <p:cSld>
+    <p:bg>
+      <p:bgPr>
+        <a:blipFill dpi="0" rotWithShape="1">
+          <a:blip r:embed="rId2">
+            <a:lum/>
+          </a:blip>
+          <a:srcRect/>
+          <a:stretch>
+            <a:fillRect l="-7000" r="-7000"/>
+          </a:stretch>
+        </a:blipFill>
+        <a:effectLst/>
+      </p:bgPr>
+    </p:bg>
+    <p:spTree>
+      <p:nvGrpSpPr>
+        <p:cNvPr id="1" name=""/>
+        <p:cNvGrpSpPr/>
+        <p:nvPr/>
+      </p:nvGrpSpPr>
+      <p:grpSpPr>
+        <a:xfrm>
+          <a:off x="0" y="0"/>
+          <a:ext cx="0" cy="0"/>
+          <a:chOff x="0" y="0"/>
+          <a:chExt cx="0" cy="0"/>
+        </a:xfrm>
+      </p:grpSpPr>
+      <p:sp>
+        <p:nvSpPr>
+          <p:cNvPr id="2" name="Slayt Numarası Yer Tutucusu 1">
+            <a:extLst>
+              <a:ext uri="{FF2B5EF4-FFF2-40B4-BE49-F238E27FC236}">
+                <a16:creationId xmlns:a16="http://schemas.microsoft.com/office/drawing/2014/main" id="{D4D837ED-02C8-0468-52C0-456ED8DBB44F}"/>
+              </a:ext>
+            </a:extLst>
+          </p:cNvPr>
+          <p:cNvSpPr>
+            <a:spLocks noGrp="1"/>
+          </p:cNvSpPr>
+          <p:nvPr>
+            <p:ph type="sldNum" sz="quarter" idx="12"/>
+          </p:nvPr>
+        </p:nvSpPr>
+        <p:spPr/>
+        <p:txBody>
+          <a:bodyPr/>
+          <a:lstStyle/>
+          <a:p>
+            <a:fld id="{976E0F06-4CB6-4145-AA97-71AD1A1461D0}" type="slidenum">
+              <a:rPr lang="tr-TR" smtClean="0"/>
+              <a:t>23</a:t>
+            </a:fld>
+            <a:endParaRPr lang="tr-TR"/>
+          </a:p>
+        </p:txBody>
+      </p:sp>
+      <p:sp>
+        <p:nvSpPr>
+          <p:cNvPr id="3" name="Metin kutusu 2">
+            <a:extLst>
+              <a:ext uri="{FF2B5EF4-FFF2-40B4-BE49-F238E27FC236}">
+                <a16:creationId xmlns:a16="http://schemas.microsoft.com/office/drawing/2014/main" id="{C6B911D3-4A82-988E-8D46-892147797781}"/>
+              </a:ext>
+            </a:extLst>
+          </p:cNvPr>
+          <p:cNvSpPr txBox="1"/>
+          <p:nvPr/>
+        </p:nvSpPr>
+        <p:spPr>
+          <a:xfrm>
+            <a:off x="1696720" y="528320"/>
+            <a:ext cx="3515360" cy="769441"/>
+          </a:xfrm>
+          <a:prstGeom prst="rect">
+            <a:avLst/>
+          </a:prstGeom>
+          <a:noFill/>
+        </p:spPr>
+        <p:txBody>
+          <a:bodyPr wrap="square" rtlCol="0">
+            <a:spAutoFit/>
+          </a:bodyPr>
+          <a:lstStyle/>
+          <a:p>
+            <a:r>
+              <a:rPr lang="en-US" sz="4400" b="1" dirty="0">
+                <a:solidFill>
+                  <a:schemeClr val="tx1">
+                    <a:lumMod val="75000"/>
+                    <a:lumOff val="25000"/>
+                  </a:schemeClr>
+                </a:solidFill>
+                <a:latin typeface="Gill Sans" panose="020B0502020104020203" pitchFamily="34" charset="-79"/>
+                <a:cs typeface="Gill Sans" panose="020B0502020104020203" pitchFamily="34" charset="-79"/>
+              </a:rPr>
+              <a:t>References</a:t>
+            </a:r>
+          </a:p>
+        </p:txBody>
+      </p:sp>
+      <p:sp>
+        <p:nvSpPr>
+          <p:cNvPr id="5" name="Metin kutusu 4">
+            <a:extLst>
+              <a:ext uri="{FF2B5EF4-FFF2-40B4-BE49-F238E27FC236}">
+                <a16:creationId xmlns:a16="http://schemas.microsoft.com/office/drawing/2014/main" id="{D8A4BA62-9AE6-72FF-D004-C84476DFFEF5}"/>
+              </a:ext>
+            </a:extLst>
+          </p:cNvPr>
+          <p:cNvSpPr txBox="1"/>
+          <p:nvPr/>
+        </p:nvSpPr>
+        <p:spPr>
+          <a:xfrm>
+            <a:off x="711200" y="1930400"/>
+            <a:ext cx="5943600" cy="3416320"/>
+          </a:xfrm>
+          <a:prstGeom prst="rect">
+            <a:avLst/>
+          </a:prstGeom>
+          <a:noFill/>
+        </p:spPr>
+        <p:txBody>
+          <a:bodyPr wrap="square" rtlCol="0">
+            <a:spAutoFit/>
+          </a:bodyPr>
+          <a:lstStyle/>
+          <a:p>
+            <a:pPr marL="285750" indent="-285750">
+              <a:buFont typeface="Arial" panose="020B0604020202020204" pitchFamily="34" charset="0"/>
+              <a:buChar char="•"/>
+            </a:pPr>
+            <a:r>
+              <a:rPr lang="en-US" dirty="0">
+                <a:solidFill>
+                  <a:schemeClr val="tx1">
+                    <a:lumMod val="75000"/>
+                    <a:lumOff val="25000"/>
+                  </a:schemeClr>
+                </a:solidFill>
+                <a:latin typeface="Gill Sans" panose="020B0502020104020203" pitchFamily="34" charset="-79"/>
+                <a:cs typeface="Gill Sans" panose="020B0502020104020203" pitchFamily="34" charset="-79"/>
+                <a:hlinkClick r:id="rId3"/>
+              </a:rPr>
+              <a:t>https://go.dev</a:t>
+            </a:r>
+            <a:endParaRPr lang="en-US" dirty="0">
+              <a:solidFill>
+                <a:schemeClr val="tx1">
+                  <a:lumMod val="75000"/>
+                  <a:lumOff val="25000"/>
+                </a:schemeClr>
+              </a:solidFill>
+              <a:latin typeface="Gill Sans" panose="020B0502020104020203" pitchFamily="34" charset="-79"/>
+              <a:cs typeface="Gill Sans" panose="020B0502020104020203" pitchFamily="34" charset="-79"/>
+            </a:endParaRPr>
+          </a:p>
+          <a:p>
+            <a:pPr marL="285750" indent="-285750">
+              <a:buFont typeface="Arial" panose="020B0604020202020204" pitchFamily="34" charset="0"/>
+              <a:buChar char="•"/>
+            </a:pPr>
+            <a:r>
+              <a:rPr lang="tr-TR" u="none" strike="noStrike" dirty="0">
+                <a:solidFill>
+                  <a:srgbClr val="24292F"/>
+                </a:solidFill>
+                <a:effectLst/>
+                <a:latin typeface="Gill Sans" panose="020B0502020104020203" pitchFamily="34" charset="-79"/>
+                <a:cs typeface="Gill Sans" panose="020B0502020104020203" pitchFamily="34" charset="-79"/>
+                <a:hlinkClick r:id="rId4"/>
+              </a:rPr>
+              <a:t>https://www.freecodecamp.org/news/what-is-go-programming-language/</a:t>
+            </a:r>
+            <a:endParaRPr lang="tr-TR" u="none" strike="noStrike" dirty="0">
+              <a:solidFill>
+                <a:srgbClr val="24292F"/>
+              </a:solidFill>
+              <a:effectLst/>
+              <a:latin typeface="Gill Sans" panose="020B0502020104020203" pitchFamily="34" charset="-79"/>
+              <a:cs typeface="Gill Sans" panose="020B0502020104020203" pitchFamily="34" charset="-79"/>
+            </a:endParaRPr>
+          </a:p>
+          <a:p>
+            <a:pPr marL="285750" indent="-285750">
+              <a:buFont typeface="Arial" panose="020B0604020202020204" pitchFamily="34" charset="0"/>
+              <a:buChar char="•"/>
+            </a:pPr>
+            <a:r>
+              <a:rPr lang="tr-TR" u="none" strike="noStrike" dirty="0">
+                <a:solidFill>
+                  <a:srgbClr val="24292F"/>
+                </a:solidFill>
+                <a:effectLst/>
+                <a:latin typeface="Gill Sans" panose="020B0502020104020203" pitchFamily="34" charset="-79"/>
+                <a:cs typeface="Gill Sans" panose="020B0502020104020203" pitchFamily="34" charset="-79"/>
+                <a:hlinkClick r:id="rId5"/>
+              </a:rPr>
+              <a:t>https://nexttechnology.io/the-most-popular-programming-languages-in-2023/</a:t>
+            </a:r>
+            <a:endParaRPr lang="tr-TR" u="none" strike="noStrike" dirty="0">
+              <a:solidFill>
+                <a:srgbClr val="24292F"/>
+              </a:solidFill>
+              <a:effectLst/>
+              <a:latin typeface="Gill Sans" panose="020B0502020104020203" pitchFamily="34" charset="-79"/>
+              <a:cs typeface="Gill Sans" panose="020B0502020104020203" pitchFamily="34" charset="-79"/>
+            </a:endParaRPr>
+          </a:p>
+          <a:p>
+            <a:pPr marL="285750" indent="-285750">
+              <a:buFont typeface="Arial" panose="020B0604020202020204" pitchFamily="34" charset="0"/>
+              <a:buChar char="•"/>
+            </a:pPr>
+            <a:r>
+              <a:rPr lang="tr-TR" u="none" strike="noStrike" dirty="0">
+                <a:solidFill>
+                  <a:srgbClr val="24292F"/>
+                </a:solidFill>
+                <a:effectLst/>
+                <a:latin typeface="Gill Sans" panose="020B0502020104020203" pitchFamily="34" charset="-79"/>
+                <a:cs typeface="Gill Sans" panose="020B0502020104020203" pitchFamily="34" charset="-79"/>
+                <a:hlinkClick r:id="rId6"/>
+              </a:rPr>
+              <a:t>https://www.infoworld.com/article/3198928/whats-the-go-programming-language-really-good-for.html</a:t>
+            </a:r>
+            <a:endParaRPr lang="tr-TR" u="none" strike="noStrike" dirty="0">
+              <a:solidFill>
+                <a:srgbClr val="24292F"/>
+              </a:solidFill>
+              <a:effectLst/>
+              <a:latin typeface="Gill Sans" panose="020B0502020104020203" pitchFamily="34" charset="-79"/>
+              <a:cs typeface="Gill Sans" panose="020B0502020104020203" pitchFamily="34" charset="-79"/>
+            </a:endParaRPr>
+          </a:p>
+          <a:p>
+            <a:pPr marL="285750" indent="-285750">
+              <a:buFont typeface="Arial" panose="020B0604020202020204" pitchFamily="34" charset="0"/>
+              <a:buChar char="•"/>
+            </a:pPr>
+            <a:r>
+              <a:rPr lang="tr-TR" u="none" strike="noStrike" dirty="0">
+                <a:solidFill>
+                  <a:srgbClr val="24292F"/>
+                </a:solidFill>
+                <a:effectLst/>
+                <a:latin typeface="Gill Sans" panose="020B0502020104020203" pitchFamily="34" charset="-79"/>
+                <a:cs typeface="Gill Sans" panose="020B0502020104020203" pitchFamily="34" charset="-79"/>
+                <a:hlinkClick r:id="rId7"/>
+              </a:rPr>
+              <a:t>https://www.youtube.com/watch?v=etSN4X_fCnM&amp;list=PL4cUxeGkcC9gC88BEo9czgyS72A3doDeM</a:t>
+            </a:r>
+            <a:endParaRPr lang="tr-TR" dirty="0">
+              <a:solidFill>
+                <a:srgbClr val="24292F"/>
+              </a:solidFill>
+              <a:latin typeface="Gill Sans" panose="020B0502020104020203" pitchFamily="34" charset="-79"/>
+              <a:cs typeface="Gill Sans" panose="020B0502020104020203" pitchFamily="34" charset="-79"/>
+            </a:endParaRPr>
+          </a:p>
+          <a:p>
+            <a:pPr marL="285750" indent="-285750">
+              <a:buFont typeface="Arial" panose="020B0604020202020204" pitchFamily="34" charset="0"/>
+              <a:buChar char="•"/>
+            </a:pPr>
+            <a:r>
+              <a:rPr lang="tr-TR" u="none" strike="noStrike" dirty="0">
+                <a:solidFill>
+                  <a:srgbClr val="24292F"/>
+                </a:solidFill>
+                <a:effectLst/>
+                <a:latin typeface="Gill Sans" panose="020B0502020104020203" pitchFamily="34" charset="-79"/>
+                <a:cs typeface="Gill Sans" panose="020B0502020104020203" pitchFamily="34" charset="-79"/>
+                <a:hlinkClick r:id="rId8"/>
+              </a:rPr>
+              <a:t>https://www.golangprograms.com/go-language/functions.html</a:t>
+            </a:r>
+            <a:br>
+              <a:rPr lang="tr-TR" dirty="0"/>
+            </a:br>
+            <a:r>
+              <a:rPr lang="en-US" dirty="0">
+                <a:solidFill>
+                  <a:schemeClr val="tx1">
+                    <a:lumMod val="75000"/>
+                    <a:lumOff val="25000"/>
+                  </a:schemeClr>
+                </a:solidFill>
+                <a:latin typeface="Gill Sans" panose="020B0502020104020203" pitchFamily="34" charset="-79"/>
+                <a:cs typeface="Gill Sans" panose="020B0502020104020203" pitchFamily="34" charset="-79"/>
+              </a:rPr>
+              <a:t> </a:t>
+            </a:r>
+          </a:p>
+        </p:txBody>
+      </p:sp>
+    </p:spTree>
+    <p:extLst>
+      <p:ext uri="{BB962C8B-B14F-4D97-AF65-F5344CB8AC3E}">
+        <p14:creationId xmlns:p14="http://schemas.microsoft.com/office/powerpoint/2010/main" val="1794357257"/>
       </p:ext>
     </p:extLst>
   </p:cSld>
